--- a/iot-data-collection.pptx
+++ b/iot-data-collection.pptx
@@ -109,7 +109,8001 @@
       </a:defRPr>
     </a:lvl9pPr>
   </p:defaultTextStyle>
+  <p:extLst>
+    <p:ext uri="{EFAFB233-063F-42B5-8137-9DF3F51BA10A}">
+      <p15:sldGuideLst xmlns:p15="http://schemas.microsoft.com/office/powerpoint/2012/main"/>
+    </p:ext>
+  </p:extLst>
 </p:presentation>
+</file>
+
+<file path=ppt/diagrams/colors1.xml><?xml version="1.0" encoding="utf-8"?>
+<dgm:colorsDef xmlns:dgm="http://schemas.openxmlformats.org/drawingml/2006/diagram" xmlns:a="http://schemas.openxmlformats.org/drawingml/2006/main" uniqueId="urn:microsoft.com/office/officeart/2005/8/colors/accent1_2">
+  <dgm:title val=""/>
+  <dgm:desc val=""/>
+  <dgm:catLst>
+    <dgm:cat type="accent1" pri="11200"/>
+  </dgm:catLst>
+  <dgm:styleLbl name="node0">
+    <dgm:fillClrLst meth="repeat">
+      <a:schemeClr val="accent1"/>
+    </dgm:fillClrLst>
+    <dgm:linClrLst meth="repeat">
+      <a:schemeClr val="lt1"/>
+    </dgm:linClrLst>
+    <dgm:effectClrLst/>
+    <dgm:txLinClrLst/>
+    <dgm:txFillClrLst/>
+    <dgm:txEffectClrLst/>
+  </dgm:styleLbl>
+  <dgm:styleLbl name="alignNode1">
+    <dgm:fillClrLst meth="repeat">
+      <a:schemeClr val="accent1"/>
+    </dgm:fillClrLst>
+    <dgm:linClrLst meth="repeat">
+      <a:schemeClr val="accent1"/>
+    </dgm:linClrLst>
+    <dgm:effectClrLst/>
+    <dgm:txLinClrLst/>
+    <dgm:txFillClrLst/>
+    <dgm:txEffectClrLst/>
+  </dgm:styleLbl>
+  <dgm:styleLbl name="node1">
+    <dgm:fillClrLst meth="repeat">
+      <a:schemeClr val="accent1"/>
+    </dgm:fillClrLst>
+    <dgm:linClrLst meth="repeat">
+      <a:schemeClr val="lt1"/>
+    </dgm:linClrLst>
+    <dgm:effectClrLst/>
+    <dgm:txLinClrLst/>
+    <dgm:txFillClrLst/>
+    <dgm:txEffectClrLst/>
+  </dgm:styleLbl>
+  <dgm:styleLbl name="lnNode1">
+    <dgm:fillClrLst meth="repeat">
+      <a:schemeClr val="accent1"/>
+    </dgm:fillClrLst>
+    <dgm:linClrLst meth="repeat">
+      <a:schemeClr val="lt1"/>
+    </dgm:linClrLst>
+    <dgm:effectClrLst/>
+    <dgm:txLinClrLst/>
+    <dgm:txFillClrLst/>
+    <dgm:txEffectClrLst/>
+  </dgm:styleLbl>
+  <dgm:styleLbl name="vennNode1">
+    <dgm:fillClrLst meth="repeat">
+      <a:schemeClr val="accent1">
+        <a:alpha val="50000"/>
+      </a:schemeClr>
+    </dgm:fillClrLst>
+    <dgm:linClrLst meth="repeat">
+      <a:schemeClr val="lt1"/>
+    </dgm:linClrLst>
+    <dgm:effectClrLst/>
+    <dgm:txLinClrLst/>
+    <dgm:txFillClrLst/>
+    <dgm:txEffectClrLst/>
+  </dgm:styleLbl>
+  <dgm:styleLbl name="node2">
+    <dgm:fillClrLst meth="repeat">
+      <a:schemeClr val="accent1"/>
+    </dgm:fillClrLst>
+    <dgm:linClrLst meth="repeat">
+      <a:schemeClr val="lt1"/>
+    </dgm:linClrLst>
+    <dgm:effectClrLst/>
+    <dgm:txLinClrLst/>
+    <dgm:txFillClrLst/>
+    <dgm:txEffectClrLst/>
+  </dgm:styleLbl>
+  <dgm:styleLbl name="node3">
+    <dgm:fillClrLst meth="repeat">
+      <a:schemeClr val="accent1"/>
+    </dgm:fillClrLst>
+    <dgm:linClrLst meth="repeat">
+      <a:schemeClr val="lt1"/>
+    </dgm:linClrLst>
+    <dgm:effectClrLst/>
+    <dgm:txLinClrLst/>
+    <dgm:txFillClrLst/>
+    <dgm:txEffectClrLst/>
+  </dgm:styleLbl>
+  <dgm:styleLbl name="node4">
+    <dgm:fillClrLst meth="repeat">
+      <a:schemeClr val="accent1"/>
+    </dgm:fillClrLst>
+    <dgm:linClrLst meth="repeat">
+      <a:schemeClr val="lt1"/>
+    </dgm:linClrLst>
+    <dgm:effectClrLst/>
+    <dgm:txLinClrLst/>
+    <dgm:txFillClrLst/>
+    <dgm:txEffectClrLst/>
+  </dgm:styleLbl>
+  <dgm:styleLbl name="fgImgPlace1">
+    <dgm:fillClrLst meth="repeat">
+      <a:schemeClr val="accent1">
+        <a:tint val="50000"/>
+      </a:schemeClr>
+    </dgm:fillClrLst>
+    <dgm:linClrLst meth="repeat">
+      <a:schemeClr val="lt1"/>
+    </dgm:linClrLst>
+    <dgm:effectClrLst/>
+    <dgm:txLinClrLst/>
+    <dgm:txFillClrLst meth="repeat">
+      <a:schemeClr val="lt1"/>
+    </dgm:txFillClrLst>
+    <dgm:txEffectClrLst/>
+  </dgm:styleLbl>
+  <dgm:styleLbl name="alignImgPlace1">
+    <dgm:fillClrLst meth="repeat">
+      <a:schemeClr val="accent1">
+        <a:tint val="50000"/>
+      </a:schemeClr>
+    </dgm:fillClrLst>
+    <dgm:linClrLst meth="repeat">
+      <a:schemeClr val="lt1"/>
+    </dgm:linClrLst>
+    <dgm:effectClrLst/>
+    <dgm:txLinClrLst/>
+    <dgm:txFillClrLst meth="repeat">
+      <a:schemeClr val="lt1"/>
+    </dgm:txFillClrLst>
+    <dgm:txEffectClrLst/>
+  </dgm:styleLbl>
+  <dgm:styleLbl name="bgImgPlace1">
+    <dgm:fillClrLst meth="repeat">
+      <a:schemeClr val="accent1">
+        <a:tint val="50000"/>
+      </a:schemeClr>
+    </dgm:fillClrLst>
+    <dgm:linClrLst meth="repeat">
+      <a:schemeClr val="lt1"/>
+    </dgm:linClrLst>
+    <dgm:effectClrLst/>
+    <dgm:txLinClrLst/>
+    <dgm:txFillClrLst meth="repeat">
+      <a:schemeClr val="lt1"/>
+    </dgm:txFillClrLst>
+    <dgm:txEffectClrLst/>
+  </dgm:styleLbl>
+  <dgm:styleLbl name="sibTrans2D1">
+    <dgm:fillClrLst meth="repeat">
+      <a:schemeClr val="accent1">
+        <a:tint val="60000"/>
+      </a:schemeClr>
+    </dgm:fillClrLst>
+    <dgm:linClrLst meth="repeat">
+      <a:schemeClr val="accent1">
+        <a:tint val="60000"/>
+      </a:schemeClr>
+    </dgm:linClrLst>
+    <dgm:effectClrLst/>
+    <dgm:txLinClrLst/>
+    <dgm:txFillClrLst/>
+    <dgm:txEffectClrLst/>
+  </dgm:styleLbl>
+  <dgm:styleLbl name="fgSibTrans2D1">
+    <dgm:fillClrLst meth="repeat">
+      <a:schemeClr val="accent1">
+        <a:tint val="60000"/>
+      </a:schemeClr>
+    </dgm:fillClrLst>
+    <dgm:linClrLst meth="repeat">
+      <a:schemeClr val="accent1">
+        <a:tint val="60000"/>
+      </a:schemeClr>
+    </dgm:linClrLst>
+    <dgm:effectClrLst/>
+    <dgm:txLinClrLst/>
+    <dgm:txFillClrLst/>
+    <dgm:txEffectClrLst/>
+  </dgm:styleLbl>
+  <dgm:styleLbl name="bgSibTrans2D1">
+    <dgm:fillClrLst meth="repeat">
+      <a:schemeClr val="accent1">
+        <a:tint val="60000"/>
+      </a:schemeClr>
+    </dgm:fillClrLst>
+    <dgm:linClrLst meth="repeat">
+      <a:schemeClr val="accent1">
+        <a:tint val="60000"/>
+      </a:schemeClr>
+    </dgm:linClrLst>
+    <dgm:effectClrLst/>
+    <dgm:txLinClrLst/>
+    <dgm:txFillClrLst/>
+    <dgm:txEffectClrLst/>
+  </dgm:styleLbl>
+  <dgm:styleLbl name="sibTrans1D1">
+    <dgm:fillClrLst meth="repeat">
+      <a:schemeClr val="accent1"/>
+    </dgm:fillClrLst>
+    <dgm:linClrLst meth="repeat">
+      <a:schemeClr val="accent1"/>
+    </dgm:linClrLst>
+    <dgm:effectClrLst/>
+    <dgm:txLinClrLst/>
+    <dgm:txFillClrLst meth="repeat">
+      <a:schemeClr val="tx1"/>
+    </dgm:txFillClrLst>
+    <dgm:txEffectClrLst/>
+  </dgm:styleLbl>
+  <dgm:styleLbl name="callout">
+    <dgm:fillClrLst meth="repeat">
+      <a:schemeClr val="accent1"/>
+    </dgm:fillClrLst>
+    <dgm:linClrLst meth="repeat">
+      <a:schemeClr val="accent1">
+        <a:tint val="50000"/>
+      </a:schemeClr>
+    </dgm:linClrLst>
+    <dgm:effectClrLst/>
+    <dgm:txLinClrLst/>
+    <dgm:txFillClrLst meth="repeat">
+      <a:schemeClr val="tx1"/>
+    </dgm:txFillClrLst>
+    <dgm:txEffectClrLst/>
+  </dgm:styleLbl>
+  <dgm:styleLbl name="asst0">
+    <dgm:fillClrLst meth="repeat">
+      <a:schemeClr val="accent1"/>
+    </dgm:fillClrLst>
+    <dgm:linClrLst meth="repeat">
+      <a:schemeClr val="lt1"/>
+    </dgm:linClrLst>
+    <dgm:effectClrLst/>
+    <dgm:txLinClrLst/>
+    <dgm:txFillClrLst/>
+    <dgm:txEffectClrLst/>
+  </dgm:styleLbl>
+  <dgm:styleLbl name="asst1">
+    <dgm:fillClrLst meth="repeat">
+      <a:schemeClr val="accent1"/>
+    </dgm:fillClrLst>
+    <dgm:linClrLst meth="repeat">
+      <a:schemeClr val="lt1"/>
+    </dgm:linClrLst>
+    <dgm:effectClrLst/>
+    <dgm:txLinClrLst/>
+    <dgm:txFillClrLst/>
+    <dgm:txEffectClrLst/>
+  </dgm:styleLbl>
+  <dgm:styleLbl name="asst2">
+    <dgm:fillClrLst meth="repeat">
+      <a:schemeClr val="accent1"/>
+    </dgm:fillClrLst>
+    <dgm:linClrLst meth="repeat">
+      <a:schemeClr val="lt1"/>
+    </dgm:linClrLst>
+    <dgm:effectClrLst/>
+    <dgm:txLinClrLst/>
+    <dgm:txFillClrLst/>
+    <dgm:txEffectClrLst/>
+  </dgm:styleLbl>
+  <dgm:styleLbl name="asst3">
+    <dgm:fillClrLst meth="repeat">
+      <a:schemeClr val="accent1"/>
+    </dgm:fillClrLst>
+    <dgm:linClrLst meth="repeat">
+      <a:schemeClr val="lt1"/>
+    </dgm:linClrLst>
+    <dgm:effectClrLst/>
+    <dgm:txLinClrLst/>
+    <dgm:txFillClrLst/>
+    <dgm:txEffectClrLst/>
+  </dgm:styleLbl>
+  <dgm:styleLbl name="asst4">
+    <dgm:fillClrLst meth="repeat">
+      <a:schemeClr val="accent1"/>
+    </dgm:fillClrLst>
+    <dgm:linClrLst meth="repeat">
+      <a:schemeClr val="lt1"/>
+    </dgm:linClrLst>
+    <dgm:effectClrLst/>
+    <dgm:txLinClrLst/>
+    <dgm:txFillClrLst/>
+    <dgm:txEffectClrLst/>
+  </dgm:styleLbl>
+  <dgm:styleLbl name="parChTrans2D1">
+    <dgm:fillClrLst meth="repeat">
+      <a:schemeClr val="accent1">
+        <a:tint val="60000"/>
+      </a:schemeClr>
+    </dgm:fillClrLst>
+    <dgm:linClrLst meth="repeat">
+      <a:schemeClr val="accent1">
+        <a:tint val="60000"/>
+      </a:schemeClr>
+    </dgm:linClrLst>
+    <dgm:effectClrLst/>
+    <dgm:txLinClrLst/>
+    <dgm:txFillClrLst meth="repeat">
+      <a:schemeClr val="lt1"/>
+    </dgm:txFillClrLst>
+    <dgm:txEffectClrLst/>
+  </dgm:styleLbl>
+  <dgm:styleLbl name="parChTrans2D2">
+    <dgm:fillClrLst meth="repeat">
+      <a:schemeClr val="accent1"/>
+    </dgm:fillClrLst>
+    <dgm:linClrLst meth="repeat">
+      <a:schemeClr val="accent1"/>
+    </dgm:linClrLst>
+    <dgm:effectClrLst/>
+    <dgm:txLinClrLst/>
+    <dgm:txFillClrLst meth="repeat">
+      <a:schemeClr val="lt1"/>
+    </dgm:txFillClrLst>
+    <dgm:txEffectClrLst/>
+  </dgm:styleLbl>
+  <dgm:styleLbl name="parChTrans2D3">
+    <dgm:fillClrLst meth="repeat">
+      <a:schemeClr val="accent1"/>
+    </dgm:fillClrLst>
+    <dgm:linClrLst meth="repeat">
+      <a:schemeClr val="accent1"/>
+    </dgm:linClrLst>
+    <dgm:effectClrLst/>
+    <dgm:txLinClrLst/>
+    <dgm:txFillClrLst meth="repeat">
+      <a:schemeClr val="lt1"/>
+    </dgm:txFillClrLst>
+    <dgm:txEffectClrLst/>
+  </dgm:styleLbl>
+  <dgm:styleLbl name="parChTrans2D4">
+    <dgm:fillClrLst meth="repeat">
+      <a:schemeClr val="accent1"/>
+    </dgm:fillClrLst>
+    <dgm:linClrLst meth="repeat">
+      <a:schemeClr val="accent1"/>
+    </dgm:linClrLst>
+    <dgm:effectClrLst/>
+    <dgm:txLinClrLst/>
+    <dgm:txFillClrLst meth="repeat">
+      <a:schemeClr val="lt1"/>
+    </dgm:txFillClrLst>
+    <dgm:txEffectClrLst/>
+  </dgm:styleLbl>
+  <dgm:styleLbl name="parChTrans1D1">
+    <dgm:fillClrLst meth="repeat">
+      <a:schemeClr val="accent1"/>
+    </dgm:fillClrLst>
+    <dgm:linClrLst meth="repeat">
+      <a:schemeClr val="accent1">
+        <a:shade val="60000"/>
+      </a:schemeClr>
+    </dgm:linClrLst>
+    <dgm:effectClrLst/>
+    <dgm:txLinClrLst/>
+    <dgm:txFillClrLst meth="repeat">
+      <a:schemeClr val="tx1"/>
+    </dgm:txFillClrLst>
+    <dgm:txEffectClrLst/>
+  </dgm:styleLbl>
+  <dgm:styleLbl name="parChTrans1D2">
+    <dgm:fillClrLst meth="repeat">
+      <a:schemeClr val="accent1"/>
+    </dgm:fillClrLst>
+    <dgm:linClrLst meth="repeat">
+      <a:schemeClr val="accent1">
+        <a:shade val="60000"/>
+      </a:schemeClr>
+    </dgm:linClrLst>
+    <dgm:effectClrLst/>
+    <dgm:txLinClrLst/>
+    <dgm:txFillClrLst meth="repeat">
+      <a:schemeClr val="tx1"/>
+    </dgm:txFillClrLst>
+    <dgm:txEffectClrLst/>
+  </dgm:styleLbl>
+  <dgm:styleLbl name="parChTrans1D3">
+    <dgm:fillClrLst meth="repeat">
+      <a:schemeClr val="accent1"/>
+    </dgm:fillClrLst>
+    <dgm:linClrLst meth="repeat">
+      <a:schemeClr val="accent1">
+        <a:shade val="80000"/>
+      </a:schemeClr>
+    </dgm:linClrLst>
+    <dgm:effectClrLst/>
+    <dgm:txLinClrLst/>
+    <dgm:txFillClrLst meth="repeat">
+      <a:schemeClr val="tx1"/>
+    </dgm:txFillClrLst>
+    <dgm:txEffectClrLst/>
+  </dgm:styleLbl>
+  <dgm:styleLbl name="parChTrans1D4">
+    <dgm:fillClrLst meth="repeat">
+      <a:schemeClr val="accent1"/>
+    </dgm:fillClrLst>
+    <dgm:linClrLst meth="repeat">
+      <a:schemeClr val="accent1">
+        <a:shade val="80000"/>
+      </a:schemeClr>
+    </dgm:linClrLst>
+    <dgm:effectClrLst/>
+    <dgm:txLinClrLst/>
+    <dgm:txFillClrLst meth="repeat">
+      <a:schemeClr val="tx1"/>
+    </dgm:txFillClrLst>
+    <dgm:txEffectClrLst/>
+  </dgm:styleLbl>
+  <dgm:styleLbl name="fgAcc1">
+    <dgm:fillClrLst meth="repeat">
+      <a:schemeClr val="lt1">
+        <a:alpha val="90000"/>
+      </a:schemeClr>
+    </dgm:fillClrLst>
+    <dgm:linClrLst meth="repeat">
+      <a:schemeClr val="accent1"/>
+    </dgm:linClrLst>
+    <dgm:effectClrLst/>
+    <dgm:txLinClrLst/>
+    <dgm:txFillClrLst meth="repeat">
+      <a:schemeClr val="dk1"/>
+    </dgm:txFillClrLst>
+    <dgm:txEffectClrLst/>
+  </dgm:styleLbl>
+  <dgm:styleLbl name="conFgAcc1">
+    <dgm:fillClrLst meth="repeat">
+      <a:schemeClr val="lt1">
+        <a:alpha val="90000"/>
+      </a:schemeClr>
+    </dgm:fillClrLst>
+    <dgm:linClrLst meth="repeat">
+      <a:schemeClr val="accent1"/>
+    </dgm:linClrLst>
+    <dgm:effectClrLst/>
+    <dgm:txLinClrLst/>
+    <dgm:txFillClrLst meth="repeat">
+      <a:schemeClr val="dk1"/>
+    </dgm:txFillClrLst>
+    <dgm:txEffectClrLst/>
+  </dgm:styleLbl>
+  <dgm:styleLbl name="alignAcc1">
+    <dgm:fillClrLst meth="repeat">
+      <a:schemeClr val="lt1">
+        <a:alpha val="90000"/>
+      </a:schemeClr>
+    </dgm:fillClrLst>
+    <dgm:linClrLst meth="repeat">
+      <a:schemeClr val="accent1"/>
+    </dgm:linClrLst>
+    <dgm:effectClrLst/>
+    <dgm:txLinClrLst/>
+    <dgm:txFillClrLst meth="repeat">
+      <a:schemeClr val="dk1"/>
+    </dgm:txFillClrLst>
+    <dgm:txEffectClrLst/>
+  </dgm:styleLbl>
+  <dgm:styleLbl name="trAlignAcc1">
+    <dgm:fillClrLst meth="repeat">
+      <a:schemeClr val="lt1">
+        <a:alpha val="40000"/>
+      </a:schemeClr>
+    </dgm:fillClrLst>
+    <dgm:linClrLst meth="repeat">
+      <a:schemeClr val="accent1"/>
+    </dgm:linClrLst>
+    <dgm:effectClrLst/>
+    <dgm:txLinClrLst/>
+    <dgm:txFillClrLst meth="repeat">
+      <a:schemeClr val="dk1"/>
+    </dgm:txFillClrLst>
+    <dgm:txEffectClrLst/>
+  </dgm:styleLbl>
+  <dgm:styleLbl name="bgAcc1">
+    <dgm:fillClrLst meth="repeat">
+      <a:schemeClr val="lt1">
+        <a:alpha val="90000"/>
+      </a:schemeClr>
+    </dgm:fillClrLst>
+    <dgm:linClrLst meth="repeat">
+      <a:schemeClr val="accent1"/>
+    </dgm:linClrLst>
+    <dgm:effectClrLst/>
+    <dgm:txLinClrLst/>
+    <dgm:txFillClrLst meth="repeat">
+      <a:schemeClr val="dk1"/>
+    </dgm:txFillClrLst>
+    <dgm:txEffectClrLst/>
+  </dgm:styleLbl>
+  <dgm:styleLbl name="solidFgAcc1">
+    <dgm:fillClrLst meth="repeat">
+      <a:schemeClr val="lt1"/>
+    </dgm:fillClrLst>
+    <dgm:linClrLst meth="repeat">
+      <a:schemeClr val="accent1"/>
+    </dgm:linClrLst>
+    <dgm:effectClrLst/>
+    <dgm:txLinClrLst/>
+    <dgm:txFillClrLst meth="repeat">
+      <a:schemeClr val="dk1"/>
+    </dgm:txFillClrLst>
+    <dgm:txEffectClrLst/>
+  </dgm:styleLbl>
+  <dgm:styleLbl name="solidAlignAcc1">
+    <dgm:fillClrLst meth="repeat">
+      <a:schemeClr val="lt1"/>
+    </dgm:fillClrLst>
+    <dgm:linClrLst meth="repeat">
+      <a:schemeClr val="accent1"/>
+    </dgm:linClrLst>
+    <dgm:effectClrLst/>
+    <dgm:txLinClrLst/>
+    <dgm:txFillClrLst meth="repeat">
+      <a:schemeClr val="dk1"/>
+    </dgm:txFillClrLst>
+    <dgm:txEffectClrLst/>
+  </dgm:styleLbl>
+  <dgm:styleLbl name="solidBgAcc1">
+    <dgm:fillClrLst meth="repeat">
+      <a:schemeClr val="lt1"/>
+    </dgm:fillClrLst>
+    <dgm:linClrLst meth="repeat">
+      <a:schemeClr val="accent1"/>
+    </dgm:linClrLst>
+    <dgm:effectClrLst/>
+    <dgm:txLinClrLst/>
+    <dgm:txFillClrLst meth="repeat">
+      <a:schemeClr val="dk1"/>
+    </dgm:txFillClrLst>
+    <dgm:txEffectClrLst/>
+  </dgm:styleLbl>
+  <dgm:styleLbl name="fgAccFollowNode1">
+    <dgm:fillClrLst meth="repeat">
+      <a:schemeClr val="accent1">
+        <a:alpha val="90000"/>
+        <a:tint val="40000"/>
+      </a:schemeClr>
+    </dgm:fillClrLst>
+    <dgm:linClrLst meth="repeat">
+      <a:schemeClr val="accent1">
+        <a:alpha val="90000"/>
+        <a:tint val="40000"/>
+      </a:schemeClr>
+    </dgm:linClrLst>
+    <dgm:effectClrLst/>
+    <dgm:txLinClrLst/>
+    <dgm:txFillClrLst meth="repeat">
+      <a:schemeClr val="dk1"/>
+    </dgm:txFillClrLst>
+    <dgm:txEffectClrLst/>
+  </dgm:styleLbl>
+  <dgm:styleLbl name="alignAccFollowNode1">
+    <dgm:fillClrLst meth="repeat">
+      <a:schemeClr val="accent1">
+        <a:alpha val="90000"/>
+        <a:tint val="40000"/>
+      </a:schemeClr>
+    </dgm:fillClrLst>
+    <dgm:linClrLst meth="repeat">
+      <a:schemeClr val="accent1">
+        <a:alpha val="90000"/>
+        <a:tint val="40000"/>
+      </a:schemeClr>
+    </dgm:linClrLst>
+    <dgm:effectClrLst/>
+    <dgm:txLinClrLst/>
+    <dgm:txFillClrLst meth="repeat">
+      <a:schemeClr val="dk1"/>
+    </dgm:txFillClrLst>
+    <dgm:txEffectClrLst/>
+  </dgm:styleLbl>
+  <dgm:styleLbl name="bgAccFollowNode1">
+    <dgm:fillClrLst meth="repeat">
+      <a:schemeClr val="accent1">
+        <a:alpha val="90000"/>
+        <a:tint val="40000"/>
+      </a:schemeClr>
+    </dgm:fillClrLst>
+    <dgm:linClrLst meth="repeat">
+      <a:schemeClr val="accent1">
+        <a:alpha val="90000"/>
+        <a:tint val="40000"/>
+      </a:schemeClr>
+    </dgm:linClrLst>
+    <dgm:effectClrLst/>
+    <dgm:txLinClrLst/>
+    <dgm:txFillClrLst meth="repeat">
+      <a:schemeClr val="dk1"/>
+    </dgm:txFillClrLst>
+    <dgm:txEffectClrLst/>
+  </dgm:styleLbl>
+  <dgm:styleLbl name="fgAcc0">
+    <dgm:fillClrLst meth="repeat">
+      <a:schemeClr val="lt1">
+        <a:alpha val="90000"/>
+      </a:schemeClr>
+    </dgm:fillClrLst>
+    <dgm:linClrLst meth="repeat">
+      <a:schemeClr val="accent1"/>
+    </dgm:linClrLst>
+    <dgm:effectClrLst/>
+    <dgm:txLinClrLst/>
+    <dgm:txFillClrLst meth="repeat">
+      <a:schemeClr val="dk1"/>
+    </dgm:txFillClrLst>
+    <dgm:txEffectClrLst/>
+  </dgm:styleLbl>
+  <dgm:styleLbl name="fgAcc2">
+    <dgm:fillClrLst meth="repeat">
+      <a:schemeClr val="lt1">
+        <a:alpha val="90000"/>
+      </a:schemeClr>
+    </dgm:fillClrLst>
+    <dgm:linClrLst meth="repeat">
+      <a:schemeClr val="accent1"/>
+    </dgm:linClrLst>
+    <dgm:effectClrLst/>
+    <dgm:txLinClrLst/>
+    <dgm:txFillClrLst meth="repeat">
+      <a:schemeClr val="dk1"/>
+    </dgm:txFillClrLst>
+    <dgm:txEffectClrLst/>
+  </dgm:styleLbl>
+  <dgm:styleLbl name="fgAcc3">
+    <dgm:fillClrLst meth="repeat">
+      <a:schemeClr val="lt1">
+        <a:alpha val="90000"/>
+      </a:schemeClr>
+    </dgm:fillClrLst>
+    <dgm:linClrLst meth="repeat">
+      <a:schemeClr val="accent1"/>
+    </dgm:linClrLst>
+    <dgm:effectClrLst/>
+    <dgm:txLinClrLst/>
+    <dgm:txFillClrLst meth="repeat">
+      <a:schemeClr val="dk1"/>
+    </dgm:txFillClrLst>
+    <dgm:txEffectClrLst/>
+  </dgm:styleLbl>
+  <dgm:styleLbl name="fgAcc4">
+    <dgm:fillClrLst meth="repeat">
+      <a:schemeClr val="lt1">
+        <a:alpha val="90000"/>
+      </a:schemeClr>
+    </dgm:fillClrLst>
+    <dgm:linClrLst meth="repeat">
+      <a:schemeClr val="accent1"/>
+    </dgm:linClrLst>
+    <dgm:effectClrLst/>
+    <dgm:txLinClrLst/>
+    <dgm:txFillClrLst meth="repeat">
+      <a:schemeClr val="dk1"/>
+    </dgm:txFillClrLst>
+    <dgm:txEffectClrLst/>
+  </dgm:styleLbl>
+  <dgm:styleLbl name="bgShp">
+    <dgm:fillClrLst meth="repeat">
+      <a:schemeClr val="accent1">
+        <a:tint val="40000"/>
+      </a:schemeClr>
+    </dgm:fillClrLst>
+    <dgm:linClrLst meth="repeat">
+      <a:schemeClr val="accent1"/>
+    </dgm:linClrLst>
+    <dgm:effectClrLst/>
+    <dgm:txLinClrLst/>
+    <dgm:txFillClrLst meth="repeat">
+      <a:schemeClr val="dk1"/>
+    </dgm:txFillClrLst>
+    <dgm:txEffectClrLst/>
+  </dgm:styleLbl>
+  <dgm:styleLbl name="dkBgShp">
+    <dgm:fillClrLst meth="repeat">
+      <a:schemeClr val="accent1">
+        <a:shade val="80000"/>
+      </a:schemeClr>
+    </dgm:fillClrLst>
+    <dgm:linClrLst meth="repeat">
+      <a:schemeClr val="accent1"/>
+    </dgm:linClrLst>
+    <dgm:effectClrLst/>
+    <dgm:txLinClrLst/>
+    <dgm:txFillClrLst meth="repeat">
+      <a:schemeClr val="lt1"/>
+    </dgm:txFillClrLst>
+    <dgm:txEffectClrLst/>
+  </dgm:styleLbl>
+  <dgm:styleLbl name="trBgShp">
+    <dgm:fillClrLst meth="repeat">
+      <a:schemeClr val="accent1">
+        <a:tint val="50000"/>
+        <a:alpha val="40000"/>
+      </a:schemeClr>
+    </dgm:fillClrLst>
+    <dgm:linClrLst meth="repeat">
+      <a:schemeClr val="accent1"/>
+    </dgm:linClrLst>
+    <dgm:effectClrLst/>
+    <dgm:txLinClrLst/>
+    <dgm:txFillClrLst meth="repeat">
+      <a:schemeClr val="lt1"/>
+    </dgm:txFillClrLst>
+    <dgm:txEffectClrLst/>
+  </dgm:styleLbl>
+  <dgm:styleLbl name="fgShp">
+    <dgm:fillClrLst meth="repeat">
+      <a:schemeClr val="accent1">
+        <a:tint val="60000"/>
+      </a:schemeClr>
+    </dgm:fillClrLst>
+    <dgm:linClrLst meth="repeat">
+      <a:schemeClr val="lt1"/>
+    </dgm:linClrLst>
+    <dgm:effectClrLst/>
+    <dgm:txLinClrLst/>
+    <dgm:txFillClrLst meth="repeat">
+      <a:schemeClr val="dk1"/>
+    </dgm:txFillClrLst>
+    <dgm:txEffectClrLst/>
+  </dgm:styleLbl>
+  <dgm:styleLbl name="revTx">
+    <dgm:fillClrLst meth="repeat">
+      <a:schemeClr val="lt1">
+        <a:alpha val="0"/>
+      </a:schemeClr>
+    </dgm:fillClrLst>
+    <dgm:linClrLst meth="repeat">
+      <a:schemeClr val="dk1">
+        <a:alpha val="0"/>
+      </a:schemeClr>
+    </dgm:linClrLst>
+    <dgm:effectClrLst/>
+    <dgm:txLinClrLst/>
+    <dgm:txFillClrLst meth="repeat">
+      <a:schemeClr val="tx1"/>
+    </dgm:txFillClrLst>
+    <dgm:txEffectClrLst/>
+  </dgm:styleLbl>
+</dgm:colorsDef>
+</file>
+
+<file path=ppt/diagrams/colors2.xml><?xml version="1.0" encoding="utf-8"?>
+<dgm:colorsDef xmlns:dgm="http://schemas.openxmlformats.org/drawingml/2006/diagram" xmlns:a="http://schemas.openxmlformats.org/drawingml/2006/main" uniqueId="urn:microsoft.com/office/officeart/2005/8/colors/accent1_2">
+  <dgm:title val=""/>
+  <dgm:desc val=""/>
+  <dgm:catLst>
+    <dgm:cat type="accent1" pri="11200"/>
+  </dgm:catLst>
+  <dgm:styleLbl name="node0">
+    <dgm:fillClrLst meth="repeat">
+      <a:schemeClr val="accent1"/>
+    </dgm:fillClrLst>
+    <dgm:linClrLst meth="repeat">
+      <a:schemeClr val="lt1"/>
+    </dgm:linClrLst>
+    <dgm:effectClrLst/>
+    <dgm:txLinClrLst/>
+    <dgm:txFillClrLst/>
+    <dgm:txEffectClrLst/>
+  </dgm:styleLbl>
+  <dgm:styleLbl name="alignNode1">
+    <dgm:fillClrLst meth="repeat">
+      <a:schemeClr val="accent1"/>
+    </dgm:fillClrLst>
+    <dgm:linClrLst meth="repeat">
+      <a:schemeClr val="accent1"/>
+    </dgm:linClrLst>
+    <dgm:effectClrLst/>
+    <dgm:txLinClrLst/>
+    <dgm:txFillClrLst/>
+    <dgm:txEffectClrLst/>
+  </dgm:styleLbl>
+  <dgm:styleLbl name="node1">
+    <dgm:fillClrLst meth="repeat">
+      <a:schemeClr val="accent1"/>
+    </dgm:fillClrLst>
+    <dgm:linClrLst meth="repeat">
+      <a:schemeClr val="lt1"/>
+    </dgm:linClrLst>
+    <dgm:effectClrLst/>
+    <dgm:txLinClrLst/>
+    <dgm:txFillClrLst/>
+    <dgm:txEffectClrLst/>
+  </dgm:styleLbl>
+  <dgm:styleLbl name="lnNode1">
+    <dgm:fillClrLst meth="repeat">
+      <a:schemeClr val="accent1"/>
+    </dgm:fillClrLst>
+    <dgm:linClrLst meth="repeat">
+      <a:schemeClr val="lt1"/>
+    </dgm:linClrLst>
+    <dgm:effectClrLst/>
+    <dgm:txLinClrLst/>
+    <dgm:txFillClrLst/>
+    <dgm:txEffectClrLst/>
+  </dgm:styleLbl>
+  <dgm:styleLbl name="vennNode1">
+    <dgm:fillClrLst meth="repeat">
+      <a:schemeClr val="accent1">
+        <a:alpha val="50000"/>
+      </a:schemeClr>
+    </dgm:fillClrLst>
+    <dgm:linClrLst meth="repeat">
+      <a:schemeClr val="lt1"/>
+    </dgm:linClrLst>
+    <dgm:effectClrLst/>
+    <dgm:txLinClrLst/>
+    <dgm:txFillClrLst/>
+    <dgm:txEffectClrLst/>
+  </dgm:styleLbl>
+  <dgm:styleLbl name="node2">
+    <dgm:fillClrLst meth="repeat">
+      <a:schemeClr val="accent1"/>
+    </dgm:fillClrLst>
+    <dgm:linClrLst meth="repeat">
+      <a:schemeClr val="lt1"/>
+    </dgm:linClrLst>
+    <dgm:effectClrLst/>
+    <dgm:txLinClrLst/>
+    <dgm:txFillClrLst/>
+    <dgm:txEffectClrLst/>
+  </dgm:styleLbl>
+  <dgm:styleLbl name="node3">
+    <dgm:fillClrLst meth="repeat">
+      <a:schemeClr val="accent1"/>
+    </dgm:fillClrLst>
+    <dgm:linClrLst meth="repeat">
+      <a:schemeClr val="lt1"/>
+    </dgm:linClrLst>
+    <dgm:effectClrLst/>
+    <dgm:txLinClrLst/>
+    <dgm:txFillClrLst/>
+    <dgm:txEffectClrLst/>
+  </dgm:styleLbl>
+  <dgm:styleLbl name="node4">
+    <dgm:fillClrLst meth="repeat">
+      <a:schemeClr val="accent1"/>
+    </dgm:fillClrLst>
+    <dgm:linClrLst meth="repeat">
+      <a:schemeClr val="lt1"/>
+    </dgm:linClrLst>
+    <dgm:effectClrLst/>
+    <dgm:txLinClrLst/>
+    <dgm:txFillClrLst/>
+    <dgm:txEffectClrLst/>
+  </dgm:styleLbl>
+  <dgm:styleLbl name="fgImgPlace1">
+    <dgm:fillClrLst meth="repeat">
+      <a:schemeClr val="accent1">
+        <a:tint val="50000"/>
+      </a:schemeClr>
+    </dgm:fillClrLst>
+    <dgm:linClrLst meth="repeat">
+      <a:schemeClr val="lt1"/>
+    </dgm:linClrLst>
+    <dgm:effectClrLst/>
+    <dgm:txLinClrLst/>
+    <dgm:txFillClrLst meth="repeat">
+      <a:schemeClr val="lt1"/>
+    </dgm:txFillClrLst>
+    <dgm:txEffectClrLst/>
+  </dgm:styleLbl>
+  <dgm:styleLbl name="alignImgPlace1">
+    <dgm:fillClrLst meth="repeat">
+      <a:schemeClr val="accent1">
+        <a:tint val="50000"/>
+      </a:schemeClr>
+    </dgm:fillClrLst>
+    <dgm:linClrLst meth="repeat">
+      <a:schemeClr val="lt1"/>
+    </dgm:linClrLst>
+    <dgm:effectClrLst/>
+    <dgm:txLinClrLst/>
+    <dgm:txFillClrLst meth="repeat">
+      <a:schemeClr val="lt1"/>
+    </dgm:txFillClrLst>
+    <dgm:txEffectClrLst/>
+  </dgm:styleLbl>
+  <dgm:styleLbl name="bgImgPlace1">
+    <dgm:fillClrLst meth="repeat">
+      <a:schemeClr val="accent1">
+        <a:tint val="50000"/>
+      </a:schemeClr>
+    </dgm:fillClrLst>
+    <dgm:linClrLst meth="repeat">
+      <a:schemeClr val="lt1"/>
+    </dgm:linClrLst>
+    <dgm:effectClrLst/>
+    <dgm:txLinClrLst/>
+    <dgm:txFillClrLst meth="repeat">
+      <a:schemeClr val="lt1"/>
+    </dgm:txFillClrLst>
+    <dgm:txEffectClrLst/>
+  </dgm:styleLbl>
+  <dgm:styleLbl name="sibTrans2D1">
+    <dgm:fillClrLst meth="repeat">
+      <a:schemeClr val="accent1">
+        <a:tint val="60000"/>
+      </a:schemeClr>
+    </dgm:fillClrLst>
+    <dgm:linClrLst meth="repeat">
+      <a:schemeClr val="accent1">
+        <a:tint val="60000"/>
+      </a:schemeClr>
+    </dgm:linClrLst>
+    <dgm:effectClrLst/>
+    <dgm:txLinClrLst/>
+    <dgm:txFillClrLst/>
+    <dgm:txEffectClrLst/>
+  </dgm:styleLbl>
+  <dgm:styleLbl name="fgSibTrans2D1">
+    <dgm:fillClrLst meth="repeat">
+      <a:schemeClr val="accent1">
+        <a:tint val="60000"/>
+      </a:schemeClr>
+    </dgm:fillClrLst>
+    <dgm:linClrLst meth="repeat">
+      <a:schemeClr val="accent1">
+        <a:tint val="60000"/>
+      </a:schemeClr>
+    </dgm:linClrLst>
+    <dgm:effectClrLst/>
+    <dgm:txLinClrLst/>
+    <dgm:txFillClrLst/>
+    <dgm:txEffectClrLst/>
+  </dgm:styleLbl>
+  <dgm:styleLbl name="bgSibTrans2D1">
+    <dgm:fillClrLst meth="repeat">
+      <a:schemeClr val="accent1">
+        <a:tint val="60000"/>
+      </a:schemeClr>
+    </dgm:fillClrLst>
+    <dgm:linClrLst meth="repeat">
+      <a:schemeClr val="accent1">
+        <a:tint val="60000"/>
+      </a:schemeClr>
+    </dgm:linClrLst>
+    <dgm:effectClrLst/>
+    <dgm:txLinClrLst/>
+    <dgm:txFillClrLst/>
+    <dgm:txEffectClrLst/>
+  </dgm:styleLbl>
+  <dgm:styleLbl name="sibTrans1D1">
+    <dgm:fillClrLst meth="repeat">
+      <a:schemeClr val="accent1"/>
+    </dgm:fillClrLst>
+    <dgm:linClrLst meth="repeat">
+      <a:schemeClr val="accent1"/>
+    </dgm:linClrLst>
+    <dgm:effectClrLst/>
+    <dgm:txLinClrLst/>
+    <dgm:txFillClrLst meth="repeat">
+      <a:schemeClr val="tx1"/>
+    </dgm:txFillClrLst>
+    <dgm:txEffectClrLst/>
+  </dgm:styleLbl>
+  <dgm:styleLbl name="callout">
+    <dgm:fillClrLst meth="repeat">
+      <a:schemeClr val="accent1"/>
+    </dgm:fillClrLst>
+    <dgm:linClrLst meth="repeat">
+      <a:schemeClr val="accent1">
+        <a:tint val="50000"/>
+      </a:schemeClr>
+    </dgm:linClrLst>
+    <dgm:effectClrLst/>
+    <dgm:txLinClrLst/>
+    <dgm:txFillClrLst meth="repeat">
+      <a:schemeClr val="tx1"/>
+    </dgm:txFillClrLst>
+    <dgm:txEffectClrLst/>
+  </dgm:styleLbl>
+  <dgm:styleLbl name="asst0">
+    <dgm:fillClrLst meth="repeat">
+      <a:schemeClr val="accent1"/>
+    </dgm:fillClrLst>
+    <dgm:linClrLst meth="repeat">
+      <a:schemeClr val="lt1"/>
+    </dgm:linClrLst>
+    <dgm:effectClrLst/>
+    <dgm:txLinClrLst/>
+    <dgm:txFillClrLst/>
+    <dgm:txEffectClrLst/>
+  </dgm:styleLbl>
+  <dgm:styleLbl name="asst1">
+    <dgm:fillClrLst meth="repeat">
+      <a:schemeClr val="accent1"/>
+    </dgm:fillClrLst>
+    <dgm:linClrLst meth="repeat">
+      <a:schemeClr val="lt1"/>
+    </dgm:linClrLst>
+    <dgm:effectClrLst/>
+    <dgm:txLinClrLst/>
+    <dgm:txFillClrLst/>
+    <dgm:txEffectClrLst/>
+  </dgm:styleLbl>
+  <dgm:styleLbl name="asst2">
+    <dgm:fillClrLst meth="repeat">
+      <a:schemeClr val="accent1"/>
+    </dgm:fillClrLst>
+    <dgm:linClrLst meth="repeat">
+      <a:schemeClr val="lt1"/>
+    </dgm:linClrLst>
+    <dgm:effectClrLst/>
+    <dgm:txLinClrLst/>
+    <dgm:txFillClrLst/>
+    <dgm:txEffectClrLst/>
+  </dgm:styleLbl>
+  <dgm:styleLbl name="asst3">
+    <dgm:fillClrLst meth="repeat">
+      <a:schemeClr val="accent1"/>
+    </dgm:fillClrLst>
+    <dgm:linClrLst meth="repeat">
+      <a:schemeClr val="lt1"/>
+    </dgm:linClrLst>
+    <dgm:effectClrLst/>
+    <dgm:txLinClrLst/>
+    <dgm:txFillClrLst/>
+    <dgm:txEffectClrLst/>
+  </dgm:styleLbl>
+  <dgm:styleLbl name="asst4">
+    <dgm:fillClrLst meth="repeat">
+      <a:schemeClr val="accent1"/>
+    </dgm:fillClrLst>
+    <dgm:linClrLst meth="repeat">
+      <a:schemeClr val="lt1"/>
+    </dgm:linClrLst>
+    <dgm:effectClrLst/>
+    <dgm:txLinClrLst/>
+    <dgm:txFillClrLst/>
+    <dgm:txEffectClrLst/>
+  </dgm:styleLbl>
+  <dgm:styleLbl name="parChTrans2D1">
+    <dgm:fillClrLst meth="repeat">
+      <a:schemeClr val="accent1">
+        <a:tint val="60000"/>
+      </a:schemeClr>
+    </dgm:fillClrLst>
+    <dgm:linClrLst meth="repeat">
+      <a:schemeClr val="accent1">
+        <a:tint val="60000"/>
+      </a:schemeClr>
+    </dgm:linClrLst>
+    <dgm:effectClrLst/>
+    <dgm:txLinClrLst/>
+    <dgm:txFillClrLst meth="repeat">
+      <a:schemeClr val="lt1"/>
+    </dgm:txFillClrLst>
+    <dgm:txEffectClrLst/>
+  </dgm:styleLbl>
+  <dgm:styleLbl name="parChTrans2D2">
+    <dgm:fillClrLst meth="repeat">
+      <a:schemeClr val="accent1"/>
+    </dgm:fillClrLst>
+    <dgm:linClrLst meth="repeat">
+      <a:schemeClr val="accent1"/>
+    </dgm:linClrLst>
+    <dgm:effectClrLst/>
+    <dgm:txLinClrLst/>
+    <dgm:txFillClrLst meth="repeat">
+      <a:schemeClr val="lt1"/>
+    </dgm:txFillClrLst>
+    <dgm:txEffectClrLst/>
+  </dgm:styleLbl>
+  <dgm:styleLbl name="parChTrans2D3">
+    <dgm:fillClrLst meth="repeat">
+      <a:schemeClr val="accent1"/>
+    </dgm:fillClrLst>
+    <dgm:linClrLst meth="repeat">
+      <a:schemeClr val="accent1"/>
+    </dgm:linClrLst>
+    <dgm:effectClrLst/>
+    <dgm:txLinClrLst/>
+    <dgm:txFillClrLst meth="repeat">
+      <a:schemeClr val="lt1"/>
+    </dgm:txFillClrLst>
+    <dgm:txEffectClrLst/>
+  </dgm:styleLbl>
+  <dgm:styleLbl name="parChTrans2D4">
+    <dgm:fillClrLst meth="repeat">
+      <a:schemeClr val="accent1"/>
+    </dgm:fillClrLst>
+    <dgm:linClrLst meth="repeat">
+      <a:schemeClr val="accent1"/>
+    </dgm:linClrLst>
+    <dgm:effectClrLst/>
+    <dgm:txLinClrLst/>
+    <dgm:txFillClrLst meth="repeat">
+      <a:schemeClr val="lt1"/>
+    </dgm:txFillClrLst>
+    <dgm:txEffectClrLst/>
+  </dgm:styleLbl>
+  <dgm:styleLbl name="parChTrans1D1">
+    <dgm:fillClrLst meth="repeat">
+      <a:schemeClr val="accent1"/>
+    </dgm:fillClrLst>
+    <dgm:linClrLst meth="repeat">
+      <a:schemeClr val="accent1">
+        <a:shade val="60000"/>
+      </a:schemeClr>
+    </dgm:linClrLst>
+    <dgm:effectClrLst/>
+    <dgm:txLinClrLst/>
+    <dgm:txFillClrLst meth="repeat">
+      <a:schemeClr val="tx1"/>
+    </dgm:txFillClrLst>
+    <dgm:txEffectClrLst/>
+  </dgm:styleLbl>
+  <dgm:styleLbl name="parChTrans1D2">
+    <dgm:fillClrLst meth="repeat">
+      <a:schemeClr val="accent1"/>
+    </dgm:fillClrLst>
+    <dgm:linClrLst meth="repeat">
+      <a:schemeClr val="accent1">
+        <a:shade val="60000"/>
+      </a:schemeClr>
+    </dgm:linClrLst>
+    <dgm:effectClrLst/>
+    <dgm:txLinClrLst/>
+    <dgm:txFillClrLst meth="repeat">
+      <a:schemeClr val="tx1"/>
+    </dgm:txFillClrLst>
+    <dgm:txEffectClrLst/>
+  </dgm:styleLbl>
+  <dgm:styleLbl name="parChTrans1D3">
+    <dgm:fillClrLst meth="repeat">
+      <a:schemeClr val="accent1"/>
+    </dgm:fillClrLst>
+    <dgm:linClrLst meth="repeat">
+      <a:schemeClr val="accent1">
+        <a:shade val="80000"/>
+      </a:schemeClr>
+    </dgm:linClrLst>
+    <dgm:effectClrLst/>
+    <dgm:txLinClrLst/>
+    <dgm:txFillClrLst meth="repeat">
+      <a:schemeClr val="tx1"/>
+    </dgm:txFillClrLst>
+    <dgm:txEffectClrLst/>
+  </dgm:styleLbl>
+  <dgm:styleLbl name="parChTrans1D4">
+    <dgm:fillClrLst meth="repeat">
+      <a:schemeClr val="accent1"/>
+    </dgm:fillClrLst>
+    <dgm:linClrLst meth="repeat">
+      <a:schemeClr val="accent1">
+        <a:shade val="80000"/>
+      </a:schemeClr>
+    </dgm:linClrLst>
+    <dgm:effectClrLst/>
+    <dgm:txLinClrLst/>
+    <dgm:txFillClrLst meth="repeat">
+      <a:schemeClr val="tx1"/>
+    </dgm:txFillClrLst>
+    <dgm:txEffectClrLst/>
+  </dgm:styleLbl>
+  <dgm:styleLbl name="fgAcc1">
+    <dgm:fillClrLst meth="repeat">
+      <a:schemeClr val="lt1">
+        <a:alpha val="90000"/>
+      </a:schemeClr>
+    </dgm:fillClrLst>
+    <dgm:linClrLst meth="repeat">
+      <a:schemeClr val="accent1"/>
+    </dgm:linClrLst>
+    <dgm:effectClrLst/>
+    <dgm:txLinClrLst/>
+    <dgm:txFillClrLst meth="repeat">
+      <a:schemeClr val="dk1"/>
+    </dgm:txFillClrLst>
+    <dgm:txEffectClrLst/>
+  </dgm:styleLbl>
+  <dgm:styleLbl name="conFgAcc1">
+    <dgm:fillClrLst meth="repeat">
+      <a:schemeClr val="lt1">
+        <a:alpha val="90000"/>
+      </a:schemeClr>
+    </dgm:fillClrLst>
+    <dgm:linClrLst meth="repeat">
+      <a:schemeClr val="accent1"/>
+    </dgm:linClrLst>
+    <dgm:effectClrLst/>
+    <dgm:txLinClrLst/>
+    <dgm:txFillClrLst meth="repeat">
+      <a:schemeClr val="dk1"/>
+    </dgm:txFillClrLst>
+    <dgm:txEffectClrLst/>
+  </dgm:styleLbl>
+  <dgm:styleLbl name="alignAcc1">
+    <dgm:fillClrLst meth="repeat">
+      <a:schemeClr val="lt1">
+        <a:alpha val="90000"/>
+      </a:schemeClr>
+    </dgm:fillClrLst>
+    <dgm:linClrLst meth="repeat">
+      <a:schemeClr val="accent1"/>
+    </dgm:linClrLst>
+    <dgm:effectClrLst/>
+    <dgm:txLinClrLst/>
+    <dgm:txFillClrLst meth="repeat">
+      <a:schemeClr val="dk1"/>
+    </dgm:txFillClrLst>
+    <dgm:txEffectClrLst/>
+  </dgm:styleLbl>
+  <dgm:styleLbl name="trAlignAcc1">
+    <dgm:fillClrLst meth="repeat">
+      <a:schemeClr val="lt1">
+        <a:alpha val="40000"/>
+      </a:schemeClr>
+    </dgm:fillClrLst>
+    <dgm:linClrLst meth="repeat">
+      <a:schemeClr val="accent1"/>
+    </dgm:linClrLst>
+    <dgm:effectClrLst/>
+    <dgm:txLinClrLst/>
+    <dgm:txFillClrLst meth="repeat">
+      <a:schemeClr val="dk1"/>
+    </dgm:txFillClrLst>
+    <dgm:txEffectClrLst/>
+  </dgm:styleLbl>
+  <dgm:styleLbl name="bgAcc1">
+    <dgm:fillClrLst meth="repeat">
+      <a:schemeClr val="lt1">
+        <a:alpha val="90000"/>
+      </a:schemeClr>
+    </dgm:fillClrLst>
+    <dgm:linClrLst meth="repeat">
+      <a:schemeClr val="accent1"/>
+    </dgm:linClrLst>
+    <dgm:effectClrLst/>
+    <dgm:txLinClrLst/>
+    <dgm:txFillClrLst meth="repeat">
+      <a:schemeClr val="dk1"/>
+    </dgm:txFillClrLst>
+    <dgm:txEffectClrLst/>
+  </dgm:styleLbl>
+  <dgm:styleLbl name="solidFgAcc1">
+    <dgm:fillClrLst meth="repeat">
+      <a:schemeClr val="lt1"/>
+    </dgm:fillClrLst>
+    <dgm:linClrLst meth="repeat">
+      <a:schemeClr val="accent1"/>
+    </dgm:linClrLst>
+    <dgm:effectClrLst/>
+    <dgm:txLinClrLst/>
+    <dgm:txFillClrLst meth="repeat">
+      <a:schemeClr val="dk1"/>
+    </dgm:txFillClrLst>
+    <dgm:txEffectClrLst/>
+  </dgm:styleLbl>
+  <dgm:styleLbl name="solidAlignAcc1">
+    <dgm:fillClrLst meth="repeat">
+      <a:schemeClr val="lt1"/>
+    </dgm:fillClrLst>
+    <dgm:linClrLst meth="repeat">
+      <a:schemeClr val="accent1"/>
+    </dgm:linClrLst>
+    <dgm:effectClrLst/>
+    <dgm:txLinClrLst/>
+    <dgm:txFillClrLst meth="repeat">
+      <a:schemeClr val="dk1"/>
+    </dgm:txFillClrLst>
+    <dgm:txEffectClrLst/>
+  </dgm:styleLbl>
+  <dgm:styleLbl name="solidBgAcc1">
+    <dgm:fillClrLst meth="repeat">
+      <a:schemeClr val="lt1"/>
+    </dgm:fillClrLst>
+    <dgm:linClrLst meth="repeat">
+      <a:schemeClr val="accent1"/>
+    </dgm:linClrLst>
+    <dgm:effectClrLst/>
+    <dgm:txLinClrLst/>
+    <dgm:txFillClrLst meth="repeat">
+      <a:schemeClr val="dk1"/>
+    </dgm:txFillClrLst>
+    <dgm:txEffectClrLst/>
+  </dgm:styleLbl>
+  <dgm:styleLbl name="fgAccFollowNode1">
+    <dgm:fillClrLst meth="repeat">
+      <a:schemeClr val="accent1">
+        <a:alpha val="90000"/>
+        <a:tint val="40000"/>
+      </a:schemeClr>
+    </dgm:fillClrLst>
+    <dgm:linClrLst meth="repeat">
+      <a:schemeClr val="accent1">
+        <a:alpha val="90000"/>
+        <a:tint val="40000"/>
+      </a:schemeClr>
+    </dgm:linClrLst>
+    <dgm:effectClrLst/>
+    <dgm:txLinClrLst/>
+    <dgm:txFillClrLst meth="repeat">
+      <a:schemeClr val="dk1"/>
+    </dgm:txFillClrLst>
+    <dgm:txEffectClrLst/>
+  </dgm:styleLbl>
+  <dgm:styleLbl name="alignAccFollowNode1">
+    <dgm:fillClrLst meth="repeat">
+      <a:schemeClr val="accent1">
+        <a:alpha val="90000"/>
+        <a:tint val="40000"/>
+      </a:schemeClr>
+    </dgm:fillClrLst>
+    <dgm:linClrLst meth="repeat">
+      <a:schemeClr val="accent1">
+        <a:alpha val="90000"/>
+        <a:tint val="40000"/>
+      </a:schemeClr>
+    </dgm:linClrLst>
+    <dgm:effectClrLst/>
+    <dgm:txLinClrLst/>
+    <dgm:txFillClrLst meth="repeat">
+      <a:schemeClr val="dk1"/>
+    </dgm:txFillClrLst>
+    <dgm:txEffectClrLst/>
+  </dgm:styleLbl>
+  <dgm:styleLbl name="bgAccFollowNode1">
+    <dgm:fillClrLst meth="repeat">
+      <a:schemeClr val="accent1">
+        <a:alpha val="90000"/>
+        <a:tint val="40000"/>
+      </a:schemeClr>
+    </dgm:fillClrLst>
+    <dgm:linClrLst meth="repeat">
+      <a:schemeClr val="accent1">
+        <a:alpha val="90000"/>
+        <a:tint val="40000"/>
+      </a:schemeClr>
+    </dgm:linClrLst>
+    <dgm:effectClrLst/>
+    <dgm:txLinClrLst/>
+    <dgm:txFillClrLst meth="repeat">
+      <a:schemeClr val="dk1"/>
+    </dgm:txFillClrLst>
+    <dgm:txEffectClrLst/>
+  </dgm:styleLbl>
+  <dgm:styleLbl name="fgAcc0">
+    <dgm:fillClrLst meth="repeat">
+      <a:schemeClr val="lt1">
+        <a:alpha val="90000"/>
+      </a:schemeClr>
+    </dgm:fillClrLst>
+    <dgm:linClrLst meth="repeat">
+      <a:schemeClr val="accent1"/>
+    </dgm:linClrLst>
+    <dgm:effectClrLst/>
+    <dgm:txLinClrLst/>
+    <dgm:txFillClrLst meth="repeat">
+      <a:schemeClr val="dk1"/>
+    </dgm:txFillClrLst>
+    <dgm:txEffectClrLst/>
+  </dgm:styleLbl>
+  <dgm:styleLbl name="fgAcc2">
+    <dgm:fillClrLst meth="repeat">
+      <a:schemeClr val="lt1">
+        <a:alpha val="90000"/>
+      </a:schemeClr>
+    </dgm:fillClrLst>
+    <dgm:linClrLst meth="repeat">
+      <a:schemeClr val="accent1"/>
+    </dgm:linClrLst>
+    <dgm:effectClrLst/>
+    <dgm:txLinClrLst/>
+    <dgm:txFillClrLst meth="repeat">
+      <a:schemeClr val="dk1"/>
+    </dgm:txFillClrLst>
+    <dgm:txEffectClrLst/>
+  </dgm:styleLbl>
+  <dgm:styleLbl name="fgAcc3">
+    <dgm:fillClrLst meth="repeat">
+      <a:schemeClr val="lt1">
+        <a:alpha val="90000"/>
+      </a:schemeClr>
+    </dgm:fillClrLst>
+    <dgm:linClrLst meth="repeat">
+      <a:schemeClr val="accent1"/>
+    </dgm:linClrLst>
+    <dgm:effectClrLst/>
+    <dgm:txLinClrLst/>
+    <dgm:txFillClrLst meth="repeat">
+      <a:schemeClr val="dk1"/>
+    </dgm:txFillClrLst>
+    <dgm:txEffectClrLst/>
+  </dgm:styleLbl>
+  <dgm:styleLbl name="fgAcc4">
+    <dgm:fillClrLst meth="repeat">
+      <a:schemeClr val="lt1">
+        <a:alpha val="90000"/>
+      </a:schemeClr>
+    </dgm:fillClrLst>
+    <dgm:linClrLst meth="repeat">
+      <a:schemeClr val="accent1"/>
+    </dgm:linClrLst>
+    <dgm:effectClrLst/>
+    <dgm:txLinClrLst/>
+    <dgm:txFillClrLst meth="repeat">
+      <a:schemeClr val="dk1"/>
+    </dgm:txFillClrLst>
+    <dgm:txEffectClrLst/>
+  </dgm:styleLbl>
+  <dgm:styleLbl name="bgShp">
+    <dgm:fillClrLst meth="repeat">
+      <a:schemeClr val="accent1">
+        <a:tint val="40000"/>
+      </a:schemeClr>
+    </dgm:fillClrLst>
+    <dgm:linClrLst meth="repeat">
+      <a:schemeClr val="accent1"/>
+    </dgm:linClrLst>
+    <dgm:effectClrLst/>
+    <dgm:txLinClrLst/>
+    <dgm:txFillClrLst meth="repeat">
+      <a:schemeClr val="dk1"/>
+    </dgm:txFillClrLst>
+    <dgm:txEffectClrLst/>
+  </dgm:styleLbl>
+  <dgm:styleLbl name="dkBgShp">
+    <dgm:fillClrLst meth="repeat">
+      <a:schemeClr val="accent1">
+        <a:shade val="80000"/>
+      </a:schemeClr>
+    </dgm:fillClrLst>
+    <dgm:linClrLst meth="repeat">
+      <a:schemeClr val="accent1"/>
+    </dgm:linClrLst>
+    <dgm:effectClrLst/>
+    <dgm:txLinClrLst/>
+    <dgm:txFillClrLst meth="repeat">
+      <a:schemeClr val="lt1"/>
+    </dgm:txFillClrLst>
+    <dgm:txEffectClrLst/>
+  </dgm:styleLbl>
+  <dgm:styleLbl name="trBgShp">
+    <dgm:fillClrLst meth="repeat">
+      <a:schemeClr val="accent1">
+        <a:tint val="50000"/>
+        <a:alpha val="40000"/>
+      </a:schemeClr>
+    </dgm:fillClrLst>
+    <dgm:linClrLst meth="repeat">
+      <a:schemeClr val="accent1"/>
+    </dgm:linClrLst>
+    <dgm:effectClrLst/>
+    <dgm:txLinClrLst/>
+    <dgm:txFillClrLst meth="repeat">
+      <a:schemeClr val="lt1"/>
+    </dgm:txFillClrLst>
+    <dgm:txEffectClrLst/>
+  </dgm:styleLbl>
+  <dgm:styleLbl name="fgShp">
+    <dgm:fillClrLst meth="repeat">
+      <a:schemeClr val="accent1">
+        <a:tint val="60000"/>
+      </a:schemeClr>
+    </dgm:fillClrLst>
+    <dgm:linClrLst meth="repeat">
+      <a:schemeClr val="lt1"/>
+    </dgm:linClrLst>
+    <dgm:effectClrLst/>
+    <dgm:txLinClrLst/>
+    <dgm:txFillClrLst meth="repeat">
+      <a:schemeClr val="dk1"/>
+    </dgm:txFillClrLst>
+    <dgm:txEffectClrLst/>
+  </dgm:styleLbl>
+  <dgm:styleLbl name="revTx">
+    <dgm:fillClrLst meth="repeat">
+      <a:schemeClr val="lt1">
+        <a:alpha val="0"/>
+      </a:schemeClr>
+    </dgm:fillClrLst>
+    <dgm:linClrLst meth="repeat">
+      <a:schemeClr val="dk1">
+        <a:alpha val="0"/>
+      </a:schemeClr>
+    </dgm:linClrLst>
+    <dgm:effectClrLst/>
+    <dgm:txLinClrLst/>
+    <dgm:txFillClrLst meth="repeat">
+      <a:schemeClr val="tx1"/>
+    </dgm:txFillClrLst>
+    <dgm:txEffectClrLst/>
+  </dgm:styleLbl>
+</dgm:colorsDef>
+</file>
+
+<file path=ppt/diagrams/colors3.xml><?xml version="1.0" encoding="utf-8"?>
+<dgm:colorsDef xmlns:dgm="http://schemas.openxmlformats.org/drawingml/2006/diagram" xmlns:a="http://schemas.openxmlformats.org/drawingml/2006/main" uniqueId="urn:microsoft.com/office/officeart/2005/8/colors/accent1_2">
+  <dgm:title val=""/>
+  <dgm:desc val=""/>
+  <dgm:catLst>
+    <dgm:cat type="accent1" pri="11200"/>
+  </dgm:catLst>
+  <dgm:styleLbl name="node0">
+    <dgm:fillClrLst meth="repeat">
+      <a:schemeClr val="accent1"/>
+    </dgm:fillClrLst>
+    <dgm:linClrLst meth="repeat">
+      <a:schemeClr val="lt1"/>
+    </dgm:linClrLst>
+    <dgm:effectClrLst/>
+    <dgm:txLinClrLst/>
+    <dgm:txFillClrLst/>
+    <dgm:txEffectClrLst/>
+  </dgm:styleLbl>
+  <dgm:styleLbl name="alignNode1">
+    <dgm:fillClrLst meth="repeat">
+      <a:schemeClr val="accent1"/>
+    </dgm:fillClrLst>
+    <dgm:linClrLst meth="repeat">
+      <a:schemeClr val="accent1"/>
+    </dgm:linClrLst>
+    <dgm:effectClrLst/>
+    <dgm:txLinClrLst/>
+    <dgm:txFillClrLst/>
+    <dgm:txEffectClrLst/>
+  </dgm:styleLbl>
+  <dgm:styleLbl name="node1">
+    <dgm:fillClrLst meth="repeat">
+      <a:schemeClr val="accent1"/>
+    </dgm:fillClrLst>
+    <dgm:linClrLst meth="repeat">
+      <a:schemeClr val="lt1"/>
+    </dgm:linClrLst>
+    <dgm:effectClrLst/>
+    <dgm:txLinClrLst/>
+    <dgm:txFillClrLst/>
+    <dgm:txEffectClrLst/>
+  </dgm:styleLbl>
+  <dgm:styleLbl name="lnNode1">
+    <dgm:fillClrLst meth="repeat">
+      <a:schemeClr val="accent1"/>
+    </dgm:fillClrLst>
+    <dgm:linClrLst meth="repeat">
+      <a:schemeClr val="lt1"/>
+    </dgm:linClrLst>
+    <dgm:effectClrLst/>
+    <dgm:txLinClrLst/>
+    <dgm:txFillClrLst/>
+    <dgm:txEffectClrLst/>
+  </dgm:styleLbl>
+  <dgm:styleLbl name="vennNode1">
+    <dgm:fillClrLst meth="repeat">
+      <a:schemeClr val="accent1">
+        <a:alpha val="50000"/>
+      </a:schemeClr>
+    </dgm:fillClrLst>
+    <dgm:linClrLst meth="repeat">
+      <a:schemeClr val="lt1"/>
+    </dgm:linClrLst>
+    <dgm:effectClrLst/>
+    <dgm:txLinClrLst/>
+    <dgm:txFillClrLst/>
+    <dgm:txEffectClrLst/>
+  </dgm:styleLbl>
+  <dgm:styleLbl name="node2">
+    <dgm:fillClrLst meth="repeat">
+      <a:schemeClr val="accent1"/>
+    </dgm:fillClrLst>
+    <dgm:linClrLst meth="repeat">
+      <a:schemeClr val="lt1"/>
+    </dgm:linClrLst>
+    <dgm:effectClrLst/>
+    <dgm:txLinClrLst/>
+    <dgm:txFillClrLst/>
+    <dgm:txEffectClrLst/>
+  </dgm:styleLbl>
+  <dgm:styleLbl name="node3">
+    <dgm:fillClrLst meth="repeat">
+      <a:schemeClr val="accent1"/>
+    </dgm:fillClrLst>
+    <dgm:linClrLst meth="repeat">
+      <a:schemeClr val="lt1"/>
+    </dgm:linClrLst>
+    <dgm:effectClrLst/>
+    <dgm:txLinClrLst/>
+    <dgm:txFillClrLst/>
+    <dgm:txEffectClrLst/>
+  </dgm:styleLbl>
+  <dgm:styleLbl name="node4">
+    <dgm:fillClrLst meth="repeat">
+      <a:schemeClr val="accent1"/>
+    </dgm:fillClrLst>
+    <dgm:linClrLst meth="repeat">
+      <a:schemeClr val="lt1"/>
+    </dgm:linClrLst>
+    <dgm:effectClrLst/>
+    <dgm:txLinClrLst/>
+    <dgm:txFillClrLst/>
+    <dgm:txEffectClrLst/>
+  </dgm:styleLbl>
+  <dgm:styleLbl name="fgImgPlace1">
+    <dgm:fillClrLst meth="repeat">
+      <a:schemeClr val="accent1">
+        <a:tint val="50000"/>
+      </a:schemeClr>
+    </dgm:fillClrLst>
+    <dgm:linClrLst meth="repeat">
+      <a:schemeClr val="lt1"/>
+    </dgm:linClrLst>
+    <dgm:effectClrLst/>
+    <dgm:txLinClrLst/>
+    <dgm:txFillClrLst meth="repeat">
+      <a:schemeClr val="lt1"/>
+    </dgm:txFillClrLst>
+    <dgm:txEffectClrLst/>
+  </dgm:styleLbl>
+  <dgm:styleLbl name="alignImgPlace1">
+    <dgm:fillClrLst meth="repeat">
+      <a:schemeClr val="accent1">
+        <a:tint val="50000"/>
+      </a:schemeClr>
+    </dgm:fillClrLst>
+    <dgm:linClrLst meth="repeat">
+      <a:schemeClr val="lt1"/>
+    </dgm:linClrLst>
+    <dgm:effectClrLst/>
+    <dgm:txLinClrLst/>
+    <dgm:txFillClrLst meth="repeat">
+      <a:schemeClr val="lt1"/>
+    </dgm:txFillClrLst>
+    <dgm:txEffectClrLst/>
+  </dgm:styleLbl>
+  <dgm:styleLbl name="bgImgPlace1">
+    <dgm:fillClrLst meth="repeat">
+      <a:schemeClr val="accent1">
+        <a:tint val="50000"/>
+      </a:schemeClr>
+    </dgm:fillClrLst>
+    <dgm:linClrLst meth="repeat">
+      <a:schemeClr val="lt1"/>
+    </dgm:linClrLst>
+    <dgm:effectClrLst/>
+    <dgm:txLinClrLst/>
+    <dgm:txFillClrLst meth="repeat">
+      <a:schemeClr val="lt1"/>
+    </dgm:txFillClrLst>
+    <dgm:txEffectClrLst/>
+  </dgm:styleLbl>
+  <dgm:styleLbl name="sibTrans2D1">
+    <dgm:fillClrLst meth="repeat">
+      <a:schemeClr val="accent1">
+        <a:tint val="60000"/>
+      </a:schemeClr>
+    </dgm:fillClrLst>
+    <dgm:linClrLst meth="repeat">
+      <a:schemeClr val="accent1">
+        <a:tint val="60000"/>
+      </a:schemeClr>
+    </dgm:linClrLst>
+    <dgm:effectClrLst/>
+    <dgm:txLinClrLst/>
+    <dgm:txFillClrLst/>
+    <dgm:txEffectClrLst/>
+  </dgm:styleLbl>
+  <dgm:styleLbl name="fgSibTrans2D1">
+    <dgm:fillClrLst meth="repeat">
+      <a:schemeClr val="accent1">
+        <a:tint val="60000"/>
+      </a:schemeClr>
+    </dgm:fillClrLst>
+    <dgm:linClrLst meth="repeat">
+      <a:schemeClr val="accent1">
+        <a:tint val="60000"/>
+      </a:schemeClr>
+    </dgm:linClrLst>
+    <dgm:effectClrLst/>
+    <dgm:txLinClrLst/>
+    <dgm:txFillClrLst/>
+    <dgm:txEffectClrLst/>
+  </dgm:styleLbl>
+  <dgm:styleLbl name="bgSibTrans2D1">
+    <dgm:fillClrLst meth="repeat">
+      <a:schemeClr val="accent1">
+        <a:tint val="60000"/>
+      </a:schemeClr>
+    </dgm:fillClrLst>
+    <dgm:linClrLst meth="repeat">
+      <a:schemeClr val="accent1">
+        <a:tint val="60000"/>
+      </a:schemeClr>
+    </dgm:linClrLst>
+    <dgm:effectClrLst/>
+    <dgm:txLinClrLst/>
+    <dgm:txFillClrLst/>
+    <dgm:txEffectClrLst/>
+  </dgm:styleLbl>
+  <dgm:styleLbl name="sibTrans1D1">
+    <dgm:fillClrLst meth="repeat">
+      <a:schemeClr val="accent1"/>
+    </dgm:fillClrLst>
+    <dgm:linClrLst meth="repeat">
+      <a:schemeClr val="accent1"/>
+    </dgm:linClrLst>
+    <dgm:effectClrLst/>
+    <dgm:txLinClrLst/>
+    <dgm:txFillClrLst meth="repeat">
+      <a:schemeClr val="tx1"/>
+    </dgm:txFillClrLst>
+    <dgm:txEffectClrLst/>
+  </dgm:styleLbl>
+  <dgm:styleLbl name="callout">
+    <dgm:fillClrLst meth="repeat">
+      <a:schemeClr val="accent1"/>
+    </dgm:fillClrLst>
+    <dgm:linClrLst meth="repeat">
+      <a:schemeClr val="accent1">
+        <a:tint val="50000"/>
+      </a:schemeClr>
+    </dgm:linClrLst>
+    <dgm:effectClrLst/>
+    <dgm:txLinClrLst/>
+    <dgm:txFillClrLst meth="repeat">
+      <a:schemeClr val="tx1"/>
+    </dgm:txFillClrLst>
+    <dgm:txEffectClrLst/>
+  </dgm:styleLbl>
+  <dgm:styleLbl name="asst0">
+    <dgm:fillClrLst meth="repeat">
+      <a:schemeClr val="accent1"/>
+    </dgm:fillClrLst>
+    <dgm:linClrLst meth="repeat">
+      <a:schemeClr val="lt1"/>
+    </dgm:linClrLst>
+    <dgm:effectClrLst/>
+    <dgm:txLinClrLst/>
+    <dgm:txFillClrLst/>
+    <dgm:txEffectClrLst/>
+  </dgm:styleLbl>
+  <dgm:styleLbl name="asst1">
+    <dgm:fillClrLst meth="repeat">
+      <a:schemeClr val="accent1"/>
+    </dgm:fillClrLst>
+    <dgm:linClrLst meth="repeat">
+      <a:schemeClr val="lt1"/>
+    </dgm:linClrLst>
+    <dgm:effectClrLst/>
+    <dgm:txLinClrLst/>
+    <dgm:txFillClrLst/>
+    <dgm:txEffectClrLst/>
+  </dgm:styleLbl>
+  <dgm:styleLbl name="asst2">
+    <dgm:fillClrLst meth="repeat">
+      <a:schemeClr val="accent1"/>
+    </dgm:fillClrLst>
+    <dgm:linClrLst meth="repeat">
+      <a:schemeClr val="lt1"/>
+    </dgm:linClrLst>
+    <dgm:effectClrLst/>
+    <dgm:txLinClrLst/>
+    <dgm:txFillClrLst/>
+    <dgm:txEffectClrLst/>
+  </dgm:styleLbl>
+  <dgm:styleLbl name="asst3">
+    <dgm:fillClrLst meth="repeat">
+      <a:schemeClr val="accent1"/>
+    </dgm:fillClrLst>
+    <dgm:linClrLst meth="repeat">
+      <a:schemeClr val="lt1"/>
+    </dgm:linClrLst>
+    <dgm:effectClrLst/>
+    <dgm:txLinClrLst/>
+    <dgm:txFillClrLst/>
+    <dgm:txEffectClrLst/>
+  </dgm:styleLbl>
+  <dgm:styleLbl name="asst4">
+    <dgm:fillClrLst meth="repeat">
+      <a:schemeClr val="accent1"/>
+    </dgm:fillClrLst>
+    <dgm:linClrLst meth="repeat">
+      <a:schemeClr val="lt1"/>
+    </dgm:linClrLst>
+    <dgm:effectClrLst/>
+    <dgm:txLinClrLst/>
+    <dgm:txFillClrLst/>
+    <dgm:txEffectClrLst/>
+  </dgm:styleLbl>
+  <dgm:styleLbl name="parChTrans2D1">
+    <dgm:fillClrLst meth="repeat">
+      <a:schemeClr val="accent1">
+        <a:tint val="60000"/>
+      </a:schemeClr>
+    </dgm:fillClrLst>
+    <dgm:linClrLst meth="repeat">
+      <a:schemeClr val="accent1">
+        <a:tint val="60000"/>
+      </a:schemeClr>
+    </dgm:linClrLst>
+    <dgm:effectClrLst/>
+    <dgm:txLinClrLst/>
+    <dgm:txFillClrLst meth="repeat">
+      <a:schemeClr val="lt1"/>
+    </dgm:txFillClrLst>
+    <dgm:txEffectClrLst/>
+  </dgm:styleLbl>
+  <dgm:styleLbl name="parChTrans2D2">
+    <dgm:fillClrLst meth="repeat">
+      <a:schemeClr val="accent1"/>
+    </dgm:fillClrLst>
+    <dgm:linClrLst meth="repeat">
+      <a:schemeClr val="accent1"/>
+    </dgm:linClrLst>
+    <dgm:effectClrLst/>
+    <dgm:txLinClrLst/>
+    <dgm:txFillClrLst meth="repeat">
+      <a:schemeClr val="lt1"/>
+    </dgm:txFillClrLst>
+    <dgm:txEffectClrLst/>
+  </dgm:styleLbl>
+  <dgm:styleLbl name="parChTrans2D3">
+    <dgm:fillClrLst meth="repeat">
+      <a:schemeClr val="accent1"/>
+    </dgm:fillClrLst>
+    <dgm:linClrLst meth="repeat">
+      <a:schemeClr val="accent1"/>
+    </dgm:linClrLst>
+    <dgm:effectClrLst/>
+    <dgm:txLinClrLst/>
+    <dgm:txFillClrLst meth="repeat">
+      <a:schemeClr val="lt1"/>
+    </dgm:txFillClrLst>
+    <dgm:txEffectClrLst/>
+  </dgm:styleLbl>
+  <dgm:styleLbl name="parChTrans2D4">
+    <dgm:fillClrLst meth="repeat">
+      <a:schemeClr val="accent1"/>
+    </dgm:fillClrLst>
+    <dgm:linClrLst meth="repeat">
+      <a:schemeClr val="accent1"/>
+    </dgm:linClrLst>
+    <dgm:effectClrLst/>
+    <dgm:txLinClrLst/>
+    <dgm:txFillClrLst meth="repeat">
+      <a:schemeClr val="lt1"/>
+    </dgm:txFillClrLst>
+    <dgm:txEffectClrLst/>
+  </dgm:styleLbl>
+  <dgm:styleLbl name="parChTrans1D1">
+    <dgm:fillClrLst meth="repeat">
+      <a:schemeClr val="accent1"/>
+    </dgm:fillClrLst>
+    <dgm:linClrLst meth="repeat">
+      <a:schemeClr val="accent1">
+        <a:shade val="60000"/>
+      </a:schemeClr>
+    </dgm:linClrLst>
+    <dgm:effectClrLst/>
+    <dgm:txLinClrLst/>
+    <dgm:txFillClrLst meth="repeat">
+      <a:schemeClr val="tx1"/>
+    </dgm:txFillClrLst>
+    <dgm:txEffectClrLst/>
+  </dgm:styleLbl>
+  <dgm:styleLbl name="parChTrans1D2">
+    <dgm:fillClrLst meth="repeat">
+      <a:schemeClr val="accent1"/>
+    </dgm:fillClrLst>
+    <dgm:linClrLst meth="repeat">
+      <a:schemeClr val="accent1">
+        <a:shade val="60000"/>
+      </a:schemeClr>
+    </dgm:linClrLst>
+    <dgm:effectClrLst/>
+    <dgm:txLinClrLst/>
+    <dgm:txFillClrLst meth="repeat">
+      <a:schemeClr val="tx1"/>
+    </dgm:txFillClrLst>
+    <dgm:txEffectClrLst/>
+  </dgm:styleLbl>
+  <dgm:styleLbl name="parChTrans1D3">
+    <dgm:fillClrLst meth="repeat">
+      <a:schemeClr val="accent1"/>
+    </dgm:fillClrLst>
+    <dgm:linClrLst meth="repeat">
+      <a:schemeClr val="accent1">
+        <a:shade val="80000"/>
+      </a:schemeClr>
+    </dgm:linClrLst>
+    <dgm:effectClrLst/>
+    <dgm:txLinClrLst/>
+    <dgm:txFillClrLst meth="repeat">
+      <a:schemeClr val="tx1"/>
+    </dgm:txFillClrLst>
+    <dgm:txEffectClrLst/>
+  </dgm:styleLbl>
+  <dgm:styleLbl name="parChTrans1D4">
+    <dgm:fillClrLst meth="repeat">
+      <a:schemeClr val="accent1"/>
+    </dgm:fillClrLst>
+    <dgm:linClrLst meth="repeat">
+      <a:schemeClr val="accent1">
+        <a:shade val="80000"/>
+      </a:schemeClr>
+    </dgm:linClrLst>
+    <dgm:effectClrLst/>
+    <dgm:txLinClrLst/>
+    <dgm:txFillClrLst meth="repeat">
+      <a:schemeClr val="tx1"/>
+    </dgm:txFillClrLst>
+    <dgm:txEffectClrLst/>
+  </dgm:styleLbl>
+  <dgm:styleLbl name="fgAcc1">
+    <dgm:fillClrLst meth="repeat">
+      <a:schemeClr val="lt1">
+        <a:alpha val="90000"/>
+      </a:schemeClr>
+    </dgm:fillClrLst>
+    <dgm:linClrLst meth="repeat">
+      <a:schemeClr val="accent1"/>
+    </dgm:linClrLst>
+    <dgm:effectClrLst/>
+    <dgm:txLinClrLst/>
+    <dgm:txFillClrLst meth="repeat">
+      <a:schemeClr val="dk1"/>
+    </dgm:txFillClrLst>
+    <dgm:txEffectClrLst/>
+  </dgm:styleLbl>
+  <dgm:styleLbl name="conFgAcc1">
+    <dgm:fillClrLst meth="repeat">
+      <a:schemeClr val="lt1">
+        <a:alpha val="90000"/>
+      </a:schemeClr>
+    </dgm:fillClrLst>
+    <dgm:linClrLst meth="repeat">
+      <a:schemeClr val="accent1"/>
+    </dgm:linClrLst>
+    <dgm:effectClrLst/>
+    <dgm:txLinClrLst/>
+    <dgm:txFillClrLst meth="repeat">
+      <a:schemeClr val="dk1"/>
+    </dgm:txFillClrLst>
+    <dgm:txEffectClrLst/>
+  </dgm:styleLbl>
+  <dgm:styleLbl name="alignAcc1">
+    <dgm:fillClrLst meth="repeat">
+      <a:schemeClr val="lt1">
+        <a:alpha val="90000"/>
+      </a:schemeClr>
+    </dgm:fillClrLst>
+    <dgm:linClrLst meth="repeat">
+      <a:schemeClr val="accent1"/>
+    </dgm:linClrLst>
+    <dgm:effectClrLst/>
+    <dgm:txLinClrLst/>
+    <dgm:txFillClrLst meth="repeat">
+      <a:schemeClr val="dk1"/>
+    </dgm:txFillClrLst>
+    <dgm:txEffectClrLst/>
+  </dgm:styleLbl>
+  <dgm:styleLbl name="trAlignAcc1">
+    <dgm:fillClrLst meth="repeat">
+      <a:schemeClr val="lt1">
+        <a:alpha val="40000"/>
+      </a:schemeClr>
+    </dgm:fillClrLst>
+    <dgm:linClrLst meth="repeat">
+      <a:schemeClr val="accent1"/>
+    </dgm:linClrLst>
+    <dgm:effectClrLst/>
+    <dgm:txLinClrLst/>
+    <dgm:txFillClrLst meth="repeat">
+      <a:schemeClr val="dk1"/>
+    </dgm:txFillClrLst>
+    <dgm:txEffectClrLst/>
+  </dgm:styleLbl>
+  <dgm:styleLbl name="bgAcc1">
+    <dgm:fillClrLst meth="repeat">
+      <a:schemeClr val="lt1">
+        <a:alpha val="90000"/>
+      </a:schemeClr>
+    </dgm:fillClrLst>
+    <dgm:linClrLst meth="repeat">
+      <a:schemeClr val="accent1"/>
+    </dgm:linClrLst>
+    <dgm:effectClrLst/>
+    <dgm:txLinClrLst/>
+    <dgm:txFillClrLst meth="repeat">
+      <a:schemeClr val="dk1"/>
+    </dgm:txFillClrLst>
+    <dgm:txEffectClrLst/>
+  </dgm:styleLbl>
+  <dgm:styleLbl name="solidFgAcc1">
+    <dgm:fillClrLst meth="repeat">
+      <a:schemeClr val="lt1"/>
+    </dgm:fillClrLst>
+    <dgm:linClrLst meth="repeat">
+      <a:schemeClr val="accent1"/>
+    </dgm:linClrLst>
+    <dgm:effectClrLst/>
+    <dgm:txLinClrLst/>
+    <dgm:txFillClrLst meth="repeat">
+      <a:schemeClr val="dk1"/>
+    </dgm:txFillClrLst>
+    <dgm:txEffectClrLst/>
+  </dgm:styleLbl>
+  <dgm:styleLbl name="solidAlignAcc1">
+    <dgm:fillClrLst meth="repeat">
+      <a:schemeClr val="lt1"/>
+    </dgm:fillClrLst>
+    <dgm:linClrLst meth="repeat">
+      <a:schemeClr val="accent1"/>
+    </dgm:linClrLst>
+    <dgm:effectClrLst/>
+    <dgm:txLinClrLst/>
+    <dgm:txFillClrLst meth="repeat">
+      <a:schemeClr val="dk1"/>
+    </dgm:txFillClrLst>
+    <dgm:txEffectClrLst/>
+  </dgm:styleLbl>
+  <dgm:styleLbl name="solidBgAcc1">
+    <dgm:fillClrLst meth="repeat">
+      <a:schemeClr val="lt1"/>
+    </dgm:fillClrLst>
+    <dgm:linClrLst meth="repeat">
+      <a:schemeClr val="accent1"/>
+    </dgm:linClrLst>
+    <dgm:effectClrLst/>
+    <dgm:txLinClrLst/>
+    <dgm:txFillClrLst meth="repeat">
+      <a:schemeClr val="dk1"/>
+    </dgm:txFillClrLst>
+    <dgm:txEffectClrLst/>
+  </dgm:styleLbl>
+  <dgm:styleLbl name="fgAccFollowNode1">
+    <dgm:fillClrLst meth="repeat">
+      <a:schemeClr val="accent1">
+        <a:alpha val="90000"/>
+        <a:tint val="40000"/>
+      </a:schemeClr>
+    </dgm:fillClrLst>
+    <dgm:linClrLst meth="repeat">
+      <a:schemeClr val="accent1">
+        <a:alpha val="90000"/>
+        <a:tint val="40000"/>
+      </a:schemeClr>
+    </dgm:linClrLst>
+    <dgm:effectClrLst/>
+    <dgm:txLinClrLst/>
+    <dgm:txFillClrLst meth="repeat">
+      <a:schemeClr val="dk1"/>
+    </dgm:txFillClrLst>
+    <dgm:txEffectClrLst/>
+  </dgm:styleLbl>
+  <dgm:styleLbl name="alignAccFollowNode1">
+    <dgm:fillClrLst meth="repeat">
+      <a:schemeClr val="accent1">
+        <a:alpha val="90000"/>
+        <a:tint val="40000"/>
+      </a:schemeClr>
+    </dgm:fillClrLst>
+    <dgm:linClrLst meth="repeat">
+      <a:schemeClr val="accent1">
+        <a:alpha val="90000"/>
+        <a:tint val="40000"/>
+      </a:schemeClr>
+    </dgm:linClrLst>
+    <dgm:effectClrLst/>
+    <dgm:txLinClrLst/>
+    <dgm:txFillClrLst meth="repeat">
+      <a:schemeClr val="dk1"/>
+    </dgm:txFillClrLst>
+    <dgm:txEffectClrLst/>
+  </dgm:styleLbl>
+  <dgm:styleLbl name="bgAccFollowNode1">
+    <dgm:fillClrLst meth="repeat">
+      <a:schemeClr val="accent1">
+        <a:alpha val="90000"/>
+        <a:tint val="40000"/>
+      </a:schemeClr>
+    </dgm:fillClrLst>
+    <dgm:linClrLst meth="repeat">
+      <a:schemeClr val="accent1">
+        <a:alpha val="90000"/>
+        <a:tint val="40000"/>
+      </a:schemeClr>
+    </dgm:linClrLst>
+    <dgm:effectClrLst/>
+    <dgm:txLinClrLst/>
+    <dgm:txFillClrLst meth="repeat">
+      <a:schemeClr val="dk1"/>
+    </dgm:txFillClrLst>
+    <dgm:txEffectClrLst/>
+  </dgm:styleLbl>
+  <dgm:styleLbl name="fgAcc0">
+    <dgm:fillClrLst meth="repeat">
+      <a:schemeClr val="lt1">
+        <a:alpha val="90000"/>
+      </a:schemeClr>
+    </dgm:fillClrLst>
+    <dgm:linClrLst meth="repeat">
+      <a:schemeClr val="accent1"/>
+    </dgm:linClrLst>
+    <dgm:effectClrLst/>
+    <dgm:txLinClrLst/>
+    <dgm:txFillClrLst meth="repeat">
+      <a:schemeClr val="dk1"/>
+    </dgm:txFillClrLst>
+    <dgm:txEffectClrLst/>
+  </dgm:styleLbl>
+  <dgm:styleLbl name="fgAcc2">
+    <dgm:fillClrLst meth="repeat">
+      <a:schemeClr val="lt1">
+        <a:alpha val="90000"/>
+      </a:schemeClr>
+    </dgm:fillClrLst>
+    <dgm:linClrLst meth="repeat">
+      <a:schemeClr val="accent1"/>
+    </dgm:linClrLst>
+    <dgm:effectClrLst/>
+    <dgm:txLinClrLst/>
+    <dgm:txFillClrLst meth="repeat">
+      <a:schemeClr val="dk1"/>
+    </dgm:txFillClrLst>
+    <dgm:txEffectClrLst/>
+  </dgm:styleLbl>
+  <dgm:styleLbl name="fgAcc3">
+    <dgm:fillClrLst meth="repeat">
+      <a:schemeClr val="lt1">
+        <a:alpha val="90000"/>
+      </a:schemeClr>
+    </dgm:fillClrLst>
+    <dgm:linClrLst meth="repeat">
+      <a:schemeClr val="accent1"/>
+    </dgm:linClrLst>
+    <dgm:effectClrLst/>
+    <dgm:txLinClrLst/>
+    <dgm:txFillClrLst meth="repeat">
+      <a:schemeClr val="dk1"/>
+    </dgm:txFillClrLst>
+    <dgm:txEffectClrLst/>
+  </dgm:styleLbl>
+  <dgm:styleLbl name="fgAcc4">
+    <dgm:fillClrLst meth="repeat">
+      <a:schemeClr val="lt1">
+        <a:alpha val="90000"/>
+      </a:schemeClr>
+    </dgm:fillClrLst>
+    <dgm:linClrLst meth="repeat">
+      <a:schemeClr val="accent1"/>
+    </dgm:linClrLst>
+    <dgm:effectClrLst/>
+    <dgm:txLinClrLst/>
+    <dgm:txFillClrLst meth="repeat">
+      <a:schemeClr val="dk1"/>
+    </dgm:txFillClrLst>
+    <dgm:txEffectClrLst/>
+  </dgm:styleLbl>
+  <dgm:styleLbl name="bgShp">
+    <dgm:fillClrLst meth="repeat">
+      <a:schemeClr val="accent1">
+        <a:tint val="40000"/>
+      </a:schemeClr>
+    </dgm:fillClrLst>
+    <dgm:linClrLst meth="repeat">
+      <a:schemeClr val="accent1"/>
+    </dgm:linClrLst>
+    <dgm:effectClrLst/>
+    <dgm:txLinClrLst/>
+    <dgm:txFillClrLst meth="repeat">
+      <a:schemeClr val="dk1"/>
+    </dgm:txFillClrLst>
+    <dgm:txEffectClrLst/>
+  </dgm:styleLbl>
+  <dgm:styleLbl name="dkBgShp">
+    <dgm:fillClrLst meth="repeat">
+      <a:schemeClr val="accent1">
+        <a:shade val="80000"/>
+      </a:schemeClr>
+    </dgm:fillClrLst>
+    <dgm:linClrLst meth="repeat">
+      <a:schemeClr val="accent1"/>
+    </dgm:linClrLst>
+    <dgm:effectClrLst/>
+    <dgm:txLinClrLst/>
+    <dgm:txFillClrLst meth="repeat">
+      <a:schemeClr val="lt1"/>
+    </dgm:txFillClrLst>
+    <dgm:txEffectClrLst/>
+  </dgm:styleLbl>
+  <dgm:styleLbl name="trBgShp">
+    <dgm:fillClrLst meth="repeat">
+      <a:schemeClr val="accent1">
+        <a:tint val="50000"/>
+        <a:alpha val="40000"/>
+      </a:schemeClr>
+    </dgm:fillClrLst>
+    <dgm:linClrLst meth="repeat">
+      <a:schemeClr val="accent1"/>
+    </dgm:linClrLst>
+    <dgm:effectClrLst/>
+    <dgm:txLinClrLst/>
+    <dgm:txFillClrLst meth="repeat">
+      <a:schemeClr val="lt1"/>
+    </dgm:txFillClrLst>
+    <dgm:txEffectClrLst/>
+  </dgm:styleLbl>
+  <dgm:styleLbl name="fgShp">
+    <dgm:fillClrLst meth="repeat">
+      <a:schemeClr val="accent1">
+        <a:tint val="60000"/>
+      </a:schemeClr>
+    </dgm:fillClrLst>
+    <dgm:linClrLst meth="repeat">
+      <a:schemeClr val="lt1"/>
+    </dgm:linClrLst>
+    <dgm:effectClrLst/>
+    <dgm:txLinClrLst/>
+    <dgm:txFillClrLst meth="repeat">
+      <a:schemeClr val="dk1"/>
+    </dgm:txFillClrLst>
+    <dgm:txEffectClrLst/>
+  </dgm:styleLbl>
+  <dgm:styleLbl name="revTx">
+    <dgm:fillClrLst meth="repeat">
+      <a:schemeClr val="lt1">
+        <a:alpha val="0"/>
+      </a:schemeClr>
+    </dgm:fillClrLst>
+    <dgm:linClrLst meth="repeat">
+      <a:schemeClr val="dk1">
+        <a:alpha val="0"/>
+      </a:schemeClr>
+    </dgm:linClrLst>
+    <dgm:effectClrLst/>
+    <dgm:txLinClrLst/>
+    <dgm:txFillClrLst meth="repeat">
+      <a:schemeClr val="tx1"/>
+    </dgm:txFillClrLst>
+    <dgm:txEffectClrLst/>
+  </dgm:styleLbl>
+</dgm:colorsDef>
+</file>
+
+<file path=ppt/diagrams/data1.xml><?xml version="1.0" encoding="utf-8"?>
+<dgm:dataModel xmlns:dgm="http://schemas.openxmlformats.org/drawingml/2006/diagram" xmlns:a="http://schemas.openxmlformats.org/drawingml/2006/main">
+  <dgm:ptLst>
+    <dgm:pt modelId="{DC1D6848-C77D-48EB-B3B7-D92B9A201815}" type="doc">
+      <dgm:prSet loTypeId="urn:microsoft.com/office/officeart/2005/8/layout/vList2" loCatId="list" qsTypeId="urn:microsoft.com/office/officeart/2005/8/quickstyle/simple1" qsCatId="simple" csTypeId="urn:microsoft.com/office/officeart/2005/8/colors/accent1_2" csCatId="accent1" phldr="1"/>
+      <dgm:spPr/>
+      <dgm:t>
+        <a:bodyPr/>
+        <a:lstStyle/>
+        <a:p>
+          <a:endParaRPr lang="en-US"/>
+        </a:p>
+      </dgm:t>
+    </dgm:pt>
+    <dgm:pt modelId="{014ED656-13E9-476D-A12B-4D2E81F19E6D}">
+      <dgm:prSet custT="1"/>
+      <dgm:spPr/>
+      <dgm:t>
+        <a:bodyPr/>
+        <a:lstStyle/>
+        <a:p>
+          <a:pPr algn="ctr"/>
+          <a:r>
+            <a:rPr lang="en-US" sz="2800" dirty="0"/>
+            <a:t>Software Required</a:t>
+          </a:r>
+        </a:p>
+      </dgm:t>
+    </dgm:pt>
+    <dgm:pt modelId="{D6487B79-82A5-4CEA-892D-0B2F01961625}" type="parTrans" cxnId="{8FCA2A9D-41EB-4A11-802C-7863724C15A7}">
+      <dgm:prSet/>
+      <dgm:spPr/>
+      <dgm:t>
+        <a:bodyPr/>
+        <a:lstStyle/>
+        <a:p>
+          <a:endParaRPr lang="en-US"/>
+        </a:p>
+      </dgm:t>
+    </dgm:pt>
+    <dgm:pt modelId="{44B545FE-D7AF-4811-856B-E8A0B5A0C4F9}" type="sibTrans" cxnId="{8FCA2A9D-41EB-4A11-802C-7863724C15A7}">
+      <dgm:prSet/>
+      <dgm:spPr/>
+      <dgm:t>
+        <a:bodyPr/>
+        <a:lstStyle/>
+        <a:p>
+          <a:endParaRPr lang="en-US"/>
+        </a:p>
+      </dgm:t>
+    </dgm:pt>
+    <dgm:pt modelId="{30FC0AC5-167E-4CD8-AF6E-8F0B484AB9B1}">
+      <dgm:prSet custT="1"/>
+      <dgm:spPr/>
+      <dgm:t>
+        <a:bodyPr/>
+        <a:lstStyle/>
+        <a:p>
+          <a:r>
+            <a:rPr lang="en-US" sz="2000" dirty="0"/>
+            <a:t>Microsoft SQL Server</a:t>
+          </a:r>
+        </a:p>
+      </dgm:t>
+    </dgm:pt>
+    <dgm:pt modelId="{51942ECD-719E-4511-A4C6-EDB281F0EE53}" type="parTrans" cxnId="{864DB189-0B0F-4F3B-9E40-44B5CE3F09A0}">
+      <dgm:prSet/>
+      <dgm:spPr/>
+      <dgm:t>
+        <a:bodyPr/>
+        <a:lstStyle/>
+        <a:p>
+          <a:endParaRPr lang="en-US"/>
+        </a:p>
+      </dgm:t>
+    </dgm:pt>
+    <dgm:pt modelId="{C7173E86-E269-4A95-BF0A-DABED2232792}" type="sibTrans" cxnId="{864DB189-0B0F-4F3B-9E40-44B5CE3F09A0}">
+      <dgm:prSet/>
+      <dgm:spPr/>
+      <dgm:t>
+        <a:bodyPr/>
+        <a:lstStyle/>
+        <a:p>
+          <a:endParaRPr lang="en-US"/>
+        </a:p>
+      </dgm:t>
+    </dgm:pt>
+    <dgm:pt modelId="{175B1F88-5354-458B-82D5-1B730D64D416}">
+      <dgm:prSet custT="1"/>
+      <dgm:spPr/>
+      <dgm:t>
+        <a:bodyPr/>
+        <a:lstStyle/>
+        <a:p>
+          <a:r>
+            <a:rPr lang="en-US" sz="2000" dirty="0"/>
+            <a:t>Docker Desktop (SQL Server 2022 image)</a:t>
+          </a:r>
+        </a:p>
+      </dgm:t>
+    </dgm:pt>
+    <dgm:pt modelId="{926AB31F-4DFC-4607-8512-750DD69FCC5B}" type="parTrans" cxnId="{6D1556AF-74E8-499A-9476-CC5C6E665D9B}">
+      <dgm:prSet/>
+      <dgm:spPr/>
+      <dgm:t>
+        <a:bodyPr/>
+        <a:lstStyle/>
+        <a:p>
+          <a:endParaRPr lang="en-US"/>
+        </a:p>
+      </dgm:t>
+    </dgm:pt>
+    <dgm:pt modelId="{5063527F-D604-4A66-B091-0F71C2B5E30F}" type="sibTrans" cxnId="{6D1556AF-74E8-499A-9476-CC5C6E665D9B}">
+      <dgm:prSet/>
+      <dgm:spPr/>
+      <dgm:t>
+        <a:bodyPr/>
+        <a:lstStyle/>
+        <a:p>
+          <a:endParaRPr lang="en-US"/>
+        </a:p>
+      </dgm:t>
+    </dgm:pt>
+    <dgm:pt modelId="{29E9F61B-F81A-41E7-9C5F-3180D13F5879}">
+      <dgm:prSet custT="1"/>
+      <dgm:spPr/>
+      <dgm:t>
+        <a:bodyPr/>
+        <a:lstStyle/>
+        <a:p>
+          <a:pPr algn="ctr"/>
+          <a:r>
+            <a:rPr lang="en-US" sz="2800" dirty="0"/>
+            <a:t>Number of Tables</a:t>
+          </a:r>
+        </a:p>
+      </dgm:t>
+    </dgm:pt>
+    <dgm:pt modelId="{D47197B5-DB91-4E61-B917-099E851F6FDD}" type="parTrans" cxnId="{B499B588-3537-43FA-9FD9-61C85D395A86}">
+      <dgm:prSet/>
+      <dgm:spPr/>
+      <dgm:t>
+        <a:bodyPr/>
+        <a:lstStyle/>
+        <a:p>
+          <a:endParaRPr lang="en-US"/>
+        </a:p>
+      </dgm:t>
+    </dgm:pt>
+    <dgm:pt modelId="{F9183805-3D15-4DB9-AF2C-051AABC8F849}" type="sibTrans" cxnId="{B499B588-3537-43FA-9FD9-61C85D395A86}">
+      <dgm:prSet/>
+      <dgm:spPr/>
+      <dgm:t>
+        <a:bodyPr/>
+        <a:lstStyle/>
+        <a:p>
+          <a:endParaRPr lang="en-US"/>
+        </a:p>
+      </dgm:t>
+    </dgm:pt>
+    <dgm:pt modelId="{0B7F0BD3-B4EC-4044-8A86-C34AC848A868}">
+      <dgm:prSet/>
+      <dgm:spPr/>
+      <dgm:t>
+        <a:bodyPr/>
+        <a:lstStyle/>
+        <a:p>
+          <a:pPr algn="ctr">
+            <a:buFont typeface="Wingdings" panose="05000000000000000000" pitchFamily="2" charset="2"/>
+            <a:buNone/>
+          </a:pPr>
+          <a:r>
+            <a:rPr lang="en-US" dirty="0"/>
+            <a:t>  2</a:t>
+          </a:r>
+        </a:p>
+      </dgm:t>
+    </dgm:pt>
+    <dgm:pt modelId="{56C6B632-9A99-45CC-88B3-B9236ADF3D7B}" type="parTrans" cxnId="{E76EDE80-F521-415E-8E2C-E3F7AD86AAFF}">
+      <dgm:prSet/>
+      <dgm:spPr/>
+      <dgm:t>
+        <a:bodyPr/>
+        <a:lstStyle/>
+        <a:p>
+          <a:endParaRPr lang="en-US"/>
+        </a:p>
+      </dgm:t>
+    </dgm:pt>
+    <dgm:pt modelId="{5277F2B2-D122-4991-8800-3AE44B18F7BC}" type="sibTrans" cxnId="{E76EDE80-F521-415E-8E2C-E3F7AD86AAFF}">
+      <dgm:prSet/>
+      <dgm:spPr/>
+      <dgm:t>
+        <a:bodyPr/>
+        <a:lstStyle/>
+        <a:p>
+          <a:endParaRPr lang="en-US"/>
+        </a:p>
+      </dgm:t>
+    </dgm:pt>
+    <dgm:pt modelId="{05C1E3DE-DCA9-49C2-95B2-914DB0457C1F}">
+      <dgm:prSet custT="1"/>
+      <dgm:spPr/>
+      <dgm:t>
+        <a:bodyPr/>
+        <a:lstStyle/>
+        <a:p>
+          <a:endParaRPr lang="en-US" sz="2000" dirty="0"/>
+        </a:p>
+      </dgm:t>
+    </dgm:pt>
+    <dgm:pt modelId="{54A39C23-8EB9-4244-A830-4D0BD772F83D}" type="parTrans" cxnId="{E3CB7461-3885-49A5-AA39-227840ECACF7}">
+      <dgm:prSet/>
+      <dgm:spPr/>
+      <dgm:t>
+        <a:bodyPr/>
+        <a:lstStyle/>
+        <a:p>
+          <a:endParaRPr lang="en-US"/>
+        </a:p>
+      </dgm:t>
+    </dgm:pt>
+    <dgm:pt modelId="{F681D4ED-5B52-46FA-B7D3-82727C3CD9BD}" type="sibTrans" cxnId="{E3CB7461-3885-49A5-AA39-227840ECACF7}">
+      <dgm:prSet/>
+      <dgm:spPr/>
+      <dgm:t>
+        <a:bodyPr/>
+        <a:lstStyle/>
+        <a:p>
+          <a:endParaRPr lang="en-US"/>
+        </a:p>
+      </dgm:t>
+    </dgm:pt>
+    <dgm:pt modelId="{DEB23862-F34D-4AF6-85C9-76EA6EA8D004}">
+      <dgm:prSet custT="1"/>
+      <dgm:spPr/>
+      <dgm:t>
+        <a:bodyPr/>
+        <a:lstStyle/>
+        <a:p>
+          <a:r>
+            <a:rPr lang="en-US" sz="2000" dirty="0"/>
+            <a:t>SQLite (for offline storage)</a:t>
+          </a:r>
+        </a:p>
+      </dgm:t>
+    </dgm:pt>
+    <dgm:pt modelId="{0F23F7FD-7ECD-4CF1-B9DF-4F746EB0B795}" type="parTrans" cxnId="{D509A3A2-9F2A-4A24-9743-9F2D04FAF633}">
+      <dgm:prSet/>
+      <dgm:spPr/>
+      <dgm:t>
+        <a:bodyPr/>
+        <a:lstStyle/>
+        <a:p>
+          <a:endParaRPr lang="en-US"/>
+        </a:p>
+      </dgm:t>
+    </dgm:pt>
+    <dgm:pt modelId="{CCD23012-DA14-41ED-ABC0-F53900C6FD7F}" type="sibTrans" cxnId="{D509A3A2-9F2A-4A24-9743-9F2D04FAF633}">
+      <dgm:prSet/>
+      <dgm:spPr/>
+      <dgm:t>
+        <a:bodyPr/>
+        <a:lstStyle/>
+        <a:p>
+          <a:endParaRPr lang="en-US"/>
+        </a:p>
+      </dgm:t>
+    </dgm:pt>
+    <dgm:pt modelId="{9D2B4393-30EF-497E-96B7-133E0C0F17BC}">
+      <dgm:prSet custT="1"/>
+      <dgm:spPr/>
+      <dgm:t>
+        <a:bodyPr/>
+        <a:lstStyle/>
+        <a:p>
+          <a:r>
+            <a:rPr lang="en-US" sz="2000" dirty="0"/>
+            <a:t>Entity Framework to created database in C#</a:t>
+          </a:r>
+        </a:p>
+      </dgm:t>
+    </dgm:pt>
+    <dgm:pt modelId="{656C85EB-3164-43B2-A47A-ED77527DA6C2}" type="parTrans" cxnId="{CA861F8C-1647-4CF0-9A9F-92B04E36A171}">
+      <dgm:prSet/>
+      <dgm:spPr/>
+      <dgm:t>
+        <a:bodyPr/>
+        <a:lstStyle/>
+        <a:p>
+          <a:endParaRPr lang="en-US"/>
+        </a:p>
+      </dgm:t>
+    </dgm:pt>
+    <dgm:pt modelId="{44C333C0-EF7A-4F8C-A27F-E0D608B363F1}" type="sibTrans" cxnId="{CA861F8C-1647-4CF0-9A9F-92B04E36A171}">
+      <dgm:prSet/>
+      <dgm:spPr/>
+      <dgm:t>
+        <a:bodyPr/>
+        <a:lstStyle/>
+        <a:p>
+          <a:endParaRPr lang="en-US"/>
+        </a:p>
+      </dgm:t>
+    </dgm:pt>
+    <dgm:pt modelId="{013E1D57-8E9D-48BA-AE6B-171277A71011}" type="pres">
+      <dgm:prSet presAssocID="{DC1D6848-C77D-48EB-B3B7-D92B9A201815}" presName="linear" presStyleCnt="0">
+        <dgm:presLayoutVars>
+          <dgm:animLvl val="lvl"/>
+          <dgm:resizeHandles val="exact"/>
+        </dgm:presLayoutVars>
+      </dgm:prSet>
+      <dgm:spPr/>
+    </dgm:pt>
+    <dgm:pt modelId="{7DCF3B4F-87B5-4A41-AD23-DFA35E27D8EB}" type="pres">
+      <dgm:prSet presAssocID="{014ED656-13E9-476D-A12B-4D2E81F19E6D}" presName="parentText" presStyleLbl="node1" presStyleIdx="0" presStyleCnt="2" custScaleY="59545" custLinFactNeighborY="-26399">
+        <dgm:presLayoutVars>
+          <dgm:chMax val="0"/>
+          <dgm:bulletEnabled val="1"/>
+        </dgm:presLayoutVars>
+      </dgm:prSet>
+      <dgm:spPr/>
+    </dgm:pt>
+    <dgm:pt modelId="{30421611-3302-461B-AFCE-FFE3C31C7A5C}" type="pres">
+      <dgm:prSet presAssocID="{014ED656-13E9-476D-A12B-4D2E81F19E6D}" presName="childText" presStyleLbl="revTx" presStyleIdx="0" presStyleCnt="2" custLinFactNeighborY="6565">
+        <dgm:presLayoutVars>
+          <dgm:bulletEnabled val="1"/>
+        </dgm:presLayoutVars>
+      </dgm:prSet>
+      <dgm:spPr/>
+    </dgm:pt>
+    <dgm:pt modelId="{864B2808-3B3F-4C26-AE7D-0D50158080F3}" type="pres">
+      <dgm:prSet presAssocID="{29E9F61B-F81A-41E7-9C5F-3180D13F5879}" presName="parentText" presStyleLbl="node1" presStyleIdx="1" presStyleCnt="2" custScaleX="100000" custScaleY="57311">
+        <dgm:presLayoutVars>
+          <dgm:chMax val="0"/>
+          <dgm:bulletEnabled val="1"/>
+        </dgm:presLayoutVars>
+      </dgm:prSet>
+      <dgm:spPr/>
+    </dgm:pt>
+    <dgm:pt modelId="{F74057CB-1786-4985-9494-740E7A8DE547}" type="pres">
+      <dgm:prSet presAssocID="{29E9F61B-F81A-41E7-9C5F-3180D13F5879}" presName="childText" presStyleLbl="revTx" presStyleIdx="1" presStyleCnt="2">
+        <dgm:presLayoutVars>
+          <dgm:bulletEnabled val="1"/>
+        </dgm:presLayoutVars>
+      </dgm:prSet>
+      <dgm:spPr/>
+    </dgm:pt>
+  </dgm:ptLst>
+  <dgm:cxnLst>
+    <dgm:cxn modelId="{60A1B31D-7859-4C38-8032-C045EAEDC956}" type="presOf" srcId="{29E9F61B-F81A-41E7-9C5F-3180D13F5879}" destId="{864B2808-3B3F-4C26-AE7D-0D50158080F3}" srcOrd="0" destOrd="0" presId="urn:microsoft.com/office/officeart/2005/8/layout/vList2"/>
+    <dgm:cxn modelId="{B9285334-EE84-4B09-B1D4-8800C82C224D}" type="presOf" srcId="{9D2B4393-30EF-497E-96B7-133E0C0F17BC}" destId="{30421611-3302-461B-AFCE-FFE3C31C7A5C}" srcOrd="0" destOrd="3" presId="urn:microsoft.com/office/officeart/2005/8/layout/vList2"/>
+    <dgm:cxn modelId="{FCA14C35-76E5-4E04-BD6C-72FFE6E6E895}" type="presOf" srcId="{014ED656-13E9-476D-A12B-4D2E81F19E6D}" destId="{7DCF3B4F-87B5-4A41-AD23-DFA35E27D8EB}" srcOrd="0" destOrd="0" presId="urn:microsoft.com/office/officeart/2005/8/layout/vList2"/>
+    <dgm:cxn modelId="{841EFF3A-439A-4539-8609-76221D1B7CB3}" type="presOf" srcId="{DC1D6848-C77D-48EB-B3B7-D92B9A201815}" destId="{013E1D57-8E9D-48BA-AE6B-171277A71011}" srcOrd="0" destOrd="0" presId="urn:microsoft.com/office/officeart/2005/8/layout/vList2"/>
+    <dgm:cxn modelId="{E3CB7461-3885-49A5-AA39-227840ECACF7}" srcId="{014ED656-13E9-476D-A12B-4D2E81F19E6D}" destId="{05C1E3DE-DCA9-49C2-95B2-914DB0457C1F}" srcOrd="4" destOrd="0" parTransId="{54A39C23-8EB9-4244-A830-4D0BD772F83D}" sibTransId="{F681D4ED-5B52-46FA-B7D3-82727C3CD9BD}"/>
+    <dgm:cxn modelId="{B0C36B5A-D96A-4FDA-95F2-59BEBC025D37}" type="presOf" srcId="{175B1F88-5354-458B-82D5-1B730D64D416}" destId="{30421611-3302-461B-AFCE-FFE3C31C7A5C}" srcOrd="0" destOrd="1" presId="urn:microsoft.com/office/officeart/2005/8/layout/vList2"/>
+    <dgm:cxn modelId="{E76EDE80-F521-415E-8E2C-E3F7AD86AAFF}" srcId="{29E9F61B-F81A-41E7-9C5F-3180D13F5879}" destId="{0B7F0BD3-B4EC-4044-8A86-C34AC848A868}" srcOrd="0" destOrd="0" parTransId="{56C6B632-9A99-45CC-88B3-B9236ADF3D7B}" sibTransId="{5277F2B2-D122-4991-8800-3AE44B18F7BC}"/>
+    <dgm:cxn modelId="{B499B588-3537-43FA-9FD9-61C85D395A86}" srcId="{DC1D6848-C77D-48EB-B3B7-D92B9A201815}" destId="{29E9F61B-F81A-41E7-9C5F-3180D13F5879}" srcOrd="1" destOrd="0" parTransId="{D47197B5-DB91-4E61-B917-099E851F6FDD}" sibTransId="{F9183805-3D15-4DB9-AF2C-051AABC8F849}"/>
+    <dgm:cxn modelId="{864DB189-0B0F-4F3B-9E40-44B5CE3F09A0}" srcId="{014ED656-13E9-476D-A12B-4D2E81F19E6D}" destId="{30FC0AC5-167E-4CD8-AF6E-8F0B484AB9B1}" srcOrd="0" destOrd="0" parTransId="{51942ECD-719E-4511-A4C6-EDB281F0EE53}" sibTransId="{C7173E86-E269-4A95-BF0A-DABED2232792}"/>
+    <dgm:cxn modelId="{CA861F8C-1647-4CF0-9A9F-92B04E36A171}" srcId="{014ED656-13E9-476D-A12B-4D2E81F19E6D}" destId="{9D2B4393-30EF-497E-96B7-133E0C0F17BC}" srcOrd="3" destOrd="0" parTransId="{656C85EB-3164-43B2-A47A-ED77527DA6C2}" sibTransId="{44C333C0-EF7A-4F8C-A27F-E0D608B363F1}"/>
+    <dgm:cxn modelId="{8FCA2A9D-41EB-4A11-802C-7863724C15A7}" srcId="{DC1D6848-C77D-48EB-B3B7-D92B9A201815}" destId="{014ED656-13E9-476D-A12B-4D2E81F19E6D}" srcOrd="0" destOrd="0" parTransId="{D6487B79-82A5-4CEA-892D-0B2F01961625}" sibTransId="{44B545FE-D7AF-4811-856B-E8A0B5A0C4F9}"/>
+    <dgm:cxn modelId="{D509A3A2-9F2A-4A24-9743-9F2D04FAF633}" srcId="{014ED656-13E9-476D-A12B-4D2E81F19E6D}" destId="{DEB23862-F34D-4AF6-85C9-76EA6EA8D004}" srcOrd="2" destOrd="0" parTransId="{0F23F7FD-7ECD-4CF1-B9DF-4F746EB0B795}" sibTransId="{CCD23012-DA14-41ED-ABC0-F53900C6FD7F}"/>
+    <dgm:cxn modelId="{0984A0A4-602D-476C-90E7-FF820A085F04}" type="presOf" srcId="{DEB23862-F34D-4AF6-85C9-76EA6EA8D004}" destId="{30421611-3302-461B-AFCE-FFE3C31C7A5C}" srcOrd="0" destOrd="2" presId="urn:microsoft.com/office/officeart/2005/8/layout/vList2"/>
+    <dgm:cxn modelId="{6D1556AF-74E8-499A-9476-CC5C6E665D9B}" srcId="{014ED656-13E9-476D-A12B-4D2E81F19E6D}" destId="{175B1F88-5354-458B-82D5-1B730D64D416}" srcOrd="1" destOrd="0" parTransId="{926AB31F-4DFC-4607-8512-750DD69FCC5B}" sibTransId="{5063527F-D604-4A66-B091-0F71C2B5E30F}"/>
+    <dgm:cxn modelId="{EF6C43B5-4402-4FB6-8C3B-243A121E27BF}" type="presOf" srcId="{05C1E3DE-DCA9-49C2-95B2-914DB0457C1F}" destId="{30421611-3302-461B-AFCE-FFE3C31C7A5C}" srcOrd="0" destOrd="4" presId="urn:microsoft.com/office/officeart/2005/8/layout/vList2"/>
+    <dgm:cxn modelId="{3E3546C7-66D6-4399-9740-1C0F780A9FF6}" type="presOf" srcId="{30FC0AC5-167E-4CD8-AF6E-8F0B484AB9B1}" destId="{30421611-3302-461B-AFCE-FFE3C31C7A5C}" srcOrd="0" destOrd="0" presId="urn:microsoft.com/office/officeart/2005/8/layout/vList2"/>
+    <dgm:cxn modelId="{969BF5C9-95E3-4675-A3EA-B1F2D2A53C18}" type="presOf" srcId="{0B7F0BD3-B4EC-4044-8A86-C34AC848A868}" destId="{F74057CB-1786-4985-9494-740E7A8DE547}" srcOrd="0" destOrd="0" presId="urn:microsoft.com/office/officeart/2005/8/layout/vList2"/>
+    <dgm:cxn modelId="{B120617E-DA88-41E9-B558-192AECACA0E1}" type="presParOf" srcId="{013E1D57-8E9D-48BA-AE6B-171277A71011}" destId="{7DCF3B4F-87B5-4A41-AD23-DFA35E27D8EB}" srcOrd="0" destOrd="0" presId="urn:microsoft.com/office/officeart/2005/8/layout/vList2"/>
+    <dgm:cxn modelId="{AC417C45-8F7A-4942-968F-871CEA05ED36}" type="presParOf" srcId="{013E1D57-8E9D-48BA-AE6B-171277A71011}" destId="{30421611-3302-461B-AFCE-FFE3C31C7A5C}" srcOrd="1" destOrd="0" presId="urn:microsoft.com/office/officeart/2005/8/layout/vList2"/>
+    <dgm:cxn modelId="{8C29CC35-F4D0-485E-9F41-599C0065E70F}" type="presParOf" srcId="{013E1D57-8E9D-48BA-AE6B-171277A71011}" destId="{864B2808-3B3F-4C26-AE7D-0D50158080F3}" srcOrd="2" destOrd="0" presId="urn:microsoft.com/office/officeart/2005/8/layout/vList2"/>
+    <dgm:cxn modelId="{CAF31BE3-8572-4607-A28D-FC9BD1705CCA}" type="presParOf" srcId="{013E1D57-8E9D-48BA-AE6B-171277A71011}" destId="{F74057CB-1786-4985-9494-740E7A8DE547}" srcOrd="3" destOrd="0" presId="urn:microsoft.com/office/officeart/2005/8/layout/vList2"/>
+  </dgm:cxnLst>
+  <dgm:bg/>
+  <dgm:whole/>
+  <dgm:extLst>
+    <a:ext uri="http://schemas.microsoft.com/office/drawing/2008/diagram">
+      <dsp:dataModelExt xmlns:dsp="http://schemas.microsoft.com/office/drawing/2008/diagram" relId="rId6" minVer="http://schemas.openxmlformats.org/drawingml/2006/diagram"/>
+    </a:ext>
+  </dgm:extLst>
+</dgm:dataModel>
+</file>
+
+<file path=ppt/diagrams/data2.xml><?xml version="1.0" encoding="utf-8"?>
+<dgm:dataModel xmlns:dgm="http://schemas.openxmlformats.org/drawingml/2006/diagram" xmlns:a="http://schemas.openxmlformats.org/drawingml/2006/main">
+  <dgm:ptLst>
+    <dgm:pt modelId="{A1ABA5DB-9B57-4ABE-B376-1E3A6B4A0D5E}" type="doc">
+      <dgm:prSet loTypeId="urn:microsoft.com/office/officeart/2005/8/layout/vList2" loCatId="list" qsTypeId="urn:microsoft.com/office/officeart/2005/8/quickstyle/simple1" qsCatId="simple" csTypeId="urn:microsoft.com/office/officeart/2005/8/colors/accent1_2" csCatId="accent1" phldr="1"/>
+      <dgm:spPr/>
+      <dgm:t>
+        <a:bodyPr/>
+        <a:lstStyle/>
+        <a:p>
+          <a:endParaRPr lang="en-US"/>
+        </a:p>
+      </dgm:t>
+    </dgm:pt>
+    <dgm:pt modelId="{605BA0F3-8431-4E49-9424-252492F482A2}">
+      <dgm:prSet custT="1"/>
+      <dgm:spPr/>
+      <dgm:t>
+        <a:bodyPr/>
+        <a:lstStyle/>
+        <a:p>
+          <a:r>
+            <a:rPr lang="en-US" sz="1600" b="1" dirty="0"/>
+            <a:t>SyncDates </a:t>
+          </a:r>
+          <a:r>
+            <a:rPr lang="en-US" sz="1600" dirty="0"/>
+            <a:t>(keeps track of timestamp of synchronization)</a:t>
+          </a:r>
+        </a:p>
+      </dgm:t>
+    </dgm:pt>
+    <dgm:pt modelId="{5E028ABB-0D7C-4551-8727-952B8F3FCB28}" type="parTrans" cxnId="{1E74DDC3-D7D1-40E6-9DF4-2958D5FA1D24}">
+      <dgm:prSet/>
+      <dgm:spPr/>
+      <dgm:t>
+        <a:bodyPr/>
+        <a:lstStyle/>
+        <a:p>
+          <a:endParaRPr lang="en-US"/>
+        </a:p>
+      </dgm:t>
+    </dgm:pt>
+    <dgm:pt modelId="{B52CDA4A-1C97-4903-AB19-888A90863346}" type="sibTrans" cxnId="{1E74DDC3-D7D1-40E6-9DF4-2958D5FA1D24}">
+      <dgm:prSet/>
+      <dgm:spPr/>
+      <dgm:t>
+        <a:bodyPr/>
+        <a:lstStyle/>
+        <a:p>
+          <a:endParaRPr lang="en-US"/>
+        </a:p>
+      </dgm:t>
+    </dgm:pt>
+    <dgm:pt modelId="{6D0CDA08-0DD5-4909-873B-4EA3B8011293}">
+      <dgm:prSet custT="1"/>
+      <dgm:spPr/>
+      <dgm:t>
+        <a:bodyPr/>
+        <a:lstStyle/>
+        <a:p>
+          <a:pPr>
+            <a:buFont typeface="Courier New" panose="02070309020205020404" pitchFamily="49" charset="0"/>
+            <a:buChar char="o"/>
+          </a:pPr>
+          <a:r>
+            <a:rPr lang="en-US" sz="1600" b="0" dirty="0"/>
+            <a:t>Columns:</a:t>
+          </a:r>
+        </a:p>
+      </dgm:t>
+    </dgm:pt>
+    <dgm:pt modelId="{903F40AB-DC2F-4B77-8DCA-988F1648DDCF}" type="parTrans" cxnId="{74D3EE9C-AD0A-4D8E-B267-4894F460114C}">
+      <dgm:prSet/>
+      <dgm:spPr/>
+      <dgm:t>
+        <a:bodyPr/>
+        <a:lstStyle/>
+        <a:p>
+          <a:endParaRPr lang="en-US"/>
+        </a:p>
+      </dgm:t>
+    </dgm:pt>
+    <dgm:pt modelId="{223FFC4B-D134-4E90-BCFD-66E5E90240E9}" type="sibTrans" cxnId="{74D3EE9C-AD0A-4D8E-B267-4894F460114C}">
+      <dgm:prSet/>
+      <dgm:spPr/>
+      <dgm:t>
+        <a:bodyPr/>
+        <a:lstStyle/>
+        <a:p>
+          <a:endParaRPr lang="en-US"/>
+        </a:p>
+      </dgm:t>
+    </dgm:pt>
+    <dgm:pt modelId="{A9B770FD-A440-43D8-8F18-811AC2B88764}">
+      <dgm:prSet custT="1"/>
+      <dgm:spPr/>
+      <dgm:t>
+        <a:bodyPr/>
+        <a:lstStyle/>
+        <a:p>
+          <a:pPr>
+            <a:buFont typeface="Wingdings" panose="05000000000000000000" pitchFamily="2" charset="2"/>
+            <a:buChar char="Ø"/>
+          </a:pPr>
+          <a:r>
+            <a:rPr lang="en-US" sz="1600" dirty="0"/>
+            <a:t>ID (PK, int)</a:t>
+          </a:r>
+        </a:p>
+      </dgm:t>
+    </dgm:pt>
+    <dgm:pt modelId="{33D10775-B206-46FF-8F37-75D316A20B26}" type="parTrans" cxnId="{580B505B-4F45-4CAF-A3E1-D62BAB124A6E}">
+      <dgm:prSet/>
+      <dgm:spPr/>
+      <dgm:t>
+        <a:bodyPr/>
+        <a:lstStyle/>
+        <a:p>
+          <a:endParaRPr lang="en-US"/>
+        </a:p>
+      </dgm:t>
+    </dgm:pt>
+    <dgm:pt modelId="{55060C8F-6082-4BFD-AECB-1ABE00233A73}" type="sibTrans" cxnId="{580B505B-4F45-4CAF-A3E1-D62BAB124A6E}">
+      <dgm:prSet/>
+      <dgm:spPr/>
+      <dgm:t>
+        <a:bodyPr/>
+        <a:lstStyle/>
+        <a:p>
+          <a:endParaRPr lang="en-US"/>
+        </a:p>
+      </dgm:t>
+    </dgm:pt>
+    <dgm:pt modelId="{C49DD9F3-8DE6-4FBD-9ADD-D0396B9017F2}">
+      <dgm:prSet custT="1"/>
+      <dgm:spPr/>
+      <dgm:t>
+        <a:bodyPr/>
+        <a:lstStyle/>
+        <a:p>
+          <a:pPr algn="ctr"/>
+          <a:r>
+            <a:rPr lang="en-US" sz="3200" dirty="0"/>
+            <a:t>Meta Data Tables</a:t>
+          </a:r>
+        </a:p>
+      </dgm:t>
+    </dgm:pt>
+    <dgm:pt modelId="{8D012E2B-B624-4B44-AF6D-4F0A09A86160}" type="parTrans" cxnId="{2FC16D01-2452-4DE1-ADCF-DEB4A5033A3F}">
+      <dgm:prSet/>
+      <dgm:spPr/>
+      <dgm:t>
+        <a:bodyPr/>
+        <a:lstStyle/>
+        <a:p>
+          <a:endParaRPr lang="en-US"/>
+        </a:p>
+      </dgm:t>
+    </dgm:pt>
+    <dgm:pt modelId="{620E1480-5BC9-4415-82E4-1F04656509DF}" type="sibTrans" cxnId="{2FC16D01-2452-4DE1-ADCF-DEB4A5033A3F}">
+      <dgm:prSet/>
+      <dgm:spPr/>
+      <dgm:t>
+        <a:bodyPr/>
+        <a:lstStyle/>
+        <a:p>
+          <a:endParaRPr lang="en-US"/>
+        </a:p>
+      </dgm:t>
+    </dgm:pt>
+    <dgm:pt modelId="{F57BE5B3-7BCB-4676-B462-BD644EFE7375}">
+      <dgm:prSet custT="1"/>
+      <dgm:spPr/>
+      <dgm:t>
+        <a:bodyPr/>
+        <a:lstStyle/>
+        <a:p>
+          <a:pPr>
+            <a:buFont typeface="Wingdings" panose="05000000000000000000" pitchFamily="2" charset="2"/>
+            <a:buChar char="Ø"/>
+          </a:pPr>
+          <a:r>
+            <a:rPr lang="en-US" sz="1600" dirty="0"/>
+            <a:t>Records added (int)</a:t>
+          </a:r>
+        </a:p>
+      </dgm:t>
+    </dgm:pt>
+    <dgm:pt modelId="{27F45BF1-3B80-4152-B578-A715FBF06629}" type="parTrans" cxnId="{9C565DAB-FAB0-46AB-A9DA-665D057C5C8B}">
+      <dgm:prSet/>
+      <dgm:spPr/>
+      <dgm:t>
+        <a:bodyPr/>
+        <a:lstStyle/>
+        <a:p>
+          <a:endParaRPr lang="en-US"/>
+        </a:p>
+      </dgm:t>
+    </dgm:pt>
+    <dgm:pt modelId="{09C7EFF9-1599-4A6D-80B0-6DAB254E55B1}" type="sibTrans" cxnId="{9C565DAB-FAB0-46AB-A9DA-665D057C5C8B}">
+      <dgm:prSet/>
+      <dgm:spPr/>
+      <dgm:t>
+        <a:bodyPr/>
+        <a:lstStyle/>
+        <a:p>
+          <a:endParaRPr lang="en-US"/>
+        </a:p>
+      </dgm:t>
+    </dgm:pt>
+    <dgm:pt modelId="{EC0645DF-F354-4978-9980-CEC4A61EB0B9}">
+      <dgm:prSet custT="1"/>
+      <dgm:spPr/>
+      <dgm:t>
+        <a:bodyPr/>
+        <a:lstStyle/>
+        <a:p>
+          <a:pPr>
+            <a:buFont typeface="Wingdings" panose="05000000000000000000" pitchFamily="2" charset="2"/>
+            <a:buChar char="Ø"/>
+          </a:pPr>
+          <a:r>
+            <a:rPr lang="en-US" sz="1600" dirty="0" err="1"/>
+            <a:t>TimeSynced</a:t>
+          </a:r>
+          <a:r>
+            <a:rPr lang="en-US" sz="1600" dirty="0"/>
+            <a:t> (Datetime)</a:t>
+          </a:r>
+        </a:p>
+      </dgm:t>
+    </dgm:pt>
+    <dgm:pt modelId="{45A6B291-06FC-48E5-A3FC-C5742496117B}" type="parTrans" cxnId="{6D830E65-73F2-45C4-9903-5F41C35833D5}">
+      <dgm:prSet/>
+      <dgm:spPr/>
+      <dgm:t>
+        <a:bodyPr/>
+        <a:lstStyle/>
+        <a:p>
+          <a:endParaRPr lang="en-US"/>
+        </a:p>
+      </dgm:t>
+    </dgm:pt>
+    <dgm:pt modelId="{CC8DC1FB-AC9B-468B-8D6A-E373F43DD203}" type="sibTrans" cxnId="{6D830E65-73F2-45C4-9903-5F41C35833D5}">
+      <dgm:prSet/>
+      <dgm:spPr/>
+      <dgm:t>
+        <a:bodyPr/>
+        <a:lstStyle/>
+        <a:p>
+          <a:endParaRPr lang="en-US"/>
+        </a:p>
+      </dgm:t>
+    </dgm:pt>
+    <dgm:pt modelId="{45C688C0-F75E-4ADD-A64F-D03F4B3F93B5}" type="pres">
+      <dgm:prSet presAssocID="{A1ABA5DB-9B57-4ABE-B376-1E3A6B4A0D5E}" presName="linear" presStyleCnt="0">
+        <dgm:presLayoutVars>
+          <dgm:animLvl val="lvl"/>
+          <dgm:resizeHandles val="exact"/>
+        </dgm:presLayoutVars>
+      </dgm:prSet>
+      <dgm:spPr/>
+    </dgm:pt>
+    <dgm:pt modelId="{B39BF8CF-F1A8-47D3-9483-C85CBD6FE8E8}" type="pres">
+      <dgm:prSet presAssocID="{C49DD9F3-8DE6-4FBD-9ADD-D0396B9017F2}" presName="parentText" presStyleLbl="node1" presStyleIdx="0" presStyleCnt="1" custScaleY="57207">
+        <dgm:presLayoutVars>
+          <dgm:chMax val="0"/>
+          <dgm:bulletEnabled val="1"/>
+        </dgm:presLayoutVars>
+      </dgm:prSet>
+      <dgm:spPr/>
+    </dgm:pt>
+    <dgm:pt modelId="{E807A3C3-F045-42A3-A0E6-94914A3AE350}" type="pres">
+      <dgm:prSet presAssocID="{C49DD9F3-8DE6-4FBD-9ADD-D0396B9017F2}" presName="childText" presStyleLbl="revTx" presStyleIdx="0" presStyleCnt="1">
+        <dgm:presLayoutVars>
+          <dgm:bulletEnabled val="1"/>
+        </dgm:presLayoutVars>
+      </dgm:prSet>
+      <dgm:spPr/>
+    </dgm:pt>
+  </dgm:ptLst>
+  <dgm:cxnLst>
+    <dgm:cxn modelId="{2FC16D01-2452-4DE1-ADCF-DEB4A5033A3F}" srcId="{A1ABA5DB-9B57-4ABE-B376-1E3A6B4A0D5E}" destId="{C49DD9F3-8DE6-4FBD-9ADD-D0396B9017F2}" srcOrd="0" destOrd="0" parTransId="{8D012E2B-B624-4B44-AF6D-4F0A09A86160}" sibTransId="{620E1480-5BC9-4415-82E4-1F04656509DF}"/>
+    <dgm:cxn modelId="{31A05402-FDA2-4C78-B587-C73F6F65BDF0}" type="presOf" srcId="{EC0645DF-F354-4978-9980-CEC4A61EB0B9}" destId="{E807A3C3-F045-42A3-A0E6-94914A3AE350}" srcOrd="0" destOrd="4" presId="urn:microsoft.com/office/officeart/2005/8/layout/vList2"/>
+    <dgm:cxn modelId="{F539760B-D8EF-4CBD-BEEE-2BBAFBD0E361}" type="presOf" srcId="{6D0CDA08-0DD5-4909-873B-4EA3B8011293}" destId="{E807A3C3-F045-42A3-A0E6-94914A3AE350}" srcOrd="0" destOrd="1" presId="urn:microsoft.com/office/officeart/2005/8/layout/vList2"/>
+    <dgm:cxn modelId="{D1358F2E-6C93-430F-9D0D-F941C6E2D074}" type="presOf" srcId="{605BA0F3-8431-4E49-9424-252492F482A2}" destId="{E807A3C3-F045-42A3-A0E6-94914A3AE350}" srcOrd="0" destOrd="0" presId="urn:microsoft.com/office/officeart/2005/8/layout/vList2"/>
+    <dgm:cxn modelId="{580B505B-4F45-4CAF-A3E1-D62BAB124A6E}" srcId="{605BA0F3-8431-4E49-9424-252492F482A2}" destId="{A9B770FD-A440-43D8-8F18-811AC2B88764}" srcOrd="1" destOrd="0" parTransId="{33D10775-B206-46FF-8F37-75D316A20B26}" sibTransId="{55060C8F-6082-4BFD-AECB-1ABE00233A73}"/>
+    <dgm:cxn modelId="{6D830E65-73F2-45C4-9903-5F41C35833D5}" srcId="{605BA0F3-8431-4E49-9424-252492F482A2}" destId="{EC0645DF-F354-4978-9980-CEC4A61EB0B9}" srcOrd="3" destOrd="0" parTransId="{45A6B291-06FC-48E5-A3FC-C5742496117B}" sibTransId="{CC8DC1FB-AC9B-468B-8D6A-E373F43DD203}"/>
+    <dgm:cxn modelId="{C8C1844D-BF80-466D-830F-0709E1585481}" type="presOf" srcId="{A1ABA5DB-9B57-4ABE-B376-1E3A6B4A0D5E}" destId="{45C688C0-F75E-4ADD-A64F-D03F4B3F93B5}" srcOrd="0" destOrd="0" presId="urn:microsoft.com/office/officeart/2005/8/layout/vList2"/>
+    <dgm:cxn modelId="{74D3EE9C-AD0A-4D8E-B267-4894F460114C}" srcId="{605BA0F3-8431-4E49-9424-252492F482A2}" destId="{6D0CDA08-0DD5-4909-873B-4EA3B8011293}" srcOrd="0" destOrd="0" parTransId="{903F40AB-DC2F-4B77-8DCA-988F1648DDCF}" sibTransId="{223FFC4B-D134-4E90-BCFD-66E5E90240E9}"/>
+    <dgm:cxn modelId="{9C565DAB-FAB0-46AB-A9DA-665D057C5C8B}" srcId="{605BA0F3-8431-4E49-9424-252492F482A2}" destId="{F57BE5B3-7BCB-4676-B462-BD644EFE7375}" srcOrd="2" destOrd="0" parTransId="{27F45BF1-3B80-4152-B578-A715FBF06629}" sibTransId="{09C7EFF9-1599-4A6D-80B0-6DAB254E55B1}"/>
+    <dgm:cxn modelId="{3C5BE8C0-8EB4-48BA-B9AC-00969A87E3CE}" type="presOf" srcId="{C49DD9F3-8DE6-4FBD-9ADD-D0396B9017F2}" destId="{B39BF8CF-F1A8-47D3-9483-C85CBD6FE8E8}" srcOrd="0" destOrd="0" presId="urn:microsoft.com/office/officeart/2005/8/layout/vList2"/>
+    <dgm:cxn modelId="{1E74DDC3-D7D1-40E6-9DF4-2958D5FA1D24}" srcId="{C49DD9F3-8DE6-4FBD-9ADD-D0396B9017F2}" destId="{605BA0F3-8431-4E49-9424-252492F482A2}" srcOrd="0" destOrd="0" parTransId="{5E028ABB-0D7C-4551-8727-952B8F3FCB28}" sibTransId="{B52CDA4A-1C97-4903-AB19-888A90863346}"/>
+    <dgm:cxn modelId="{70AD6ECC-6E1C-42FF-A853-BC9432DC48E7}" type="presOf" srcId="{F57BE5B3-7BCB-4676-B462-BD644EFE7375}" destId="{E807A3C3-F045-42A3-A0E6-94914A3AE350}" srcOrd="0" destOrd="3" presId="urn:microsoft.com/office/officeart/2005/8/layout/vList2"/>
+    <dgm:cxn modelId="{E979E6E9-7926-47C3-91A8-154D4675F170}" type="presOf" srcId="{A9B770FD-A440-43D8-8F18-811AC2B88764}" destId="{E807A3C3-F045-42A3-A0E6-94914A3AE350}" srcOrd="0" destOrd="2" presId="urn:microsoft.com/office/officeart/2005/8/layout/vList2"/>
+    <dgm:cxn modelId="{2848BBE2-7D46-4CEB-A053-D2BCFE26E9A0}" type="presParOf" srcId="{45C688C0-F75E-4ADD-A64F-D03F4B3F93B5}" destId="{B39BF8CF-F1A8-47D3-9483-C85CBD6FE8E8}" srcOrd="0" destOrd="0" presId="urn:microsoft.com/office/officeart/2005/8/layout/vList2"/>
+    <dgm:cxn modelId="{71E4AA34-780F-470B-93EF-D26741702218}" type="presParOf" srcId="{45C688C0-F75E-4ADD-A64F-D03F4B3F93B5}" destId="{E807A3C3-F045-42A3-A0E6-94914A3AE350}" srcOrd="1" destOrd="0" presId="urn:microsoft.com/office/officeart/2005/8/layout/vList2"/>
+  </dgm:cxnLst>
+  <dgm:bg/>
+  <dgm:whole/>
+  <dgm:extLst>
+    <a:ext uri="http://schemas.microsoft.com/office/drawing/2008/diagram">
+      <dsp:dataModelExt xmlns:dsp="http://schemas.microsoft.com/office/drawing/2008/diagram" relId="rId11" minVer="http://schemas.openxmlformats.org/drawingml/2006/diagram"/>
+    </a:ext>
+  </dgm:extLst>
+</dgm:dataModel>
+</file>
+
+<file path=ppt/diagrams/data3.xml><?xml version="1.0" encoding="utf-8"?>
+<dgm:dataModel xmlns:dgm="http://schemas.openxmlformats.org/drawingml/2006/diagram" xmlns:a="http://schemas.openxmlformats.org/drawingml/2006/main">
+  <dgm:ptLst>
+    <dgm:pt modelId="{9C7DC5AC-5311-4400-BD88-5F8268CF483C}" type="doc">
+      <dgm:prSet loTypeId="urn:microsoft.com/office/officeart/2005/8/layout/vList2" loCatId="list" qsTypeId="urn:microsoft.com/office/officeart/2005/8/quickstyle/simple1" qsCatId="simple" csTypeId="urn:microsoft.com/office/officeart/2005/8/colors/accent1_2" csCatId="accent1" phldr="1"/>
+      <dgm:spPr/>
+      <dgm:t>
+        <a:bodyPr/>
+        <a:lstStyle/>
+        <a:p>
+          <a:endParaRPr lang="en-US"/>
+        </a:p>
+      </dgm:t>
+    </dgm:pt>
+    <dgm:pt modelId="{2BC35948-F128-4F31-B9E1-4449658081FD}">
+      <dgm:prSet custT="1"/>
+      <dgm:spPr/>
+      <dgm:t>
+        <a:bodyPr/>
+        <a:lstStyle/>
+        <a:p>
+          <a:pPr algn="ctr"/>
+          <a:r>
+            <a:rPr lang="en-US" sz="2800" dirty="0"/>
+            <a:t>Primary Data Tables</a:t>
+          </a:r>
+        </a:p>
+      </dgm:t>
+    </dgm:pt>
+    <dgm:pt modelId="{CC637D40-0231-42A2-9EE6-79F765B3ABF7}" type="parTrans" cxnId="{4597FE34-20A8-41B0-88C3-A3D1B1FB45DD}">
+      <dgm:prSet/>
+      <dgm:spPr/>
+      <dgm:t>
+        <a:bodyPr/>
+        <a:lstStyle/>
+        <a:p>
+          <a:endParaRPr lang="en-US"/>
+        </a:p>
+      </dgm:t>
+    </dgm:pt>
+    <dgm:pt modelId="{C2A5C974-8579-483A-87E8-DBC7022526A9}" type="sibTrans" cxnId="{4597FE34-20A8-41B0-88C3-A3D1B1FB45DD}">
+      <dgm:prSet/>
+      <dgm:spPr/>
+      <dgm:t>
+        <a:bodyPr/>
+        <a:lstStyle/>
+        <a:p>
+          <a:endParaRPr lang="en-US"/>
+        </a:p>
+      </dgm:t>
+    </dgm:pt>
+    <dgm:pt modelId="{891D943E-B402-4AF1-AF49-CF7333FB22B7}">
+      <dgm:prSet/>
+      <dgm:spPr/>
+      <dgm:t>
+        <a:bodyPr/>
+        <a:lstStyle/>
+        <a:p>
+          <a:r>
+            <a:rPr lang="en-US" b="1" dirty="0"/>
+            <a:t>DeviceData </a:t>
+          </a:r>
+          <a:endParaRPr lang="en-US" dirty="0"/>
+        </a:p>
+      </dgm:t>
+    </dgm:pt>
+    <dgm:pt modelId="{ED3967B2-24EC-4D22-81E6-94FF40E812CF}" type="parTrans" cxnId="{FD34E8F3-1B91-46F7-A9F9-6EFDD5896EE8}">
+      <dgm:prSet/>
+      <dgm:spPr/>
+      <dgm:t>
+        <a:bodyPr/>
+        <a:lstStyle/>
+        <a:p>
+          <a:endParaRPr lang="en-US"/>
+        </a:p>
+      </dgm:t>
+    </dgm:pt>
+    <dgm:pt modelId="{5B280613-D4DF-4049-80E3-E617ACB4259C}" type="sibTrans" cxnId="{FD34E8F3-1B91-46F7-A9F9-6EFDD5896EE8}">
+      <dgm:prSet/>
+      <dgm:spPr/>
+      <dgm:t>
+        <a:bodyPr/>
+        <a:lstStyle/>
+        <a:p>
+          <a:endParaRPr lang="en-US"/>
+        </a:p>
+      </dgm:t>
+    </dgm:pt>
+    <dgm:pt modelId="{49FBF135-97BA-4CC6-9A26-FFF6F7419C54}">
+      <dgm:prSet/>
+      <dgm:spPr/>
+      <dgm:t>
+        <a:bodyPr/>
+        <a:lstStyle/>
+        <a:p>
+          <a:pPr>
+            <a:buFont typeface="Courier New" panose="02070309020205020404" pitchFamily="49" charset="0"/>
+            <a:buChar char="o"/>
+          </a:pPr>
+          <a:r>
+            <a:rPr lang="en-US" b="0" dirty="0"/>
+            <a:t> Columns:</a:t>
+          </a:r>
+        </a:p>
+      </dgm:t>
+    </dgm:pt>
+    <dgm:pt modelId="{F7913F32-2E07-4B70-AB13-4979241B88CC}" type="parTrans" cxnId="{588CA1B7-4720-4C4F-B2FD-79567DF7A53B}">
+      <dgm:prSet/>
+      <dgm:spPr/>
+      <dgm:t>
+        <a:bodyPr/>
+        <a:lstStyle/>
+        <a:p>
+          <a:endParaRPr lang="en-US"/>
+        </a:p>
+      </dgm:t>
+    </dgm:pt>
+    <dgm:pt modelId="{6294F1E8-B951-4AE3-B82B-620D65D0C9FF}" type="sibTrans" cxnId="{588CA1B7-4720-4C4F-B2FD-79567DF7A53B}">
+      <dgm:prSet/>
+      <dgm:spPr/>
+      <dgm:t>
+        <a:bodyPr/>
+        <a:lstStyle/>
+        <a:p>
+          <a:endParaRPr lang="en-US"/>
+        </a:p>
+      </dgm:t>
+    </dgm:pt>
+    <dgm:pt modelId="{E4C1EF40-419C-4AD4-B66C-B3C6EBEF8F8F}">
+      <dgm:prSet/>
+      <dgm:spPr/>
+      <dgm:t>
+        <a:bodyPr/>
+        <a:lstStyle/>
+        <a:p>
+          <a:pPr>
+            <a:buFont typeface="Wingdings" panose="05000000000000000000" pitchFamily="2" charset="2"/>
+            <a:buChar char="Ø"/>
+          </a:pPr>
+          <a:r>
+            <a:rPr lang="en-US" dirty="0"/>
+            <a:t>ID (PK, int)</a:t>
+          </a:r>
+        </a:p>
+      </dgm:t>
+    </dgm:pt>
+    <dgm:pt modelId="{5DF64FB2-3F9B-4F33-800D-D4FF1DF4ED56}" type="parTrans" cxnId="{2277E298-D0A8-4D71-8A8E-62168EFE08B5}">
+      <dgm:prSet/>
+      <dgm:spPr/>
+      <dgm:t>
+        <a:bodyPr/>
+        <a:lstStyle/>
+        <a:p>
+          <a:endParaRPr lang="en-US"/>
+        </a:p>
+      </dgm:t>
+    </dgm:pt>
+    <dgm:pt modelId="{12E96E8E-2DC7-47F7-A51D-BD04B18AEA8F}" type="sibTrans" cxnId="{2277E298-D0A8-4D71-8A8E-62168EFE08B5}">
+      <dgm:prSet/>
+      <dgm:spPr/>
+      <dgm:t>
+        <a:bodyPr/>
+        <a:lstStyle/>
+        <a:p>
+          <a:endParaRPr lang="en-US"/>
+        </a:p>
+      </dgm:t>
+    </dgm:pt>
+    <dgm:pt modelId="{DA568205-B8A7-452C-97F3-01D997066C19}">
+      <dgm:prSet/>
+      <dgm:spPr/>
+      <dgm:t>
+        <a:bodyPr/>
+        <a:lstStyle/>
+        <a:p>
+          <a:pPr>
+            <a:buFont typeface="Wingdings" panose="05000000000000000000" pitchFamily="2" charset="2"/>
+            <a:buChar char="Ø"/>
+          </a:pPr>
+          <a:r>
+            <a:rPr lang="en-US" dirty="0" err="1"/>
+            <a:t>DeviceName</a:t>
+          </a:r>
+          <a:r>
+            <a:rPr lang="en-US" dirty="0"/>
+            <a:t> (string)</a:t>
+          </a:r>
+        </a:p>
+      </dgm:t>
+    </dgm:pt>
+    <dgm:pt modelId="{462078DB-5EC6-42D6-8401-E85ED64E85BD}" type="parTrans" cxnId="{D027573C-5963-4B59-83C1-A268ED510C16}">
+      <dgm:prSet/>
+      <dgm:spPr/>
+      <dgm:t>
+        <a:bodyPr/>
+        <a:lstStyle/>
+        <a:p>
+          <a:endParaRPr lang="en-US"/>
+        </a:p>
+      </dgm:t>
+    </dgm:pt>
+    <dgm:pt modelId="{69BF2054-22DC-41CA-A616-5086941E8FEF}" type="sibTrans" cxnId="{D027573C-5963-4B59-83C1-A268ED510C16}">
+      <dgm:prSet/>
+      <dgm:spPr/>
+      <dgm:t>
+        <a:bodyPr/>
+        <a:lstStyle/>
+        <a:p>
+          <a:endParaRPr lang="en-US"/>
+        </a:p>
+      </dgm:t>
+    </dgm:pt>
+    <dgm:pt modelId="{9E5B6D15-C93C-4CBF-8241-E5F37AFE1D12}">
+      <dgm:prSet/>
+      <dgm:spPr/>
+      <dgm:t>
+        <a:bodyPr/>
+        <a:lstStyle/>
+        <a:p>
+          <a:pPr>
+            <a:buFont typeface="Wingdings" panose="05000000000000000000" pitchFamily="2" charset="2"/>
+            <a:buChar char="Ø"/>
+          </a:pPr>
+          <a:r>
+            <a:rPr lang="en-US" dirty="0" err="1"/>
+            <a:t>DeviceType</a:t>
+          </a:r>
+          <a:r>
+            <a:rPr lang="en-US" dirty="0"/>
+            <a:t> (string)</a:t>
+          </a:r>
+        </a:p>
+      </dgm:t>
+    </dgm:pt>
+    <dgm:pt modelId="{4599DC7D-B643-4CB0-8C76-7115BFED6054}" type="parTrans" cxnId="{A7BDE957-96D7-44D5-8F0B-AADDE74ADB95}">
+      <dgm:prSet/>
+      <dgm:spPr/>
+      <dgm:t>
+        <a:bodyPr/>
+        <a:lstStyle/>
+        <a:p>
+          <a:endParaRPr lang="en-US"/>
+        </a:p>
+      </dgm:t>
+    </dgm:pt>
+    <dgm:pt modelId="{C06EFC43-9A57-42F3-8273-03B679392881}" type="sibTrans" cxnId="{A7BDE957-96D7-44D5-8F0B-AADDE74ADB95}">
+      <dgm:prSet/>
+      <dgm:spPr/>
+      <dgm:t>
+        <a:bodyPr/>
+        <a:lstStyle/>
+        <a:p>
+          <a:endParaRPr lang="en-US"/>
+        </a:p>
+      </dgm:t>
+    </dgm:pt>
+    <dgm:pt modelId="{A38BCE25-AE31-4FEC-B177-D90A84398CF0}">
+      <dgm:prSet/>
+      <dgm:spPr/>
+      <dgm:t>
+        <a:bodyPr/>
+        <a:lstStyle/>
+        <a:p>
+          <a:pPr>
+            <a:buFont typeface="Wingdings" panose="05000000000000000000" pitchFamily="2" charset="2"/>
+            <a:buChar char="Ø"/>
+          </a:pPr>
+          <a:r>
+            <a:rPr lang="en-US" dirty="0"/>
+            <a:t>Timestamp (</a:t>
+          </a:r>
+          <a:r>
+            <a:rPr lang="en-US" dirty="0" err="1"/>
+            <a:t>DateTime</a:t>
+          </a:r>
+          <a:r>
+            <a:rPr lang="en-US" dirty="0"/>
+            <a:t>)</a:t>
+          </a:r>
+        </a:p>
+      </dgm:t>
+    </dgm:pt>
+    <dgm:pt modelId="{8443F6C3-D629-4867-A2AA-3746AEB9ED49}" type="parTrans" cxnId="{8678B736-83F9-4E29-8DAF-30ABFEB08108}">
+      <dgm:prSet/>
+      <dgm:spPr/>
+      <dgm:t>
+        <a:bodyPr/>
+        <a:lstStyle/>
+        <a:p>
+          <a:endParaRPr lang="en-US"/>
+        </a:p>
+      </dgm:t>
+    </dgm:pt>
+    <dgm:pt modelId="{B3627981-20F8-45DF-982E-C7A8B9D5F62C}" type="sibTrans" cxnId="{8678B736-83F9-4E29-8DAF-30ABFEB08108}">
+      <dgm:prSet/>
+      <dgm:spPr/>
+      <dgm:t>
+        <a:bodyPr/>
+        <a:lstStyle/>
+        <a:p>
+          <a:endParaRPr lang="en-US"/>
+        </a:p>
+      </dgm:t>
+    </dgm:pt>
+    <dgm:pt modelId="{8CB96B10-96A6-470A-8758-A95F6A6028EA}">
+      <dgm:prSet/>
+      <dgm:spPr/>
+      <dgm:t>
+        <a:bodyPr/>
+        <a:lstStyle/>
+        <a:p>
+          <a:pPr>
+            <a:buFont typeface="Wingdings" panose="05000000000000000000" pitchFamily="2" charset="2"/>
+            <a:buChar char="Ø"/>
+          </a:pPr>
+          <a:r>
+            <a:rPr lang="en-US"/>
+            <a:t>UOM1 (string)</a:t>
+          </a:r>
+        </a:p>
+      </dgm:t>
+    </dgm:pt>
+    <dgm:pt modelId="{11573A22-DCE9-417C-86D6-64C24937D279}" type="parTrans" cxnId="{49A665DA-73F1-4947-B190-FCC5BA036AC9}">
+      <dgm:prSet/>
+      <dgm:spPr/>
+      <dgm:t>
+        <a:bodyPr/>
+        <a:lstStyle/>
+        <a:p>
+          <a:endParaRPr lang="en-US"/>
+        </a:p>
+      </dgm:t>
+    </dgm:pt>
+    <dgm:pt modelId="{B4B2237A-84DB-49E1-BC97-560F913F4AF5}" type="sibTrans" cxnId="{49A665DA-73F1-4947-B190-FCC5BA036AC9}">
+      <dgm:prSet/>
+      <dgm:spPr/>
+      <dgm:t>
+        <a:bodyPr/>
+        <a:lstStyle/>
+        <a:p>
+          <a:endParaRPr lang="en-US"/>
+        </a:p>
+      </dgm:t>
+    </dgm:pt>
+    <dgm:pt modelId="{AABE8F41-006C-4608-9852-A8C6CE2B3E42}">
+      <dgm:prSet/>
+      <dgm:spPr/>
+      <dgm:t>
+        <a:bodyPr/>
+        <a:lstStyle/>
+        <a:p>
+          <a:pPr>
+            <a:buFont typeface="Wingdings" panose="05000000000000000000" pitchFamily="2" charset="2"/>
+            <a:buChar char="Ø"/>
+          </a:pPr>
+          <a:r>
+            <a:rPr lang="en-US" dirty="0"/>
+            <a:t>UOM1Value (double)</a:t>
+          </a:r>
+        </a:p>
+      </dgm:t>
+    </dgm:pt>
+    <dgm:pt modelId="{CA6412DC-8708-4CAF-BB52-899754179F0A}" type="parTrans" cxnId="{A6CB2150-B117-4C37-BDE6-9CE7B327FC8E}">
+      <dgm:prSet/>
+      <dgm:spPr/>
+      <dgm:t>
+        <a:bodyPr/>
+        <a:lstStyle/>
+        <a:p>
+          <a:endParaRPr lang="en-US"/>
+        </a:p>
+      </dgm:t>
+    </dgm:pt>
+    <dgm:pt modelId="{5373C613-35A0-4391-A78B-0C90613AE241}" type="sibTrans" cxnId="{A6CB2150-B117-4C37-BDE6-9CE7B327FC8E}">
+      <dgm:prSet/>
+      <dgm:spPr/>
+      <dgm:t>
+        <a:bodyPr/>
+        <a:lstStyle/>
+        <a:p>
+          <a:endParaRPr lang="en-US"/>
+        </a:p>
+      </dgm:t>
+    </dgm:pt>
+    <dgm:pt modelId="{A88EDCEE-600B-4DAB-B95A-CFA39F8B8F95}">
+      <dgm:prSet/>
+      <dgm:spPr/>
+      <dgm:t>
+        <a:bodyPr/>
+        <a:lstStyle/>
+        <a:p>
+          <a:pPr>
+            <a:buFont typeface="Wingdings" panose="05000000000000000000" pitchFamily="2" charset="2"/>
+            <a:buChar char="Ø"/>
+          </a:pPr>
+          <a:r>
+            <a:rPr lang="en-US" dirty="0"/>
+            <a:t>UOM2 (string)</a:t>
+          </a:r>
+        </a:p>
+      </dgm:t>
+    </dgm:pt>
+    <dgm:pt modelId="{0E0E7C54-F1C9-4025-8C85-7D0965C49F25}" type="parTrans" cxnId="{771E8832-DF97-4BAC-9F94-19D13996A248}">
+      <dgm:prSet/>
+      <dgm:spPr/>
+      <dgm:t>
+        <a:bodyPr/>
+        <a:lstStyle/>
+        <a:p>
+          <a:endParaRPr lang="en-US"/>
+        </a:p>
+      </dgm:t>
+    </dgm:pt>
+    <dgm:pt modelId="{289DCCC9-6B87-4303-8A33-51EE6FE9E848}" type="sibTrans" cxnId="{771E8832-DF97-4BAC-9F94-19D13996A248}">
+      <dgm:prSet/>
+      <dgm:spPr/>
+      <dgm:t>
+        <a:bodyPr/>
+        <a:lstStyle/>
+        <a:p>
+          <a:endParaRPr lang="en-US"/>
+        </a:p>
+      </dgm:t>
+    </dgm:pt>
+    <dgm:pt modelId="{99B9A513-1FD1-45BE-9BCC-017DA2ECB873}">
+      <dgm:prSet/>
+      <dgm:spPr/>
+      <dgm:t>
+        <a:bodyPr/>
+        <a:lstStyle/>
+        <a:p>
+          <a:pPr>
+            <a:buFont typeface="Wingdings" panose="05000000000000000000" pitchFamily="2" charset="2"/>
+            <a:buChar char="Ø"/>
+          </a:pPr>
+          <a:r>
+            <a:rPr lang="en-US" dirty="0"/>
+            <a:t>UOM2Value (double)</a:t>
+          </a:r>
+        </a:p>
+      </dgm:t>
+    </dgm:pt>
+    <dgm:pt modelId="{A216B9BE-CF3C-481A-9CD8-8FF73D9B3552}" type="parTrans" cxnId="{D0F78476-67FE-4C2D-AECF-802B02AB5C57}">
+      <dgm:prSet/>
+      <dgm:spPr/>
+      <dgm:t>
+        <a:bodyPr/>
+        <a:lstStyle/>
+        <a:p>
+          <a:endParaRPr lang="en-US"/>
+        </a:p>
+      </dgm:t>
+    </dgm:pt>
+    <dgm:pt modelId="{DECC645B-0F02-44B2-B262-E4C9DCA440DA}" type="sibTrans" cxnId="{D0F78476-67FE-4C2D-AECF-802B02AB5C57}">
+      <dgm:prSet/>
+      <dgm:spPr/>
+      <dgm:t>
+        <a:bodyPr/>
+        <a:lstStyle/>
+        <a:p>
+          <a:endParaRPr lang="en-US"/>
+        </a:p>
+      </dgm:t>
+    </dgm:pt>
+    <dgm:pt modelId="{925CE6F7-7BE5-4F63-8B9B-5FA1CC393C71}" type="pres">
+      <dgm:prSet presAssocID="{9C7DC5AC-5311-4400-BD88-5F8268CF483C}" presName="linear" presStyleCnt="0">
+        <dgm:presLayoutVars>
+          <dgm:animLvl val="lvl"/>
+          <dgm:resizeHandles val="exact"/>
+        </dgm:presLayoutVars>
+      </dgm:prSet>
+      <dgm:spPr/>
+    </dgm:pt>
+    <dgm:pt modelId="{029BA5AA-AEDF-4F26-A233-CBE8C33A802B}" type="pres">
+      <dgm:prSet presAssocID="{2BC35948-F128-4F31-B9E1-4449658081FD}" presName="parentText" presStyleLbl="node1" presStyleIdx="0" presStyleCnt="1">
+        <dgm:presLayoutVars>
+          <dgm:chMax val="0"/>
+          <dgm:bulletEnabled val="1"/>
+        </dgm:presLayoutVars>
+      </dgm:prSet>
+      <dgm:spPr/>
+    </dgm:pt>
+    <dgm:pt modelId="{2B78AC24-3F73-4730-82D6-D88CCB6E98A3}" type="pres">
+      <dgm:prSet presAssocID="{2BC35948-F128-4F31-B9E1-4449658081FD}" presName="childText" presStyleLbl="revTx" presStyleIdx="0" presStyleCnt="1">
+        <dgm:presLayoutVars>
+          <dgm:bulletEnabled val="1"/>
+        </dgm:presLayoutVars>
+      </dgm:prSet>
+      <dgm:spPr/>
+    </dgm:pt>
+  </dgm:ptLst>
+  <dgm:cxnLst>
+    <dgm:cxn modelId="{6759F30B-2E2F-46BB-B7F8-E0247641D906}" type="presOf" srcId="{99B9A513-1FD1-45BE-9BCC-017DA2ECB873}" destId="{2B78AC24-3F73-4730-82D6-D88CCB6E98A3}" srcOrd="0" destOrd="9" presId="urn:microsoft.com/office/officeart/2005/8/layout/vList2"/>
+    <dgm:cxn modelId="{29A38213-3786-45AD-9F4E-686AC9AE8227}" type="presOf" srcId="{9E5B6D15-C93C-4CBF-8241-E5F37AFE1D12}" destId="{2B78AC24-3F73-4730-82D6-D88CCB6E98A3}" srcOrd="0" destOrd="4" presId="urn:microsoft.com/office/officeart/2005/8/layout/vList2"/>
+    <dgm:cxn modelId="{4A4E6B24-AF61-44B4-B79E-0B18D4355842}" type="presOf" srcId="{A38BCE25-AE31-4FEC-B177-D90A84398CF0}" destId="{2B78AC24-3F73-4730-82D6-D88CCB6E98A3}" srcOrd="0" destOrd="5" presId="urn:microsoft.com/office/officeart/2005/8/layout/vList2"/>
+    <dgm:cxn modelId="{803ADE29-9BC3-46B8-B4F5-621662FCF516}" type="presOf" srcId="{8CB96B10-96A6-470A-8758-A95F6A6028EA}" destId="{2B78AC24-3F73-4730-82D6-D88CCB6E98A3}" srcOrd="0" destOrd="6" presId="urn:microsoft.com/office/officeart/2005/8/layout/vList2"/>
+    <dgm:cxn modelId="{771E8832-DF97-4BAC-9F94-19D13996A248}" srcId="{891D943E-B402-4AF1-AF49-CF7333FB22B7}" destId="{A88EDCEE-600B-4DAB-B95A-CFA39F8B8F95}" srcOrd="7" destOrd="0" parTransId="{0E0E7C54-F1C9-4025-8C85-7D0965C49F25}" sibTransId="{289DCCC9-6B87-4303-8A33-51EE6FE9E848}"/>
+    <dgm:cxn modelId="{4597FE34-20A8-41B0-88C3-A3D1B1FB45DD}" srcId="{9C7DC5AC-5311-4400-BD88-5F8268CF483C}" destId="{2BC35948-F128-4F31-B9E1-4449658081FD}" srcOrd="0" destOrd="0" parTransId="{CC637D40-0231-42A2-9EE6-79F765B3ABF7}" sibTransId="{C2A5C974-8579-483A-87E8-DBC7022526A9}"/>
+    <dgm:cxn modelId="{8678B736-83F9-4E29-8DAF-30ABFEB08108}" srcId="{891D943E-B402-4AF1-AF49-CF7333FB22B7}" destId="{A38BCE25-AE31-4FEC-B177-D90A84398CF0}" srcOrd="4" destOrd="0" parTransId="{8443F6C3-D629-4867-A2AA-3746AEB9ED49}" sibTransId="{B3627981-20F8-45DF-982E-C7A8B9D5F62C}"/>
+    <dgm:cxn modelId="{D027573C-5963-4B59-83C1-A268ED510C16}" srcId="{891D943E-B402-4AF1-AF49-CF7333FB22B7}" destId="{DA568205-B8A7-452C-97F3-01D997066C19}" srcOrd="2" destOrd="0" parTransId="{462078DB-5EC6-42D6-8401-E85ED64E85BD}" sibTransId="{69BF2054-22DC-41CA-A616-5086941E8FEF}"/>
+    <dgm:cxn modelId="{F1B0544B-3093-498B-906C-2C2E48E3E0B7}" type="presOf" srcId="{E4C1EF40-419C-4AD4-B66C-B3C6EBEF8F8F}" destId="{2B78AC24-3F73-4730-82D6-D88CCB6E98A3}" srcOrd="0" destOrd="2" presId="urn:microsoft.com/office/officeart/2005/8/layout/vList2"/>
+    <dgm:cxn modelId="{4C9B6A4F-2B09-4F0B-A174-437F77DCD4D6}" type="presOf" srcId="{49FBF135-97BA-4CC6-9A26-FFF6F7419C54}" destId="{2B78AC24-3F73-4730-82D6-D88CCB6E98A3}" srcOrd="0" destOrd="1" presId="urn:microsoft.com/office/officeart/2005/8/layout/vList2"/>
+    <dgm:cxn modelId="{A6CB2150-B117-4C37-BDE6-9CE7B327FC8E}" srcId="{891D943E-B402-4AF1-AF49-CF7333FB22B7}" destId="{AABE8F41-006C-4608-9852-A8C6CE2B3E42}" srcOrd="6" destOrd="0" parTransId="{CA6412DC-8708-4CAF-BB52-899754179F0A}" sibTransId="{5373C613-35A0-4391-A78B-0C90613AE241}"/>
+    <dgm:cxn modelId="{D0F78476-67FE-4C2D-AECF-802B02AB5C57}" srcId="{891D943E-B402-4AF1-AF49-CF7333FB22B7}" destId="{99B9A513-1FD1-45BE-9BCC-017DA2ECB873}" srcOrd="8" destOrd="0" parTransId="{A216B9BE-CF3C-481A-9CD8-8FF73D9B3552}" sibTransId="{DECC645B-0F02-44B2-B262-E4C9DCA440DA}"/>
+    <dgm:cxn modelId="{A7BDE957-96D7-44D5-8F0B-AADDE74ADB95}" srcId="{891D943E-B402-4AF1-AF49-CF7333FB22B7}" destId="{9E5B6D15-C93C-4CBF-8241-E5F37AFE1D12}" srcOrd="3" destOrd="0" parTransId="{4599DC7D-B643-4CB0-8C76-7115BFED6054}" sibTransId="{C06EFC43-9A57-42F3-8273-03B679392881}"/>
+    <dgm:cxn modelId="{C37A5097-0E9A-4AE0-B4F7-8EF60D6CB98A}" type="presOf" srcId="{A88EDCEE-600B-4DAB-B95A-CFA39F8B8F95}" destId="{2B78AC24-3F73-4730-82D6-D88CCB6E98A3}" srcOrd="0" destOrd="8" presId="urn:microsoft.com/office/officeart/2005/8/layout/vList2"/>
+    <dgm:cxn modelId="{2277E298-D0A8-4D71-8A8E-62168EFE08B5}" srcId="{891D943E-B402-4AF1-AF49-CF7333FB22B7}" destId="{E4C1EF40-419C-4AD4-B66C-B3C6EBEF8F8F}" srcOrd="1" destOrd="0" parTransId="{5DF64FB2-3F9B-4F33-800D-D4FF1DF4ED56}" sibTransId="{12E96E8E-2DC7-47F7-A51D-BD04B18AEA8F}"/>
+    <dgm:cxn modelId="{777C62A4-4E52-45AD-AB44-82A72659DE2F}" type="presOf" srcId="{AABE8F41-006C-4608-9852-A8C6CE2B3E42}" destId="{2B78AC24-3F73-4730-82D6-D88CCB6E98A3}" srcOrd="0" destOrd="7" presId="urn:microsoft.com/office/officeart/2005/8/layout/vList2"/>
+    <dgm:cxn modelId="{588CA1B7-4720-4C4F-B2FD-79567DF7A53B}" srcId="{891D943E-B402-4AF1-AF49-CF7333FB22B7}" destId="{49FBF135-97BA-4CC6-9A26-FFF6F7419C54}" srcOrd="0" destOrd="0" parTransId="{F7913F32-2E07-4B70-AB13-4979241B88CC}" sibTransId="{6294F1E8-B951-4AE3-B82B-620D65D0C9FF}"/>
+    <dgm:cxn modelId="{9C4D03C3-BCBC-455A-B93C-4CBAF9709A06}" type="presOf" srcId="{891D943E-B402-4AF1-AF49-CF7333FB22B7}" destId="{2B78AC24-3F73-4730-82D6-D88CCB6E98A3}" srcOrd="0" destOrd="0" presId="urn:microsoft.com/office/officeart/2005/8/layout/vList2"/>
+    <dgm:cxn modelId="{49A665DA-73F1-4947-B190-FCC5BA036AC9}" srcId="{891D943E-B402-4AF1-AF49-CF7333FB22B7}" destId="{8CB96B10-96A6-470A-8758-A95F6A6028EA}" srcOrd="5" destOrd="0" parTransId="{11573A22-DCE9-417C-86D6-64C24937D279}" sibTransId="{B4B2237A-84DB-49E1-BC97-560F913F4AF5}"/>
+    <dgm:cxn modelId="{9E9DEEDB-5DB5-491C-826F-855ADDFBA72A}" type="presOf" srcId="{9C7DC5AC-5311-4400-BD88-5F8268CF483C}" destId="{925CE6F7-7BE5-4F63-8B9B-5FA1CC393C71}" srcOrd="0" destOrd="0" presId="urn:microsoft.com/office/officeart/2005/8/layout/vList2"/>
+    <dgm:cxn modelId="{998048DE-64C5-4D04-BBD5-55C8E7187379}" type="presOf" srcId="{DA568205-B8A7-452C-97F3-01D997066C19}" destId="{2B78AC24-3F73-4730-82D6-D88CCB6E98A3}" srcOrd="0" destOrd="3" presId="urn:microsoft.com/office/officeart/2005/8/layout/vList2"/>
+    <dgm:cxn modelId="{C53885F1-9E04-48AB-BB0A-D964FDD5E219}" type="presOf" srcId="{2BC35948-F128-4F31-B9E1-4449658081FD}" destId="{029BA5AA-AEDF-4F26-A233-CBE8C33A802B}" srcOrd="0" destOrd="0" presId="urn:microsoft.com/office/officeart/2005/8/layout/vList2"/>
+    <dgm:cxn modelId="{FD34E8F3-1B91-46F7-A9F9-6EFDD5896EE8}" srcId="{2BC35948-F128-4F31-B9E1-4449658081FD}" destId="{891D943E-B402-4AF1-AF49-CF7333FB22B7}" srcOrd="0" destOrd="0" parTransId="{ED3967B2-24EC-4D22-81E6-94FF40E812CF}" sibTransId="{5B280613-D4DF-4049-80E3-E617ACB4259C}"/>
+    <dgm:cxn modelId="{E9605537-52A6-4834-B594-60B1027D6E30}" type="presParOf" srcId="{925CE6F7-7BE5-4F63-8B9B-5FA1CC393C71}" destId="{029BA5AA-AEDF-4F26-A233-CBE8C33A802B}" srcOrd="0" destOrd="0" presId="urn:microsoft.com/office/officeart/2005/8/layout/vList2"/>
+    <dgm:cxn modelId="{25855AAD-E845-43D7-8942-445FD6B6783C}" type="presParOf" srcId="{925CE6F7-7BE5-4F63-8B9B-5FA1CC393C71}" destId="{2B78AC24-3F73-4730-82D6-D88CCB6E98A3}" srcOrd="1" destOrd="0" presId="urn:microsoft.com/office/officeart/2005/8/layout/vList2"/>
+  </dgm:cxnLst>
+  <dgm:bg/>
+  <dgm:whole/>
+  <dgm:extLst>
+    <a:ext uri="http://schemas.microsoft.com/office/drawing/2008/diagram">
+      <dsp:dataModelExt xmlns:dsp="http://schemas.microsoft.com/office/drawing/2008/diagram" relId="rId16" minVer="http://schemas.openxmlformats.org/drawingml/2006/diagram"/>
+    </a:ext>
+  </dgm:extLst>
+</dgm:dataModel>
+</file>
+
+<file path=ppt/diagrams/drawing1.xml><?xml version="1.0" encoding="utf-8"?>
+<dsp:drawing xmlns:dgm="http://schemas.openxmlformats.org/drawingml/2006/diagram" xmlns:dsp="http://schemas.microsoft.com/office/drawing/2008/diagram" xmlns:a="http://schemas.openxmlformats.org/drawingml/2006/main">
+  <dsp:spTree>
+    <dsp:nvGrpSpPr>
+      <dsp:cNvPr id="0" name=""/>
+      <dsp:cNvGrpSpPr/>
+    </dsp:nvGrpSpPr>
+    <dsp:grpSpPr/>
+    <dsp:sp modelId="{7DCF3B4F-87B5-4A41-AD23-DFA35E27D8EB}">
+      <dsp:nvSpPr>
+        <dsp:cNvPr id="0" name=""/>
+        <dsp:cNvSpPr/>
+      </dsp:nvSpPr>
+      <dsp:spPr>
+        <a:xfrm>
+          <a:off x="0" y="0"/>
+          <a:ext cx="4219662" cy="724543"/>
+        </a:xfrm>
+        <a:prstGeom prst="roundRect">
+          <a:avLst/>
+        </a:prstGeom>
+        <a:solidFill>
+          <a:schemeClr val="accent1">
+            <a:hueOff val="0"/>
+            <a:satOff val="0"/>
+            <a:lumOff val="0"/>
+            <a:alphaOff val="0"/>
+          </a:schemeClr>
+        </a:solidFill>
+        <a:ln w="19050" cap="rnd" cmpd="sng" algn="ctr">
+          <a:solidFill>
+            <a:schemeClr val="lt1">
+              <a:hueOff val="0"/>
+              <a:satOff val="0"/>
+              <a:lumOff val="0"/>
+              <a:alphaOff val="0"/>
+            </a:schemeClr>
+          </a:solidFill>
+          <a:prstDash val="solid"/>
+        </a:ln>
+        <a:effectLst/>
+      </dsp:spPr>
+      <dsp:style>
+        <a:lnRef idx="2">
+          <a:scrgbClr r="0" g="0" b="0"/>
+        </a:lnRef>
+        <a:fillRef idx="1">
+          <a:scrgbClr r="0" g="0" b="0"/>
+        </a:fillRef>
+        <a:effectRef idx="0">
+          <a:scrgbClr r="0" g="0" b="0"/>
+        </a:effectRef>
+        <a:fontRef idx="minor">
+          <a:schemeClr val="lt1"/>
+        </a:fontRef>
+      </dsp:style>
+      <dsp:txBody>
+        <a:bodyPr spcFirstLastPara="0" vert="horz" wrap="square" lIns="106680" tIns="106680" rIns="106680" bIns="106680" numCol="1" spcCol="1270" anchor="ctr" anchorCtr="0">
+          <a:noAutofit/>
+        </a:bodyPr>
+        <a:lstStyle/>
+        <a:p>
+          <a:pPr marL="0" lvl="0" indent="0" algn="ctr" defTabSz="1244600">
+            <a:lnSpc>
+              <a:spcPct val="90000"/>
+            </a:lnSpc>
+            <a:spcBef>
+              <a:spcPct val="0"/>
+            </a:spcBef>
+            <a:spcAft>
+              <a:spcPct val="35000"/>
+            </a:spcAft>
+            <a:buNone/>
+          </a:pPr>
+          <a:r>
+            <a:rPr lang="en-US" sz="2800" kern="1200" dirty="0"/>
+            <a:t>Software Required</a:t>
+          </a:r>
+        </a:p>
+      </dsp:txBody>
+      <dsp:txXfrm>
+        <a:off x="35369" y="35369"/>
+        <a:ext cx="4148924" cy="653805"/>
+      </dsp:txXfrm>
+    </dsp:sp>
+    <dsp:sp modelId="{30421611-3302-461B-AFCE-FFE3C31C7A5C}">
+      <dsp:nvSpPr>
+        <dsp:cNvPr id="0" name=""/>
+        <dsp:cNvSpPr/>
+      </dsp:nvSpPr>
+      <dsp:spPr>
+        <a:xfrm>
+          <a:off x="0" y="823063"/>
+          <a:ext cx="4219662" cy="2152800"/>
+        </a:xfrm>
+        <a:prstGeom prst="rect">
+          <a:avLst/>
+        </a:prstGeom>
+        <a:noFill/>
+        <a:ln>
+          <a:noFill/>
+        </a:ln>
+        <a:effectLst/>
+      </dsp:spPr>
+      <dsp:style>
+        <a:lnRef idx="0">
+          <a:scrgbClr r="0" g="0" b="0"/>
+        </a:lnRef>
+        <a:fillRef idx="0">
+          <a:scrgbClr r="0" g="0" b="0"/>
+        </a:fillRef>
+        <a:effectRef idx="0">
+          <a:scrgbClr r="0" g="0" b="0"/>
+        </a:effectRef>
+        <a:fontRef idx="minor"/>
+      </dsp:style>
+      <dsp:txBody>
+        <a:bodyPr spcFirstLastPara="0" vert="horz" wrap="square" lIns="133974" tIns="25400" rIns="142240" bIns="25400" numCol="1" spcCol="1270" anchor="t" anchorCtr="0">
+          <a:noAutofit/>
+        </a:bodyPr>
+        <a:lstStyle/>
+        <a:p>
+          <a:pPr marL="228600" lvl="1" indent="-228600" algn="l" defTabSz="889000">
+            <a:lnSpc>
+              <a:spcPct val="90000"/>
+            </a:lnSpc>
+            <a:spcBef>
+              <a:spcPct val="0"/>
+            </a:spcBef>
+            <a:spcAft>
+              <a:spcPct val="20000"/>
+            </a:spcAft>
+            <a:buChar char="•"/>
+          </a:pPr>
+          <a:r>
+            <a:rPr lang="en-US" sz="2000" kern="1200" dirty="0"/>
+            <a:t>Microsoft SQL Server</a:t>
+          </a:r>
+        </a:p>
+        <a:p>
+          <a:pPr marL="228600" lvl="1" indent="-228600" algn="l" defTabSz="889000">
+            <a:lnSpc>
+              <a:spcPct val="90000"/>
+            </a:lnSpc>
+            <a:spcBef>
+              <a:spcPct val="0"/>
+            </a:spcBef>
+            <a:spcAft>
+              <a:spcPct val="20000"/>
+            </a:spcAft>
+            <a:buChar char="•"/>
+          </a:pPr>
+          <a:r>
+            <a:rPr lang="en-US" sz="2000" kern="1200" dirty="0"/>
+            <a:t>Docker Desktop (SQL Server 2022 image)</a:t>
+          </a:r>
+        </a:p>
+        <a:p>
+          <a:pPr marL="228600" lvl="1" indent="-228600" algn="l" defTabSz="889000">
+            <a:lnSpc>
+              <a:spcPct val="90000"/>
+            </a:lnSpc>
+            <a:spcBef>
+              <a:spcPct val="0"/>
+            </a:spcBef>
+            <a:spcAft>
+              <a:spcPct val="20000"/>
+            </a:spcAft>
+            <a:buChar char="•"/>
+          </a:pPr>
+          <a:r>
+            <a:rPr lang="en-US" sz="2000" kern="1200" dirty="0"/>
+            <a:t>SQLite (for offline storage)</a:t>
+          </a:r>
+        </a:p>
+        <a:p>
+          <a:pPr marL="228600" lvl="1" indent="-228600" algn="l" defTabSz="889000">
+            <a:lnSpc>
+              <a:spcPct val="90000"/>
+            </a:lnSpc>
+            <a:spcBef>
+              <a:spcPct val="0"/>
+            </a:spcBef>
+            <a:spcAft>
+              <a:spcPct val="20000"/>
+            </a:spcAft>
+            <a:buChar char="•"/>
+          </a:pPr>
+          <a:r>
+            <a:rPr lang="en-US" sz="2000" kern="1200" dirty="0"/>
+            <a:t>Entity Framework to created database in C#</a:t>
+          </a:r>
+        </a:p>
+        <a:p>
+          <a:pPr marL="228600" lvl="1" indent="-228600" algn="l" defTabSz="889000">
+            <a:lnSpc>
+              <a:spcPct val="90000"/>
+            </a:lnSpc>
+            <a:spcBef>
+              <a:spcPct val="0"/>
+            </a:spcBef>
+            <a:spcAft>
+              <a:spcPct val="20000"/>
+            </a:spcAft>
+            <a:buChar char="•"/>
+          </a:pPr>
+          <a:endParaRPr lang="en-US" sz="2000" kern="1200" dirty="0"/>
+        </a:p>
+      </dsp:txBody>
+      <dsp:txXfrm>
+        <a:off x="0" y="823063"/>
+        <a:ext cx="4219662" cy="2152800"/>
+      </dsp:txXfrm>
+    </dsp:sp>
+    <dsp:sp modelId="{864B2808-3B3F-4C26-AE7D-0D50158080F3}">
+      <dsp:nvSpPr>
+        <dsp:cNvPr id="0" name=""/>
+        <dsp:cNvSpPr/>
+      </dsp:nvSpPr>
+      <dsp:spPr>
+        <a:xfrm>
+          <a:off x="0" y="2895980"/>
+          <a:ext cx="4219662" cy="697360"/>
+        </a:xfrm>
+        <a:prstGeom prst="roundRect">
+          <a:avLst/>
+        </a:prstGeom>
+        <a:solidFill>
+          <a:schemeClr val="accent1">
+            <a:hueOff val="0"/>
+            <a:satOff val="0"/>
+            <a:lumOff val="0"/>
+            <a:alphaOff val="0"/>
+          </a:schemeClr>
+        </a:solidFill>
+        <a:ln w="19050" cap="rnd" cmpd="sng" algn="ctr">
+          <a:solidFill>
+            <a:schemeClr val="lt1">
+              <a:hueOff val="0"/>
+              <a:satOff val="0"/>
+              <a:lumOff val="0"/>
+              <a:alphaOff val="0"/>
+            </a:schemeClr>
+          </a:solidFill>
+          <a:prstDash val="solid"/>
+        </a:ln>
+        <a:effectLst/>
+      </dsp:spPr>
+      <dsp:style>
+        <a:lnRef idx="2">
+          <a:scrgbClr r="0" g="0" b="0"/>
+        </a:lnRef>
+        <a:fillRef idx="1">
+          <a:scrgbClr r="0" g="0" b="0"/>
+        </a:fillRef>
+        <a:effectRef idx="0">
+          <a:scrgbClr r="0" g="0" b="0"/>
+        </a:effectRef>
+        <a:fontRef idx="minor">
+          <a:schemeClr val="lt1"/>
+        </a:fontRef>
+      </dsp:style>
+      <dsp:txBody>
+        <a:bodyPr spcFirstLastPara="0" vert="horz" wrap="square" lIns="106680" tIns="106680" rIns="106680" bIns="106680" numCol="1" spcCol="1270" anchor="ctr" anchorCtr="0">
+          <a:noAutofit/>
+        </a:bodyPr>
+        <a:lstStyle/>
+        <a:p>
+          <a:pPr marL="0" lvl="0" indent="0" algn="ctr" defTabSz="1244600">
+            <a:lnSpc>
+              <a:spcPct val="90000"/>
+            </a:lnSpc>
+            <a:spcBef>
+              <a:spcPct val="0"/>
+            </a:spcBef>
+            <a:spcAft>
+              <a:spcPct val="35000"/>
+            </a:spcAft>
+            <a:buNone/>
+          </a:pPr>
+          <a:r>
+            <a:rPr lang="en-US" sz="2800" kern="1200" dirty="0"/>
+            <a:t>Number of Tables</a:t>
+          </a:r>
+        </a:p>
+      </dsp:txBody>
+      <dsp:txXfrm>
+        <a:off x="34042" y="2930022"/>
+        <a:ext cx="4151578" cy="629276"/>
+      </dsp:txXfrm>
+    </dsp:sp>
+    <dsp:sp modelId="{F74057CB-1786-4985-9494-740E7A8DE547}">
+      <dsp:nvSpPr>
+        <dsp:cNvPr id="0" name=""/>
+        <dsp:cNvSpPr/>
+      </dsp:nvSpPr>
+      <dsp:spPr>
+        <a:xfrm>
+          <a:off x="0" y="3593340"/>
+          <a:ext cx="4219662" cy="1076400"/>
+        </a:xfrm>
+        <a:prstGeom prst="rect">
+          <a:avLst/>
+        </a:prstGeom>
+        <a:noFill/>
+        <a:ln>
+          <a:noFill/>
+        </a:ln>
+        <a:effectLst/>
+      </dsp:spPr>
+      <dsp:style>
+        <a:lnRef idx="0">
+          <a:scrgbClr r="0" g="0" b="0"/>
+        </a:lnRef>
+        <a:fillRef idx="0">
+          <a:scrgbClr r="0" g="0" b="0"/>
+        </a:fillRef>
+        <a:effectRef idx="0">
+          <a:scrgbClr r="0" g="0" b="0"/>
+        </a:effectRef>
+        <a:fontRef idx="minor"/>
+      </dsp:style>
+      <dsp:txBody>
+        <a:bodyPr spcFirstLastPara="0" vert="horz" wrap="square" lIns="133974" tIns="82550" rIns="462280" bIns="82550" numCol="1" spcCol="1270" anchor="t" anchorCtr="0">
+          <a:noAutofit/>
+        </a:bodyPr>
+        <a:lstStyle/>
+        <a:p>
+          <a:pPr marL="285750" lvl="1" indent="-285750" algn="ctr" defTabSz="2266950">
+            <a:lnSpc>
+              <a:spcPct val="90000"/>
+            </a:lnSpc>
+            <a:spcBef>
+              <a:spcPct val="0"/>
+            </a:spcBef>
+            <a:spcAft>
+              <a:spcPct val="20000"/>
+            </a:spcAft>
+            <a:buFont typeface="Wingdings" panose="05000000000000000000" pitchFamily="2" charset="2"/>
+            <a:buNone/>
+          </a:pPr>
+          <a:r>
+            <a:rPr lang="en-US" sz="5100" kern="1200" dirty="0"/>
+            <a:t>  2</a:t>
+          </a:r>
+        </a:p>
+      </dsp:txBody>
+      <dsp:txXfrm>
+        <a:off x="0" y="3593340"/>
+        <a:ext cx="4219662" cy="1076400"/>
+      </dsp:txXfrm>
+    </dsp:sp>
+  </dsp:spTree>
+</dsp:drawing>
+</file>
+
+<file path=ppt/diagrams/drawing2.xml><?xml version="1.0" encoding="utf-8"?>
+<dsp:drawing xmlns:dgm="http://schemas.openxmlformats.org/drawingml/2006/diagram" xmlns:dsp="http://schemas.microsoft.com/office/drawing/2008/diagram" xmlns:a="http://schemas.openxmlformats.org/drawingml/2006/main">
+  <dsp:spTree>
+    <dsp:nvGrpSpPr>
+      <dsp:cNvPr id="0" name=""/>
+      <dsp:cNvGrpSpPr/>
+    </dsp:nvGrpSpPr>
+    <dsp:grpSpPr/>
+    <dsp:sp modelId="{B39BF8CF-F1A8-47D3-9483-C85CBD6FE8E8}">
+      <dsp:nvSpPr>
+        <dsp:cNvPr id="0" name=""/>
+        <dsp:cNvSpPr/>
+      </dsp:nvSpPr>
+      <dsp:spPr>
+        <a:xfrm>
+          <a:off x="0" y="148303"/>
+          <a:ext cx="4219662" cy="685385"/>
+        </a:xfrm>
+        <a:prstGeom prst="roundRect">
+          <a:avLst/>
+        </a:prstGeom>
+        <a:solidFill>
+          <a:schemeClr val="accent1">
+            <a:hueOff val="0"/>
+            <a:satOff val="0"/>
+            <a:lumOff val="0"/>
+            <a:alphaOff val="0"/>
+          </a:schemeClr>
+        </a:solidFill>
+        <a:ln w="19050" cap="rnd" cmpd="sng" algn="ctr">
+          <a:solidFill>
+            <a:schemeClr val="lt1">
+              <a:hueOff val="0"/>
+              <a:satOff val="0"/>
+              <a:lumOff val="0"/>
+              <a:alphaOff val="0"/>
+            </a:schemeClr>
+          </a:solidFill>
+          <a:prstDash val="solid"/>
+        </a:ln>
+        <a:effectLst/>
+      </dsp:spPr>
+      <dsp:style>
+        <a:lnRef idx="2">
+          <a:scrgbClr r="0" g="0" b="0"/>
+        </a:lnRef>
+        <a:fillRef idx="1">
+          <a:scrgbClr r="0" g="0" b="0"/>
+        </a:fillRef>
+        <a:effectRef idx="0">
+          <a:scrgbClr r="0" g="0" b="0"/>
+        </a:effectRef>
+        <a:fontRef idx="minor">
+          <a:schemeClr val="lt1"/>
+        </a:fontRef>
+      </dsp:style>
+      <dsp:txBody>
+        <a:bodyPr spcFirstLastPara="0" vert="horz" wrap="square" lIns="121920" tIns="121920" rIns="121920" bIns="121920" numCol="1" spcCol="1270" anchor="ctr" anchorCtr="0">
+          <a:noAutofit/>
+        </a:bodyPr>
+        <a:lstStyle/>
+        <a:p>
+          <a:pPr marL="0" lvl="0" indent="0" algn="ctr" defTabSz="1422400">
+            <a:lnSpc>
+              <a:spcPct val="90000"/>
+            </a:lnSpc>
+            <a:spcBef>
+              <a:spcPct val="0"/>
+            </a:spcBef>
+            <a:spcAft>
+              <a:spcPct val="35000"/>
+            </a:spcAft>
+            <a:buNone/>
+          </a:pPr>
+          <a:r>
+            <a:rPr lang="en-US" sz="3200" kern="1200" dirty="0"/>
+            <a:t>Meta Data Tables</a:t>
+          </a:r>
+        </a:p>
+      </dsp:txBody>
+      <dsp:txXfrm>
+        <a:off x="33458" y="181761"/>
+        <a:ext cx="4152746" cy="618469"/>
+      </dsp:txXfrm>
+    </dsp:sp>
+    <dsp:sp modelId="{E807A3C3-F045-42A3-A0E6-94914A3AE350}">
+      <dsp:nvSpPr>
+        <dsp:cNvPr id="0" name=""/>
+        <dsp:cNvSpPr/>
+      </dsp:nvSpPr>
+      <dsp:spPr>
+        <a:xfrm>
+          <a:off x="0" y="833688"/>
+          <a:ext cx="4219662" cy="1523520"/>
+        </a:xfrm>
+        <a:prstGeom prst="rect">
+          <a:avLst/>
+        </a:prstGeom>
+        <a:noFill/>
+        <a:ln>
+          <a:noFill/>
+        </a:ln>
+        <a:effectLst/>
+      </dsp:spPr>
+      <dsp:style>
+        <a:lnRef idx="0">
+          <a:scrgbClr r="0" g="0" b="0"/>
+        </a:lnRef>
+        <a:fillRef idx="0">
+          <a:scrgbClr r="0" g="0" b="0"/>
+        </a:fillRef>
+        <a:effectRef idx="0">
+          <a:scrgbClr r="0" g="0" b="0"/>
+        </a:effectRef>
+        <a:fontRef idx="minor"/>
+      </dsp:style>
+      <dsp:txBody>
+        <a:bodyPr spcFirstLastPara="0" vert="horz" wrap="square" lIns="133974" tIns="20320" rIns="113792" bIns="20320" numCol="1" spcCol="1270" anchor="t" anchorCtr="0">
+          <a:noAutofit/>
+        </a:bodyPr>
+        <a:lstStyle/>
+        <a:p>
+          <a:pPr marL="171450" lvl="1" indent="-171450" algn="l" defTabSz="711200">
+            <a:lnSpc>
+              <a:spcPct val="90000"/>
+            </a:lnSpc>
+            <a:spcBef>
+              <a:spcPct val="0"/>
+            </a:spcBef>
+            <a:spcAft>
+              <a:spcPct val="20000"/>
+            </a:spcAft>
+            <a:buChar char="•"/>
+          </a:pPr>
+          <a:r>
+            <a:rPr lang="en-US" sz="1600" b="1" kern="1200" dirty="0"/>
+            <a:t>SyncDates </a:t>
+          </a:r>
+          <a:r>
+            <a:rPr lang="en-US" sz="1600" kern="1200" dirty="0"/>
+            <a:t>(keeps track of timestamp of synchronization)</a:t>
+          </a:r>
+        </a:p>
+        <a:p>
+          <a:pPr marL="342900" lvl="2" indent="-171450" algn="l" defTabSz="711200">
+            <a:lnSpc>
+              <a:spcPct val="90000"/>
+            </a:lnSpc>
+            <a:spcBef>
+              <a:spcPct val="0"/>
+            </a:spcBef>
+            <a:spcAft>
+              <a:spcPct val="20000"/>
+            </a:spcAft>
+            <a:buFont typeface="Courier New" panose="02070309020205020404" pitchFamily="49" charset="0"/>
+            <a:buChar char="o"/>
+          </a:pPr>
+          <a:r>
+            <a:rPr lang="en-US" sz="1600" b="0" kern="1200" dirty="0"/>
+            <a:t>Columns:</a:t>
+          </a:r>
+        </a:p>
+        <a:p>
+          <a:pPr marL="342900" lvl="2" indent="-171450" algn="l" defTabSz="711200">
+            <a:lnSpc>
+              <a:spcPct val="90000"/>
+            </a:lnSpc>
+            <a:spcBef>
+              <a:spcPct val="0"/>
+            </a:spcBef>
+            <a:spcAft>
+              <a:spcPct val="20000"/>
+            </a:spcAft>
+            <a:buFont typeface="Wingdings" panose="05000000000000000000" pitchFamily="2" charset="2"/>
+            <a:buChar char="Ø"/>
+          </a:pPr>
+          <a:r>
+            <a:rPr lang="en-US" sz="1600" kern="1200" dirty="0"/>
+            <a:t>ID (PK, int)</a:t>
+          </a:r>
+        </a:p>
+        <a:p>
+          <a:pPr marL="342900" lvl="2" indent="-171450" algn="l" defTabSz="711200">
+            <a:lnSpc>
+              <a:spcPct val="90000"/>
+            </a:lnSpc>
+            <a:spcBef>
+              <a:spcPct val="0"/>
+            </a:spcBef>
+            <a:spcAft>
+              <a:spcPct val="20000"/>
+            </a:spcAft>
+            <a:buFont typeface="Wingdings" panose="05000000000000000000" pitchFamily="2" charset="2"/>
+            <a:buChar char="Ø"/>
+          </a:pPr>
+          <a:r>
+            <a:rPr lang="en-US" sz="1600" kern="1200" dirty="0"/>
+            <a:t>Records added (int)</a:t>
+          </a:r>
+        </a:p>
+        <a:p>
+          <a:pPr marL="342900" lvl="2" indent="-171450" algn="l" defTabSz="711200">
+            <a:lnSpc>
+              <a:spcPct val="90000"/>
+            </a:lnSpc>
+            <a:spcBef>
+              <a:spcPct val="0"/>
+            </a:spcBef>
+            <a:spcAft>
+              <a:spcPct val="20000"/>
+            </a:spcAft>
+            <a:buFont typeface="Wingdings" panose="05000000000000000000" pitchFamily="2" charset="2"/>
+            <a:buChar char="Ø"/>
+          </a:pPr>
+          <a:r>
+            <a:rPr lang="en-US" sz="1600" kern="1200" dirty="0" err="1"/>
+            <a:t>TimeSynced</a:t>
+          </a:r>
+          <a:r>
+            <a:rPr lang="en-US" sz="1600" kern="1200" dirty="0"/>
+            <a:t> (Datetime)</a:t>
+          </a:r>
+        </a:p>
+      </dsp:txBody>
+      <dsp:txXfrm>
+        <a:off x="0" y="833688"/>
+        <a:ext cx="4219662" cy="1523520"/>
+      </dsp:txXfrm>
+    </dsp:sp>
+  </dsp:spTree>
+</dsp:drawing>
+</file>
+
+<file path=ppt/diagrams/drawing3.xml><?xml version="1.0" encoding="utf-8"?>
+<dsp:drawing xmlns:dgm="http://schemas.openxmlformats.org/drawingml/2006/diagram" xmlns:dsp="http://schemas.microsoft.com/office/drawing/2008/diagram" xmlns:a="http://schemas.openxmlformats.org/drawingml/2006/main">
+  <dsp:spTree>
+    <dsp:nvGrpSpPr>
+      <dsp:cNvPr id="0" name=""/>
+      <dsp:cNvGrpSpPr/>
+    </dsp:nvGrpSpPr>
+    <dsp:grpSpPr/>
+    <dsp:sp modelId="{029BA5AA-AEDF-4F26-A233-CBE8C33A802B}">
+      <dsp:nvSpPr>
+        <dsp:cNvPr id="0" name=""/>
+        <dsp:cNvSpPr/>
+      </dsp:nvSpPr>
+      <dsp:spPr>
+        <a:xfrm>
+          <a:off x="0" y="22537"/>
+          <a:ext cx="4219662" cy="655785"/>
+        </a:xfrm>
+        <a:prstGeom prst="roundRect">
+          <a:avLst/>
+        </a:prstGeom>
+        <a:solidFill>
+          <a:schemeClr val="accent1">
+            <a:hueOff val="0"/>
+            <a:satOff val="0"/>
+            <a:lumOff val="0"/>
+            <a:alphaOff val="0"/>
+          </a:schemeClr>
+        </a:solidFill>
+        <a:ln w="19050" cap="rnd" cmpd="sng" algn="ctr">
+          <a:solidFill>
+            <a:schemeClr val="lt1">
+              <a:hueOff val="0"/>
+              <a:satOff val="0"/>
+              <a:lumOff val="0"/>
+              <a:alphaOff val="0"/>
+            </a:schemeClr>
+          </a:solidFill>
+          <a:prstDash val="solid"/>
+        </a:ln>
+        <a:effectLst/>
+      </dsp:spPr>
+      <dsp:style>
+        <a:lnRef idx="2">
+          <a:scrgbClr r="0" g="0" b="0"/>
+        </a:lnRef>
+        <a:fillRef idx="1">
+          <a:scrgbClr r="0" g="0" b="0"/>
+        </a:fillRef>
+        <a:effectRef idx="0">
+          <a:scrgbClr r="0" g="0" b="0"/>
+        </a:effectRef>
+        <a:fontRef idx="minor">
+          <a:schemeClr val="lt1"/>
+        </a:fontRef>
+      </dsp:style>
+      <dsp:txBody>
+        <a:bodyPr spcFirstLastPara="0" vert="horz" wrap="square" lIns="106680" tIns="106680" rIns="106680" bIns="106680" numCol="1" spcCol="1270" anchor="ctr" anchorCtr="0">
+          <a:noAutofit/>
+        </a:bodyPr>
+        <a:lstStyle/>
+        <a:p>
+          <a:pPr marL="0" lvl="0" indent="0" algn="ctr" defTabSz="1244600">
+            <a:lnSpc>
+              <a:spcPct val="90000"/>
+            </a:lnSpc>
+            <a:spcBef>
+              <a:spcPct val="0"/>
+            </a:spcBef>
+            <a:spcAft>
+              <a:spcPct val="35000"/>
+            </a:spcAft>
+            <a:buNone/>
+          </a:pPr>
+          <a:r>
+            <a:rPr lang="en-US" sz="2800" kern="1200" dirty="0"/>
+            <a:t>Primary Data Tables</a:t>
+          </a:r>
+        </a:p>
+      </dsp:txBody>
+      <dsp:txXfrm>
+        <a:off x="32013" y="54550"/>
+        <a:ext cx="4155636" cy="591759"/>
+      </dsp:txXfrm>
+    </dsp:sp>
+    <dsp:sp modelId="{2B78AC24-3F73-4730-82D6-D88CCB6E98A3}">
+      <dsp:nvSpPr>
+        <dsp:cNvPr id="0" name=""/>
+        <dsp:cNvSpPr/>
+      </dsp:nvSpPr>
+      <dsp:spPr>
+        <a:xfrm>
+          <a:off x="0" y="678322"/>
+          <a:ext cx="4219662" cy="2438460"/>
+        </a:xfrm>
+        <a:prstGeom prst="rect">
+          <a:avLst/>
+        </a:prstGeom>
+        <a:noFill/>
+        <a:ln>
+          <a:noFill/>
+        </a:ln>
+        <a:effectLst/>
+      </dsp:spPr>
+      <dsp:style>
+        <a:lnRef idx="0">
+          <a:scrgbClr r="0" g="0" b="0"/>
+        </a:lnRef>
+        <a:fillRef idx="0">
+          <a:scrgbClr r="0" g="0" b="0"/>
+        </a:fillRef>
+        <a:effectRef idx="0">
+          <a:scrgbClr r="0" g="0" b="0"/>
+        </a:effectRef>
+        <a:fontRef idx="minor"/>
+      </dsp:style>
+      <dsp:txBody>
+        <a:bodyPr spcFirstLastPara="0" vert="horz" wrap="square" lIns="133974" tIns="24130" rIns="135128" bIns="24130" numCol="1" spcCol="1270" anchor="t" anchorCtr="0">
+          <a:noAutofit/>
+        </a:bodyPr>
+        <a:lstStyle/>
+        <a:p>
+          <a:pPr marL="114300" lvl="1" indent="-114300" algn="l" defTabSz="666750">
+            <a:lnSpc>
+              <a:spcPct val="90000"/>
+            </a:lnSpc>
+            <a:spcBef>
+              <a:spcPct val="0"/>
+            </a:spcBef>
+            <a:spcAft>
+              <a:spcPct val="20000"/>
+            </a:spcAft>
+            <a:buChar char="•"/>
+          </a:pPr>
+          <a:r>
+            <a:rPr lang="en-US" sz="1500" b="1" kern="1200" dirty="0"/>
+            <a:t>DeviceData </a:t>
+          </a:r>
+          <a:endParaRPr lang="en-US" sz="1500" kern="1200" dirty="0"/>
+        </a:p>
+        <a:p>
+          <a:pPr marL="228600" lvl="2" indent="-114300" algn="l" defTabSz="666750">
+            <a:lnSpc>
+              <a:spcPct val="90000"/>
+            </a:lnSpc>
+            <a:spcBef>
+              <a:spcPct val="0"/>
+            </a:spcBef>
+            <a:spcAft>
+              <a:spcPct val="20000"/>
+            </a:spcAft>
+            <a:buFont typeface="Courier New" panose="02070309020205020404" pitchFamily="49" charset="0"/>
+            <a:buChar char="o"/>
+          </a:pPr>
+          <a:r>
+            <a:rPr lang="en-US" sz="1500" b="0" kern="1200" dirty="0"/>
+            <a:t> Columns:</a:t>
+          </a:r>
+        </a:p>
+        <a:p>
+          <a:pPr marL="228600" lvl="2" indent="-114300" algn="l" defTabSz="666750">
+            <a:lnSpc>
+              <a:spcPct val="90000"/>
+            </a:lnSpc>
+            <a:spcBef>
+              <a:spcPct val="0"/>
+            </a:spcBef>
+            <a:spcAft>
+              <a:spcPct val="20000"/>
+            </a:spcAft>
+            <a:buFont typeface="Wingdings" panose="05000000000000000000" pitchFamily="2" charset="2"/>
+            <a:buChar char="Ø"/>
+          </a:pPr>
+          <a:r>
+            <a:rPr lang="en-US" sz="1500" kern="1200" dirty="0"/>
+            <a:t>ID (PK, int)</a:t>
+          </a:r>
+        </a:p>
+        <a:p>
+          <a:pPr marL="228600" lvl="2" indent="-114300" algn="l" defTabSz="666750">
+            <a:lnSpc>
+              <a:spcPct val="90000"/>
+            </a:lnSpc>
+            <a:spcBef>
+              <a:spcPct val="0"/>
+            </a:spcBef>
+            <a:spcAft>
+              <a:spcPct val="20000"/>
+            </a:spcAft>
+            <a:buFont typeface="Wingdings" panose="05000000000000000000" pitchFamily="2" charset="2"/>
+            <a:buChar char="Ø"/>
+          </a:pPr>
+          <a:r>
+            <a:rPr lang="en-US" sz="1500" kern="1200" dirty="0" err="1"/>
+            <a:t>DeviceName</a:t>
+          </a:r>
+          <a:r>
+            <a:rPr lang="en-US" sz="1500" kern="1200" dirty="0"/>
+            <a:t> (string)</a:t>
+          </a:r>
+        </a:p>
+        <a:p>
+          <a:pPr marL="228600" lvl="2" indent="-114300" algn="l" defTabSz="666750">
+            <a:lnSpc>
+              <a:spcPct val="90000"/>
+            </a:lnSpc>
+            <a:spcBef>
+              <a:spcPct val="0"/>
+            </a:spcBef>
+            <a:spcAft>
+              <a:spcPct val="20000"/>
+            </a:spcAft>
+            <a:buFont typeface="Wingdings" panose="05000000000000000000" pitchFamily="2" charset="2"/>
+            <a:buChar char="Ø"/>
+          </a:pPr>
+          <a:r>
+            <a:rPr lang="en-US" sz="1500" kern="1200" dirty="0" err="1"/>
+            <a:t>DeviceType</a:t>
+          </a:r>
+          <a:r>
+            <a:rPr lang="en-US" sz="1500" kern="1200" dirty="0"/>
+            <a:t> (string)</a:t>
+          </a:r>
+        </a:p>
+        <a:p>
+          <a:pPr marL="228600" lvl="2" indent="-114300" algn="l" defTabSz="666750">
+            <a:lnSpc>
+              <a:spcPct val="90000"/>
+            </a:lnSpc>
+            <a:spcBef>
+              <a:spcPct val="0"/>
+            </a:spcBef>
+            <a:spcAft>
+              <a:spcPct val="20000"/>
+            </a:spcAft>
+            <a:buFont typeface="Wingdings" panose="05000000000000000000" pitchFamily="2" charset="2"/>
+            <a:buChar char="Ø"/>
+          </a:pPr>
+          <a:r>
+            <a:rPr lang="en-US" sz="1500" kern="1200" dirty="0"/>
+            <a:t>Timestamp (</a:t>
+          </a:r>
+          <a:r>
+            <a:rPr lang="en-US" sz="1500" kern="1200" dirty="0" err="1"/>
+            <a:t>DateTime</a:t>
+          </a:r>
+          <a:r>
+            <a:rPr lang="en-US" sz="1500" kern="1200" dirty="0"/>
+            <a:t>)</a:t>
+          </a:r>
+        </a:p>
+        <a:p>
+          <a:pPr marL="228600" lvl="2" indent="-114300" algn="l" defTabSz="666750">
+            <a:lnSpc>
+              <a:spcPct val="90000"/>
+            </a:lnSpc>
+            <a:spcBef>
+              <a:spcPct val="0"/>
+            </a:spcBef>
+            <a:spcAft>
+              <a:spcPct val="20000"/>
+            </a:spcAft>
+            <a:buFont typeface="Wingdings" panose="05000000000000000000" pitchFamily="2" charset="2"/>
+            <a:buChar char="Ø"/>
+          </a:pPr>
+          <a:r>
+            <a:rPr lang="en-US" sz="1500" kern="1200"/>
+            <a:t>UOM1 (string)</a:t>
+          </a:r>
+        </a:p>
+        <a:p>
+          <a:pPr marL="228600" lvl="2" indent="-114300" algn="l" defTabSz="666750">
+            <a:lnSpc>
+              <a:spcPct val="90000"/>
+            </a:lnSpc>
+            <a:spcBef>
+              <a:spcPct val="0"/>
+            </a:spcBef>
+            <a:spcAft>
+              <a:spcPct val="20000"/>
+            </a:spcAft>
+            <a:buFont typeface="Wingdings" panose="05000000000000000000" pitchFamily="2" charset="2"/>
+            <a:buChar char="Ø"/>
+          </a:pPr>
+          <a:r>
+            <a:rPr lang="en-US" sz="1500" kern="1200" dirty="0"/>
+            <a:t>UOM1Value (double)</a:t>
+          </a:r>
+        </a:p>
+        <a:p>
+          <a:pPr marL="228600" lvl="2" indent="-114300" algn="l" defTabSz="666750">
+            <a:lnSpc>
+              <a:spcPct val="90000"/>
+            </a:lnSpc>
+            <a:spcBef>
+              <a:spcPct val="0"/>
+            </a:spcBef>
+            <a:spcAft>
+              <a:spcPct val="20000"/>
+            </a:spcAft>
+            <a:buFont typeface="Wingdings" panose="05000000000000000000" pitchFamily="2" charset="2"/>
+            <a:buChar char="Ø"/>
+          </a:pPr>
+          <a:r>
+            <a:rPr lang="en-US" sz="1500" kern="1200" dirty="0"/>
+            <a:t>UOM2 (string)</a:t>
+          </a:r>
+        </a:p>
+        <a:p>
+          <a:pPr marL="228600" lvl="2" indent="-114300" algn="l" defTabSz="666750">
+            <a:lnSpc>
+              <a:spcPct val="90000"/>
+            </a:lnSpc>
+            <a:spcBef>
+              <a:spcPct val="0"/>
+            </a:spcBef>
+            <a:spcAft>
+              <a:spcPct val="20000"/>
+            </a:spcAft>
+            <a:buFont typeface="Wingdings" panose="05000000000000000000" pitchFamily="2" charset="2"/>
+            <a:buChar char="Ø"/>
+          </a:pPr>
+          <a:r>
+            <a:rPr lang="en-US" sz="1500" kern="1200" dirty="0"/>
+            <a:t>UOM2Value (double)</a:t>
+          </a:r>
+        </a:p>
+      </dsp:txBody>
+      <dsp:txXfrm>
+        <a:off x="0" y="678322"/>
+        <a:ext cx="4219662" cy="2438460"/>
+      </dsp:txXfrm>
+    </dsp:sp>
+  </dsp:spTree>
+</dsp:drawing>
+</file>
+
+<file path=ppt/diagrams/layout1.xml><?xml version="1.0" encoding="utf-8"?>
+<dgm:layoutDef xmlns:dgm="http://schemas.openxmlformats.org/drawingml/2006/diagram" xmlns:a="http://schemas.openxmlformats.org/drawingml/2006/main" uniqueId="urn:microsoft.com/office/officeart/2005/8/layout/vList2">
+  <dgm:title val=""/>
+  <dgm:desc val=""/>
+  <dgm:catLst>
+    <dgm:cat type="list" pri="3000"/>
+    <dgm:cat type="convert" pri="1000"/>
+  </dgm:catLst>
+  <dgm:sampData>
+    <dgm:dataModel>
+      <dgm:ptLst>
+        <dgm:pt modelId="0" type="doc"/>
+        <dgm:pt modelId="1">
+          <dgm:prSet phldr="1"/>
+        </dgm:pt>
+        <dgm:pt modelId="11">
+          <dgm:prSet phldr="1"/>
+        </dgm:pt>
+        <dgm:pt modelId="2">
+          <dgm:prSet phldr="1"/>
+        </dgm:pt>
+        <dgm:pt modelId="21">
+          <dgm:prSet phldr="1"/>
+        </dgm:pt>
+      </dgm:ptLst>
+      <dgm:cxnLst>
+        <dgm:cxn modelId="4" srcId="0" destId="1" srcOrd="0" destOrd="0"/>
+        <dgm:cxn modelId="5" srcId="0" destId="2" srcOrd="1" destOrd="0"/>
+        <dgm:cxn modelId="12" srcId="1" destId="11" srcOrd="0" destOrd="0"/>
+        <dgm:cxn modelId="23" srcId="2" destId="21" srcOrd="0" destOrd="0"/>
+      </dgm:cxnLst>
+      <dgm:bg/>
+      <dgm:whole/>
+    </dgm:dataModel>
+  </dgm:sampData>
+  <dgm:styleData>
+    <dgm:dataModel>
+      <dgm:ptLst>
+        <dgm:pt modelId="0" type="doc"/>
+        <dgm:pt modelId="1"/>
+        <dgm:pt modelId="2"/>
+      </dgm:ptLst>
+      <dgm:cxnLst>
+        <dgm:cxn modelId="3" srcId="0" destId="1" srcOrd="0" destOrd="0"/>
+        <dgm:cxn modelId="4" srcId="0" destId="2" srcOrd="1" destOrd="0"/>
+      </dgm:cxnLst>
+      <dgm:bg/>
+      <dgm:whole/>
+    </dgm:dataModel>
+  </dgm:styleData>
+  <dgm:clrData>
+    <dgm:dataModel>
+      <dgm:ptLst>
+        <dgm:pt modelId="0" type="doc"/>
+        <dgm:pt modelId="1"/>
+        <dgm:pt modelId="2"/>
+        <dgm:pt modelId="3"/>
+        <dgm:pt modelId="4"/>
+      </dgm:ptLst>
+      <dgm:cxnLst>
+        <dgm:cxn modelId="5" srcId="0" destId="1" srcOrd="0" destOrd="0"/>
+        <dgm:cxn modelId="6" srcId="0" destId="2" srcOrd="1" destOrd="0"/>
+        <dgm:cxn modelId="7" srcId="0" destId="3" srcOrd="2" destOrd="0"/>
+        <dgm:cxn modelId="8" srcId="0" destId="4" srcOrd="3" destOrd="0"/>
+      </dgm:cxnLst>
+      <dgm:bg/>
+      <dgm:whole/>
+    </dgm:dataModel>
+  </dgm:clrData>
+  <dgm:layoutNode name="linear">
+    <dgm:varLst>
+      <dgm:animLvl val="lvl"/>
+      <dgm:resizeHandles val="exact"/>
+    </dgm:varLst>
+    <dgm:alg type="lin">
+      <dgm:param type="linDir" val="fromT"/>
+      <dgm:param type="vertAlign" val="mid"/>
+    </dgm:alg>
+    <dgm:shape xmlns:r="http://schemas.openxmlformats.org/officeDocument/2006/relationships" r:blip="">
+      <dgm:adjLst/>
+    </dgm:shape>
+    <dgm:presOf/>
+    <dgm:constrLst>
+      <dgm:constr type="w" for="ch" forName="parentText" refType="w"/>
+      <dgm:constr type="h" for="ch" forName="parentText" refType="primFontSz" refFor="ch" refForName="parentText" fact="0.52"/>
+      <dgm:constr type="w" for="ch" forName="childText" refType="w"/>
+      <dgm:constr type="h" for="ch" forName="childText" refType="primFontSz" refFor="ch" refForName="parentText" fact="0.46"/>
+      <dgm:constr type="h" for="ch" forName="parentText" op="equ"/>
+      <dgm:constr type="primFontSz" for="ch" forName="parentText" op="equ" val="65"/>
+      <dgm:constr type="primFontSz" for="ch" forName="childText" refType="primFontSz" refFor="ch" refForName="parentText" op="equ"/>
+      <dgm:constr type="h" for="ch" forName="spacer" refType="primFontSz" refFor="ch" refForName="parentText" fact="0.08"/>
+    </dgm:constrLst>
+    <dgm:ruleLst>
+      <dgm:rule type="primFontSz" for="ch" forName="parentText" val="5" fact="NaN" max="NaN"/>
+    </dgm:ruleLst>
+    <dgm:forEach name="Name0" axis="ch" ptType="node">
+      <dgm:layoutNode name="parentText" styleLbl="node1">
+        <dgm:varLst>
+          <dgm:chMax val="0"/>
+          <dgm:bulletEnabled val="1"/>
+        </dgm:varLst>
+        <dgm:alg type="tx">
+          <dgm:param type="parTxLTRAlign" val="l"/>
+          <dgm:param type="parTxRTLAlign" val="r"/>
+        </dgm:alg>
+        <dgm:shape xmlns:r="http://schemas.openxmlformats.org/officeDocument/2006/relationships" type="roundRect" r:blip="">
+          <dgm:adjLst/>
+        </dgm:shape>
+        <dgm:presOf axis="self"/>
+        <dgm:constrLst>
+          <dgm:constr type="tMarg" refType="primFontSz" fact="0.3"/>
+          <dgm:constr type="bMarg" refType="primFontSz" fact="0.3"/>
+          <dgm:constr type="lMarg" refType="primFontSz" fact="0.3"/>
+          <dgm:constr type="rMarg" refType="primFontSz" fact="0.3"/>
+        </dgm:constrLst>
+        <dgm:ruleLst>
+          <dgm:rule type="h" val="INF" fact="NaN" max="NaN"/>
+        </dgm:ruleLst>
+      </dgm:layoutNode>
+      <dgm:choose name="Name1">
+        <dgm:if name="Name2" axis="ch" ptType="node" func="cnt" op="gte" val="1">
+          <dgm:layoutNode name="childText" styleLbl="revTx">
+            <dgm:varLst>
+              <dgm:bulletEnabled val="1"/>
+            </dgm:varLst>
+            <dgm:alg type="tx">
+              <dgm:param type="stBulletLvl" val="1"/>
+              <dgm:param type="lnSpAfChP" val="20"/>
+            </dgm:alg>
+            <dgm:shape xmlns:r="http://schemas.openxmlformats.org/officeDocument/2006/relationships" type="rect" r:blip="">
+              <dgm:adjLst/>
+            </dgm:shape>
+            <dgm:presOf axis="des" ptType="node"/>
+            <dgm:constrLst>
+              <dgm:constr type="tMarg" refType="primFontSz" fact="0.1"/>
+              <dgm:constr type="bMarg" refType="primFontSz" fact="0.1"/>
+              <dgm:constr type="lMarg" refType="w" fact="0.09"/>
+            </dgm:constrLst>
+            <dgm:ruleLst>
+              <dgm:rule type="h" val="INF" fact="NaN" max="NaN"/>
+            </dgm:ruleLst>
+          </dgm:layoutNode>
+        </dgm:if>
+        <dgm:else name="Name3">
+          <dgm:choose name="Name4">
+            <dgm:if name="Name5" axis="par ch" ptType="doc node" func="cnt" op="gte" val="2">
+              <dgm:forEach name="Name6" axis="followSib" ptType="sibTrans" cnt="1">
+                <dgm:layoutNode name="spacer">
+                  <dgm:alg type="sp"/>
+                  <dgm:shape xmlns:r="http://schemas.openxmlformats.org/officeDocument/2006/relationships" r:blip="">
+                    <dgm:adjLst/>
+                  </dgm:shape>
+                  <dgm:presOf/>
+                  <dgm:constrLst/>
+                  <dgm:ruleLst/>
+                </dgm:layoutNode>
+              </dgm:forEach>
+            </dgm:if>
+            <dgm:else name="Name7"/>
+          </dgm:choose>
+        </dgm:else>
+      </dgm:choose>
+    </dgm:forEach>
+  </dgm:layoutNode>
+</dgm:layoutDef>
+</file>
+
+<file path=ppt/diagrams/layout2.xml><?xml version="1.0" encoding="utf-8"?>
+<dgm:layoutDef xmlns:dgm="http://schemas.openxmlformats.org/drawingml/2006/diagram" xmlns:a="http://schemas.openxmlformats.org/drawingml/2006/main" uniqueId="urn:microsoft.com/office/officeart/2005/8/layout/vList2">
+  <dgm:title val=""/>
+  <dgm:desc val=""/>
+  <dgm:catLst>
+    <dgm:cat type="list" pri="3000"/>
+    <dgm:cat type="convert" pri="1000"/>
+  </dgm:catLst>
+  <dgm:sampData>
+    <dgm:dataModel>
+      <dgm:ptLst>
+        <dgm:pt modelId="0" type="doc"/>
+        <dgm:pt modelId="1">
+          <dgm:prSet phldr="1"/>
+        </dgm:pt>
+        <dgm:pt modelId="11">
+          <dgm:prSet phldr="1"/>
+        </dgm:pt>
+        <dgm:pt modelId="2">
+          <dgm:prSet phldr="1"/>
+        </dgm:pt>
+        <dgm:pt modelId="21">
+          <dgm:prSet phldr="1"/>
+        </dgm:pt>
+      </dgm:ptLst>
+      <dgm:cxnLst>
+        <dgm:cxn modelId="4" srcId="0" destId="1" srcOrd="0" destOrd="0"/>
+        <dgm:cxn modelId="5" srcId="0" destId="2" srcOrd="1" destOrd="0"/>
+        <dgm:cxn modelId="12" srcId="1" destId="11" srcOrd="0" destOrd="0"/>
+        <dgm:cxn modelId="23" srcId="2" destId="21" srcOrd="0" destOrd="0"/>
+      </dgm:cxnLst>
+      <dgm:bg/>
+      <dgm:whole/>
+    </dgm:dataModel>
+  </dgm:sampData>
+  <dgm:styleData>
+    <dgm:dataModel>
+      <dgm:ptLst>
+        <dgm:pt modelId="0" type="doc"/>
+        <dgm:pt modelId="1"/>
+        <dgm:pt modelId="2"/>
+      </dgm:ptLst>
+      <dgm:cxnLst>
+        <dgm:cxn modelId="3" srcId="0" destId="1" srcOrd="0" destOrd="0"/>
+        <dgm:cxn modelId="4" srcId="0" destId="2" srcOrd="1" destOrd="0"/>
+      </dgm:cxnLst>
+      <dgm:bg/>
+      <dgm:whole/>
+    </dgm:dataModel>
+  </dgm:styleData>
+  <dgm:clrData>
+    <dgm:dataModel>
+      <dgm:ptLst>
+        <dgm:pt modelId="0" type="doc"/>
+        <dgm:pt modelId="1"/>
+        <dgm:pt modelId="2"/>
+        <dgm:pt modelId="3"/>
+        <dgm:pt modelId="4"/>
+      </dgm:ptLst>
+      <dgm:cxnLst>
+        <dgm:cxn modelId="5" srcId="0" destId="1" srcOrd="0" destOrd="0"/>
+        <dgm:cxn modelId="6" srcId="0" destId="2" srcOrd="1" destOrd="0"/>
+        <dgm:cxn modelId="7" srcId="0" destId="3" srcOrd="2" destOrd="0"/>
+        <dgm:cxn modelId="8" srcId="0" destId="4" srcOrd="3" destOrd="0"/>
+      </dgm:cxnLst>
+      <dgm:bg/>
+      <dgm:whole/>
+    </dgm:dataModel>
+  </dgm:clrData>
+  <dgm:layoutNode name="linear">
+    <dgm:varLst>
+      <dgm:animLvl val="lvl"/>
+      <dgm:resizeHandles val="exact"/>
+    </dgm:varLst>
+    <dgm:alg type="lin">
+      <dgm:param type="linDir" val="fromT"/>
+      <dgm:param type="vertAlign" val="mid"/>
+    </dgm:alg>
+    <dgm:shape xmlns:r="http://schemas.openxmlformats.org/officeDocument/2006/relationships" r:blip="">
+      <dgm:adjLst/>
+    </dgm:shape>
+    <dgm:presOf/>
+    <dgm:constrLst>
+      <dgm:constr type="w" for="ch" forName="parentText" refType="w"/>
+      <dgm:constr type="h" for="ch" forName="parentText" refType="primFontSz" refFor="ch" refForName="parentText" fact="0.52"/>
+      <dgm:constr type="w" for="ch" forName="childText" refType="w"/>
+      <dgm:constr type="h" for="ch" forName="childText" refType="primFontSz" refFor="ch" refForName="parentText" fact="0.46"/>
+      <dgm:constr type="h" for="ch" forName="parentText" op="equ"/>
+      <dgm:constr type="primFontSz" for="ch" forName="parentText" op="equ" val="65"/>
+      <dgm:constr type="primFontSz" for="ch" forName="childText" refType="primFontSz" refFor="ch" refForName="parentText" op="equ"/>
+      <dgm:constr type="h" for="ch" forName="spacer" refType="primFontSz" refFor="ch" refForName="parentText" fact="0.08"/>
+    </dgm:constrLst>
+    <dgm:ruleLst>
+      <dgm:rule type="primFontSz" for="ch" forName="parentText" val="5" fact="NaN" max="NaN"/>
+    </dgm:ruleLst>
+    <dgm:forEach name="Name0" axis="ch" ptType="node">
+      <dgm:layoutNode name="parentText" styleLbl="node1">
+        <dgm:varLst>
+          <dgm:chMax val="0"/>
+          <dgm:bulletEnabled val="1"/>
+        </dgm:varLst>
+        <dgm:alg type="tx">
+          <dgm:param type="parTxLTRAlign" val="l"/>
+          <dgm:param type="parTxRTLAlign" val="r"/>
+        </dgm:alg>
+        <dgm:shape xmlns:r="http://schemas.openxmlformats.org/officeDocument/2006/relationships" type="roundRect" r:blip="">
+          <dgm:adjLst/>
+        </dgm:shape>
+        <dgm:presOf axis="self"/>
+        <dgm:constrLst>
+          <dgm:constr type="tMarg" refType="primFontSz" fact="0.3"/>
+          <dgm:constr type="bMarg" refType="primFontSz" fact="0.3"/>
+          <dgm:constr type="lMarg" refType="primFontSz" fact="0.3"/>
+          <dgm:constr type="rMarg" refType="primFontSz" fact="0.3"/>
+        </dgm:constrLst>
+        <dgm:ruleLst>
+          <dgm:rule type="h" val="INF" fact="NaN" max="NaN"/>
+        </dgm:ruleLst>
+      </dgm:layoutNode>
+      <dgm:choose name="Name1">
+        <dgm:if name="Name2" axis="ch" ptType="node" func="cnt" op="gte" val="1">
+          <dgm:layoutNode name="childText" styleLbl="revTx">
+            <dgm:varLst>
+              <dgm:bulletEnabled val="1"/>
+            </dgm:varLst>
+            <dgm:alg type="tx">
+              <dgm:param type="stBulletLvl" val="1"/>
+              <dgm:param type="lnSpAfChP" val="20"/>
+            </dgm:alg>
+            <dgm:shape xmlns:r="http://schemas.openxmlformats.org/officeDocument/2006/relationships" type="rect" r:blip="">
+              <dgm:adjLst/>
+            </dgm:shape>
+            <dgm:presOf axis="des" ptType="node"/>
+            <dgm:constrLst>
+              <dgm:constr type="tMarg" refType="primFontSz" fact="0.1"/>
+              <dgm:constr type="bMarg" refType="primFontSz" fact="0.1"/>
+              <dgm:constr type="lMarg" refType="w" fact="0.09"/>
+            </dgm:constrLst>
+            <dgm:ruleLst>
+              <dgm:rule type="h" val="INF" fact="NaN" max="NaN"/>
+            </dgm:ruleLst>
+          </dgm:layoutNode>
+        </dgm:if>
+        <dgm:else name="Name3">
+          <dgm:choose name="Name4">
+            <dgm:if name="Name5" axis="par ch" ptType="doc node" func="cnt" op="gte" val="2">
+              <dgm:forEach name="Name6" axis="followSib" ptType="sibTrans" cnt="1">
+                <dgm:layoutNode name="spacer">
+                  <dgm:alg type="sp"/>
+                  <dgm:shape xmlns:r="http://schemas.openxmlformats.org/officeDocument/2006/relationships" r:blip="">
+                    <dgm:adjLst/>
+                  </dgm:shape>
+                  <dgm:presOf/>
+                  <dgm:constrLst/>
+                  <dgm:ruleLst/>
+                </dgm:layoutNode>
+              </dgm:forEach>
+            </dgm:if>
+            <dgm:else name="Name7"/>
+          </dgm:choose>
+        </dgm:else>
+      </dgm:choose>
+    </dgm:forEach>
+  </dgm:layoutNode>
+</dgm:layoutDef>
+</file>
+
+<file path=ppt/diagrams/layout3.xml><?xml version="1.0" encoding="utf-8"?>
+<dgm:layoutDef xmlns:dgm="http://schemas.openxmlformats.org/drawingml/2006/diagram" xmlns:a="http://schemas.openxmlformats.org/drawingml/2006/main" uniqueId="urn:microsoft.com/office/officeart/2005/8/layout/vList2">
+  <dgm:title val=""/>
+  <dgm:desc val=""/>
+  <dgm:catLst>
+    <dgm:cat type="list" pri="3000"/>
+    <dgm:cat type="convert" pri="1000"/>
+  </dgm:catLst>
+  <dgm:sampData>
+    <dgm:dataModel>
+      <dgm:ptLst>
+        <dgm:pt modelId="0" type="doc"/>
+        <dgm:pt modelId="1">
+          <dgm:prSet phldr="1"/>
+        </dgm:pt>
+        <dgm:pt modelId="11">
+          <dgm:prSet phldr="1"/>
+        </dgm:pt>
+        <dgm:pt modelId="2">
+          <dgm:prSet phldr="1"/>
+        </dgm:pt>
+        <dgm:pt modelId="21">
+          <dgm:prSet phldr="1"/>
+        </dgm:pt>
+      </dgm:ptLst>
+      <dgm:cxnLst>
+        <dgm:cxn modelId="4" srcId="0" destId="1" srcOrd="0" destOrd="0"/>
+        <dgm:cxn modelId="5" srcId="0" destId="2" srcOrd="1" destOrd="0"/>
+        <dgm:cxn modelId="12" srcId="1" destId="11" srcOrd="0" destOrd="0"/>
+        <dgm:cxn modelId="23" srcId="2" destId="21" srcOrd="0" destOrd="0"/>
+      </dgm:cxnLst>
+      <dgm:bg/>
+      <dgm:whole/>
+    </dgm:dataModel>
+  </dgm:sampData>
+  <dgm:styleData>
+    <dgm:dataModel>
+      <dgm:ptLst>
+        <dgm:pt modelId="0" type="doc"/>
+        <dgm:pt modelId="1"/>
+        <dgm:pt modelId="2"/>
+      </dgm:ptLst>
+      <dgm:cxnLst>
+        <dgm:cxn modelId="3" srcId="0" destId="1" srcOrd="0" destOrd="0"/>
+        <dgm:cxn modelId="4" srcId="0" destId="2" srcOrd="1" destOrd="0"/>
+      </dgm:cxnLst>
+      <dgm:bg/>
+      <dgm:whole/>
+    </dgm:dataModel>
+  </dgm:styleData>
+  <dgm:clrData>
+    <dgm:dataModel>
+      <dgm:ptLst>
+        <dgm:pt modelId="0" type="doc"/>
+        <dgm:pt modelId="1"/>
+        <dgm:pt modelId="2"/>
+        <dgm:pt modelId="3"/>
+        <dgm:pt modelId="4"/>
+      </dgm:ptLst>
+      <dgm:cxnLst>
+        <dgm:cxn modelId="5" srcId="0" destId="1" srcOrd="0" destOrd="0"/>
+        <dgm:cxn modelId="6" srcId="0" destId="2" srcOrd="1" destOrd="0"/>
+        <dgm:cxn modelId="7" srcId="0" destId="3" srcOrd="2" destOrd="0"/>
+        <dgm:cxn modelId="8" srcId="0" destId="4" srcOrd="3" destOrd="0"/>
+      </dgm:cxnLst>
+      <dgm:bg/>
+      <dgm:whole/>
+    </dgm:dataModel>
+  </dgm:clrData>
+  <dgm:layoutNode name="linear">
+    <dgm:varLst>
+      <dgm:animLvl val="lvl"/>
+      <dgm:resizeHandles val="exact"/>
+    </dgm:varLst>
+    <dgm:alg type="lin">
+      <dgm:param type="linDir" val="fromT"/>
+      <dgm:param type="vertAlign" val="mid"/>
+    </dgm:alg>
+    <dgm:shape xmlns:r="http://schemas.openxmlformats.org/officeDocument/2006/relationships" r:blip="">
+      <dgm:adjLst/>
+    </dgm:shape>
+    <dgm:presOf/>
+    <dgm:constrLst>
+      <dgm:constr type="w" for="ch" forName="parentText" refType="w"/>
+      <dgm:constr type="h" for="ch" forName="parentText" refType="primFontSz" refFor="ch" refForName="parentText" fact="0.52"/>
+      <dgm:constr type="w" for="ch" forName="childText" refType="w"/>
+      <dgm:constr type="h" for="ch" forName="childText" refType="primFontSz" refFor="ch" refForName="parentText" fact="0.46"/>
+      <dgm:constr type="h" for="ch" forName="parentText" op="equ"/>
+      <dgm:constr type="primFontSz" for="ch" forName="parentText" op="equ" val="65"/>
+      <dgm:constr type="primFontSz" for="ch" forName="childText" refType="primFontSz" refFor="ch" refForName="parentText" op="equ"/>
+      <dgm:constr type="h" for="ch" forName="spacer" refType="primFontSz" refFor="ch" refForName="parentText" fact="0.08"/>
+    </dgm:constrLst>
+    <dgm:ruleLst>
+      <dgm:rule type="primFontSz" for="ch" forName="parentText" val="5" fact="NaN" max="NaN"/>
+    </dgm:ruleLst>
+    <dgm:forEach name="Name0" axis="ch" ptType="node">
+      <dgm:layoutNode name="parentText" styleLbl="node1">
+        <dgm:varLst>
+          <dgm:chMax val="0"/>
+          <dgm:bulletEnabled val="1"/>
+        </dgm:varLst>
+        <dgm:alg type="tx">
+          <dgm:param type="parTxLTRAlign" val="l"/>
+          <dgm:param type="parTxRTLAlign" val="r"/>
+        </dgm:alg>
+        <dgm:shape xmlns:r="http://schemas.openxmlformats.org/officeDocument/2006/relationships" type="roundRect" r:blip="">
+          <dgm:adjLst/>
+        </dgm:shape>
+        <dgm:presOf axis="self"/>
+        <dgm:constrLst>
+          <dgm:constr type="tMarg" refType="primFontSz" fact="0.3"/>
+          <dgm:constr type="bMarg" refType="primFontSz" fact="0.3"/>
+          <dgm:constr type="lMarg" refType="primFontSz" fact="0.3"/>
+          <dgm:constr type="rMarg" refType="primFontSz" fact="0.3"/>
+        </dgm:constrLst>
+        <dgm:ruleLst>
+          <dgm:rule type="h" val="INF" fact="NaN" max="NaN"/>
+        </dgm:ruleLst>
+      </dgm:layoutNode>
+      <dgm:choose name="Name1">
+        <dgm:if name="Name2" axis="ch" ptType="node" func="cnt" op="gte" val="1">
+          <dgm:layoutNode name="childText" styleLbl="revTx">
+            <dgm:varLst>
+              <dgm:bulletEnabled val="1"/>
+            </dgm:varLst>
+            <dgm:alg type="tx">
+              <dgm:param type="stBulletLvl" val="1"/>
+              <dgm:param type="lnSpAfChP" val="20"/>
+            </dgm:alg>
+            <dgm:shape xmlns:r="http://schemas.openxmlformats.org/officeDocument/2006/relationships" type="rect" r:blip="">
+              <dgm:adjLst/>
+            </dgm:shape>
+            <dgm:presOf axis="des" ptType="node"/>
+            <dgm:constrLst>
+              <dgm:constr type="tMarg" refType="primFontSz" fact="0.1"/>
+              <dgm:constr type="bMarg" refType="primFontSz" fact="0.1"/>
+              <dgm:constr type="lMarg" refType="w" fact="0.09"/>
+            </dgm:constrLst>
+            <dgm:ruleLst>
+              <dgm:rule type="h" val="INF" fact="NaN" max="NaN"/>
+            </dgm:ruleLst>
+          </dgm:layoutNode>
+        </dgm:if>
+        <dgm:else name="Name3">
+          <dgm:choose name="Name4">
+            <dgm:if name="Name5" axis="par ch" ptType="doc node" func="cnt" op="gte" val="2">
+              <dgm:forEach name="Name6" axis="followSib" ptType="sibTrans" cnt="1">
+                <dgm:layoutNode name="spacer">
+                  <dgm:alg type="sp"/>
+                  <dgm:shape xmlns:r="http://schemas.openxmlformats.org/officeDocument/2006/relationships" r:blip="">
+                    <dgm:adjLst/>
+                  </dgm:shape>
+                  <dgm:presOf/>
+                  <dgm:constrLst/>
+                  <dgm:ruleLst/>
+                </dgm:layoutNode>
+              </dgm:forEach>
+            </dgm:if>
+            <dgm:else name="Name7"/>
+          </dgm:choose>
+        </dgm:else>
+      </dgm:choose>
+    </dgm:forEach>
+  </dgm:layoutNode>
+</dgm:layoutDef>
+</file>
+
+<file path=ppt/diagrams/quickStyle1.xml><?xml version="1.0" encoding="utf-8"?>
+<dgm:styleDef xmlns:dgm="http://schemas.openxmlformats.org/drawingml/2006/diagram" xmlns:a="http://schemas.openxmlformats.org/drawingml/2006/main" uniqueId="urn:microsoft.com/office/officeart/2005/8/quickstyle/simple1">
+  <dgm:title val=""/>
+  <dgm:desc val=""/>
+  <dgm:catLst>
+    <dgm:cat type="simple" pri="10100"/>
+  </dgm:catLst>
+  <dgm:scene3d>
+    <a:camera prst="orthographicFront"/>
+    <a:lightRig rig="threePt" dir="t"/>
+  </dgm:scene3d>
+  <dgm:styleLbl name="node0">
+    <dgm:scene3d>
+      <a:camera prst="orthographicFront"/>
+      <a:lightRig rig="threePt" dir="t"/>
+    </dgm:scene3d>
+    <dgm:sp3d/>
+    <dgm:txPr/>
+    <dgm:style>
+      <a:lnRef idx="2">
+        <a:scrgbClr r="0" g="0" b="0"/>
+      </a:lnRef>
+      <a:fillRef idx="1">
+        <a:scrgbClr r="0" g="0" b="0"/>
+      </a:fillRef>
+      <a:effectRef idx="0">
+        <a:scrgbClr r="0" g="0" b="0"/>
+      </a:effectRef>
+      <a:fontRef idx="minor">
+        <a:schemeClr val="lt1"/>
+      </a:fontRef>
+    </dgm:style>
+  </dgm:styleLbl>
+  <dgm:styleLbl name="lnNode1">
+    <dgm:scene3d>
+      <a:camera prst="orthographicFront"/>
+      <a:lightRig rig="threePt" dir="t"/>
+    </dgm:scene3d>
+    <dgm:sp3d/>
+    <dgm:txPr/>
+    <dgm:style>
+      <a:lnRef idx="2">
+        <a:scrgbClr r="0" g="0" b="0"/>
+      </a:lnRef>
+      <a:fillRef idx="1">
+        <a:scrgbClr r="0" g="0" b="0"/>
+      </a:fillRef>
+      <a:effectRef idx="0">
+        <a:scrgbClr r="0" g="0" b="0"/>
+      </a:effectRef>
+      <a:fontRef idx="minor">
+        <a:schemeClr val="lt1"/>
+      </a:fontRef>
+    </dgm:style>
+  </dgm:styleLbl>
+  <dgm:styleLbl name="vennNode1">
+    <dgm:scene3d>
+      <a:camera prst="orthographicFront"/>
+      <a:lightRig rig="threePt" dir="t"/>
+    </dgm:scene3d>
+    <dgm:sp3d/>
+    <dgm:txPr/>
+    <dgm:style>
+      <a:lnRef idx="2">
+        <a:scrgbClr r="0" g="0" b="0"/>
+      </a:lnRef>
+      <a:fillRef idx="1">
+        <a:scrgbClr r="0" g="0" b="0"/>
+      </a:fillRef>
+      <a:effectRef idx="0">
+        <a:scrgbClr r="0" g="0" b="0"/>
+      </a:effectRef>
+      <a:fontRef idx="minor">
+        <a:schemeClr val="tx1"/>
+      </a:fontRef>
+    </dgm:style>
+  </dgm:styleLbl>
+  <dgm:styleLbl name="alignNode1">
+    <dgm:scene3d>
+      <a:camera prst="orthographicFront"/>
+      <a:lightRig rig="threePt" dir="t"/>
+    </dgm:scene3d>
+    <dgm:sp3d/>
+    <dgm:txPr/>
+    <dgm:style>
+      <a:lnRef idx="2">
+        <a:scrgbClr r="0" g="0" b="0"/>
+      </a:lnRef>
+      <a:fillRef idx="1">
+        <a:scrgbClr r="0" g="0" b="0"/>
+      </a:fillRef>
+      <a:effectRef idx="0">
+        <a:scrgbClr r="0" g="0" b="0"/>
+      </a:effectRef>
+      <a:fontRef idx="minor">
+        <a:schemeClr val="lt1"/>
+      </a:fontRef>
+    </dgm:style>
+  </dgm:styleLbl>
+  <dgm:styleLbl name="node1">
+    <dgm:scene3d>
+      <a:camera prst="orthographicFront"/>
+      <a:lightRig rig="threePt" dir="t"/>
+    </dgm:scene3d>
+    <dgm:sp3d/>
+    <dgm:txPr/>
+    <dgm:style>
+      <a:lnRef idx="2">
+        <a:scrgbClr r="0" g="0" b="0"/>
+      </a:lnRef>
+      <a:fillRef idx="1">
+        <a:scrgbClr r="0" g="0" b="0"/>
+      </a:fillRef>
+      <a:effectRef idx="0">
+        <a:scrgbClr r="0" g="0" b="0"/>
+      </a:effectRef>
+      <a:fontRef idx="minor">
+        <a:schemeClr val="lt1"/>
+      </a:fontRef>
+    </dgm:style>
+  </dgm:styleLbl>
+  <dgm:styleLbl name="node2">
+    <dgm:scene3d>
+      <a:camera prst="orthographicFront"/>
+      <a:lightRig rig="threePt" dir="t"/>
+    </dgm:scene3d>
+    <dgm:sp3d/>
+    <dgm:txPr/>
+    <dgm:style>
+      <a:lnRef idx="2">
+        <a:scrgbClr r="0" g="0" b="0"/>
+      </a:lnRef>
+      <a:fillRef idx="1">
+        <a:scrgbClr r="0" g="0" b="0"/>
+      </a:fillRef>
+      <a:effectRef idx="0">
+        <a:scrgbClr r="0" g="0" b="0"/>
+      </a:effectRef>
+      <a:fontRef idx="minor">
+        <a:schemeClr val="lt1"/>
+      </a:fontRef>
+    </dgm:style>
+  </dgm:styleLbl>
+  <dgm:styleLbl name="node3">
+    <dgm:scene3d>
+      <a:camera prst="orthographicFront"/>
+      <a:lightRig rig="threePt" dir="t"/>
+    </dgm:scene3d>
+    <dgm:sp3d/>
+    <dgm:txPr/>
+    <dgm:style>
+      <a:lnRef idx="2">
+        <a:scrgbClr r="0" g="0" b="0"/>
+      </a:lnRef>
+      <a:fillRef idx="1">
+        <a:scrgbClr r="0" g="0" b="0"/>
+      </a:fillRef>
+      <a:effectRef idx="0">
+        <a:scrgbClr r="0" g="0" b="0"/>
+      </a:effectRef>
+      <a:fontRef idx="minor">
+        <a:schemeClr val="lt1"/>
+      </a:fontRef>
+    </dgm:style>
+  </dgm:styleLbl>
+  <dgm:styleLbl name="node4">
+    <dgm:scene3d>
+      <a:camera prst="orthographicFront"/>
+      <a:lightRig rig="threePt" dir="t"/>
+    </dgm:scene3d>
+    <dgm:sp3d/>
+    <dgm:txPr/>
+    <dgm:style>
+      <a:lnRef idx="2">
+        <a:scrgbClr r="0" g="0" b="0"/>
+      </a:lnRef>
+      <a:fillRef idx="1">
+        <a:scrgbClr r="0" g="0" b="0"/>
+      </a:fillRef>
+      <a:effectRef idx="0">
+        <a:scrgbClr r="0" g="0" b="0"/>
+      </a:effectRef>
+      <a:fontRef idx="minor">
+        <a:schemeClr val="lt1"/>
+      </a:fontRef>
+    </dgm:style>
+  </dgm:styleLbl>
+  <dgm:styleLbl name="fgImgPlace1">
+    <dgm:scene3d>
+      <a:camera prst="orthographicFront"/>
+      <a:lightRig rig="threePt" dir="t"/>
+    </dgm:scene3d>
+    <dgm:sp3d/>
+    <dgm:txPr/>
+    <dgm:style>
+      <a:lnRef idx="2">
+        <a:scrgbClr r="0" g="0" b="0"/>
+      </a:lnRef>
+      <a:fillRef idx="1">
+        <a:scrgbClr r="0" g="0" b="0"/>
+      </a:fillRef>
+      <a:effectRef idx="0">
+        <a:scrgbClr r="0" g="0" b="0"/>
+      </a:effectRef>
+      <a:fontRef idx="minor"/>
+    </dgm:style>
+  </dgm:styleLbl>
+  <dgm:styleLbl name="alignImgPlace1">
+    <dgm:scene3d>
+      <a:camera prst="orthographicFront"/>
+      <a:lightRig rig="threePt" dir="t"/>
+    </dgm:scene3d>
+    <dgm:sp3d/>
+    <dgm:txPr/>
+    <dgm:style>
+      <a:lnRef idx="2">
+        <a:scrgbClr r="0" g="0" b="0"/>
+      </a:lnRef>
+      <a:fillRef idx="1">
+        <a:scrgbClr r="0" g="0" b="0"/>
+      </a:fillRef>
+      <a:effectRef idx="0">
+        <a:scrgbClr r="0" g="0" b="0"/>
+      </a:effectRef>
+      <a:fontRef idx="minor"/>
+    </dgm:style>
+  </dgm:styleLbl>
+  <dgm:styleLbl name="bgImgPlace1">
+    <dgm:scene3d>
+      <a:camera prst="orthographicFront"/>
+      <a:lightRig rig="threePt" dir="t"/>
+    </dgm:scene3d>
+    <dgm:sp3d/>
+    <dgm:txPr/>
+    <dgm:style>
+      <a:lnRef idx="2">
+        <a:scrgbClr r="0" g="0" b="0"/>
+      </a:lnRef>
+      <a:fillRef idx="1">
+        <a:scrgbClr r="0" g="0" b="0"/>
+      </a:fillRef>
+      <a:effectRef idx="0">
+        <a:scrgbClr r="0" g="0" b="0"/>
+      </a:effectRef>
+      <a:fontRef idx="minor"/>
+    </dgm:style>
+  </dgm:styleLbl>
+  <dgm:styleLbl name="sibTrans2D1">
+    <dgm:scene3d>
+      <a:camera prst="orthographicFront"/>
+      <a:lightRig rig="threePt" dir="t"/>
+    </dgm:scene3d>
+    <dgm:sp3d/>
+    <dgm:txPr/>
+    <dgm:style>
+      <a:lnRef idx="0">
+        <a:scrgbClr r="0" g="0" b="0"/>
+      </a:lnRef>
+      <a:fillRef idx="1">
+        <a:scrgbClr r="0" g="0" b="0"/>
+      </a:fillRef>
+      <a:effectRef idx="0">
+        <a:scrgbClr r="0" g="0" b="0"/>
+      </a:effectRef>
+      <a:fontRef idx="minor">
+        <a:schemeClr val="lt1"/>
+      </a:fontRef>
+    </dgm:style>
+  </dgm:styleLbl>
+  <dgm:styleLbl name="fgSibTrans2D1">
+    <dgm:scene3d>
+      <a:camera prst="orthographicFront"/>
+      <a:lightRig rig="threePt" dir="t"/>
+    </dgm:scene3d>
+    <dgm:sp3d/>
+    <dgm:txPr/>
+    <dgm:style>
+      <a:lnRef idx="0">
+        <a:scrgbClr r="0" g="0" b="0"/>
+      </a:lnRef>
+      <a:fillRef idx="1">
+        <a:scrgbClr r="0" g="0" b="0"/>
+      </a:fillRef>
+      <a:effectRef idx="0">
+        <a:scrgbClr r="0" g="0" b="0"/>
+      </a:effectRef>
+      <a:fontRef idx="minor">
+        <a:schemeClr val="lt1"/>
+      </a:fontRef>
+    </dgm:style>
+  </dgm:styleLbl>
+  <dgm:styleLbl name="bgSibTrans2D1">
+    <dgm:scene3d>
+      <a:camera prst="orthographicFront"/>
+      <a:lightRig rig="threePt" dir="t"/>
+    </dgm:scene3d>
+    <dgm:sp3d/>
+    <dgm:txPr/>
+    <dgm:style>
+      <a:lnRef idx="0">
+        <a:scrgbClr r="0" g="0" b="0"/>
+      </a:lnRef>
+      <a:fillRef idx="1">
+        <a:scrgbClr r="0" g="0" b="0"/>
+      </a:fillRef>
+      <a:effectRef idx="0">
+        <a:scrgbClr r="0" g="0" b="0"/>
+      </a:effectRef>
+      <a:fontRef idx="minor">
+        <a:schemeClr val="lt1"/>
+      </a:fontRef>
+    </dgm:style>
+  </dgm:styleLbl>
+  <dgm:styleLbl name="sibTrans1D1">
+    <dgm:scene3d>
+      <a:camera prst="orthographicFront"/>
+      <a:lightRig rig="threePt" dir="t"/>
+    </dgm:scene3d>
+    <dgm:sp3d/>
+    <dgm:txPr/>
+    <dgm:style>
+      <a:lnRef idx="1">
+        <a:scrgbClr r="0" g="0" b="0"/>
+      </a:lnRef>
+      <a:fillRef idx="0">
+        <a:scrgbClr r="0" g="0" b="0"/>
+      </a:fillRef>
+      <a:effectRef idx="0">
+        <a:scrgbClr r="0" g="0" b="0"/>
+      </a:effectRef>
+      <a:fontRef idx="minor"/>
+    </dgm:style>
+  </dgm:styleLbl>
+  <dgm:styleLbl name="callout">
+    <dgm:scene3d>
+      <a:camera prst="orthographicFront"/>
+      <a:lightRig rig="threePt" dir="t"/>
+    </dgm:scene3d>
+    <dgm:sp3d/>
+    <dgm:txPr/>
+    <dgm:style>
+      <a:lnRef idx="2">
+        <a:scrgbClr r="0" g="0" b="0"/>
+      </a:lnRef>
+      <a:fillRef idx="1">
+        <a:scrgbClr r="0" g="0" b="0"/>
+      </a:fillRef>
+      <a:effectRef idx="0">
+        <a:scrgbClr r="0" g="0" b="0"/>
+      </a:effectRef>
+      <a:fontRef idx="minor"/>
+    </dgm:style>
+  </dgm:styleLbl>
+  <dgm:styleLbl name="asst0">
+    <dgm:scene3d>
+      <a:camera prst="orthographicFront"/>
+      <a:lightRig rig="threePt" dir="t"/>
+    </dgm:scene3d>
+    <dgm:sp3d/>
+    <dgm:txPr/>
+    <dgm:style>
+      <a:lnRef idx="2">
+        <a:scrgbClr r="0" g="0" b="0"/>
+      </a:lnRef>
+      <a:fillRef idx="1">
+        <a:scrgbClr r="0" g="0" b="0"/>
+      </a:fillRef>
+      <a:effectRef idx="0">
+        <a:scrgbClr r="0" g="0" b="0"/>
+      </a:effectRef>
+      <a:fontRef idx="minor">
+        <a:schemeClr val="lt1"/>
+      </a:fontRef>
+    </dgm:style>
+  </dgm:styleLbl>
+  <dgm:styleLbl name="asst1">
+    <dgm:scene3d>
+      <a:camera prst="orthographicFront"/>
+      <a:lightRig rig="threePt" dir="t"/>
+    </dgm:scene3d>
+    <dgm:sp3d/>
+    <dgm:txPr/>
+    <dgm:style>
+      <a:lnRef idx="2">
+        <a:scrgbClr r="0" g="0" b="0"/>
+      </a:lnRef>
+      <a:fillRef idx="1">
+        <a:scrgbClr r="0" g="0" b="0"/>
+      </a:fillRef>
+      <a:effectRef idx="0">
+        <a:scrgbClr r="0" g="0" b="0"/>
+      </a:effectRef>
+      <a:fontRef idx="minor">
+        <a:schemeClr val="lt1"/>
+      </a:fontRef>
+    </dgm:style>
+  </dgm:styleLbl>
+  <dgm:styleLbl name="asst2">
+    <dgm:scene3d>
+      <a:camera prst="orthographicFront"/>
+      <a:lightRig rig="threePt" dir="t"/>
+    </dgm:scene3d>
+    <dgm:sp3d/>
+    <dgm:txPr/>
+    <dgm:style>
+      <a:lnRef idx="2">
+        <a:scrgbClr r="0" g="0" b="0"/>
+      </a:lnRef>
+      <a:fillRef idx="1">
+        <a:scrgbClr r="0" g="0" b="0"/>
+      </a:fillRef>
+      <a:effectRef idx="0">
+        <a:scrgbClr r="0" g="0" b="0"/>
+      </a:effectRef>
+      <a:fontRef idx="minor">
+        <a:schemeClr val="lt1"/>
+      </a:fontRef>
+    </dgm:style>
+  </dgm:styleLbl>
+  <dgm:styleLbl name="asst3">
+    <dgm:scene3d>
+      <a:camera prst="orthographicFront"/>
+      <a:lightRig rig="threePt" dir="t"/>
+    </dgm:scene3d>
+    <dgm:sp3d/>
+    <dgm:txPr/>
+    <dgm:style>
+      <a:lnRef idx="2">
+        <a:scrgbClr r="0" g="0" b="0"/>
+      </a:lnRef>
+      <a:fillRef idx="1">
+        <a:scrgbClr r="0" g="0" b="0"/>
+      </a:fillRef>
+      <a:effectRef idx="0">
+        <a:scrgbClr r="0" g="0" b="0"/>
+      </a:effectRef>
+      <a:fontRef idx="minor">
+        <a:schemeClr val="lt1"/>
+      </a:fontRef>
+    </dgm:style>
+  </dgm:styleLbl>
+  <dgm:styleLbl name="asst4">
+    <dgm:scene3d>
+      <a:camera prst="orthographicFront"/>
+      <a:lightRig rig="threePt" dir="t"/>
+    </dgm:scene3d>
+    <dgm:sp3d/>
+    <dgm:txPr/>
+    <dgm:style>
+      <a:lnRef idx="2">
+        <a:scrgbClr r="0" g="0" b="0"/>
+      </a:lnRef>
+      <a:fillRef idx="1">
+        <a:scrgbClr r="0" g="0" b="0"/>
+      </a:fillRef>
+      <a:effectRef idx="0">
+        <a:scrgbClr r="0" g="0" b="0"/>
+      </a:effectRef>
+      <a:fontRef idx="minor">
+        <a:schemeClr val="lt1"/>
+      </a:fontRef>
+    </dgm:style>
+  </dgm:styleLbl>
+  <dgm:styleLbl name="parChTrans2D1">
+    <dgm:scene3d>
+      <a:camera prst="orthographicFront"/>
+      <a:lightRig rig="threePt" dir="t"/>
+    </dgm:scene3d>
+    <dgm:sp3d/>
+    <dgm:txPr/>
+    <dgm:style>
+      <a:lnRef idx="2">
+        <a:scrgbClr r="0" g="0" b="0"/>
+      </a:lnRef>
+      <a:fillRef idx="1">
+        <a:scrgbClr r="0" g="0" b="0"/>
+      </a:fillRef>
+      <a:effectRef idx="0">
+        <a:scrgbClr r="0" g="0" b="0"/>
+      </a:effectRef>
+      <a:fontRef idx="minor">
+        <a:schemeClr val="lt1"/>
+      </a:fontRef>
+    </dgm:style>
+  </dgm:styleLbl>
+  <dgm:styleLbl name="parChTrans2D2">
+    <dgm:scene3d>
+      <a:camera prst="orthographicFront"/>
+      <a:lightRig rig="threePt" dir="t"/>
+    </dgm:scene3d>
+    <dgm:sp3d/>
+    <dgm:txPr/>
+    <dgm:style>
+      <a:lnRef idx="2">
+        <a:scrgbClr r="0" g="0" b="0"/>
+      </a:lnRef>
+      <a:fillRef idx="1">
+        <a:scrgbClr r="0" g="0" b="0"/>
+      </a:fillRef>
+      <a:effectRef idx="0">
+        <a:scrgbClr r="0" g="0" b="0"/>
+      </a:effectRef>
+      <a:fontRef idx="minor">
+        <a:schemeClr val="lt1"/>
+      </a:fontRef>
+    </dgm:style>
+  </dgm:styleLbl>
+  <dgm:styleLbl name="parChTrans2D3">
+    <dgm:scene3d>
+      <a:camera prst="orthographicFront"/>
+      <a:lightRig rig="threePt" dir="t"/>
+    </dgm:scene3d>
+    <dgm:sp3d/>
+    <dgm:txPr/>
+    <dgm:style>
+      <a:lnRef idx="2">
+        <a:scrgbClr r="0" g="0" b="0"/>
+      </a:lnRef>
+      <a:fillRef idx="1">
+        <a:scrgbClr r="0" g="0" b="0"/>
+      </a:fillRef>
+      <a:effectRef idx="0">
+        <a:scrgbClr r="0" g="0" b="0"/>
+      </a:effectRef>
+      <a:fontRef idx="minor">
+        <a:schemeClr val="lt1"/>
+      </a:fontRef>
+    </dgm:style>
+  </dgm:styleLbl>
+  <dgm:styleLbl name="parChTrans2D4">
+    <dgm:scene3d>
+      <a:camera prst="orthographicFront"/>
+      <a:lightRig rig="threePt" dir="t"/>
+    </dgm:scene3d>
+    <dgm:sp3d/>
+    <dgm:txPr/>
+    <dgm:style>
+      <a:lnRef idx="2">
+        <a:scrgbClr r="0" g="0" b="0"/>
+      </a:lnRef>
+      <a:fillRef idx="1">
+        <a:scrgbClr r="0" g="0" b="0"/>
+      </a:fillRef>
+      <a:effectRef idx="0">
+        <a:scrgbClr r="0" g="0" b="0"/>
+      </a:effectRef>
+      <a:fontRef idx="minor">
+        <a:schemeClr val="lt1"/>
+      </a:fontRef>
+    </dgm:style>
+  </dgm:styleLbl>
+  <dgm:styleLbl name="parChTrans1D1">
+    <dgm:scene3d>
+      <a:camera prst="orthographicFront"/>
+      <a:lightRig rig="threePt" dir="t"/>
+    </dgm:scene3d>
+    <dgm:sp3d/>
+    <dgm:txPr/>
+    <dgm:style>
+      <a:lnRef idx="2">
+        <a:scrgbClr r="0" g="0" b="0"/>
+      </a:lnRef>
+      <a:fillRef idx="0">
+        <a:scrgbClr r="0" g="0" b="0"/>
+      </a:fillRef>
+      <a:effectRef idx="0">
+        <a:scrgbClr r="0" g="0" b="0"/>
+      </a:effectRef>
+      <a:fontRef idx="minor"/>
+    </dgm:style>
+  </dgm:styleLbl>
+  <dgm:styleLbl name="parChTrans1D2">
+    <dgm:scene3d>
+      <a:camera prst="orthographicFront"/>
+      <a:lightRig rig="threePt" dir="t"/>
+    </dgm:scene3d>
+    <dgm:sp3d/>
+    <dgm:txPr/>
+    <dgm:style>
+      <a:lnRef idx="2">
+        <a:scrgbClr r="0" g="0" b="0"/>
+      </a:lnRef>
+      <a:fillRef idx="0">
+        <a:scrgbClr r="0" g="0" b="0"/>
+      </a:fillRef>
+      <a:effectRef idx="0">
+        <a:scrgbClr r="0" g="0" b="0"/>
+      </a:effectRef>
+      <a:fontRef idx="minor"/>
+    </dgm:style>
+  </dgm:styleLbl>
+  <dgm:styleLbl name="parChTrans1D3">
+    <dgm:scene3d>
+      <a:camera prst="orthographicFront"/>
+      <a:lightRig rig="threePt" dir="t"/>
+    </dgm:scene3d>
+    <dgm:sp3d/>
+    <dgm:txPr/>
+    <dgm:style>
+      <a:lnRef idx="2">
+        <a:scrgbClr r="0" g="0" b="0"/>
+      </a:lnRef>
+      <a:fillRef idx="0">
+        <a:scrgbClr r="0" g="0" b="0"/>
+      </a:fillRef>
+      <a:effectRef idx="0">
+        <a:scrgbClr r="0" g="0" b="0"/>
+      </a:effectRef>
+      <a:fontRef idx="minor"/>
+    </dgm:style>
+  </dgm:styleLbl>
+  <dgm:styleLbl name="parChTrans1D4">
+    <dgm:scene3d>
+      <a:camera prst="orthographicFront"/>
+      <a:lightRig rig="threePt" dir="t"/>
+    </dgm:scene3d>
+    <dgm:sp3d/>
+    <dgm:txPr/>
+    <dgm:style>
+      <a:lnRef idx="2">
+        <a:scrgbClr r="0" g="0" b="0"/>
+      </a:lnRef>
+      <a:fillRef idx="0">
+        <a:scrgbClr r="0" g="0" b="0"/>
+      </a:fillRef>
+      <a:effectRef idx="0">
+        <a:scrgbClr r="0" g="0" b="0"/>
+      </a:effectRef>
+      <a:fontRef idx="minor"/>
+    </dgm:style>
+  </dgm:styleLbl>
+  <dgm:styleLbl name="fgAcc1">
+    <dgm:scene3d>
+      <a:camera prst="orthographicFront"/>
+      <a:lightRig rig="threePt" dir="t"/>
+    </dgm:scene3d>
+    <dgm:sp3d/>
+    <dgm:txPr/>
+    <dgm:style>
+      <a:lnRef idx="2">
+        <a:scrgbClr r="0" g="0" b="0"/>
+      </a:lnRef>
+      <a:fillRef idx="1">
+        <a:scrgbClr r="0" g="0" b="0"/>
+      </a:fillRef>
+      <a:effectRef idx="0">
+        <a:scrgbClr r="0" g="0" b="0"/>
+      </a:effectRef>
+      <a:fontRef idx="minor"/>
+    </dgm:style>
+  </dgm:styleLbl>
+  <dgm:styleLbl name="conFgAcc1">
+    <dgm:scene3d>
+      <a:camera prst="orthographicFront"/>
+      <a:lightRig rig="threePt" dir="t"/>
+    </dgm:scene3d>
+    <dgm:sp3d/>
+    <dgm:txPr/>
+    <dgm:style>
+      <a:lnRef idx="2">
+        <a:scrgbClr r="0" g="0" b="0"/>
+      </a:lnRef>
+      <a:fillRef idx="1">
+        <a:scrgbClr r="0" g="0" b="0"/>
+      </a:fillRef>
+      <a:effectRef idx="0">
+        <a:scrgbClr r="0" g="0" b="0"/>
+      </a:effectRef>
+      <a:fontRef idx="minor"/>
+    </dgm:style>
+  </dgm:styleLbl>
+  <dgm:styleLbl name="alignAcc1">
+    <dgm:scene3d>
+      <a:camera prst="orthographicFront"/>
+      <a:lightRig rig="threePt" dir="t"/>
+    </dgm:scene3d>
+    <dgm:sp3d/>
+    <dgm:txPr/>
+    <dgm:style>
+      <a:lnRef idx="2">
+        <a:scrgbClr r="0" g="0" b="0"/>
+      </a:lnRef>
+      <a:fillRef idx="1">
+        <a:scrgbClr r="0" g="0" b="0"/>
+      </a:fillRef>
+      <a:effectRef idx="0">
+        <a:scrgbClr r="0" g="0" b="0"/>
+      </a:effectRef>
+      <a:fontRef idx="minor"/>
+    </dgm:style>
+  </dgm:styleLbl>
+  <dgm:styleLbl name="trAlignAcc1">
+    <dgm:scene3d>
+      <a:camera prst="orthographicFront"/>
+      <a:lightRig rig="threePt" dir="t"/>
+    </dgm:scene3d>
+    <dgm:sp3d/>
+    <dgm:txPr/>
+    <dgm:style>
+      <a:lnRef idx="1">
+        <a:scrgbClr r="0" g="0" b="0"/>
+      </a:lnRef>
+      <a:fillRef idx="1">
+        <a:scrgbClr r="0" g="0" b="0"/>
+      </a:fillRef>
+      <a:effectRef idx="0">
+        <a:scrgbClr r="0" g="0" b="0"/>
+      </a:effectRef>
+      <a:fontRef idx="minor"/>
+    </dgm:style>
+  </dgm:styleLbl>
+  <dgm:styleLbl name="bgAcc1">
+    <dgm:scene3d>
+      <a:camera prst="orthographicFront"/>
+      <a:lightRig rig="threePt" dir="t"/>
+    </dgm:scene3d>
+    <dgm:sp3d/>
+    <dgm:txPr/>
+    <dgm:style>
+      <a:lnRef idx="2">
+        <a:scrgbClr r="0" g="0" b="0"/>
+      </a:lnRef>
+      <a:fillRef idx="1">
+        <a:scrgbClr r="0" g="0" b="0"/>
+      </a:fillRef>
+      <a:effectRef idx="0">
+        <a:scrgbClr r="0" g="0" b="0"/>
+      </a:effectRef>
+      <a:fontRef idx="minor"/>
+    </dgm:style>
+  </dgm:styleLbl>
+  <dgm:styleLbl name="solidFgAcc1">
+    <dgm:scene3d>
+      <a:camera prst="orthographicFront"/>
+      <a:lightRig rig="threePt" dir="t"/>
+    </dgm:scene3d>
+    <dgm:sp3d/>
+    <dgm:txPr/>
+    <dgm:style>
+      <a:lnRef idx="2">
+        <a:scrgbClr r="0" g="0" b="0"/>
+      </a:lnRef>
+      <a:fillRef idx="1">
+        <a:scrgbClr r="0" g="0" b="0"/>
+      </a:fillRef>
+      <a:effectRef idx="0">
+        <a:scrgbClr r="0" g="0" b="0"/>
+      </a:effectRef>
+      <a:fontRef idx="minor"/>
+    </dgm:style>
+  </dgm:styleLbl>
+  <dgm:styleLbl name="solidAlignAcc1">
+    <dgm:scene3d>
+      <a:camera prst="orthographicFront"/>
+      <a:lightRig rig="threePt" dir="t"/>
+    </dgm:scene3d>
+    <dgm:sp3d/>
+    <dgm:txPr/>
+    <dgm:style>
+      <a:lnRef idx="2">
+        <a:scrgbClr r="0" g="0" b="0"/>
+      </a:lnRef>
+      <a:fillRef idx="1">
+        <a:scrgbClr r="0" g="0" b="0"/>
+      </a:fillRef>
+      <a:effectRef idx="0">
+        <a:scrgbClr r="0" g="0" b="0"/>
+      </a:effectRef>
+      <a:fontRef idx="minor"/>
+    </dgm:style>
+  </dgm:styleLbl>
+  <dgm:styleLbl name="solidBgAcc1">
+    <dgm:scene3d>
+      <a:camera prst="orthographicFront"/>
+      <a:lightRig rig="threePt" dir="t"/>
+    </dgm:scene3d>
+    <dgm:sp3d/>
+    <dgm:txPr/>
+    <dgm:style>
+      <a:lnRef idx="2">
+        <a:scrgbClr r="0" g="0" b="0"/>
+      </a:lnRef>
+      <a:fillRef idx="1">
+        <a:scrgbClr r="0" g="0" b="0"/>
+      </a:fillRef>
+      <a:effectRef idx="0">
+        <a:scrgbClr r="0" g="0" b="0"/>
+      </a:effectRef>
+      <a:fontRef idx="minor"/>
+    </dgm:style>
+  </dgm:styleLbl>
+  <dgm:styleLbl name="fgAccFollowNode1">
+    <dgm:scene3d>
+      <a:camera prst="orthographicFront"/>
+      <a:lightRig rig="threePt" dir="t"/>
+    </dgm:scene3d>
+    <dgm:sp3d/>
+    <dgm:txPr/>
+    <dgm:style>
+      <a:lnRef idx="2">
+        <a:scrgbClr r="0" g="0" b="0"/>
+      </a:lnRef>
+      <a:fillRef idx="1">
+        <a:scrgbClr r="0" g="0" b="0"/>
+      </a:fillRef>
+      <a:effectRef idx="0">
+        <a:scrgbClr r="0" g="0" b="0"/>
+      </a:effectRef>
+      <a:fontRef idx="minor"/>
+    </dgm:style>
+  </dgm:styleLbl>
+  <dgm:styleLbl name="alignAccFollowNode1">
+    <dgm:scene3d>
+      <a:camera prst="orthographicFront"/>
+      <a:lightRig rig="threePt" dir="t"/>
+    </dgm:scene3d>
+    <dgm:sp3d/>
+    <dgm:txPr/>
+    <dgm:style>
+      <a:lnRef idx="2">
+        <a:scrgbClr r="0" g="0" b="0"/>
+      </a:lnRef>
+      <a:fillRef idx="1">
+        <a:scrgbClr r="0" g="0" b="0"/>
+      </a:fillRef>
+      <a:effectRef idx="0">
+        <a:scrgbClr r="0" g="0" b="0"/>
+      </a:effectRef>
+      <a:fontRef idx="minor"/>
+    </dgm:style>
+  </dgm:styleLbl>
+  <dgm:styleLbl name="bgAccFollowNode1">
+    <dgm:scene3d>
+      <a:camera prst="orthographicFront"/>
+      <a:lightRig rig="threePt" dir="t"/>
+    </dgm:scene3d>
+    <dgm:sp3d/>
+    <dgm:txPr/>
+    <dgm:style>
+      <a:lnRef idx="2">
+        <a:scrgbClr r="0" g="0" b="0"/>
+      </a:lnRef>
+      <a:fillRef idx="1">
+        <a:scrgbClr r="0" g="0" b="0"/>
+      </a:fillRef>
+      <a:effectRef idx="0">
+        <a:scrgbClr r="0" g="0" b="0"/>
+      </a:effectRef>
+      <a:fontRef idx="minor"/>
+    </dgm:style>
+  </dgm:styleLbl>
+  <dgm:styleLbl name="fgAcc0">
+    <dgm:scene3d>
+      <a:camera prst="orthographicFront"/>
+      <a:lightRig rig="threePt" dir="t"/>
+    </dgm:scene3d>
+    <dgm:sp3d/>
+    <dgm:txPr/>
+    <dgm:style>
+      <a:lnRef idx="2">
+        <a:scrgbClr r="0" g="0" b="0"/>
+      </a:lnRef>
+      <a:fillRef idx="1">
+        <a:scrgbClr r="0" g="0" b="0"/>
+      </a:fillRef>
+      <a:effectRef idx="0">
+        <a:scrgbClr r="0" g="0" b="0"/>
+      </a:effectRef>
+      <a:fontRef idx="minor"/>
+    </dgm:style>
+  </dgm:styleLbl>
+  <dgm:styleLbl name="fgAcc2">
+    <dgm:scene3d>
+      <a:camera prst="orthographicFront"/>
+      <a:lightRig rig="threePt" dir="t"/>
+    </dgm:scene3d>
+    <dgm:sp3d/>
+    <dgm:txPr/>
+    <dgm:style>
+      <a:lnRef idx="2">
+        <a:scrgbClr r="0" g="0" b="0"/>
+      </a:lnRef>
+      <a:fillRef idx="1">
+        <a:scrgbClr r="0" g="0" b="0"/>
+      </a:fillRef>
+      <a:effectRef idx="0">
+        <a:scrgbClr r="0" g="0" b="0"/>
+      </a:effectRef>
+      <a:fontRef idx="minor"/>
+    </dgm:style>
+  </dgm:styleLbl>
+  <dgm:styleLbl name="fgAcc3">
+    <dgm:scene3d>
+      <a:camera prst="orthographicFront"/>
+      <a:lightRig rig="threePt" dir="t"/>
+    </dgm:scene3d>
+    <dgm:sp3d/>
+    <dgm:txPr/>
+    <dgm:style>
+      <a:lnRef idx="2">
+        <a:scrgbClr r="0" g="0" b="0"/>
+      </a:lnRef>
+      <a:fillRef idx="1">
+        <a:scrgbClr r="0" g="0" b="0"/>
+      </a:fillRef>
+      <a:effectRef idx="0">
+        <a:scrgbClr r="0" g="0" b="0"/>
+      </a:effectRef>
+      <a:fontRef idx="minor"/>
+    </dgm:style>
+  </dgm:styleLbl>
+  <dgm:styleLbl name="fgAcc4">
+    <dgm:scene3d>
+      <a:camera prst="orthographicFront"/>
+      <a:lightRig rig="threePt" dir="t"/>
+    </dgm:scene3d>
+    <dgm:sp3d/>
+    <dgm:txPr/>
+    <dgm:style>
+      <a:lnRef idx="2">
+        <a:scrgbClr r="0" g="0" b="0"/>
+      </a:lnRef>
+      <a:fillRef idx="1">
+        <a:scrgbClr r="0" g="0" b="0"/>
+      </a:fillRef>
+      <a:effectRef idx="0">
+        <a:scrgbClr r="0" g="0" b="0"/>
+      </a:effectRef>
+      <a:fontRef idx="minor"/>
+    </dgm:style>
+  </dgm:styleLbl>
+  <dgm:styleLbl name="bgShp">
+    <dgm:scene3d>
+      <a:camera prst="orthographicFront"/>
+      <a:lightRig rig="threePt" dir="t"/>
+    </dgm:scene3d>
+    <dgm:sp3d/>
+    <dgm:txPr/>
+    <dgm:style>
+      <a:lnRef idx="0">
+        <a:scrgbClr r="0" g="0" b="0"/>
+      </a:lnRef>
+      <a:fillRef idx="1">
+        <a:scrgbClr r="0" g="0" b="0"/>
+      </a:fillRef>
+      <a:effectRef idx="0">
+        <a:scrgbClr r="0" g="0" b="0"/>
+      </a:effectRef>
+      <a:fontRef idx="minor"/>
+    </dgm:style>
+  </dgm:styleLbl>
+  <dgm:styleLbl name="dkBgShp">
+    <dgm:scene3d>
+      <a:camera prst="orthographicFront"/>
+      <a:lightRig rig="threePt" dir="t"/>
+    </dgm:scene3d>
+    <dgm:sp3d/>
+    <dgm:txPr/>
+    <dgm:style>
+      <a:lnRef idx="0">
+        <a:scrgbClr r="0" g="0" b="0"/>
+      </a:lnRef>
+      <a:fillRef idx="1">
+        <a:scrgbClr r="0" g="0" b="0"/>
+      </a:fillRef>
+      <a:effectRef idx="0">
+        <a:scrgbClr r="0" g="0" b="0"/>
+      </a:effectRef>
+      <a:fontRef idx="minor"/>
+    </dgm:style>
+  </dgm:styleLbl>
+  <dgm:styleLbl name="trBgShp">
+    <dgm:scene3d>
+      <a:camera prst="orthographicFront"/>
+      <a:lightRig rig="threePt" dir="t"/>
+    </dgm:scene3d>
+    <dgm:sp3d/>
+    <dgm:txPr/>
+    <dgm:style>
+      <a:lnRef idx="0">
+        <a:scrgbClr r="0" g="0" b="0"/>
+      </a:lnRef>
+      <a:fillRef idx="1">
+        <a:scrgbClr r="0" g="0" b="0"/>
+      </a:fillRef>
+      <a:effectRef idx="0">
+        <a:scrgbClr r="0" g="0" b="0"/>
+      </a:effectRef>
+      <a:fontRef idx="minor"/>
+    </dgm:style>
+  </dgm:styleLbl>
+  <dgm:styleLbl name="fgShp">
+    <dgm:scene3d>
+      <a:camera prst="orthographicFront"/>
+      <a:lightRig rig="threePt" dir="t"/>
+    </dgm:scene3d>
+    <dgm:sp3d/>
+    <dgm:txPr/>
+    <dgm:style>
+      <a:lnRef idx="2">
+        <a:scrgbClr r="0" g="0" b="0"/>
+      </a:lnRef>
+      <a:fillRef idx="1">
+        <a:scrgbClr r="0" g="0" b="0"/>
+      </a:fillRef>
+      <a:effectRef idx="0">
+        <a:scrgbClr r="0" g="0" b="0"/>
+      </a:effectRef>
+      <a:fontRef idx="minor"/>
+    </dgm:style>
+  </dgm:styleLbl>
+  <dgm:styleLbl name="revTx">
+    <dgm:scene3d>
+      <a:camera prst="orthographicFront"/>
+      <a:lightRig rig="threePt" dir="t"/>
+    </dgm:scene3d>
+    <dgm:sp3d/>
+    <dgm:txPr/>
+    <dgm:style>
+      <a:lnRef idx="0">
+        <a:scrgbClr r="0" g="0" b="0"/>
+      </a:lnRef>
+      <a:fillRef idx="0">
+        <a:scrgbClr r="0" g="0" b="0"/>
+      </a:fillRef>
+      <a:effectRef idx="0">
+        <a:scrgbClr r="0" g="0" b="0"/>
+      </a:effectRef>
+      <a:fontRef idx="minor"/>
+    </dgm:style>
+  </dgm:styleLbl>
+</dgm:styleDef>
+</file>
+
+<file path=ppt/diagrams/quickStyle2.xml><?xml version="1.0" encoding="utf-8"?>
+<dgm:styleDef xmlns:dgm="http://schemas.openxmlformats.org/drawingml/2006/diagram" xmlns:a="http://schemas.openxmlformats.org/drawingml/2006/main" uniqueId="urn:microsoft.com/office/officeart/2005/8/quickstyle/simple1">
+  <dgm:title val=""/>
+  <dgm:desc val=""/>
+  <dgm:catLst>
+    <dgm:cat type="simple" pri="10100"/>
+  </dgm:catLst>
+  <dgm:scene3d>
+    <a:camera prst="orthographicFront"/>
+    <a:lightRig rig="threePt" dir="t"/>
+  </dgm:scene3d>
+  <dgm:styleLbl name="node0">
+    <dgm:scene3d>
+      <a:camera prst="orthographicFront"/>
+      <a:lightRig rig="threePt" dir="t"/>
+    </dgm:scene3d>
+    <dgm:sp3d/>
+    <dgm:txPr/>
+    <dgm:style>
+      <a:lnRef idx="2">
+        <a:scrgbClr r="0" g="0" b="0"/>
+      </a:lnRef>
+      <a:fillRef idx="1">
+        <a:scrgbClr r="0" g="0" b="0"/>
+      </a:fillRef>
+      <a:effectRef idx="0">
+        <a:scrgbClr r="0" g="0" b="0"/>
+      </a:effectRef>
+      <a:fontRef idx="minor">
+        <a:schemeClr val="lt1"/>
+      </a:fontRef>
+    </dgm:style>
+  </dgm:styleLbl>
+  <dgm:styleLbl name="lnNode1">
+    <dgm:scene3d>
+      <a:camera prst="orthographicFront"/>
+      <a:lightRig rig="threePt" dir="t"/>
+    </dgm:scene3d>
+    <dgm:sp3d/>
+    <dgm:txPr/>
+    <dgm:style>
+      <a:lnRef idx="2">
+        <a:scrgbClr r="0" g="0" b="0"/>
+      </a:lnRef>
+      <a:fillRef idx="1">
+        <a:scrgbClr r="0" g="0" b="0"/>
+      </a:fillRef>
+      <a:effectRef idx="0">
+        <a:scrgbClr r="0" g="0" b="0"/>
+      </a:effectRef>
+      <a:fontRef idx="minor">
+        <a:schemeClr val="lt1"/>
+      </a:fontRef>
+    </dgm:style>
+  </dgm:styleLbl>
+  <dgm:styleLbl name="vennNode1">
+    <dgm:scene3d>
+      <a:camera prst="orthographicFront"/>
+      <a:lightRig rig="threePt" dir="t"/>
+    </dgm:scene3d>
+    <dgm:sp3d/>
+    <dgm:txPr/>
+    <dgm:style>
+      <a:lnRef idx="2">
+        <a:scrgbClr r="0" g="0" b="0"/>
+      </a:lnRef>
+      <a:fillRef idx="1">
+        <a:scrgbClr r="0" g="0" b="0"/>
+      </a:fillRef>
+      <a:effectRef idx="0">
+        <a:scrgbClr r="0" g="0" b="0"/>
+      </a:effectRef>
+      <a:fontRef idx="minor">
+        <a:schemeClr val="tx1"/>
+      </a:fontRef>
+    </dgm:style>
+  </dgm:styleLbl>
+  <dgm:styleLbl name="alignNode1">
+    <dgm:scene3d>
+      <a:camera prst="orthographicFront"/>
+      <a:lightRig rig="threePt" dir="t"/>
+    </dgm:scene3d>
+    <dgm:sp3d/>
+    <dgm:txPr/>
+    <dgm:style>
+      <a:lnRef idx="2">
+        <a:scrgbClr r="0" g="0" b="0"/>
+      </a:lnRef>
+      <a:fillRef idx="1">
+        <a:scrgbClr r="0" g="0" b="0"/>
+      </a:fillRef>
+      <a:effectRef idx="0">
+        <a:scrgbClr r="0" g="0" b="0"/>
+      </a:effectRef>
+      <a:fontRef idx="minor">
+        <a:schemeClr val="lt1"/>
+      </a:fontRef>
+    </dgm:style>
+  </dgm:styleLbl>
+  <dgm:styleLbl name="node1">
+    <dgm:scene3d>
+      <a:camera prst="orthographicFront"/>
+      <a:lightRig rig="threePt" dir="t"/>
+    </dgm:scene3d>
+    <dgm:sp3d/>
+    <dgm:txPr/>
+    <dgm:style>
+      <a:lnRef idx="2">
+        <a:scrgbClr r="0" g="0" b="0"/>
+      </a:lnRef>
+      <a:fillRef idx="1">
+        <a:scrgbClr r="0" g="0" b="0"/>
+      </a:fillRef>
+      <a:effectRef idx="0">
+        <a:scrgbClr r="0" g="0" b="0"/>
+      </a:effectRef>
+      <a:fontRef idx="minor">
+        <a:schemeClr val="lt1"/>
+      </a:fontRef>
+    </dgm:style>
+  </dgm:styleLbl>
+  <dgm:styleLbl name="node2">
+    <dgm:scene3d>
+      <a:camera prst="orthographicFront"/>
+      <a:lightRig rig="threePt" dir="t"/>
+    </dgm:scene3d>
+    <dgm:sp3d/>
+    <dgm:txPr/>
+    <dgm:style>
+      <a:lnRef idx="2">
+        <a:scrgbClr r="0" g="0" b="0"/>
+      </a:lnRef>
+      <a:fillRef idx="1">
+        <a:scrgbClr r="0" g="0" b="0"/>
+      </a:fillRef>
+      <a:effectRef idx="0">
+        <a:scrgbClr r="0" g="0" b="0"/>
+      </a:effectRef>
+      <a:fontRef idx="minor">
+        <a:schemeClr val="lt1"/>
+      </a:fontRef>
+    </dgm:style>
+  </dgm:styleLbl>
+  <dgm:styleLbl name="node3">
+    <dgm:scene3d>
+      <a:camera prst="orthographicFront"/>
+      <a:lightRig rig="threePt" dir="t"/>
+    </dgm:scene3d>
+    <dgm:sp3d/>
+    <dgm:txPr/>
+    <dgm:style>
+      <a:lnRef idx="2">
+        <a:scrgbClr r="0" g="0" b="0"/>
+      </a:lnRef>
+      <a:fillRef idx="1">
+        <a:scrgbClr r="0" g="0" b="0"/>
+      </a:fillRef>
+      <a:effectRef idx="0">
+        <a:scrgbClr r="0" g="0" b="0"/>
+      </a:effectRef>
+      <a:fontRef idx="minor">
+        <a:schemeClr val="lt1"/>
+      </a:fontRef>
+    </dgm:style>
+  </dgm:styleLbl>
+  <dgm:styleLbl name="node4">
+    <dgm:scene3d>
+      <a:camera prst="orthographicFront"/>
+      <a:lightRig rig="threePt" dir="t"/>
+    </dgm:scene3d>
+    <dgm:sp3d/>
+    <dgm:txPr/>
+    <dgm:style>
+      <a:lnRef idx="2">
+        <a:scrgbClr r="0" g="0" b="0"/>
+      </a:lnRef>
+      <a:fillRef idx="1">
+        <a:scrgbClr r="0" g="0" b="0"/>
+      </a:fillRef>
+      <a:effectRef idx="0">
+        <a:scrgbClr r="0" g="0" b="0"/>
+      </a:effectRef>
+      <a:fontRef idx="minor">
+        <a:schemeClr val="lt1"/>
+      </a:fontRef>
+    </dgm:style>
+  </dgm:styleLbl>
+  <dgm:styleLbl name="fgImgPlace1">
+    <dgm:scene3d>
+      <a:camera prst="orthographicFront"/>
+      <a:lightRig rig="threePt" dir="t"/>
+    </dgm:scene3d>
+    <dgm:sp3d/>
+    <dgm:txPr/>
+    <dgm:style>
+      <a:lnRef idx="2">
+        <a:scrgbClr r="0" g="0" b="0"/>
+      </a:lnRef>
+      <a:fillRef idx="1">
+        <a:scrgbClr r="0" g="0" b="0"/>
+      </a:fillRef>
+      <a:effectRef idx="0">
+        <a:scrgbClr r="0" g="0" b="0"/>
+      </a:effectRef>
+      <a:fontRef idx="minor"/>
+    </dgm:style>
+  </dgm:styleLbl>
+  <dgm:styleLbl name="alignImgPlace1">
+    <dgm:scene3d>
+      <a:camera prst="orthographicFront"/>
+      <a:lightRig rig="threePt" dir="t"/>
+    </dgm:scene3d>
+    <dgm:sp3d/>
+    <dgm:txPr/>
+    <dgm:style>
+      <a:lnRef idx="2">
+        <a:scrgbClr r="0" g="0" b="0"/>
+      </a:lnRef>
+      <a:fillRef idx="1">
+        <a:scrgbClr r="0" g="0" b="0"/>
+      </a:fillRef>
+      <a:effectRef idx="0">
+        <a:scrgbClr r="0" g="0" b="0"/>
+      </a:effectRef>
+      <a:fontRef idx="minor"/>
+    </dgm:style>
+  </dgm:styleLbl>
+  <dgm:styleLbl name="bgImgPlace1">
+    <dgm:scene3d>
+      <a:camera prst="orthographicFront"/>
+      <a:lightRig rig="threePt" dir="t"/>
+    </dgm:scene3d>
+    <dgm:sp3d/>
+    <dgm:txPr/>
+    <dgm:style>
+      <a:lnRef idx="2">
+        <a:scrgbClr r="0" g="0" b="0"/>
+      </a:lnRef>
+      <a:fillRef idx="1">
+        <a:scrgbClr r="0" g="0" b="0"/>
+      </a:fillRef>
+      <a:effectRef idx="0">
+        <a:scrgbClr r="0" g="0" b="0"/>
+      </a:effectRef>
+      <a:fontRef idx="minor"/>
+    </dgm:style>
+  </dgm:styleLbl>
+  <dgm:styleLbl name="sibTrans2D1">
+    <dgm:scene3d>
+      <a:camera prst="orthographicFront"/>
+      <a:lightRig rig="threePt" dir="t"/>
+    </dgm:scene3d>
+    <dgm:sp3d/>
+    <dgm:txPr/>
+    <dgm:style>
+      <a:lnRef idx="0">
+        <a:scrgbClr r="0" g="0" b="0"/>
+      </a:lnRef>
+      <a:fillRef idx="1">
+        <a:scrgbClr r="0" g="0" b="0"/>
+      </a:fillRef>
+      <a:effectRef idx="0">
+        <a:scrgbClr r="0" g="0" b="0"/>
+      </a:effectRef>
+      <a:fontRef idx="minor">
+        <a:schemeClr val="lt1"/>
+      </a:fontRef>
+    </dgm:style>
+  </dgm:styleLbl>
+  <dgm:styleLbl name="fgSibTrans2D1">
+    <dgm:scene3d>
+      <a:camera prst="orthographicFront"/>
+      <a:lightRig rig="threePt" dir="t"/>
+    </dgm:scene3d>
+    <dgm:sp3d/>
+    <dgm:txPr/>
+    <dgm:style>
+      <a:lnRef idx="0">
+        <a:scrgbClr r="0" g="0" b="0"/>
+      </a:lnRef>
+      <a:fillRef idx="1">
+        <a:scrgbClr r="0" g="0" b="0"/>
+      </a:fillRef>
+      <a:effectRef idx="0">
+        <a:scrgbClr r="0" g="0" b="0"/>
+      </a:effectRef>
+      <a:fontRef idx="minor">
+        <a:schemeClr val="lt1"/>
+      </a:fontRef>
+    </dgm:style>
+  </dgm:styleLbl>
+  <dgm:styleLbl name="bgSibTrans2D1">
+    <dgm:scene3d>
+      <a:camera prst="orthographicFront"/>
+      <a:lightRig rig="threePt" dir="t"/>
+    </dgm:scene3d>
+    <dgm:sp3d/>
+    <dgm:txPr/>
+    <dgm:style>
+      <a:lnRef idx="0">
+        <a:scrgbClr r="0" g="0" b="0"/>
+      </a:lnRef>
+      <a:fillRef idx="1">
+        <a:scrgbClr r="0" g="0" b="0"/>
+      </a:fillRef>
+      <a:effectRef idx="0">
+        <a:scrgbClr r="0" g="0" b="0"/>
+      </a:effectRef>
+      <a:fontRef idx="minor">
+        <a:schemeClr val="lt1"/>
+      </a:fontRef>
+    </dgm:style>
+  </dgm:styleLbl>
+  <dgm:styleLbl name="sibTrans1D1">
+    <dgm:scene3d>
+      <a:camera prst="orthographicFront"/>
+      <a:lightRig rig="threePt" dir="t"/>
+    </dgm:scene3d>
+    <dgm:sp3d/>
+    <dgm:txPr/>
+    <dgm:style>
+      <a:lnRef idx="1">
+        <a:scrgbClr r="0" g="0" b="0"/>
+      </a:lnRef>
+      <a:fillRef idx="0">
+        <a:scrgbClr r="0" g="0" b="0"/>
+      </a:fillRef>
+      <a:effectRef idx="0">
+        <a:scrgbClr r="0" g="0" b="0"/>
+      </a:effectRef>
+      <a:fontRef idx="minor"/>
+    </dgm:style>
+  </dgm:styleLbl>
+  <dgm:styleLbl name="callout">
+    <dgm:scene3d>
+      <a:camera prst="orthographicFront"/>
+      <a:lightRig rig="threePt" dir="t"/>
+    </dgm:scene3d>
+    <dgm:sp3d/>
+    <dgm:txPr/>
+    <dgm:style>
+      <a:lnRef idx="2">
+        <a:scrgbClr r="0" g="0" b="0"/>
+      </a:lnRef>
+      <a:fillRef idx="1">
+        <a:scrgbClr r="0" g="0" b="0"/>
+      </a:fillRef>
+      <a:effectRef idx="0">
+        <a:scrgbClr r="0" g="0" b="0"/>
+      </a:effectRef>
+      <a:fontRef idx="minor"/>
+    </dgm:style>
+  </dgm:styleLbl>
+  <dgm:styleLbl name="asst0">
+    <dgm:scene3d>
+      <a:camera prst="orthographicFront"/>
+      <a:lightRig rig="threePt" dir="t"/>
+    </dgm:scene3d>
+    <dgm:sp3d/>
+    <dgm:txPr/>
+    <dgm:style>
+      <a:lnRef idx="2">
+        <a:scrgbClr r="0" g="0" b="0"/>
+      </a:lnRef>
+      <a:fillRef idx="1">
+        <a:scrgbClr r="0" g="0" b="0"/>
+      </a:fillRef>
+      <a:effectRef idx="0">
+        <a:scrgbClr r="0" g="0" b="0"/>
+      </a:effectRef>
+      <a:fontRef idx="minor">
+        <a:schemeClr val="lt1"/>
+      </a:fontRef>
+    </dgm:style>
+  </dgm:styleLbl>
+  <dgm:styleLbl name="asst1">
+    <dgm:scene3d>
+      <a:camera prst="orthographicFront"/>
+      <a:lightRig rig="threePt" dir="t"/>
+    </dgm:scene3d>
+    <dgm:sp3d/>
+    <dgm:txPr/>
+    <dgm:style>
+      <a:lnRef idx="2">
+        <a:scrgbClr r="0" g="0" b="0"/>
+      </a:lnRef>
+      <a:fillRef idx="1">
+        <a:scrgbClr r="0" g="0" b="0"/>
+      </a:fillRef>
+      <a:effectRef idx="0">
+        <a:scrgbClr r="0" g="0" b="0"/>
+      </a:effectRef>
+      <a:fontRef idx="minor">
+        <a:schemeClr val="lt1"/>
+      </a:fontRef>
+    </dgm:style>
+  </dgm:styleLbl>
+  <dgm:styleLbl name="asst2">
+    <dgm:scene3d>
+      <a:camera prst="orthographicFront"/>
+      <a:lightRig rig="threePt" dir="t"/>
+    </dgm:scene3d>
+    <dgm:sp3d/>
+    <dgm:txPr/>
+    <dgm:style>
+      <a:lnRef idx="2">
+        <a:scrgbClr r="0" g="0" b="0"/>
+      </a:lnRef>
+      <a:fillRef idx="1">
+        <a:scrgbClr r="0" g="0" b="0"/>
+      </a:fillRef>
+      <a:effectRef idx="0">
+        <a:scrgbClr r="0" g="0" b="0"/>
+      </a:effectRef>
+      <a:fontRef idx="minor">
+        <a:schemeClr val="lt1"/>
+      </a:fontRef>
+    </dgm:style>
+  </dgm:styleLbl>
+  <dgm:styleLbl name="asst3">
+    <dgm:scene3d>
+      <a:camera prst="orthographicFront"/>
+      <a:lightRig rig="threePt" dir="t"/>
+    </dgm:scene3d>
+    <dgm:sp3d/>
+    <dgm:txPr/>
+    <dgm:style>
+      <a:lnRef idx="2">
+        <a:scrgbClr r="0" g="0" b="0"/>
+      </a:lnRef>
+      <a:fillRef idx="1">
+        <a:scrgbClr r="0" g="0" b="0"/>
+      </a:fillRef>
+      <a:effectRef idx="0">
+        <a:scrgbClr r="0" g="0" b="0"/>
+      </a:effectRef>
+      <a:fontRef idx="minor">
+        <a:schemeClr val="lt1"/>
+      </a:fontRef>
+    </dgm:style>
+  </dgm:styleLbl>
+  <dgm:styleLbl name="asst4">
+    <dgm:scene3d>
+      <a:camera prst="orthographicFront"/>
+      <a:lightRig rig="threePt" dir="t"/>
+    </dgm:scene3d>
+    <dgm:sp3d/>
+    <dgm:txPr/>
+    <dgm:style>
+      <a:lnRef idx="2">
+        <a:scrgbClr r="0" g="0" b="0"/>
+      </a:lnRef>
+      <a:fillRef idx="1">
+        <a:scrgbClr r="0" g="0" b="0"/>
+      </a:fillRef>
+      <a:effectRef idx="0">
+        <a:scrgbClr r="0" g="0" b="0"/>
+      </a:effectRef>
+      <a:fontRef idx="minor">
+        <a:schemeClr val="lt1"/>
+      </a:fontRef>
+    </dgm:style>
+  </dgm:styleLbl>
+  <dgm:styleLbl name="parChTrans2D1">
+    <dgm:scene3d>
+      <a:camera prst="orthographicFront"/>
+      <a:lightRig rig="threePt" dir="t"/>
+    </dgm:scene3d>
+    <dgm:sp3d/>
+    <dgm:txPr/>
+    <dgm:style>
+      <a:lnRef idx="2">
+        <a:scrgbClr r="0" g="0" b="0"/>
+      </a:lnRef>
+      <a:fillRef idx="1">
+        <a:scrgbClr r="0" g="0" b="0"/>
+      </a:fillRef>
+      <a:effectRef idx="0">
+        <a:scrgbClr r="0" g="0" b="0"/>
+      </a:effectRef>
+      <a:fontRef idx="minor">
+        <a:schemeClr val="lt1"/>
+      </a:fontRef>
+    </dgm:style>
+  </dgm:styleLbl>
+  <dgm:styleLbl name="parChTrans2D2">
+    <dgm:scene3d>
+      <a:camera prst="orthographicFront"/>
+      <a:lightRig rig="threePt" dir="t"/>
+    </dgm:scene3d>
+    <dgm:sp3d/>
+    <dgm:txPr/>
+    <dgm:style>
+      <a:lnRef idx="2">
+        <a:scrgbClr r="0" g="0" b="0"/>
+      </a:lnRef>
+      <a:fillRef idx="1">
+        <a:scrgbClr r="0" g="0" b="0"/>
+      </a:fillRef>
+      <a:effectRef idx="0">
+        <a:scrgbClr r="0" g="0" b="0"/>
+      </a:effectRef>
+      <a:fontRef idx="minor">
+        <a:schemeClr val="lt1"/>
+      </a:fontRef>
+    </dgm:style>
+  </dgm:styleLbl>
+  <dgm:styleLbl name="parChTrans2D3">
+    <dgm:scene3d>
+      <a:camera prst="orthographicFront"/>
+      <a:lightRig rig="threePt" dir="t"/>
+    </dgm:scene3d>
+    <dgm:sp3d/>
+    <dgm:txPr/>
+    <dgm:style>
+      <a:lnRef idx="2">
+        <a:scrgbClr r="0" g="0" b="0"/>
+      </a:lnRef>
+      <a:fillRef idx="1">
+        <a:scrgbClr r="0" g="0" b="0"/>
+      </a:fillRef>
+      <a:effectRef idx="0">
+        <a:scrgbClr r="0" g="0" b="0"/>
+      </a:effectRef>
+      <a:fontRef idx="minor">
+        <a:schemeClr val="lt1"/>
+      </a:fontRef>
+    </dgm:style>
+  </dgm:styleLbl>
+  <dgm:styleLbl name="parChTrans2D4">
+    <dgm:scene3d>
+      <a:camera prst="orthographicFront"/>
+      <a:lightRig rig="threePt" dir="t"/>
+    </dgm:scene3d>
+    <dgm:sp3d/>
+    <dgm:txPr/>
+    <dgm:style>
+      <a:lnRef idx="2">
+        <a:scrgbClr r="0" g="0" b="0"/>
+      </a:lnRef>
+      <a:fillRef idx="1">
+        <a:scrgbClr r="0" g="0" b="0"/>
+      </a:fillRef>
+      <a:effectRef idx="0">
+        <a:scrgbClr r="0" g="0" b="0"/>
+      </a:effectRef>
+      <a:fontRef idx="minor">
+        <a:schemeClr val="lt1"/>
+      </a:fontRef>
+    </dgm:style>
+  </dgm:styleLbl>
+  <dgm:styleLbl name="parChTrans1D1">
+    <dgm:scene3d>
+      <a:camera prst="orthographicFront"/>
+      <a:lightRig rig="threePt" dir="t"/>
+    </dgm:scene3d>
+    <dgm:sp3d/>
+    <dgm:txPr/>
+    <dgm:style>
+      <a:lnRef idx="2">
+        <a:scrgbClr r="0" g="0" b="0"/>
+      </a:lnRef>
+      <a:fillRef idx="0">
+        <a:scrgbClr r="0" g="0" b="0"/>
+      </a:fillRef>
+      <a:effectRef idx="0">
+        <a:scrgbClr r="0" g="0" b="0"/>
+      </a:effectRef>
+      <a:fontRef idx="minor"/>
+    </dgm:style>
+  </dgm:styleLbl>
+  <dgm:styleLbl name="parChTrans1D2">
+    <dgm:scene3d>
+      <a:camera prst="orthographicFront"/>
+      <a:lightRig rig="threePt" dir="t"/>
+    </dgm:scene3d>
+    <dgm:sp3d/>
+    <dgm:txPr/>
+    <dgm:style>
+      <a:lnRef idx="2">
+        <a:scrgbClr r="0" g="0" b="0"/>
+      </a:lnRef>
+      <a:fillRef idx="0">
+        <a:scrgbClr r="0" g="0" b="0"/>
+      </a:fillRef>
+      <a:effectRef idx="0">
+        <a:scrgbClr r="0" g="0" b="0"/>
+      </a:effectRef>
+      <a:fontRef idx="minor"/>
+    </dgm:style>
+  </dgm:styleLbl>
+  <dgm:styleLbl name="parChTrans1D3">
+    <dgm:scene3d>
+      <a:camera prst="orthographicFront"/>
+      <a:lightRig rig="threePt" dir="t"/>
+    </dgm:scene3d>
+    <dgm:sp3d/>
+    <dgm:txPr/>
+    <dgm:style>
+      <a:lnRef idx="2">
+        <a:scrgbClr r="0" g="0" b="0"/>
+      </a:lnRef>
+      <a:fillRef idx="0">
+        <a:scrgbClr r="0" g="0" b="0"/>
+      </a:fillRef>
+      <a:effectRef idx="0">
+        <a:scrgbClr r="0" g="0" b="0"/>
+      </a:effectRef>
+      <a:fontRef idx="minor"/>
+    </dgm:style>
+  </dgm:styleLbl>
+  <dgm:styleLbl name="parChTrans1D4">
+    <dgm:scene3d>
+      <a:camera prst="orthographicFront"/>
+      <a:lightRig rig="threePt" dir="t"/>
+    </dgm:scene3d>
+    <dgm:sp3d/>
+    <dgm:txPr/>
+    <dgm:style>
+      <a:lnRef idx="2">
+        <a:scrgbClr r="0" g="0" b="0"/>
+      </a:lnRef>
+      <a:fillRef idx="0">
+        <a:scrgbClr r="0" g="0" b="0"/>
+      </a:fillRef>
+      <a:effectRef idx="0">
+        <a:scrgbClr r="0" g="0" b="0"/>
+      </a:effectRef>
+      <a:fontRef idx="minor"/>
+    </dgm:style>
+  </dgm:styleLbl>
+  <dgm:styleLbl name="fgAcc1">
+    <dgm:scene3d>
+      <a:camera prst="orthographicFront"/>
+      <a:lightRig rig="threePt" dir="t"/>
+    </dgm:scene3d>
+    <dgm:sp3d/>
+    <dgm:txPr/>
+    <dgm:style>
+      <a:lnRef idx="2">
+        <a:scrgbClr r="0" g="0" b="0"/>
+      </a:lnRef>
+      <a:fillRef idx="1">
+        <a:scrgbClr r="0" g="0" b="0"/>
+      </a:fillRef>
+      <a:effectRef idx="0">
+        <a:scrgbClr r="0" g="0" b="0"/>
+      </a:effectRef>
+      <a:fontRef idx="minor"/>
+    </dgm:style>
+  </dgm:styleLbl>
+  <dgm:styleLbl name="conFgAcc1">
+    <dgm:scene3d>
+      <a:camera prst="orthographicFront"/>
+      <a:lightRig rig="threePt" dir="t"/>
+    </dgm:scene3d>
+    <dgm:sp3d/>
+    <dgm:txPr/>
+    <dgm:style>
+      <a:lnRef idx="2">
+        <a:scrgbClr r="0" g="0" b="0"/>
+      </a:lnRef>
+      <a:fillRef idx="1">
+        <a:scrgbClr r="0" g="0" b="0"/>
+      </a:fillRef>
+      <a:effectRef idx="0">
+        <a:scrgbClr r="0" g="0" b="0"/>
+      </a:effectRef>
+      <a:fontRef idx="minor"/>
+    </dgm:style>
+  </dgm:styleLbl>
+  <dgm:styleLbl name="alignAcc1">
+    <dgm:scene3d>
+      <a:camera prst="orthographicFront"/>
+      <a:lightRig rig="threePt" dir="t"/>
+    </dgm:scene3d>
+    <dgm:sp3d/>
+    <dgm:txPr/>
+    <dgm:style>
+      <a:lnRef idx="2">
+        <a:scrgbClr r="0" g="0" b="0"/>
+      </a:lnRef>
+      <a:fillRef idx="1">
+        <a:scrgbClr r="0" g="0" b="0"/>
+      </a:fillRef>
+      <a:effectRef idx="0">
+        <a:scrgbClr r="0" g="0" b="0"/>
+      </a:effectRef>
+      <a:fontRef idx="minor"/>
+    </dgm:style>
+  </dgm:styleLbl>
+  <dgm:styleLbl name="trAlignAcc1">
+    <dgm:scene3d>
+      <a:camera prst="orthographicFront"/>
+      <a:lightRig rig="threePt" dir="t"/>
+    </dgm:scene3d>
+    <dgm:sp3d/>
+    <dgm:txPr/>
+    <dgm:style>
+      <a:lnRef idx="1">
+        <a:scrgbClr r="0" g="0" b="0"/>
+      </a:lnRef>
+      <a:fillRef idx="1">
+        <a:scrgbClr r="0" g="0" b="0"/>
+      </a:fillRef>
+      <a:effectRef idx="0">
+        <a:scrgbClr r="0" g="0" b="0"/>
+      </a:effectRef>
+      <a:fontRef idx="minor"/>
+    </dgm:style>
+  </dgm:styleLbl>
+  <dgm:styleLbl name="bgAcc1">
+    <dgm:scene3d>
+      <a:camera prst="orthographicFront"/>
+      <a:lightRig rig="threePt" dir="t"/>
+    </dgm:scene3d>
+    <dgm:sp3d/>
+    <dgm:txPr/>
+    <dgm:style>
+      <a:lnRef idx="2">
+        <a:scrgbClr r="0" g="0" b="0"/>
+      </a:lnRef>
+      <a:fillRef idx="1">
+        <a:scrgbClr r="0" g="0" b="0"/>
+      </a:fillRef>
+      <a:effectRef idx="0">
+        <a:scrgbClr r="0" g="0" b="0"/>
+      </a:effectRef>
+      <a:fontRef idx="minor"/>
+    </dgm:style>
+  </dgm:styleLbl>
+  <dgm:styleLbl name="solidFgAcc1">
+    <dgm:scene3d>
+      <a:camera prst="orthographicFront"/>
+      <a:lightRig rig="threePt" dir="t"/>
+    </dgm:scene3d>
+    <dgm:sp3d/>
+    <dgm:txPr/>
+    <dgm:style>
+      <a:lnRef idx="2">
+        <a:scrgbClr r="0" g="0" b="0"/>
+      </a:lnRef>
+      <a:fillRef idx="1">
+        <a:scrgbClr r="0" g="0" b="0"/>
+      </a:fillRef>
+      <a:effectRef idx="0">
+        <a:scrgbClr r="0" g="0" b="0"/>
+      </a:effectRef>
+      <a:fontRef idx="minor"/>
+    </dgm:style>
+  </dgm:styleLbl>
+  <dgm:styleLbl name="solidAlignAcc1">
+    <dgm:scene3d>
+      <a:camera prst="orthographicFront"/>
+      <a:lightRig rig="threePt" dir="t"/>
+    </dgm:scene3d>
+    <dgm:sp3d/>
+    <dgm:txPr/>
+    <dgm:style>
+      <a:lnRef idx="2">
+        <a:scrgbClr r="0" g="0" b="0"/>
+      </a:lnRef>
+      <a:fillRef idx="1">
+        <a:scrgbClr r="0" g="0" b="0"/>
+      </a:fillRef>
+      <a:effectRef idx="0">
+        <a:scrgbClr r="0" g="0" b="0"/>
+      </a:effectRef>
+      <a:fontRef idx="minor"/>
+    </dgm:style>
+  </dgm:styleLbl>
+  <dgm:styleLbl name="solidBgAcc1">
+    <dgm:scene3d>
+      <a:camera prst="orthographicFront"/>
+      <a:lightRig rig="threePt" dir="t"/>
+    </dgm:scene3d>
+    <dgm:sp3d/>
+    <dgm:txPr/>
+    <dgm:style>
+      <a:lnRef idx="2">
+        <a:scrgbClr r="0" g="0" b="0"/>
+      </a:lnRef>
+      <a:fillRef idx="1">
+        <a:scrgbClr r="0" g="0" b="0"/>
+      </a:fillRef>
+      <a:effectRef idx="0">
+        <a:scrgbClr r="0" g="0" b="0"/>
+      </a:effectRef>
+      <a:fontRef idx="minor"/>
+    </dgm:style>
+  </dgm:styleLbl>
+  <dgm:styleLbl name="fgAccFollowNode1">
+    <dgm:scene3d>
+      <a:camera prst="orthographicFront"/>
+      <a:lightRig rig="threePt" dir="t"/>
+    </dgm:scene3d>
+    <dgm:sp3d/>
+    <dgm:txPr/>
+    <dgm:style>
+      <a:lnRef idx="2">
+        <a:scrgbClr r="0" g="0" b="0"/>
+      </a:lnRef>
+      <a:fillRef idx="1">
+        <a:scrgbClr r="0" g="0" b="0"/>
+      </a:fillRef>
+      <a:effectRef idx="0">
+        <a:scrgbClr r="0" g="0" b="0"/>
+      </a:effectRef>
+      <a:fontRef idx="minor"/>
+    </dgm:style>
+  </dgm:styleLbl>
+  <dgm:styleLbl name="alignAccFollowNode1">
+    <dgm:scene3d>
+      <a:camera prst="orthographicFront"/>
+      <a:lightRig rig="threePt" dir="t"/>
+    </dgm:scene3d>
+    <dgm:sp3d/>
+    <dgm:txPr/>
+    <dgm:style>
+      <a:lnRef idx="2">
+        <a:scrgbClr r="0" g="0" b="0"/>
+      </a:lnRef>
+      <a:fillRef idx="1">
+        <a:scrgbClr r="0" g="0" b="0"/>
+      </a:fillRef>
+      <a:effectRef idx="0">
+        <a:scrgbClr r="0" g="0" b="0"/>
+      </a:effectRef>
+      <a:fontRef idx="minor"/>
+    </dgm:style>
+  </dgm:styleLbl>
+  <dgm:styleLbl name="bgAccFollowNode1">
+    <dgm:scene3d>
+      <a:camera prst="orthographicFront"/>
+      <a:lightRig rig="threePt" dir="t"/>
+    </dgm:scene3d>
+    <dgm:sp3d/>
+    <dgm:txPr/>
+    <dgm:style>
+      <a:lnRef idx="2">
+        <a:scrgbClr r="0" g="0" b="0"/>
+      </a:lnRef>
+      <a:fillRef idx="1">
+        <a:scrgbClr r="0" g="0" b="0"/>
+      </a:fillRef>
+      <a:effectRef idx="0">
+        <a:scrgbClr r="0" g="0" b="0"/>
+      </a:effectRef>
+      <a:fontRef idx="minor"/>
+    </dgm:style>
+  </dgm:styleLbl>
+  <dgm:styleLbl name="fgAcc0">
+    <dgm:scene3d>
+      <a:camera prst="orthographicFront"/>
+      <a:lightRig rig="threePt" dir="t"/>
+    </dgm:scene3d>
+    <dgm:sp3d/>
+    <dgm:txPr/>
+    <dgm:style>
+      <a:lnRef idx="2">
+        <a:scrgbClr r="0" g="0" b="0"/>
+      </a:lnRef>
+      <a:fillRef idx="1">
+        <a:scrgbClr r="0" g="0" b="0"/>
+      </a:fillRef>
+      <a:effectRef idx="0">
+        <a:scrgbClr r="0" g="0" b="0"/>
+      </a:effectRef>
+      <a:fontRef idx="minor"/>
+    </dgm:style>
+  </dgm:styleLbl>
+  <dgm:styleLbl name="fgAcc2">
+    <dgm:scene3d>
+      <a:camera prst="orthographicFront"/>
+      <a:lightRig rig="threePt" dir="t"/>
+    </dgm:scene3d>
+    <dgm:sp3d/>
+    <dgm:txPr/>
+    <dgm:style>
+      <a:lnRef idx="2">
+        <a:scrgbClr r="0" g="0" b="0"/>
+      </a:lnRef>
+      <a:fillRef idx="1">
+        <a:scrgbClr r="0" g="0" b="0"/>
+      </a:fillRef>
+      <a:effectRef idx="0">
+        <a:scrgbClr r="0" g="0" b="0"/>
+      </a:effectRef>
+      <a:fontRef idx="minor"/>
+    </dgm:style>
+  </dgm:styleLbl>
+  <dgm:styleLbl name="fgAcc3">
+    <dgm:scene3d>
+      <a:camera prst="orthographicFront"/>
+      <a:lightRig rig="threePt" dir="t"/>
+    </dgm:scene3d>
+    <dgm:sp3d/>
+    <dgm:txPr/>
+    <dgm:style>
+      <a:lnRef idx="2">
+        <a:scrgbClr r="0" g="0" b="0"/>
+      </a:lnRef>
+      <a:fillRef idx="1">
+        <a:scrgbClr r="0" g="0" b="0"/>
+      </a:fillRef>
+      <a:effectRef idx="0">
+        <a:scrgbClr r="0" g="0" b="0"/>
+      </a:effectRef>
+      <a:fontRef idx="minor"/>
+    </dgm:style>
+  </dgm:styleLbl>
+  <dgm:styleLbl name="fgAcc4">
+    <dgm:scene3d>
+      <a:camera prst="orthographicFront"/>
+      <a:lightRig rig="threePt" dir="t"/>
+    </dgm:scene3d>
+    <dgm:sp3d/>
+    <dgm:txPr/>
+    <dgm:style>
+      <a:lnRef idx="2">
+        <a:scrgbClr r="0" g="0" b="0"/>
+      </a:lnRef>
+      <a:fillRef idx="1">
+        <a:scrgbClr r="0" g="0" b="0"/>
+      </a:fillRef>
+      <a:effectRef idx="0">
+        <a:scrgbClr r="0" g="0" b="0"/>
+      </a:effectRef>
+      <a:fontRef idx="minor"/>
+    </dgm:style>
+  </dgm:styleLbl>
+  <dgm:styleLbl name="bgShp">
+    <dgm:scene3d>
+      <a:camera prst="orthographicFront"/>
+      <a:lightRig rig="threePt" dir="t"/>
+    </dgm:scene3d>
+    <dgm:sp3d/>
+    <dgm:txPr/>
+    <dgm:style>
+      <a:lnRef idx="0">
+        <a:scrgbClr r="0" g="0" b="0"/>
+      </a:lnRef>
+      <a:fillRef idx="1">
+        <a:scrgbClr r="0" g="0" b="0"/>
+      </a:fillRef>
+      <a:effectRef idx="0">
+        <a:scrgbClr r="0" g="0" b="0"/>
+      </a:effectRef>
+      <a:fontRef idx="minor"/>
+    </dgm:style>
+  </dgm:styleLbl>
+  <dgm:styleLbl name="dkBgShp">
+    <dgm:scene3d>
+      <a:camera prst="orthographicFront"/>
+      <a:lightRig rig="threePt" dir="t"/>
+    </dgm:scene3d>
+    <dgm:sp3d/>
+    <dgm:txPr/>
+    <dgm:style>
+      <a:lnRef idx="0">
+        <a:scrgbClr r="0" g="0" b="0"/>
+      </a:lnRef>
+      <a:fillRef idx="1">
+        <a:scrgbClr r="0" g="0" b="0"/>
+      </a:fillRef>
+      <a:effectRef idx="0">
+        <a:scrgbClr r="0" g="0" b="0"/>
+      </a:effectRef>
+      <a:fontRef idx="minor"/>
+    </dgm:style>
+  </dgm:styleLbl>
+  <dgm:styleLbl name="trBgShp">
+    <dgm:scene3d>
+      <a:camera prst="orthographicFront"/>
+      <a:lightRig rig="threePt" dir="t"/>
+    </dgm:scene3d>
+    <dgm:sp3d/>
+    <dgm:txPr/>
+    <dgm:style>
+      <a:lnRef idx="0">
+        <a:scrgbClr r="0" g="0" b="0"/>
+      </a:lnRef>
+      <a:fillRef idx="1">
+        <a:scrgbClr r="0" g="0" b="0"/>
+      </a:fillRef>
+      <a:effectRef idx="0">
+        <a:scrgbClr r="0" g="0" b="0"/>
+      </a:effectRef>
+      <a:fontRef idx="minor"/>
+    </dgm:style>
+  </dgm:styleLbl>
+  <dgm:styleLbl name="fgShp">
+    <dgm:scene3d>
+      <a:camera prst="orthographicFront"/>
+      <a:lightRig rig="threePt" dir="t"/>
+    </dgm:scene3d>
+    <dgm:sp3d/>
+    <dgm:txPr/>
+    <dgm:style>
+      <a:lnRef idx="2">
+        <a:scrgbClr r="0" g="0" b="0"/>
+      </a:lnRef>
+      <a:fillRef idx="1">
+        <a:scrgbClr r="0" g="0" b="0"/>
+      </a:fillRef>
+      <a:effectRef idx="0">
+        <a:scrgbClr r="0" g="0" b="0"/>
+      </a:effectRef>
+      <a:fontRef idx="minor"/>
+    </dgm:style>
+  </dgm:styleLbl>
+  <dgm:styleLbl name="revTx">
+    <dgm:scene3d>
+      <a:camera prst="orthographicFront"/>
+      <a:lightRig rig="threePt" dir="t"/>
+    </dgm:scene3d>
+    <dgm:sp3d/>
+    <dgm:txPr/>
+    <dgm:style>
+      <a:lnRef idx="0">
+        <a:scrgbClr r="0" g="0" b="0"/>
+      </a:lnRef>
+      <a:fillRef idx="0">
+        <a:scrgbClr r="0" g="0" b="0"/>
+      </a:fillRef>
+      <a:effectRef idx="0">
+        <a:scrgbClr r="0" g="0" b="0"/>
+      </a:effectRef>
+      <a:fontRef idx="minor"/>
+    </dgm:style>
+  </dgm:styleLbl>
+</dgm:styleDef>
+</file>
+
+<file path=ppt/diagrams/quickStyle3.xml><?xml version="1.0" encoding="utf-8"?>
+<dgm:styleDef xmlns:dgm="http://schemas.openxmlformats.org/drawingml/2006/diagram" xmlns:a="http://schemas.openxmlformats.org/drawingml/2006/main" uniqueId="urn:microsoft.com/office/officeart/2005/8/quickstyle/simple1">
+  <dgm:title val=""/>
+  <dgm:desc val=""/>
+  <dgm:catLst>
+    <dgm:cat type="simple" pri="10100"/>
+  </dgm:catLst>
+  <dgm:scene3d>
+    <a:camera prst="orthographicFront"/>
+    <a:lightRig rig="threePt" dir="t"/>
+  </dgm:scene3d>
+  <dgm:styleLbl name="node0">
+    <dgm:scene3d>
+      <a:camera prst="orthographicFront"/>
+      <a:lightRig rig="threePt" dir="t"/>
+    </dgm:scene3d>
+    <dgm:sp3d/>
+    <dgm:txPr/>
+    <dgm:style>
+      <a:lnRef idx="2">
+        <a:scrgbClr r="0" g="0" b="0"/>
+      </a:lnRef>
+      <a:fillRef idx="1">
+        <a:scrgbClr r="0" g="0" b="0"/>
+      </a:fillRef>
+      <a:effectRef idx="0">
+        <a:scrgbClr r="0" g="0" b="0"/>
+      </a:effectRef>
+      <a:fontRef idx="minor">
+        <a:schemeClr val="lt1"/>
+      </a:fontRef>
+    </dgm:style>
+  </dgm:styleLbl>
+  <dgm:styleLbl name="lnNode1">
+    <dgm:scene3d>
+      <a:camera prst="orthographicFront"/>
+      <a:lightRig rig="threePt" dir="t"/>
+    </dgm:scene3d>
+    <dgm:sp3d/>
+    <dgm:txPr/>
+    <dgm:style>
+      <a:lnRef idx="2">
+        <a:scrgbClr r="0" g="0" b="0"/>
+      </a:lnRef>
+      <a:fillRef idx="1">
+        <a:scrgbClr r="0" g="0" b="0"/>
+      </a:fillRef>
+      <a:effectRef idx="0">
+        <a:scrgbClr r="0" g="0" b="0"/>
+      </a:effectRef>
+      <a:fontRef idx="minor">
+        <a:schemeClr val="lt1"/>
+      </a:fontRef>
+    </dgm:style>
+  </dgm:styleLbl>
+  <dgm:styleLbl name="vennNode1">
+    <dgm:scene3d>
+      <a:camera prst="orthographicFront"/>
+      <a:lightRig rig="threePt" dir="t"/>
+    </dgm:scene3d>
+    <dgm:sp3d/>
+    <dgm:txPr/>
+    <dgm:style>
+      <a:lnRef idx="2">
+        <a:scrgbClr r="0" g="0" b="0"/>
+      </a:lnRef>
+      <a:fillRef idx="1">
+        <a:scrgbClr r="0" g="0" b="0"/>
+      </a:fillRef>
+      <a:effectRef idx="0">
+        <a:scrgbClr r="0" g="0" b="0"/>
+      </a:effectRef>
+      <a:fontRef idx="minor">
+        <a:schemeClr val="tx1"/>
+      </a:fontRef>
+    </dgm:style>
+  </dgm:styleLbl>
+  <dgm:styleLbl name="alignNode1">
+    <dgm:scene3d>
+      <a:camera prst="orthographicFront"/>
+      <a:lightRig rig="threePt" dir="t"/>
+    </dgm:scene3d>
+    <dgm:sp3d/>
+    <dgm:txPr/>
+    <dgm:style>
+      <a:lnRef idx="2">
+        <a:scrgbClr r="0" g="0" b="0"/>
+      </a:lnRef>
+      <a:fillRef idx="1">
+        <a:scrgbClr r="0" g="0" b="0"/>
+      </a:fillRef>
+      <a:effectRef idx="0">
+        <a:scrgbClr r="0" g="0" b="0"/>
+      </a:effectRef>
+      <a:fontRef idx="minor">
+        <a:schemeClr val="lt1"/>
+      </a:fontRef>
+    </dgm:style>
+  </dgm:styleLbl>
+  <dgm:styleLbl name="node1">
+    <dgm:scene3d>
+      <a:camera prst="orthographicFront"/>
+      <a:lightRig rig="threePt" dir="t"/>
+    </dgm:scene3d>
+    <dgm:sp3d/>
+    <dgm:txPr/>
+    <dgm:style>
+      <a:lnRef idx="2">
+        <a:scrgbClr r="0" g="0" b="0"/>
+      </a:lnRef>
+      <a:fillRef idx="1">
+        <a:scrgbClr r="0" g="0" b="0"/>
+      </a:fillRef>
+      <a:effectRef idx="0">
+        <a:scrgbClr r="0" g="0" b="0"/>
+      </a:effectRef>
+      <a:fontRef idx="minor">
+        <a:schemeClr val="lt1"/>
+      </a:fontRef>
+    </dgm:style>
+  </dgm:styleLbl>
+  <dgm:styleLbl name="node2">
+    <dgm:scene3d>
+      <a:camera prst="orthographicFront"/>
+      <a:lightRig rig="threePt" dir="t"/>
+    </dgm:scene3d>
+    <dgm:sp3d/>
+    <dgm:txPr/>
+    <dgm:style>
+      <a:lnRef idx="2">
+        <a:scrgbClr r="0" g="0" b="0"/>
+      </a:lnRef>
+      <a:fillRef idx="1">
+        <a:scrgbClr r="0" g="0" b="0"/>
+      </a:fillRef>
+      <a:effectRef idx="0">
+        <a:scrgbClr r="0" g="0" b="0"/>
+      </a:effectRef>
+      <a:fontRef idx="minor">
+        <a:schemeClr val="lt1"/>
+      </a:fontRef>
+    </dgm:style>
+  </dgm:styleLbl>
+  <dgm:styleLbl name="node3">
+    <dgm:scene3d>
+      <a:camera prst="orthographicFront"/>
+      <a:lightRig rig="threePt" dir="t"/>
+    </dgm:scene3d>
+    <dgm:sp3d/>
+    <dgm:txPr/>
+    <dgm:style>
+      <a:lnRef idx="2">
+        <a:scrgbClr r="0" g="0" b="0"/>
+      </a:lnRef>
+      <a:fillRef idx="1">
+        <a:scrgbClr r="0" g="0" b="0"/>
+      </a:fillRef>
+      <a:effectRef idx="0">
+        <a:scrgbClr r="0" g="0" b="0"/>
+      </a:effectRef>
+      <a:fontRef idx="minor">
+        <a:schemeClr val="lt1"/>
+      </a:fontRef>
+    </dgm:style>
+  </dgm:styleLbl>
+  <dgm:styleLbl name="node4">
+    <dgm:scene3d>
+      <a:camera prst="orthographicFront"/>
+      <a:lightRig rig="threePt" dir="t"/>
+    </dgm:scene3d>
+    <dgm:sp3d/>
+    <dgm:txPr/>
+    <dgm:style>
+      <a:lnRef idx="2">
+        <a:scrgbClr r="0" g="0" b="0"/>
+      </a:lnRef>
+      <a:fillRef idx="1">
+        <a:scrgbClr r="0" g="0" b="0"/>
+      </a:fillRef>
+      <a:effectRef idx="0">
+        <a:scrgbClr r="0" g="0" b="0"/>
+      </a:effectRef>
+      <a:fontRef idx="minor">
+        <a:schemeClr val="lt1"/>
+      </a:fontRef>
+    </dgm:style>
+  </dgm:styleLbl>
+  <dgm:styleLbl name="fgImgPlace1">
+    <dgm:scene3d>
+      <a:camera prst="orthographicFront"/>
+      <a:lightRig rig="threePt" dir="t"/>
+    </dgm:scene3d>
+    <dgm:sp3d/>
+    <dgm:txPr/>
+    <dgm:style>
+      <a:lnRef idx="2">
+        <a:scrgbClr r="0" g="0" b="0"/>
+      </a:lnRef>
+      <a:fillRef idx="1">
+        <a:scrgbClr r="0" g="0" b="0"/>
+      </a:fillRef>
+      <a:effectRef idx="0">
+        <a:scrgbClr r="0" g="0" b="0"/>
+      </a:effectRef>
+      <a:fontRef idx="minor"/>
+    </dgm:style>
+  </dgm:styleLbl>
+  <dgm:styleLbl name="alignImgPlace1">
+    <dgm:scene3d>
+      <a:camera prst="orthographicFront"/>
+      <a:lightRig rig="threePt" dir="t"/>
+    </dgm:scene3d>
+    <dgm:sp3d/>
+    <dgm:txPr/>
+    <dgm:style>
+      <a:lnRef idx="2">
+        <a:scrgbClr r="0" g="0" b="0"/>
+      </a:lnRef>
+      <a:fillRef idx="1">
+        <a:scrgbClr r="0" g="0" b="0"/>
+      </a:fillRef>
+      <a:effectRef idx="0">
+        <a:scrgbClr r="0" g="0" b="0"/>
+      </a:effectRef>
+      <a:fontRef idx="minor"/>
+    </dgm:style>
+  </dgm:styleLbl>
+  <dgm:styleLbl name="bgImgPlace1">
+    <dgm:scene3d>
+      <a:camera prst="orthographicFront"/>
+      <a:lightRig rig="threePt" dir="t"/>
+    </dgm:scene3d>
+    <dgm:sp3d/>
+    <dgm:txPr/>
+    <dgm:style>
+      <a:lnRef idx="2">
+        <a:scrgbClr r="0" g="0" b="0"/>
+      </a:lnRef>
+      <a:fillRef idx="1">
+        <a:scrgbClr r="0" g="0" b="0"/>
+      </a:fillRef>
+      <a:effectRef idx="0">
+        <a:scrgbClr r="0" g="0" b="0"/>
+      </a:effectRef>
+      <a:fontRef idx="minor"/>
+    </dgm:style>
+  </dgm:styleLbl>
+  <dgm:styleLbl name="sibTrans2D1">
+    <dgm:scene3d>
+      <a:camera prst="orthographicFront"/>
+      <a:lightRig rig="threePt" dir="t"/>
+    </dgm:scene3d>
+    <dgm:sp3d/>
+    <dgm:txPr/>
+    <dgm:style>
+      <a:lnRef idx="0">
+        <a:scrgbClr r="0" g="0" b="0"/>
+      </a:lnRef>
+      <a:fillRef idx="1">
+        <a:scrgbClr r="0" g="0" b="0"/>
+      </a:fillRef>
+      <a:effectRef idx="0">
+        <a:scrgbClr r="0" g="0" b="0"/>
+      </a:effectRef>
+      <a:fontRef idx="minor">
+        <a:schemeClr val="lt1"/>
+      </a:fontRef>
+    </dgm:style>
+  </dgm:styleLbl>
+  <dgm:styleLbl name="fgSibTrans2D1">
+    <dgm:scene3d>
+      <a:camera prst="orthographicFront"/>
+      <a:lightRig rig="threePt" dir="t"/>
+    </dgm:scene3d>
+    <dgm:sp3d/>
+    <dgm:txPr/>
+    <dgm:style>
+      <a:lnRef idx="0">
+        <a:scrgbClr r="0" g="0" b="0"/>
+      </a:lnRef>
+      <a:fillRef idx="1">
+        <a:scrgbClr r="0" g="0" b="0"/>
+      </a:fillRef>
+      <a:effectRef idx="0">
+        <a:scrgbClr r="0" g="0" b="0"/>
+      </a:effectRef>
+      <a:fontRef idx="minor">
+        <a:schemeClr val="lt1"/>
+      </a:fontRef>
+    </dgm:style>
+  </dgm:styleLbl>
+  <dgm:styleLbl name="bgSibTrans2D1">
+    <dgm:scene3d>
+      <a:camera prst="orthographicFront"/>
+      <a:lightRig rig="threePt" dir="t"/>
+    </dgm:scene3d>
+    <dgm:sp3d/>
+    <dgm:txPr/>
+    <dgm:style>
+      <a:lnRef idx="0">
+        <a:scrgbClr r="0" g="0" b="0"/>
+      </a:lnRef>
+      <a:fillRef idx="1">
+        <a:scrgbClr r="0" g="0" b="0"/>
+      </a:fillRef>
+      <a:effectRef idx="0">
+        <a:scrgbClr r="0" g="0" b="0"/>
+      </a:effectRef>
+      <a:fontRef idx="minor">
+        <a:schemeClr val="lt1"/>
+      </a:fontRef>
+    </dgm:style>
+  </dgm:styleLbl>
+  <dgm:styleLbl name="sibTrans1D1">
+    <dgm:scene3d>
+      <a:camera prst="orthographicFront"/>
+      <a:lightRig rig="threePt" dir="t"/>
+    </dgm:scene3d>
+    <dgm:sp3d/>
+    <dgm:txPr/>
+    <dgm:style>
+      <a:lnRef idx="1">
+        <a:scrgbClr r="0" g="0" b="0"/>
+      </a:lnRef>
+      <a:fillRef idx="0">
+        <a:scrgbClr r="0" g="0" b="0"/>
+      </a:fillRef>
+      <a:effectRef idx="0">
+        <a:scrgbClr r="0" g="0" b="0"/>
+      </a:effectRef>
+      <a:fontRef idx="minor"/>
+    </dgm:style>
+  </dgm:styleLbl>
+  <dgm:styleLbl name="callout">
+    <dgm:scene3d>
+      <a:camera prst="orthographicFront"/>
+      <a:lightRig rig="threePt" dir="t"/>
+    </dgm:scene3d>
+    <dgm:sp3d/>
+    <dgm:txPr/>
+    <dgm:style>
+      <a:lnRef idx="2">
+        <a:scrgbClr r="0" g="0" b="0"/>
+      </a:lnRef>
+      <a:fillRef idx="1">
+        <a:scrgbClr r="0" g="0" b="0"/>
+      </a:fillRef>
+      <a:effectRef idx="0">
+        <a:scrgbClr r="0" g="0" b="0"/>
+      </a:effectRef>
+      <a:fontRef idx="minor"/>
+    </dgm:style>
+  </dgm:styleLbl>
+  <dgm:styleLbl name="asst0">
+    <dgm:scene3d>
+      <a:camera prst="orthographicFront"/>
+      <a:lightRig rig="threePt" dir="t"/>
+    </dgm:scene3d>
+    <dgm:sp3d/>
+    <dgm:txPr/>
+    <dgm:style>
+      <a:lnRef idx="2">
+        <a:scrgbClr r="0" g="0" b="0"/>
+      </a:lnRef>
+      <a:fillRef idx="1">
+        <a:scrgbClr r="0" g="0" b="0"/>
+      </a:fillRef>
+      <a:effectRef idx="0">
+        <a:scrgbClr r="0" g="0" b="0"/>
+      </a:effectRef>
+      <a:fontRef idx="minor">
+        <a:schemeClr val="lt1"/>
+      </a:fontRef>
+    </dgm:style>
+  </dgm:styleLbl>
+  <dgm:styleLbl name="asst1">
+    <dgm:scene3d>
+      <a:camera prst="orthographicFront"/>
+      <a:lightRig rig="threePt" dir="t"/>
+    </dgm:scene3d>
+    <dgm:sp3d/>
+    <dgm:txPr/>
+    <dgm:style>
+      <a:lnRef idx="2">
+        <a:scrgbClr r="0" g="0" b="0"/>
+      </a:lnRef>
+      <a:fillRef idx="1">
+        <a:scrgbClr r="0" g="0" b="0"/>
+      </a:fillRef>
+      <a:effectRef idx="0">
+        <a:scrgbClr r="0" g="0" b="0"/>
+      </a:effectRef>
+      <a:fontRef idx="minor">
+        <a:schemeClr val="lt1"/>
+      </a:fontRef>
+    </dgm:style>
+  </dgm:styleLbl>
+  <dgm:styleLbl name="asst2">
+    <dgm:scene3d>
+      <a:camera prst="orthographicFront"/>
+      <a:lightRig rig="threePt" dir="t"/>
+    </dgm:scene3d>
+    <dgm:sp3d/>
+    <dgm:txPr/>
+    <dgm:style>
+      <a:lnRef idx="2">
+        <a:scrgbClr r="0" g="0" b="0"/>
+      </a:lnRef>
+      <a:fillRef idx="1">
+        <a:scrgbClr r="0" g="0" b="0"/>
+      </a:fillRef>
+      <a:effectRef idx="0">
+        <a:scrgbClr r="0" g="0" b="0"/>
+      </a:effectRef>
+      <a:fontRef idx="minor">
+        <a:schemeClr val="lt1"/>
+      </a:fontRef>
+    </dgm:style>
+  </dgm:styleLbl>
+  <dgm:styleLbl name="asst3">
+    <dgm:scene3d>
+      <a:camera prst="orthographicFront"/>
+      <a:lightRig rig="threePt" dir="t"/>
+    </dgm:scene3d>
+    <dgm:sp3d/>
+    <dgm:txPr/>
+    <dgm:style>
+      <a:lnRef idx="2">
+        <a:scrgbClr r="0" g="0" b="0"/>
+      </a:lnRef>
+      <a:fillRef idx="1">
+        <a:scrgbClr r="0" g="0" b="0"/>
+      </a:fillRef>
+      <a:effectRef idx="0">
+        <a:scrgbClr r="0" g="0" b="0"/>
+      </a:effectRef>
+      <a:fontRef idx="minor">
+        <a:schemeClr val="lt1"/>
+      </a:fontRef>
+    </dgm:style>
+  </dgm:styleLbl>
+  <dgm:styleLbl name="asst4">
+    <dgm:scene3d>
+      <a:camera prst="orthographicFront"/>
+      <a:lightRig rig="threePt" dir="t"/>
+    </dgm:scene3d>
+    <dgm:sp3d/>
+    <dgm:txPr/>
+    <dgm:style>
+      <a:lnRef idx="2">
+        <a:scrgbClr r="0" g="0" b="0"/>
+      </a:lnRef>
+      <a:fillRef idx="1">
+        <a:scrgbClr r="0" g="0" b="0"/>
+      </a:fillRef>
+      <a:effectRef idx="0">
+        <a:scrgbClr r="0" g="0" b="0"/>
+      </a:effectRef>
+      <a:fontRef idx="minor">
+        <a:schemeClr val="lt1"/>
+      </a:fontRef>
+    </dgm:style>
+  </dgm:styleLbl>
+  <dgm:styleLbl name="parChTrans2D1">
+    <dgm:scene3d>
+      <a:camera prst="orthographicFront"/>
+      <a:lightRig rig="threePt" dir="t"/>
+    </dgm:scene3d>
+    <dgm:sp3d/>
+    <dgm:txPr/>
+    <dgm:style>
+      <a:lnRef idx="2">
+        <a:scrgbClr r="0" g="0" b="0"/>
+      </a:lnRef>
+      <a:fillRef idx="1">
+        <a:scrgbClr r="0" g="0" b="0"/>
+      </a:fillRef>
+      <a:effectRef idx="0">
+        <a:scrgbClr r="0" g="0" b="0"/>
+      </a:effectRef>
+      <a:fontRef idx="minor">
+        <a:schemeClr val="lt1"/>
+      </a:fontRef>
+    </dgm:style>
+  </dgm:styleLbl>
+  <dgm:styleLbl name="parChTrans2D2">
+    <dgm:scene3d>
+      <a:camera prst="orthographicFront"/>
+      <a:lightRig rig="threePt" dir="t"/>
+    </dgm:scene3d>
+    <dgm:sp3d/>
+    <dgm:txPr/>
+    <dgm:style>
+      <a:lnRef idx="2">
+        <a:scrgbClr r="0" g="0" b="0"/>
+      </a:lnRef>
+      <a:fillRef idx="1">
+        <a:scrgbClr r="0" g="0" b="0"/>
+      </a:fillRef>
+      <a:effectRef idx="0">
+        <a:scrgbClr r="0" g="0" b="0"/>
+      </a:effectRef>
+      <a:fontRef idx="minor">
+        <a:schemeClr val="lt1"/>
+      </a:fontRef>
+    </dgm:style>
+  </dgm:styleLbl>
+  <dgm:styleLbl name="parChTrans2D3">
+    <dgm:scene3d>
+      <a:camera prst="orthographicFront"/>
+      <a:lightRig rig="threePt" dir="t"/>
+    </dgm:scene3d>
+    <dgm:sp3d/>
+    <dgm:txPr/>
+    <dgm:style>
+      <a:lnRef idx="2">
+        <a:scrgbClr r="0" g="0" b="0"/>
+      </a:lnRef>
+      <a:fillRef idx="1">
+        <a:scrgbClr r="0" g="0" b="0"/>
+      </a:fillRef>
+      <a:effectRef idx="0">
+        <a:scrgbClr r="0" g="0" b="0"/>
+      </a:effectRef>
+      <a:fontRef idx="minor">
+        <a:schemeClr val="lt1"/>
+      </a:fontRef>
+    </dgm:style>
+  </dgm:styleLbl>
+  <dgm:styleLbl name="parChTrans2D4">
+    <dgm:scene3d>
+      <a:camera prst="orthographicFront"/>
+      <a:lightRig rig="threePt" dir="t"/>
+    </dgm:scene3d>
+    <dgm:sp3d/>
+    <dgm:txPr/>
+    <dgm:style>
+      <a:lnRef idx="2">
+        <a:scrgbClr r="0" g="0" b="0"/>
+      </a:lnRef>
+      <a:fillRef idx="1">
+        <a:scrgbClr r="0" g="0" b="0"/>
+      </a:fillRef>
+      <a:effectRef idx="0">
+        <a:scrgbClr r="0" g="0" b="0"/>
+      </a:effectRef>
+      <a:fontRef idx="minor">
+        <a:schemeClr val="lt1"/>
+      </a:fontRef>
+    </dgm:style>
+  </dgm:styleLbl>
+  <dgm:styleLbl name="parChTrans1D1">
+    <dgm:scene3d>
+      <a:camera prst="orthographicFront"/>
+      <a:lightRig rig="threePt" dir="t"/>
+    </dgm:scene3d>
+    <dgm:sp3d/>
+    <dgm:txPr/>
+    <dgm:style>
+      <a:lnRef idx="2">
+        <a:scrgbClr r="0" g="0" b="0"/>
+      </a:lnRef>
+      <a:fillRef idx="0">
+        <a:scrgbClr r="0" g="0" b="0"/>
+      </a:fillRef>
+      <a:effectRef idx="0">
+        <a:scrgbClr r="0" g="0" b="0"/>
+      </a:effectRef>
+      <a:fontRef idx="minor"/>
+    </dgm:style>
+  </dgm:styleLbl>
+  <dgm:styleLbl name="parChTrans1D2">
+    <dgm:scene3d>
+      <a:camera prst="orthographicFront"/>
+      <a:lightRig rig="threePt" dir="t"/>
+    </dgm:scene3d>
+    <dgm:sp3d/>
+    <dgm:txPr/>
+    <dgm:style>
+      <a:lnRef idx="2">
+        <a:scrgbClr r="0" g="0" b="0"/>
+      </a:lnRef>
+      <a:fillRef idx="0">
+        <a:scrgbClr r="0" g="0" b="0"/>
+      </a:fillRef>
+      <a:effectRef idx="0">
+        <a:scrgbClr r="0" g="0" b="0"/>
+      </a:effectRef>
+      <a:fontRef idx="minor"/>
+    </dgm:style>
+  </dgm:styleLbl>
+  <dgm:styleLbl name="parChTrans1D3">
+    <dgm:scene3d>
+      <a:camera prst="orthographicFront"/>
+      <a:lightRig rig="threePt" dir="t"/>
+    </dgm:scene3d>
+    <dgm:sp3d/>
+    <dgm:txPr/>
+    <dgm:style>
+      <a:lnRef idx="2">
+        <a:scrgbClr r="0" g="0" b="0"/>
+      </a:lnRef>
+      <a:fillRef idx="0">
+        <a:scrgbClr r="0" g="0" b="0"/>
+      </a:fillRef>
+      <a:effectRef idx="0">
+        <a:scrgbClr r="0" g="0" b="0"/>
+      </a:effectRef>
+      <a:fontRef idx="minor"/>
+    </dgm:style>
+  </dgm:styleLbl>
+  <dgm:styleLbl name="parChTrans1D4">
+    <dgm:scene3d>
+      <a:camera prst="orthographicFront"/>
+      <a:lightRig rig="threePt" dir="t"/>
+    </dgm:scene3d>
+    <dgm:sp3d/>
+    <dgm:txPr/>
+    <dgm:style>
+      <a:lnRef idx="2">
+        <a:scrgbClr r="0" g="0" b="0"/>
+      </a:lnRef>
+      <a:fillRef idx="0">
+        <a:scrgbClr r="0" g="0" b="0"/>
+      </a:fillRef>
+      <a:effectRef idx="0">
+        <a:scrgbClr r="0" g="0" b="0"/>
+      </a:effectRef>
+      <a:fontRef idx="minor"/>
+    </dgm:style>
+  </dgm:styleLbl>
+  <dgm:styleLbl name="fgAcc1">
+    <dgm:scene3d>
+      <a:camera prst="orthographicFront"/>
+      <a:lightRig rig="threePt" dir="t"/>
+    </dgm:scene3d>
+    <dgm:sp3d/>
+    <dgm:txPr/>
+    <dgm:style>
+      <a:lnRef idx="2">
+        <a:scrgbClr r="0" g="0" b="0"/>
+      </a:lnRef>
+      <a:fillRef idx="1">
+        <a:scrgbClr r="0" g="0" b="0"/>
+      </a:fillRef>
+      <a:effectRef idx="0">
+        <a:scrgbClr r="0" g="0" b="0"/>
+      </a:effectRef>
+      <a:fontRef idx="minor"/>
+    </dgm:style>
+  </dgm:styleLbl>
+  <dgm:styleLbl name="conFgAcc1">
+    <dgm:scene3d>
+      <a:camera prst="orthographicFront"/>
+      <a:lightRig rig="threePt" dir="t"/>
+    </dgm:scene3d>
+    <dgm:sp3d/>
+    <dgm:txPr/>
+    <dgm:style>
+      <a:lnRef idx="2">
+        <a:scrgbClr r="0" g="0" b="0"/>
+      </a:lnRef>
+      <a:fillRef idx="1">
+        <a:scrgbClr r="0" g="0" b="0"/>
+      </a:fillRef>
+      <a:effectRef idx="0">
+        <a:scrgbClr r="0" g="0" b="0"/>
+      </a:effectRef>
+      <a:fontRef idx="minor"/>
+    </dgm:style>
+  </dgm:styleLbl>
+  <dgm:styleLbl name="alignAcc1">
+    <dgm:scene3d>
+      <a:camera prst="orthographicFront"/>
+      <a:lightRig rig="threePt" dir="t"/>
+    </dgm:scene3d>
+    <dgm:sp3d/>
+    <dgm:txPr/>
+    <dgm:style>
+      <a:lnRef idx="2">
+        <a:scrgbClr r="0" g="0" b="0"/>
+      </a:lnRef>
+      <a:fillRef idx="1">
+        <a:scrgbClr r="0" g="0" b="0"/>
+      </a:fillRef>
+      <a:effectRef idx="0">
+        <a:scrgbClr r="0" g="0" b="0"/>
+      </a:effectRef>
+      <a:fontRef idx="minor"/>
+    </dgm:style>
+  </dgm:styleLbl>
+  <dgm:styleLbl name="trAlignAcc1">
+    <dgm:scene3d>
+      <a:camera prst="orthographicFront"/>
+      <a:lightRig rig="threePt" dir="t"/>
+    </dgm:scene3d>
+    <dgm:sp3d/>
+    <dgm:txPr/>
+    <dgm:style>
+      <a:lnRef idx="1">
+        <a:scrgbClr r="0" g="0" b="0"/>
+      </a:lnRef>
+      <a:fillRef idx="1">
+        <a:scrgbClr r="0" g="0" b="0"/>
+      </a:fillRef>
+      <a:effectRef idx="0">
+        <a:scrgbClr r="0" g="0" b="0"/>
+      </a:effectRef>
+      <a:fontRef idx="minor"/>
+    </dgm:style>
+  </dgm:styleLbl>
+  <dgm:styleLbl name="bgAcc1">
+    <dgm:scene3d>
+      <a:camera prst="orthographicFront"/>
+      <a:lightRig rig="threePt" dir="t"/>
+    </dgm:scene3d>
+    <dgm:sp3d/>
+    <dgm:txPr/>
+    <dgm:style>
+      <a:lnRef idx="2">
+        <a:scrgbClr r="0" g="0" b="0"/>
+      </a:lnRef>
+      <a:fillRef idx="1">
+        <a:scrgbClr r="0" g="0" b="0"/>
+      </a:fillRef>
+      <a:effectRef idx="0">
+        <a:scrgbClr r="0" g="0" b="0"/>
+      </a:effectRef>
+      <a:fontRef idx="minor"/>
+    </dgm:style>
+  </dgm:styleLbl>
+  <dgm:styleLbl name="solidFgAcc1">
+    <dgm:scene3d>
+      <a:camera prst="orthographicFront"/>
+      <a:lightRig rig="threePt" dir="t"/>
+    </dgm:scene3d>
+    <dgm:sp3d/>
+    <dgm:txPr/>
+    <dgm:style>
+      <a:lnRef idx="2">
+        <a:scrgbClr r="0" g="0" b="0"/>
+      </a:lnRef>
+      <a:fillRef idx="1">
+        <a:scrgbClr r="0" g="0" b="0"/>
+      </a:fillRef>
+      <a:effectRef idx="0">
+        <a:scrgbClr r="0" g="0" b="0"/>
+      </a:effectRef>
+      <a:fontRef idx="minor"/>
+    </dgm:style>
+  </dgm:styleLbl>
+  <dgm:styleLbl name="solidAlignAcc1">
+    <dgm:scene3d>
+      <a:camera prst="orthographicFront"/>
+      <a:lightRig rig="threePt" dir="t"/>
+    </dgm:scene3d>
+    <dgm:sp3d/>
+    <dgm:txPr/>
+    <dgm:style>
+      <a:lnRef idx="2">
+        <a:scrgbClr r="0" g="0" b="0"/>
+      </a:lnRef>
+      <a:fillRef idx="1">
+        <a:scrgbClr r="0" g="0" b="0"/>
+      </a:fillRef>
+      <a:effectRef idx="0">
+        <a:scrgbClr r="0" g="0" b="0"/>
+      </a:effectRef>
+      <a:fontRef idx="minor"/>
+    </dgm:style>
+  </dgm:styleLbl>
+  <dgm:styleLbl name="solidBgAcc1">
+    <dgm:scene3d>
+      <a:camera prst="orthographicFront"/>
+      <a:lightRig rig="threePt" dir="t"/>
+    </dgm:scene3d>
+    <dgm:sp3d/>
+    <dgm:txPr/>
+    <dgm:style>
+      <a:lnRef idx="2">
+        <a:scrgbClr r="0" g="0" b="0"/>
+      </a:lnRef>
+      <a:fillRef idx="1">
+        <a:scrgbClr r="0" g="0" b="0"/>
+      </a:fillRef>
+      <a:effectRef idx="0">
+        <a:scrgbClr r="0" g="0" b="0"/>
+      </a:effectRef>
+      <a:fontRef idx="minor"/>
+    </dgm:style>
+  </dgm:styleLbl>
+  <dgm:styleLbl name="fgAccFollowNode1">
+    <dgm:scene3d>
+      <a:camera prst="orthographicFront"/>
+      <a:lightRig rig="threePt" dir="t"/>
+    </dgm:scene3d>
+    <dgm:sp3d/>
+    <dgm:txPr/>
+    <dgm:style>
+      <a:lnRef idx="2">
+        <a:scrgbClr r="0" g="0" b="0"/>
+      </a:lnRef>
+      <a:fillRef idx="1">
+        <a:scrgbClr r="0" g="0" b="0"/>
+      </a:fillRef>
+      <a:effectRef idx="0">
+        <a:scrgbClr r="0" g="0" b="0"/>
+      </a:effectRef>
+      <a:fontRef idx="minor"/>
+    </dgm:style>
+  </dgm:styleLbl>
+  <dgm:styleLbl name="alignAccFollowNode1">
+    <dgm:scene3d>
+      <a:camera prst="orthographicFront"/>
+      <a:lightRig rig="threePt" dir="t"/>
+    </dgm:scene3d>
+    <dgm:sp3d/>
+    <dgm:txPr/>
+    <dgm:style>
+      <a:lnRef idx="2">
+        <a:scrgbClr r="0" g="0" b="0"/>
+      </a:lnRef>
+      <a:fillRef idx="1">
+        <a:scrgbClr r="0" g="0" b="0"/>
+      </a:fillRef>
+      <a:effectRef idx="0">
+        <a:scrgbClr r="0" g="0" b="0"/>
+      </a:effectRef>
+      <a:fontRef idx="minor"/>
+    </dgm:style>
+  </dgm:styleLbl>
+  <dgm:styleLbl name="bgAccFollowNode1">
+    <dgm:scene3d>
+      <a:camera prst="orthographicFront"/>
+      <a:lightRig rig="threePt" dir="t"/>
+    </dgm:scene3d>
+    <dgm:sp3d/>
+    <dgm:txPr/>
+    <dgm:style>
+      <a:lnRef idx="2">
+        <a:scrgbClr r="0" g="0" b="0"/>
+      </a:lnRef>
+      <a:fillRef idx="1">
+        <a:scrgbClr r="0" g="0" b="0"/>
+      </a:fillRef>
+      <a:effectRef idx="0">
+        <a:scrgbClr r="0" g="0" b="0"/>
+      </a:effectRef>
+      <a:fontRef idx="minor"/>
+    </dgm:style>
+  </dgm:styleLbl>
+  <dgm:styleLbl name="fgAcc0">
+    <dgm:scene3d>
+      <a:camera prst="orthographicFront"/>
+      <a:lightRig rig="threePt" dir="t"/>
+    </dgm:scene3d>
+    <dgm:sp3d/>
+    <dgm:txPr/>
+    <dgm:style>
+      <a:lnRef idx="2">
+        <a:scrgbClr r="0" g="0" b="0"/>
+      </a:lnRef>
+      <a:fillRef idx="1">
+        <a:scrgbClr r="0" g="0" b="0"/>
+      </a:fillRef>
+      <a:effectRef idx="0">
+        <a:scrgbClr r="0" g="0" b="0"/>
+      </a:effectRef>
+      <a:fontRef idx="minor"/>
+    </dgm:style>
+  </dgm:styleLbl>
+  <dgm:styleLbl name="fgAcc2">
+    <dgm:scene3d>
+      <a:camera prst="orthographicFront"/>
+      <a:lightRig rig="threePt" dir="t"/>
+    </dgm:scene3d>
+    <dgm:sp3d/>
+    <dgm:txPr/>
+    <dgm:style>
+      <a:lnRef idx="2">
+        <a:scrgbClr r="0" g="0" b="0"/>
+      </a:lnRef>
+      <a:fillRef idx="1">
+        <a:scrgbClr r="0" g="0" b="0"/>
+      </a:fillRef>
+      <a:effectRef idx="0">
+        <a:scrgbClr r="0" g="0" b="0"/>
+      </a:effectRef>
+      <a:fontRef idx="minor"/>
+    </dgm:style>
+  </dgm:styleLbl>
+  <dgm:styleLbl name="fgAcc3">
+    <dgm:scene3d>
+      <a:camera prst="orthographicFront"/>
+      <a:lightRig rig="threePt" dir="t"/>
+    </dgm:scene3d>
+    <dgm:sp3d/>
+    <dgm:txPr/>
+    <dgm:style>
+      <a:lnRef idx="2">
+        <a:scrgbClr r="0" g="0" b="0"/>
+      </a:lnRef>
+      <a:fillRef idx="1">
+        <a:scrgbClr r="0" g="0" b="0"/>
+      </a:fillRef>
+      <a:effectRef idx="0">
+        <a:scrgbClr r="0" g="0" b="0"/>
+      </a:effectRef>
+      <a:fontRef idx="minor"/>
+    </dgm:style>
+  </dgm:styleLbl>
+  <dgm:styleLbl name="fgAcc4">
+    <dgm:scene3d>
+      <a:camera prst="orthographicFront"/>
+      <a:lightRig rig="threePt" dir="t"/>
+    </dgm:scene3d>
+    <dgm:sp3d/>
+    <dgm:txPr/>
+    <dgm:style>
+      <a:lnRef idx="2">
+        <a:scrgbClr r="0" g="0" b="0"/>
+      </a:lnRef>
+      <a:fillRef idx="1">
+        <a:scrgbClr r="0" g="0" b="0"/>
+      </a:fillRef>
+      <a:effectRef idx="0">
+        <a:scrgbClr r="0" g="0" b="0"/>
+      </a:effectRef>
+      <a:fontRef idx="minor"/>
+    </dgm:style>
+  </dgm:styleLbl>
+  <dgm:styleLbl name="bgShp">
+    <dgm:scene3d>
+      <a:camera prst="orthographicFront"/>
+      <a:lightRig rig="threePt" dir="t"/>
+    </dgm:scene3d>
+    <dgm:sp3d/>
+    <dgm:txPr/>
+    <dgm:style>
+      <a:lnRef idx="0">
+        <a:scrgbClr r="0" g="0" b="0"/>
+      </a:lnRef>
+      <a:fillRef idx="1">
+        <a:scrgbClr r="0" g="0" b="0"/>
+      </a:fillRef>
+      <a:effectRef idx="0">
+        <a:scrgbClr r="0" g="0" b="0"/>
+      </a:effectRef>
+      <a:fontRef idx="minor"/>
+    </dgm:style>
+  </dgm:styleLbl>
+  <dgm:styleLbl name="dkBgShp">
+    <dgm:scene3d>
+      <a:camera prst="orthographicFront"/>
+      <a:lightRig rig="threePt" dir="t"/>
+    </dgm:scene3d>
+    <dgm:sp3d/>
+    <dgm:txPr/>
+    <dgm:style>
+      <a:lnRef idx="0">
+        <a:scrgbClr r="0" g="0" b="0"/>
+      </a:lnRef>
+      <a:fillRef idx="1">
+        <a:scrgbClr r="0" g="0" b="0"/>
+      </a:fillRef>
+      <a:effectRef idx="0">
+        <a:scrgbClr r="0" g="0" b="0"/>
+      </a:effectRef>
+      <a:fontRef idx="minor"/>
+    </dgm:style>
+  </dgm:styleLbl>
+  <dgm:styleLbl name="trBgShp">
+    <dgm:scene3d>
+      <a:camera prst="orthographicFront"/>
+      <a:lightRig rig="threePt" dir="t"/>
+    </dgm:scene3d>
+    <dgm:sp3d/>
+    <dgm:txPr/>
+    <dgm:style>
+      <a:lnRef idx="0">
+        <a:scrgbClr r="0" g="0" b="0"/>
+      </a:lnRef>
+      <a:fillRef idx="1">
+        <a:scrgbClr r="0" g="0" b="0"/>
+      </a:fillRef>
+      <a:effectRef idx="0">
+        <a:scrgbClr r="0" g="0" b="0"/>
+      </a:effectRef>
+      <a:fontRef idx="minor"/>
+    </dgm:style>
+  </dgm:styleLbl>
+  <dgm:styleLbl name="fgShp">
+    <dgm:scene3d>
+      <a:camera prst="orthographicFront"/>
+      <a:lightRig rig="threePt" dir="t"/>
+    </dgm:scene3d>
+    <dgm:sp3d/>
+    <dgm:txPr/>
+    <dgm:style>
+      <a:lnRef idx="2">
+        <a:scrgbClr r="0" g="0" b="0"/>
+      </a:lnRef>
+      <a:fillRef idx="1">
+        <a:scrgbClr r="0" g="0" b="0"/>
+      </a:fillRef>
+      <a:effectRef idx="0">
+        <a:scrgbClr r="0" g="0" b="0"/>
+      </a:effectRef>
+      <a:fontRef idx="minor"/>
+    </dgm:style>
+  </dgm:styleLbl>
+  <dgm:styleLbl name="revTx">
+    <dgm:scene3d>
+      <a:camera prst="orthographicFront"/>
+      <a:lightRig rig="threePt" dir="t"/>
+    </dgm:scene3d>
+    <dgm:sp3d/>
+    <dgm:txPr/>
+    <dgm:style>
+      <a:lnRef idx="0">
+        <a:scrgbClr r="0" g="0" b="0"/>
+      </a:lnRef>
+      <a:fillRef idx="0">
+        <a:scrgbClr r="0" g="0" b="0"/>
+      </a:fillRef>
+      <a:effectRef idx="0">
+        <a:scrgbClr r="0" g="0" b="0"/>
+      </a:effectRef>
+      <a:fontRef idx="minor"/>
+    </dgm:style>
+  </dgm:styleLbl>
+</dgm:styleDef>
 </file>
 
 <file path=ppt/slideLayouts/slideLayout1.xml><?xml version="1.0" encoding="utf-8"?>
@@ -692,7 +8686,7 @@
           </a:lstStyle>
           <a:p>
             <a:r>
-              <a:rPr lang="en-US" smtClean="0"/>
+              <a:rPr lang="en-US"/>
               <a:t>Click to edit Master title style</a:t>
             </a:r>
             <a:endParaRPr lang="en-US" dirty="0"/>
@@ -812,7 +8806,7 @@
           </a:lstStyle>
           <a:p>
             <a:r>
-              <a:rPr lang="en-US" smtClean="0"/>
+              <a:rPr lang="en-US"/>
               <a:t>Click to edit Master subtitle style</a:t>
             </a:r>
             <a:endParaRPr lang="en-US" dirty="0"/>
@@ -837,7 +8831,7 @@
             <a:fld id="{B61BEF0D-F0BB-DE4B-95CE-6DB70DBA9567}" type="datetimeFigureOut">
               <a:rPr lang="en-US" dirty="0"/>
               <a:pPr/>
-              <a:t>2/13/2019</a:t>
+              <a:t>3/1/2023</a:t>
             </a:fld>
             <a:endParaRPr lang="en-US" dirty="0"/>
           </a:p>
@@ -938,7 +8932,7 @@
           </a:lstStyle>
           <a:p>
             <a:r>
-              <a:rPr lang="en-US" smtClean="0"/>
+              <a:rPr lang="en-US"/>
               <a:t>Click to edit Master title style</a:t>
             </a:r>
             <a:endParaRPr lang="en-US" dirty="0"/>
@@ -1061,7 +9055,7 @@
           <a:p>
             <a:pPr lvl="0"/>
             <a:r>
-              <a:rPr lang="en-US" smtClean="0"/>
+              <a:rPr lang="en-US"/>
               <a:t>Edit Master text styles</a:t>
             </a:r>
           </a:p>
@@ -1085,7 +9079,7 @@
             <a:fld id="{B61BEF0D-F0BB-DE4B-95CE-6DB70DBA9567}" type="datetimeFigureOut">
               <a:rPr lang="en-US" dirty="0"/>
               <a:pPr/>
-              <a:t>2/13/2019</a:t>
+              <a:t>3/1/2023</a:t>
             </a:fld>
             <a:endParaRPr lang="en-US" dirty="0"/>
           </a:p>
@@ -1186,7 +9180,7 @@
           </a:lstStyle>
           <a:p>
             <a:r>
-              <a:rPr lang="en-US" smtClean="0"/>
+              <a:rPr lang="en-US"/>
               <a:t>Click to edit Master title style</a:t>
             </a:r>
             <a:endParaRPr lang="en-US" dirty="0"/>
@@ -1250,7 +9244,7 @@
           <a:p>
             <a:pPr lvl="0"/>
             <a:r>
-              <a:rPr lang="en-US" smtClean="0"/>
+              <a:rPr lang="en-US"/>
               <a:t>Edit Master text styles</a:t>
             </a:r>
           </a:p>
@@ -1372,7 +9366,7 @@
           <a:p>
             <a:pPr lvl="0"/>
             <a:r>
-              <a:rPr lang="en-US" smtClean="0"/>
+              <a:rPr lang="en-US"/>
               <a:t>Edit Master text styles</a:t>
             </a:r>
           </a:p>
@@ -1396,7 +9390,7 @@
             <a:fld id="{B61BEF0D-F0BB-DE4B-95CE-6DB70DBA9567}" type="datetimeFigureOut">
               <a:rPr lang="en-US" dirty="0"/>
               <a:pPr/>
-              <a:t>2/13/2019</a:t>
+              <a:t>3/1/2023</a:t>
             </a:fld>
             <a:endParaRPr lang="en-US" dirty="0"/>
           </a:p>
@@ -1573,7 +9567,7 @@
           </a:lstStyle>
           <a:p>
             <a:r>
-              <a:rPr lang="en-US" smtClean="0"/>
+              <a:rPr lang="en-US"/>
               <a:t>Click to edit Master title style</a:t>
             </a:r>
             <a:endParaRPr lang="en-US" dirty="0"/>
@@ -1696,7 +9690,7 @@
           <a:p>
             <a:pPr lvl="0"/>
             <a:r>
-              <a:rPr lang="en-US" smtClean="0"/>
+              <a:rPr lang="en-US"/>
               <a:t>Edit Master text styles</a:t>
             </a:r>
           </a:p>
@@ -1720,7 +9714,7 @@
             <a:fld id="{B61BEF0D-F0BB-DE4B-95CE-6DB70DBA9567}" type="datetimeFigureOut">
               <a:rPr lang="en-US" dirty="0"/>
               <a:pPr/>
-              <a:t>2/13/2019</a:t>
+              <a:t>3/1/2023</a:t>
             </a:fld>
             <a:endParaRPr lang="en-US" dirty="0"/>
           </a:p>
@@ -1821,7 +9815,7 @@
           </a:lstStyle>
           <a:p>
             <a:r>
-              <a:rPr lang="en-US" smtClean="0"/>
+              <a:rPr lang="en-US"/>
               <a:t>Click to edit Master title style</a:t>
             </a:r>
             <a:endParaRPr lang="en-US" dirty="0"/>
@@ -1885,7 +9879,7 @@
           <a:p>
             <a:pPr lvl="0"/>
             <a:r>
-              <a:rPr lang="en-US" smtClean="0"/>
+              <a:rPr lang="en-US"/>
               <a:t>Edit Master text styles</a:t>
             </a:r>
           </a:p>
@@ -2007,7 +10001,7 @@
           <a:p>
             <a:pPr lvl="0"/>
             <a:r>
-              <a:rPr lang="en-US" smtClean="0"/>
+              <a:rPr lang="en-US"/>
               <a:t>Edit Master text styles</a:t>
             </a:r>
           </a:p>
@@ -2031,7 +10025,7 @@
             <a:fld id="{B61BEF0D-F0BB-DE4B-95CE-6DB70DBA9567}" type="datetimeFigureOut">
               <a:rPr lang="en-US" dirty="0"/>
               <a:pPr/>
-              <a:t>2/13/2019</a:t>
+              <a:t>3/1/2023</a:t>
             </a:fld>
             <a:endParaRPr lang="en-US" dirty="0"/>
           </a:p>
@@ -2208,7 +10202,7 @@
           </a:lstStyle>
           <a:p>
             <a:r>
-              <a:rPr lang="en-US" smtClean="0"/>
+              <a:rPr lang="en-US"/>
               <a:t>Click to edit Master title style</a:t>
             </a:r>
             <a:endParaRPr lang="en-US" dirty="0"/>
@@ -2269,7 +10263,7 @@
           <a:p>
             <a:pPr lvl="0"/>
             <a:r>
-              <a:rPr lang="en-US" smtClean="0"/>
+              <a:rPr lang="en-US"/>
               <a:t>Edit Master text styles</a:t>
             </a:r>
           </a:p>
@@ -2391,7 +10385,7 @@
           <a:p>
             <a:pPr lvl="0"/>
             <a:r>
-              <a:rPr lang="en-US" smtClean="0"/>
+              <a:rPr lang="en-US"/>
               <a:t>Edit Master text styles</a:t>
             </a:r>
           </a:p>
@@ -2415,7 +10409,7 @@
             <a:fld id="{B61BEF0D-F0BB-DE4B-95CE-6DB70DBA9567}" type="datetimeFigureOut">
               <a:rPr lang="en-US" dirty="0"/>
               <a:pPr/>
-              <a:t>2/13/2019</a:t>
+              <a:t>3/1/2023</a:t>
             </a:fld>
             <a:endParaRPr lang="en-US" dirty="0"/>
           </a:p>
@@ -2505,7 +10499,7 @@
           <a:lstStyle/>
           <a:p>
             <a:r>
-              <a:rPr lang="en-US" smtClean="0"/>
+              <a:rPr lang="en-US"/>
               <a:t>Click to edit Master title style</a:t>
             </a:r>
             <a:endParaRPr lang="en-US" dirty="0"/>
@@ -2529,35 +10523,35 @@
           <a:p>
             <a:pPr lvl="0"/>
             <a:r>
-              <a:rPr lang="en-US" smtClean="0"/>
+              <a:rPr lang="en-US"/>
               <a:t>Edit Master text styles</a:t>
             </a:r>
           </a:p>
           <a:p>
             <a:pPr lvl="1"/>
             <a:r>
-              <a:rPr lang="en-US" smtClean="0"/>
+              <a:rPr lang="en-US"/>
               <a:t>Second level</a:t>
             </a:r>
           </a:p>
           <a:p>
             <a:pPr lvl="2"/>
             <a:r>
-              <a:rPr lang="en-US" smtClean="0"/>
+              <a:rPr lang="en-US"/>
               <a:t>Third level</a:t>
             </a:r>
           </a:p>
           <a:p>
             <a:pPr lvl="3"/>
             <a:r>
-              <a:rPr lang="en-US" smtClean="0"/>
+              <a:rPr lang="en-US"/>
               <a:t>Fourth level</a:t>
             </a:r>
           </a:p>
           <a:p>
             <a:pPr lvl="4"/>
             <a:r>
-              <a:rPr lang="en-US" smtClean="0"/>
+              <a:rPr lang="en-US"/>
               <a:t>Fifth level</a:t>
             </a:r>
             <a:endParaRPr lang="en-US" dirty="0"/>
@@ -2581,7 +10575,7 @@
           <a:p>
             <a:fld id="{55C6B4A9-1611-4792-9094-5F34BCA07E0B}" type="datetimeFigureOut">
               <a:rPr lang="en-US" dirty="0"/>
-              <a:t>2/13/2019</a:t>
+              <a:t>3/1/2023</a:t>
             </a:fld>
             <a:endParaRPr lang="en-US" dirty="0"/>
           </a:p>
@@ -2675,7 +10669,7 @@
           <a:lstStyle/>
           <a:p>
             <a:r>
-              <a:rPr lang="en-US" smtClean="0"/>
+              <a:rPr lang="en-US"/>
               <a:t>Click to edit Master title style</a:t>
             </a:r>
             <a:endParaRPr lang="en-US" dirty="0"/>
@@ -2704,35 +10698,35 @@
           <a:p>
             <a:pPr lvl="0"/>
             <a:r>
-              <a:rPr lang="en-US" smtClean="0"/>
+              <a:rPr lang="en-US"/>
               <a:t>Edit Master text styles</a:t>
             </a:r>
           </a:p>
           <a:p>
             <a:pPr lvl="1"/>
             <a:r>
-              <a:rPr lang="en-US" smtClean="0"/>
+              <a:rPr lang="en-US"/>
               <a:t>Second level</a:t>
             </a:r>
           </a:p>
           <a:p>
             <a:pPr lvl="2"/>
             <a:r>
-              <a:rPr lang="en-US" smtClean="0"/>
+              <a:rPr lang="en-US"/>
               <a:t>Third level</a:t>
             </a:r>
           </a:p>
           <a:p>
             <a:pPr lvl="3"/>
             <a:r>
-              <a:rPr lang="en-US" smtClean="0"/>
+              <a:rPr lang="en-US"/>
               <a:t>Fourth level</a:t>
             </a:r>
           </a:p>
           <a:p>
             <a:pPr lvl="4"/>
             <a:r>
-              <a:rPr lang="en-US" smtClean="0"/>
+              <a:rPr lang="en-US"/>
               <a:t>Fifth level</a:t>
             </a:r>
             <a:endParaRPr lang="en-US" dirty="0"/>
@@ -2757,7 +10751,7 @@
             <a:fld id="{B61BEF0D-F0BB-DE4B-95CE-6DB70DBA9567}" type="datetimeFigureOut">
               <a:rPr lang="en-US" dirty="0"/>
               <a:pPr/>
-              <a:t>2/13/2019</a:t>
+              <a:t>3/1/2023</a:t>
             </a:fld>
             <a:endParaRPr lang="en-US" dirty="0"/>
           </a:p>
@@ -2853,7 +10847,7 @@
           </a:lstStyle>
           <a:p>
             <a:r>
-              <a:rPr lang="en-US" smtClean="0"/>
+              <a:rPr lang="en-US"/>
               <a:t>Click to edit Master title style</a:t>
             </a:r>
             <a:endParaRPr lang="en-US" dirty="0"/>
@@ -2877,35 +10871,35 @@
           <a:p>
             <a:pPr lvl="0"/>
             <a:r>
-              <a:rPr lang="en-US" smtClean="0"/>
+              <a:rPr lang="en-US"/>
               <a:t>Edit Master text styles</a:t>
             </a:r>
           </a:p>
           <a:p>
             <a:pPr lvl="1"/>
             <a:r>
-              <a:rPr lang="en-US" smtClean="0"/>
+              <a:rPr lang="en-US"/>
               <a:t>Second level</a:t>
             </a:r>
           </a:p>
           <a:p>
             <a:pPr lvl="2"/>
             <a:r>
-              <a:rPr lang="en-US" smtClean="0"/>
+              <a:rPr lang="en-US"/>
               <a:t>Third level</a:t>
             </a:r>
           </a:p>
           <a:p>
             <a:pPr lvl="3"/>
             <a:r>
-              <a:rPr lang="en-US" smtClean="0"/>
+              <a:rPr lang="en-US"/>
               <a:t>Fourth level</a:t>
             </a:r>
           </a:p>
           <a:p>
             <a:pPr lvl="4"/>
             <a:r>
-              <a:rPr lang="en-US" smtClean="0"/>
+              <a:rPr lang="en-US"/>
               <a:t>Fifth level</a:t>
             </a:r>
             <a:endParaRPr lang="en-US" dirty="0"/>
@@ -2930,7 +10924,7 @@
             <a:fld id="{B61BEF0D-F0BB-DE4B-95CE-6DB70DBA9567}" type="datetimeFigureOut">
               <a:rPr lang="en-US" dirty="0"/>
               <a:pPr/>
-              <a:t>2/13/2019</a:t>
+              <a:t>3/1/2023</a:t>
             </a:fld>
             <a:endParaRPr lang="en-US" dirty="0"/>
           </a:p>
@@ -3029,7 +11023,7 @@
           </a:lstStyle>
           <a:p>
             <a:r>
-              <a:rPr lang="en-US" smtClean="0"/>
+              <a:rPr lang="en-US"/>
               <a:t>Click to edit Master title style</a:t>
             </a:r>
             <a:endParaRPr lang="en-US" dirty="0"/>
@@ -3150,7 +11144,7 @@
           <a:p>
             <a:pPr lvl="0"/>
             <a:r>
-              <a:rPr lang="en-US" smtClean="0"/>
+              <a:rPr lang="en-US"/>
               <a:t>Edit Master text styles</a:t>
             </a:r>
           </a:p>
@@ -3174,7 +11168,7 @@
             <a:fld id="{B61BEF0D-F0BB-DE4B-95CE-6DB70DBA9567}" type="datetimeFigureOut">
               <a:rPr lang="en-US" dirty="0"/>
               <a:pPr/>
-              <a:t>2/13/2019</a:t>
+              <a:t>3/1/2023</a:t>
             </a:fld>
             <a:endParaRPr lang="en-US" dirty="0"/>
           </a:p>
@@ -3264,7 +11258,7 @@
           <a:lstStyle/>
           <a:p>
             <a:r>
-              <a:rPr lang="en-US" smtClean="0"/>
+              <a:rPr lang="en-US"/>
               <a:t>Click to edit Master title style</a:t>
             </a:r>
             <a:endParaRPr lang="en-US" dirty="0"/>
@@ -3293,35 +11287,35 @@
           <a:p>
             <a:pPr lvl="0"/>
             <a:r>
-              <a:rPr lang="en-US" smtClean="0"/>
+              <a:rPr lang="en-US"/>
               <a:t>Edit Master text styles</a:t>
             </a:r>
           </a:p>
           <a:p>
             <a:pPr lvl="1"/>
             <a:r>
-              <a:rPr lang="en-US" smtClean="0"/>
+              <a:rPr lang="en-US"/>
               <a:t>Second level</a:t>
             </a:r>
           </a:p>
           <a:p>
             <a:pPr lvl="2"/>
             <a:r>
-              <a:rPr lang="en-US" smtClean="0"/>
+              <a:rPr lang="en-US"/>
               <a:t>Third level</a:t>
             </a:r>
           </a:p>
           <a:p>
             <a:pPr lvl="3"/>
             <a:r>
-              <a:rPr lang="en-US" smtClean="0"/>
+              <a:rPr lang="en-US"/>
               <a:t>Fourth level</a:t>
             </a:r>
           </a:p>
           <a:p>
             <a:pPr lvl="4"/>
             <a:r>
-              <a:rPr lang="en-US" smtClean="0"/>
+              <a:rPr lang="en-US"/>
               <a:t>Fifth level</a:t>
             </a:r>
             <a:endParaRPr lang="en-US" dirty="0"/>
@@ -3350,35 +11344,35 @@
           <a:p>
             <a:pPr lvl="0"/>
             <a:r>
-              <a:rPr lang="en-US" smtClean="0"/>
+              <a:rPr lang="en-US"/>
               <a:t>Edit Master text styles</a:t>
             </a:r>
           </a:p>
           <a:p>
             <a:pPr lvl="1"/>
             <a:r>
-              <a:rPr lang="en-US" smtClean="0"/>
+              <a:rPr lang="en-US"/>
               <a:t>Second level</a:t>
             </a:r>
           </a:p>
           <a:p>
             <a:pPr lvl="2"/>
             <a:r>
-              <a:rPr lang="en-US" smtClean="0"/>
+              <a:rPr lang="en-US"/>
               <a:t>Third level</a:t>
             </a:r>
           </a:p>
           <a:p>
             <a:pPr lvl="3"/>
             <a:r>
-              <a:rPr lang="en-US" smtClean="0"/>
+              <a:rPr lang="en-US"/>
               <a:t>Fourth level</a:t>
             </a:r>
           </a:p>
           <a:p>
             <a:pPr lvl="4"/>
             <a:r>
-              <a:rPr lang="en-US" smtClean="0"/>
+              <a:rPr lang="en-US"/>
               <a:t>Fifth level</a:t>
             </a:r>
             <a:endParaRPr lang="en-US" dirty="0"/>
@@ -3402,7 +11396,7 @@
           <a:p>
             <a:fld id="{EB712588-04B1-427B-82EE-E8DB90309F08}" type="datetimeFigureOut">
               <a:rPr lang="en-US" dirty="0"/>
-              <a:t>2/13/2019</a:t>
+              <a:t>3/1/2023</a:t>
             </a:fld>
             <a:endParaRPr lang="en-US" dirty="0"/>
           </a:p>
@@ -3495,7 +11489,7 @@
           </a:lstStyle>
           <a:p>
             <a:r>
-              <a:rPr lang="en-US" smtClean="0"/>
+              <a:rPr lang="en-US"/>
               <a:t>Click to edit Master title style</a:t>
             </a:r>
             <a:endParaRPr lang="en-US" dirty="0"/>
@@ -3563,7 +11557,7 @@
           <a:p>
             <a:pPr lvl="0"/>
             <a:r>
-              <a:rPr lang="en-US" smtClean="0"/>
+              <a:rPr lang="en-US"/>
               <a:t>Edit Master text styles</a:t>
             </a:r>
           </a:p>
@@ -3593,35 +11587,35 @@
           <a:p>
             <a:pPr lvl="0"/>
             <a:r>
-              <a:rPr lang="en-US" smtClean="0"/>
+              <a:rPr lang="en-US"/>
               <a:t>Edit Master text styles</a:t>
             </a:r>
           </a:p>
           <a:p>
             <a:pPr lvl="1"/>
             <a:r>
-              <a:rPr lang="en-US" smtClean="0"/>
+              <a:rPr lang="en-US"/>
               <a:t>Second level</a:t>
             </a:r>
           </a:p>
           <a:p>
             <a:pPr lvl="2"/>
             <a:r>
-              <a:rPr lang="en-US" smtClean="0"/>
+              <a:rPr lang="en-US"/>
               <a:t>Third level</a:t>
             </a:r>
           </a:p>
           <a:p>
             <a:pPr lvl="3"/>
             <a:r>
-              <a:rPr lang="en-US" smtClean="0"/>
+              <a:rPr lang="en-US"/>
               <a:t>Fourth level</a:t>
             </a:r>
           </a:p>
           <a:p>
             <a:pPr lvl="4"/>
             <a:r>
-              <a:rPr lang="en-US" smtClean="0"/>
+              <a:rPr lang="en-US"/>
               <a:t>Fifth level</a:t>
             </a:r>
             <a:endParaRPr lang="en-US" dirty="0"/>
@@ -3689,7 +11683,7 @@
           <a:p>
             <a:pPr lvl="0"/>
             <a:r>
-              <a:rPr lang="en-US" smtClean="0"/>
+              <a:rPr lang="en-US"/>
               <a:t>Edit Master text styles</a:t>
             </a:r>
           </a:p>
@@ -3719,35 +11713,35 @@
           <a:p>
             <a:pPr lvl="0"/>
             <a:r>
-              <a:rPr lang="en-US" smtClean="0"/>
+              <a:rPr lang="en-US"/>
               <a:t>Edit Master text styles</a:t>
             </a:r>
           </a:p>
           <a:p>
             <a:pPr lvl="1"/>
             <a:r>
-              <a:rPr lang="en-US" smtClean="0"/>
+              <a:rPr lang="en-US"/>
               <a:t>Second level</a:t>
             </a:r>
           </a:p>
           <a:p>
             <a:pPr lvl="2"/>
             <a:r>
-              <a:rPr lang="en-US" smtClean="0"/>
+              <a:rPr lang="en-US"/>
               <a:t>Third level</a:t>
             </a:r>
           </a:p>
           <a:p>
             <a:pPr lvl="3"/>
             <a:r>
-              <a:rPr lang="en-US" smtClean="0"/>
+              <a:rPr lang="en-US"/>
               <a:t>Fourth level</a:t>
             </a:r>
           </a:p>
           <a:p>
             <a:pPr lvl="4"/>
             <a:r>
-              <a:rPr lang="en-US" smtClean="0"/>
+              <a:rPr lang="en-US"/>
               <a:t>Fifth level</a:t>
             </a:r>
             <a:endParaRPr lang="en-US" dirty="0"/>
@@ -3772,7 +11766,7 @@
             <a:fld id="{B61BEF0D-F0BB-DE4B-95CE-6DB70DBA9567}" type="datetimeFigureOut">
               <a:rPr lang="en-US" dirty="0"/>
               <a:pPr/>
-              <a:t>2/13/2019</a:t>
+              <a:t>3/1/2023</a:t>
             </a:fld>
             <a:endParaRPr lang="en-US" dirty="0"/>
           </a:p>
@@ -3867,7 +11861,7 @@
           <a:lstStyle/>
           <a:p>
             <a:r>
-              <a:rPr lang="en-US" smtClean="0"/>
+              <a:rPr lang="en-US"/>
               <a:t>Click to edit Master title style</a:t>
             </a:r>
             <a:endParaRPr lang="en-US" dirty="0"/>
@@ -3892,7 +11886,7 @@
             <a:fld id="{B61BEF0D-F0BB-DE4B-95CE-6DB70DBA9567}" type="datetimeFigureOut">
               <a:rPr lang="en-US" dirty="0"/>
               <a:pPr/>
-              <a:t>2/13/2019</a:t>
+              <a:t>3/1/2023</a:t>
             </a:fld>
             <a:endParaRPr lang="en-US" dirty="0"/>
           </a:p>
@@ -3984,7 +11978,7 @@
             <a:fld id="{B61BEF0D-F0BB-DE4B-95CE-6DB70DBA9567}" type="datetimeFigureOut">
               <a:rPr lang="en-US" dirty="0"/>
               <a:pPr/>
-              <a:t>2/13/2019</a:t>
+              <a:t>3/1/2023</a:t>
             </a:fld>
             <a:endParaRPr lang="en-US" dirty="0"/>
           </a:p>
@@ -4085,7 +12079,7 @@
           </a:lstStyle>
           <a:p>
             <a:r>
-              <a:rPr lang="en-US" smtClean="0"/>
+              <a:rPr lang="en-US"/>
               <a:t>Click to edit Master title style</a:t>
             </a:r>
             <a:endParaRPr lang="en-US" dirty="0"/>
@@ -4116,35 +12110,35 @@
           <a:p>
             <a:pPr lvl="0"/>
             <a:r>
-              <a:rPr lang="en-US" smtClean="0"/>
+              <a:rPr lang="en-US"/>
               <a:t>Edit Master text styles</a:t>
             </a:r>
           </a:p>
           <a:p>
             <a:pPr lvl="1"/>
             <a:r>
-              <a:rPr lang="en-US" smtClean="0"/>
+              <a:rPr lang="en-US"/>
               <a:t>Second level</a:t>
             </a:r>
           </a:p>
           <a:p>
             <a:pPr lvl="2"/>
             <a:r>
-              <a:rPr lang="en-US" smtClean="0"/>
+              <a:rPr lang="en-US"/>
               <a:t>Third level</a:t>
             </a:r>
           </a:p>
           <a:p>
             <a:pPr lvl="3"/>
             <a:r>
-              <a:rPr lang="en-US" smtClean="0"/>
+              <a:rPr lang="en-US"/>
               <a:t>Fourth level</a:t>
             </a:r>
           </a:p>
           <a:p>
             <a:pPr lvl="4"/>
             <a:r>
-              <a:rPr lang="en-US" smtClean="0"/>
+              <a:rPr lang="en-US"/>
               <a:t>Fifth level</a:t>
             </a:r>
             <a:endParaRPr lang="en-US" dirty="0"/>
@@ -4212,7 +12206,7 @@
           <a:p>
             <a:pPr lvl="0"/>
             <a:r>
-              <a:rPr lang="en-US" smtClean="0"/>
+              <a:rPr lang="en-US"/>
               <a:t>Edit Master text styles</a:t>
             </a:r>
           </a:p>
@@ -4235,7 +12229,7 @@
           <a:p>
             <a:fld id="{42A54C80-263E-416B-A8E0-580EDEADCBDC}" type="datetimeFigureOut">
               <a:rPr lang="en-US" dirty="0"/>
-              <a:t>2/13/2019</a:t>
+              <a:t>3/1/2023</a:t>
             </a:fld>
             <a:endParaRPr lang="en-US" dirty="0"/>
           </a:p>
@@ -4335,7 +12329,7 @@
           </a:lstStyle>
           <a:p>
             <a:r>
-              <a:rPr lang="en-US" smtClean="0"/>
+              <a:rPr lang="en-US"/>
               <a:t>Click to edit Master title style</a:t>
             </a:r>
             <a:endParaRPr lang="en-US" dirty="0"/>
@@ -4402,7 +12396,7 @@
           </a:lstStyle>
           <a:p>
             <a:r>
-              <a:rPr lang="en-US" smtClean="0"/>
+              <a:rPr lang="en-US"/>
               <a:t>Click icon to add picture</a:t>
             </a:r>
             <a:endParaRPr lang="en-US" dirty="0"/>
@@ -4470,7 +12464,7 @@
           <a:p>
             <a:pPr lvl="0"/>
             <a:r>
-              <a:rPr lang="en-US" smtClean="0"/>
+              <a:rPr lang="en-US"/>
               <a:t>Edit Master text styles</a:t>
             </a:r>
           </a:p>
@@ -4494,7 +12488,7 @@
             <a:fld id="{B61BEF0D-F0BB-DE4B-95CE-6DB70DBA9567}" type="datetimeFigureOut">
               <a:rPr lang="en-US" dirty="0"/>
               <a:pPr/>
-              <a:t>2/13/2019</a:t>
+              <a:t>3/1/2023</a:t>
             </a:fld>
             <a:endParaRPr lang="en-US" dirty="0"/>
           </a:p>
@@ -5131,7 +13125,7 @@
           <a:lstStyle/>
           <a:p>
             <a:r>
-              <a:rPr lang="en-US" smtClean="0"/>
+              <a:rPr lang="en-US"/>
               <a:t>Click to edit Master title style</a:t>
             </a:r>
             <a:endParaRPr lang="en-US" dirty="0"/>
@@ -5165,35 +13159,35 @@
           <a:p>
             <a:pPr lvl="0"/>
             <a:r>
-              <a:rPr lang="en-US" smtClean="0"/>
+              <a:rPr lang="en-US"/>
               <a:t>Edit Master text styles</a:t>
             </a:r>
           </a:p>
           <a:p>
             <a:pPr lvl="1"/>
             <a:r>
-              <a:rPr lang="en-US" smtClean="0"/>
+              <a:rPr lang="en-US"/>
               <a:t>Second level</a:t>
             </a:r>
           </a:p>
           <a:p>
             <a:pPr lvl="2"/>
             <a:r>
-              <a:rPr lang="en-US" smtClean="0"/>
+              <a:rPr lang="en-US"/>
               <a:t>Third level</a:t>
             </a:r>
           </a:p>
           <a:p>
             <a:pPr lvl="3"/>
             <a:r>
-              <a:rPr lang="en-US" smtClean="0"/>
+              <a:rPr lang="en-US"/>
               <a:t>Fourth level</a:t>
             </a:r>
           </a:p>
           <a:p>
             <a:pPr lvl="4"/>
             <a:r>
-              <a:rPr lang="en-US" smtClean="0"/>
+              <a:rPr lang="en-US"/>
               <a:t>Fifth level</a:t>
             </a:r>
             <a:endParaRPr lang="en-US" dirty="0"/>
@@ -5236,7 +13230,7 @@
             <a:fld id="{B61BEF0D-F0BB-DE4B-95CE-6DB70DBA9567}" type="datetimeFigureOut">
               <a:rPr lang="en-US" dirty="0"/>
               <a:pPr/>
-              <a:t>2/13/2019</a:t>
+              <a:t>3/1/2023</a:t>
             </a:fld>
             <a:endParaRPr lang="en-US" dirty="0"/>
           </a:p>
@@ -5772,14 +13766,13 @@
           <a:lstStyle/>
           <a:p>
             <a:r>
-              <a:rPr lang="en-US" dirty="0" err="1" smtClean="0"/>
+              <a:rPr lang="en-US" dirty="0" err="1"/>
               <a:t>IoT</a:t>
             </a:r>
             <a:r>
-              <a:rPr lang="en-US" dirty="0" smtClean="0"/>
+              <a:rPr lang="en-US" dirty="0"/>
               <a:t> Data Collection</a:t>
             </a:r>
-            <a:endParaRPr lang="en-US" dirty="0"/>
           </a:p>
         </p:txBody>
       </p:sp>
@@ -5799,10 +13792,15 @@
           <a:lstStyle/>
           <a:p>
             <a:r>
-              <a:rPr lang="en-US" dirty="0" smtClean="0"/>
-              <a:t>Students Names</a:t>
+              <a:rPr lang="en-US" dirty="0"/>
+              <a:t>Russ</a:t>
             </a:r>
-            <a:endParaRPr lang="en-US" dirty="0"/>
+          </a:p>
+          <a:p>
+            <a:r>
+              <a:rPr lang="en-US" dirty="0"/>
+              <a:t>Prathikson</a:t>
+            </a:r>
           </a:p>
         </p:txBody>
       </p:sp>
@@ -5852,10 +13850,9 @@
           <a:lstStyle/>
           <a:p>
             <a:r>
-              <a:rPr lang="en-US" dirty="0" smtClean="0"/>
+              <a:rPr lang="en-US" dirty="0"/>
               <a:t>Group Dynamics</a:t>
             </a:r>
-            <a:endParaRPr lang="en-US" dirty="0"/>
           </a:p>
         </p:txBody>
       </p:sp>
@@ -5882,99 +13879,99 @@
           <a:lstStyle/>
           <a:p>
             <a:r>
-              <a:rPr lang="en-US" dirty="0" smtClean="0"/>
+              <a:rPr lang="en-US" dirty="0"/>
               <a:t>Planning</a:t>
             </a:r>
           </a:p>
           <a:p>
             <a:pPr lvl="1"/>
             <a:r>
-              <a:rPr lang="en-US" dirty="0" smtClean="0"/>
+              <a:rPr lang="en-US" dirty="0"/>
               <a:t>One student did the planning and assigned tasks</a:t>
             </a:r>
           </a:p>
           <a:p>
             <a:pPr lvl="1"/>
             <a:r>
-              <a:rPr lang="en-US" dirty="0" smtClean="0"/>
+              <a:rPr lang="en-US" dirty="0"/>
               <a:t>The group planned the project together</a:t>
             </a:r>
           </a:p>
           <a:p>
             <a:pPr lvl="1"/>
             <a:r>
-              <a:rPr lang="en-US" dirty="0" smtClean="0"/>
+              <a:rPr lang="en-US" dirty="0"/>
               <a:t>Each group member worked separately planning different tasks</a:t>
             </a:r>
           </a:p>
           <a:p>
             <a:pPr lvl="1"/>
             <a:r>
-              <a:rPr lang="en-US" dirty="0" smtClean="0"/>
+              <a:rPr lang="en-US" dirty="0"/>
               <a:t>The group worked together to plan all tasks</a:t>
             </a:r>
           </a:p>
           <a:p>
             <a:pPr lvl="1"/>
             <a:r>
-              <a:rPr lang="en-US" dirty="0" smtClean="0"/>
+              <a:rPr lang="en-US" dirty="0"/>
               <a:t>Some tasks were planned together while other tasks were planned separately</a:t>
             </a:r>
           </a:p>
           <a:p>
             <a:pPr lvl="1"/>
             <a:r>
-              <a:rPr lang="en-US" dirty="0" err="1" smtClean="0"/>
+              <a:rPr lang="en-US" dirty="0" err="1"/>
               <a:t>etc</a:t>
             </a:r>
-            <a:endParaRPr lang="en-US" dirty="0" smtClean="0"/>
+            <a:endParaRPr lang="en-US" dirty="0"/>
           </a:p>
           <a:p>
             <a:r>
-              <a:rPr lang="en-US" dirty="0" smtClean="0"/>
+              <a:rPr lang="en-US" dirty="0"/>
               <a:t>Task Completion</a:t>
             </a:r>
           </a:p>
           <a:p>
             <a:pPr lvl="1"/>
             <a:r>
-              <a:rPr lang="en-US" dirty="0" smtClean="0"/>
+              <a:rPr lang="en-US" dirty="0"/>
               <a:t>One student organized and assigned tasks</a:t>
             </a:r>
           </a:p>
           <a:p>
             <a:pPr lvl="1"/>
             <a:r>
-              <a:rPr lang="en-US" dirty="0" smtClean="0"/>
+              <a:rPr lang="en-US" dirty="0"/>
               <a:t>Tasks were completed together as a group</a:t>
             </a:r>
           </a:p>
           <a:p>
             <a:pPr lvl="1"/>
             <a:r>
-              <a:rPr lang="en-US" dirty="0" smtClean="0"/>
+              <a:rPr lang="en-US" dirty="0"/>
               <a:t>The group worked on separate tasks</a:t>
             </a:r>
           </a:p>
           <a:p>
             <a:pPr lvl="1"/>
             <a:r>
-              <a:rPr lang="en-US" dirty="0" smtClean="0"/>
+              <a:rPr lang="en-US" dirty="0"/>
               <a:t>The group worked on separate tasks but relied on feedback from </a:t>
             </a:r>
             <a:r>
-              <a:rPr lang="en-US" dirty="0" err="1" smtClean="0"/>
+              <a:rPr lang="en-US" dirty="0" err="1"/>
               <a:t>eachother</a:t>
             </a:r>
-            <a:endParaRPr lang="en-US" dirty="0" smtClean="0"/>
+            <a:endParaRPr lang="en-US" dirty="0"/>
           </a:p>
           <a:p>
             <a:pPr lvl="1"/>
             <a:r>
-              <a:rPr lang="en-US" dirty="0" err="1" smtClean="0"/>
+              <a:rPr lang="en-US" dirty="0" err="1"/>
               <a:t>etc</a:t>
             </a:r>
-            <a:endParaRPr lang="en-US" dirty="0" smtClean="0"/>
+            <a:endParaRPr lang="en-US" dirty="0"/>
           </a:p>
         </p:txBody>
       </p:sp>
@@ -6024,10 +14021,9 @@
           <a:lstStyle/>
           <a:p>
             <a:r>
-              <a:rPr lang="en-US" dirty="0" smtClean="0"/>
+              <a:rPr lang="en-US" dirty="0"/>
               <a:t>Offline Data Collection Strategy</a:t>
             </a:r>
-            <a:endParaRPr lang="en-US" dirty="0"/>
           </a:p>
         </p:txBody>
       </p:sp>
@@ -6054,62 +14050,62 @@
           <a:lstStyle/>
           <a:p>
             <a:r>
-              <a:rPr lang="en-US" dirty="0" smtClean="0"/>
+              <a:rPr lang="en-US" dirty="0"/>
               <a:t>Data Storage</a:t>
             </a:r>
           </a:p>
           <a:p>
             <a:pPr lvl="1"/>
             <a:r>
-              <a:rPr lang="en-US" dirty="0" smtClean="0"/>
+              <a:rPr lang="en-US" dirty="0"/>
               <a:t>Local database like SQLite or Access</a:t>
             </a:r>
           </a:p>
           <a:p>
             <a:pPr lvl="1"/>
             <a:r>
-              <a:rPr lang="en-US" dirty="0" smtClean="0"/>
+              <a:rPr lang="en-US" dirty="0"/>
               <a:t>Plain text file copy</a:t>
             </a:r>
           </a:p>
           <a:p>
             <a:pPr lvl="1"/>
             <a:r>
-              <a:rPr lang="en-US" dirty="0" smtClean="0"/>
+              <a:rPr lang="en-US" dirty="0"/>
               <a:t>Other?</a:t>
             </a:r>
           </a:p>
           <a:p>
             <a:r>
-              <a:rPr lang="en-US" dirty="0" smtClean="0"/>
+              <a:rPr lang="en-US" dirty="0"/>
               <a:t>Processing</a:t>
             </a:r>
           </a:p>
           <a:p>
             <a:pPr lvl="1"/>
             <a:r>
-              <a:rPr lang="en-US" dirty="0" smtClean="0"/>
+              <a:rPr lang="en-US" dirty="0"/>
               <a:t>Copy file to another directory</a:t>
             </a:r>
           </a:p>
           <a:p>
             <a:pPr lvl="1"/>
             <a:r>
-              <a:rPr lang="en-US" dirty="0" smtClean="0"/>
+              <a:rPr lang="en-US" dirty="0"/>
               <a:t>Parse file and create local database</a:t>
             </a:r>
           </a:p>
           <a:p>
             <a:pPr lvl="1"/>
             <a:r>
-              <a:rPr lang="en-US" dirty="0" smtClean="0"/>
+              <a:rPr lang="en-US" dirty="0"/>
               <a:t>Copy file to a larger master file</a:t>
             </a:r>
           </a:p>
           <a:p>
             <a:pPr lvl="1"/>
             <a:r>
-              <a:rPr lang="en-US" dirty="0" smtClean="0"/>
+              <a:rPr lang="en-US" dirty="0"/>
               <a:t>Other?</a:t>
             </a:r>
           </a:p>
@@ -6155,126 +14151,196 @@
             <p:ph type="title"/>
           </p:nvPr>
         </p:nvSpPr>
-        <p:spPr/>
+        <p:spPr>
+          <a:xfrm>
+            <a:off x="677334" y="609600"/>
+            <a:ext cx="8596668" cy="766194"/>
+          </a:xfrm>
+        </p:spPr>
         <p:txBody>
           <a:bodyPr/>
           <a:lstStyle/>
           <a:p>
             <a:r>
-              <a:rPr lang="en-US" dirty="0" smtClean="0"/>
+              <a:rPr lang="en-US" dirty="0"/>
               <a:t>Database Schema</a:t>
             </a:r>
-            <a:endParaRPr lang="en-US" dirty="0"/>
           </a:p>
         </p:txBody>
       </p:sp>
-      <p:sp>
-        <p:nvSpPr>
-          <p:cNvPr id="3" name="Content Placeholder 2"/>
-          <p:cNvSpPr>
-            <a:spLocks noGrp="1"/>
-          </p:cNvSpPr>
+      <p:graphicFrame>
+        <p:nvGraphicFramePr>
+          <p:cNvPr id="7" name="Content Placeholder 6">
+            <a:extLst>
+              <a:ext uri="{FF2B5EF4-FFF2-40B4-BE49-F238E27FC236}">
+                <a16:creationId xmlns:a16="http://schemas.microsoft.com/office/drawing/2014/main" id="{B5F31E22-C414-C153-CAA7-4EF116F263D8}"/>
+              </a:ext>
+            </a:extLst>
+          </p:cNvPr>
+          <p:cNvGraphicFramePr>
+            <a:graphicFrameLocks noGrp="1"/>
+          </p:cNvGraphicFramePr>
           <p:nvPr>
             <p:ph idx="1"/>
+            <p:extLst>
+              <p:ext uri="{D42A27DB-BD31-4B8C-83A1-F6EECF244321}">
+                <p14:modId xmlns:p14="http://schemas.microsoft.com/office/powerpoint/2010/main" val="363492558"/>
+              </p:ext>
+            </p:extLst>
           </p:nvPr>
-        </p:nvSpPr>
+        </p:nvGraphicFramePr>
+        <p:xfrm>
+          <a:off x="677334" y="1529542"/>
+          <a:ext cx="4219662" cy="4688378"/>
+        </p:xfrm>
+        <a:graphic>
+          <a:graphicData uri="http://schemas.openxmlformats.org/drawingml/2006/diagram">
+            <dgm:relIds xmlns:dgm="http://schemas.openxmlformats.org/drawingml/2006/diagram" xmlns:r="http://schemas.openxmlformats.org/officeDocument/2006/relationships" r:dm="rId2" r:lo="rId3" r:qs="rId4" r:cs="rId5"/>
+          </a:graphicData>
+        </a:graphic>
+      </p:graphicFrame>
+      <p:graphicFrame>
+        <p:nvGraphicFramePr>
+          <p:cNvPr id="6" name="Diagram 5">
+            <a:extLst>
+              <a:ext uri="{FF2B5EF4-FFF2-40B4-BE49-F238E27FC236}">
+                <a16:creationId xmlns:a16="http://schemas.microsoft.com/office/drawing/2014/main" id="{0F9A4D64-3098-1866-B574-C90AA7D4D769}"/>
+              </a:ext>
+            </a:extLst>
+          </p:cNvPr>
+          <p:cNvGraphicFramePr/>
+          <p:nvPr>
+            <p:extLst>
+              <p:ext uri="{D42A27DB-BD31-4B8C-83A1-F6EECF244321}">
+                <p14:modId xmlns:p14="http://schemas.microsoft.com/office/powerpoint/2010/main" val="4180497037"/>
+              </p:ext>
+            </p:extLst>
+          </p:nvPr>
+        </p:nvGraphicFramePr>
+        <p:xfrm>
+          <a:off x="5838738" y="4046290"/>
+          <a:ext cx="4219662" cy="2505512"/>
+        </p:xfrm>
+        <a:graphic>
+          <a:graphicData uri="http://schemas.openxmlformats.org/drawingml/2006/diagram">
+            <dgm:relIds xmlns:dgm="http://schemas.openxmlformats.org/drawingml/2006/diagram" xmlns:r="http://schemas.openxmlformats.org/officeDocument/2006/relationships" r:dm="rId7" r:lo="rId8" r:qs="rId9" r:cs="rId10"/>
+          </a:graphicData>
+        </a:graphic>
+      </p:graphicFrame>
+      <p:graphicFrame>
+        <p:nvGraphicFramePr>
+          <p:cNvPr id="9" name="Diagram 8">
+            <a:extLst>
+              <a:ext uri="{FF2B5EF4-FFF2-40B4-BE49-F238E27FC236}">
+                <a16:creationId xmlns:a16="http://schemas.microsoft.com/office/drawing/2014/main" id="{0852FA21-6C62-4949-2A99-E32E3B0F3C0C}"/>
+              </a:ext>
+            </a:extLst>
+          </p:cNvPr>
+          <p:cNvGraphicFramePr/>
+          <p:nvPr>
+            <p:extLst>
+              <p:ext uri="{D42A27DB-BD31-4B8C-83A1-F6EECF244321}">
+                <p14:modId xmlns:p14="http://schemas.microsoft.com/office/powerpoint/2010/main" val="3678231905"/>
+              </p:ext>
+            </p:extLst>
+          </p:nvPr>
+        </p:nvGraphicFramePr>
+        <p:xfrm>
+          <a:off x="5838739" y="528506"/>
+          <a:ext cx="4219662" cy="3139321"/>
+        </p:xfrm>
+        <a:graphic>
+          <a:graphicData uri="http://schemas.openxmlformats.org/drawingml/2006/diagram">
+            <dgm:relIds xmlns:dgm="http://schemas.openxmlformats.org/drawingml/2006/diagram" xmlns:r="http://schemas.openxmlformats.org/officeDocument/2006/relationships" r:dm="rId12" r:lo="rId13" r:qs="rId14" r:cs="rId15"/>
+          </a:graphicData>
+        </a:graphic>
+      </p:graphicFrame>
+      <p:cxnSp>
+        <p:nvCxnSpPr>
+          <p:cNvPr id="11" name="Connector: Curved 10">
+            <a:extLst>
+              <a:ext uri="{FF2B5EF4-FFF2-40B4-BE49-F238E27FC236}">
+                <a16:creationId xmlns:a16="http://schemas.microsoft.com/office/drawing/2014/main" id="{C8C3F7F5-FC82-6548-74D6-B16A2F6F5A42}"/>
+              </a:ext>
+            </a:extLst>
+          </p:cNvPr>
+          <p:cNvCxnSpPr>
+            <a:cxnSpLocks/>
+            <a:endCxn id="9" idx="1"/>
+          </p:cNvCxnSpPr>
+          <p:nvPr/>
+        </p:nvCxnSpPr>
+        <p:spPr>
+          <a:xfrm rot="5400000" flipH="1" flipV="1">
+            <a:off x="4270456" y="2601045"/>
+            <a:ext cx="2071162" cy="1065404"/>
+          </a:xfrm>
+          <a:prstGeom prst="curvedConnector2">
+            <a:avLst/>
+          </a:prstGeom>
+          <a:ln>
+            <a:tailEnd type="triangle"/>
+          </a:ln>
+        </p:spPr>
+        <p:style>
+          <a:lnRef idx="1">
+            <a:schemeClr val="accent1"/>
+          </a:lnRef>
+          <a:fillRef idx="0">
+            <a:schemeClr val="accent1"/>
+          </a:fillRef>
+          <a:effectRef idx="0">
+            <a:schemeClr val="accent1"/>
+          </a:effectRef>
+          <a:fontRef idx="minor">
+            <a:schemeClr val="tx1"/>
+          </a:fontRef>
+        </p:style>
+      </p:cxnSp>
+      <p:cxnSp>
+        <p:nvCxnSpPr>
+          <p:cNvPr id="12" name="Connector: Curved 11">
+            <a:extLst>
+              <a:ext uri="{FF2B5EF4-FFF2-40B4-BE49-F238E27FC236}">
+                <a16:creationId xmlns:a16="http://schemas.microsoft.com/office/drawing/2014/main" id="{672AA1C0-E760-2EB5-5871-BE80E555C0B5}"/>
+              </a:ext>
+            </a:extLst>
+          </p:cNvPr>
+          <p:cNvCxnSpPr>
+            <a:cxnSpLocks/>
+            <a:endCxn id="6" idx="1"/>
+          </p:cNvCxnSpPr>
+          <p:nvPr/>
+        </p:nvCxnSpPr>
         <p:spPr>
           <a:xfrm>
-            <a:off x="677334" y="1529542"/>
-            <a:ext cx="8596668" cy="4688378"/>
+            <a:off x="4773336" y="4605556"/>
+            <a:ext cx="1065402" cy="693490"/>
           </a:xfrm>
+          <a:prstGeom prst="curvedConnector3">
+            <a:avLst>
+              <a:gd name="adj1" fmla="val 50000"/>
+            </a:avLst>
+          </a:prstGeom>
+          <a:ln>
+            <a:tailEnd type="triangle"/>
+          </a:ln>
         </p:spPr>
-        <p:txBody>
-          <a:bodyPr>
-            <a:normAutofit/>
-          </a:bodyPr>
-          <a:lstStyle/>
-          <a:p>
-            <a:r>
-              <a:rPr lang="en-US" dirty="0" smtClean="0"/>
-              <a:t>Number of Tables</a:t>
-            </a:r>
-          </a:p>
-          <a:p>
-            <a:pPr lvl="1"/>
-            <a:r>
-              <a:rPr lang="en-US" dirty="0" smtClean="0"/>
-              <a:t>1,2,3,4…</a:t>
-            </a:r>
-          </a:p>
-          <a:p>
-            <a:r>
-              <a:rPr lang="en-US" dirty="0" smtClean="0"/>
-              <a:t>Types of Tables</a:t>
-            </a:r>
-          </a:p>
-          <a:p>
-            <a:pPr lvl="1"/>
-            <a:r>
-              <a:rPr lang="en-US" dirty="0" smtClean="0"/>
-              <a:t>All Data in One Table</a:t>
-            </a:r>
-          </a:p>
-          <a:p>
-            <a:pPr lvl="1"/>
-            <a:r>
-              <a:rPr lang="en-US" dirty="0" smtClean="0"/>
-              <a:t>Devices Table, Units of Measure Table, Reads Table, </a:t>
-            </a:r>
-            <a:r>
-              <a:rPr lang="en-US" dirty="0" err="1" smtClean="0"/>
-              <a:t>etc</a:t>
-            </a:r>
-            <a:endParaRPr lang="en-US" dirty="0" smtClean="0"/>
-          </a:p>
-          <a:p>
-            <a:r>
-              <a:rPr lang="en-US" dirty="0" smtClean="0"/>
-              <a:t>Meta Data Collection</a:t>
-            </a:r>
-          </a:p>
-          <a:p>
-            <a:pPr lvl="1"/>
-            <a:r>
-              <a:rPr lang="en-US" dirty="0" smtClean="0"/>
-              <a:t>None</a:t>
-            </a:r>
-          </a:p>
-          <a:p>
-            <a:pPr lvl="1"/>
-            <a:r>
-              <a:rPr lang="en-US" dirty="0" smtClean="0"/>
-              <a:t>Device First Heard</a:t>
-            </a:r>
-          </a:p>
-          <a:p>
-            <a:pPr lvl="1"/>
-            <a:r>
-              <a:rPr lang="en-US" dirty="0" smtClean="0"/>
-              <a:t>Device Last Heard</a:t>
-            </a:r>
-          </a:p>
-          <a:p>
-            <a:pPr lvl="1"/>
-            <a:r>
-              <a:rPr lang="en-US" dirty="0" smtClean="0"/>
-              <a:t>Device Reads Count</a:t>
-            </a:r>
-          </a:p>
-          <a:p>
-            <a:pPr lvl="1"/>
-            <a:r>
-              <a:rPr lang="en-US" dirty="0" err="1" smtClean="0"/>
-              <a:t>etc</a:t>
-            </a:r>
-            <a:endParaRPr lang="en-US" dirty="0" smtClean="0"/>
-          </a:p>
-          <a:p>
-            <a:pPr lvl="1"/>
-            <a:endParaRPr lang="en-US" dirty="0" smtClean="0"/>
-          </a:p>
-        </p:txBody>
-      </p:sp>
+        <p:style>
+          <a:lnRef idx="1">
+            <a:schemeClr val="accent1"/>
+          </a:lnRef>
+          <a:fillRef idx="0">
+            <a:schemeClr val="accent1"/>
+          </a:fillRef>
+          <a:effectRef idx="0">
+            <a:schemeClr val="accent1"/>
+          </a:effectRef>
+          <a:fontRef idx="minor">
+            <a:schemeClr val="tx1"/>
+          </a:fontRef>
+        </p:style>
+      </p:cxnSp>
     </p:spTree>
     <p:extLst>
       <p:ext uri="{BB962C8B-B14F-4D97-AF65-F5344CB8AC3E}">
@@ -6321,10 +14387,9 @@
           <a:lstStyle/>
           <a:p>
             <a:r>
-              <a:rPr lang="en-US" dirty="0" smtClean="0"/>
+              <a:rPr lang="en-US" dirty="0"/>
               <a:t>Online Data Collection Strategy</a:t>
             </a:r>
-            <a:endParaRPr lang="en-US" dirty="0"/>
           </a:p>
         </p:txBody>
       </p:sp>
@@ -6351,50 +14416,49 @@
           <a:lstStyle/>
           <a:p>
             <a:r>
-              <a:rPr lang="en-US" dirty="0" smtClean="0"/>
+              <a:rPr lang="en-US" dirty="0"/>
               <a:t>SQL Server Instance Available</a:t>
             </a:r>
           </a:p>
           <a:p>
             <a:pPr lvl="1"/>
             <a:r>
-              <a:rPr lang="en-US" dirty="0" smtClean="0"/>
+              <a:rPr lang="en-US" dirty="0"/>
               <a:t>How did the program check if the server was available?</a:t>
             </a:r>
           </a:p>
           <a:p>
             <a:pPr lvl="1"/>
             <a:r>
-              <a:rPr lang="en-US" dirty="0" smtClean="0"/>
+              <a:rPr lang="en-US" dirty="0"/>
               <a:t>How did the data transfer?</a:t>
             </a:r>
           </a:p>
           <a:p>
             <a:pPr lvl="1"/>
             <a:r>
-              <a:rPr lang="en-US" dirty="0" smtClean="0"/>
+              <a:rPr lang="en-US" dirty="0"/>
               <a:t>Was local data purged after sync? Why or Why Not?</a:t>
             </a:r>
           </a:p>
           <a:p>
             <a:pPr lvl="1"/>
             <a:r>
-              <a:rPr lang="en-US" dirty="0" smtClean="0"/>
+              <a:rPr lang="en-US" dirty="0"/>
               <a:t>How did you verify no data loss?</a:t>
             </a:r>
           </a:p>
           <a:p>
             <a:pPr lvl="1"/>
             <a:r>
-              <a:rPr lang="en-US" dirty="0" smtClean="0"/>
+              <a:rPr lang="en-US" dirty="0"/>
               <a:t>If the connection was lost during a sync, did the program recover? Was data lost?</a:t>
             </a:r>
-            <a:endParaRPr lang="en-US" dirty="0"/>
           </a:p>
           <a:p>
             <a:pPr lvl="1"/>
             <a:r>
-              <a:rPr lang="en-US" dirty="0" smtClean="0"/>
+              <a:rPr lang="en-US" dirty="0"/>
               <a:t>Etc.</a:t>
             </a:r>
           </a:p>
@@ -6446,10 +14510,9 @@
           <a:lstStyle/>
           <a:p>
             <a:r>
-              <a:rPr lang="en-US" dirty="0" smtClean="0"/>
+              <a:rPr lang="en-US" dirty="0"/>
               <a:t>Business Intelligence Dashboard</a:t>
             </a:r>
-            <a:endParaRPr lang="en-US" dirty="0"/>
           </a:p>
         </p:txBody>
       </p:sp>
@@ -6476,61 +14539,57 @@
           <a:lstStyle/>
           <a:p>
             <a:r>
-              <a:rPr lang="en-US" dirty="0" smtClean="0"/>
+              <a:rPr lang="en-US" dirty="0"/>
               <a:t>What types of analysis</a:t>
-            </a:r>
-          </a:p>
-          <a:p>
-            <a:pPr lvl="1"/>
-            <a:r>
-              <a:rPr lang="en-US" dirty="0" smtClean="0"/>
-              <a:t>Total Reads</a:t>
-            </a:r>
-          </a:p>
-          <a:p>
-            <a:pPr lvl="1"/>
-            <a:r>
-              <a:rPr lang="en-US" dirty="0" smtClean="0"/>
-              <a:t>Spatial Mapping</a:t>
-            </a:r>
-          </a:p>
-          <a:p>
-            <a:pPr lvl="1"/>
-            <a:r>
-              <a:rPr lang="en-US" dirty="0" smtClean="0"/>
-              <a:t>Classifications</a:t>
-            </a:r>
-          </a:p>
-          <a:p>
-            <a:pPr lvl="1"/>
-            <a:r>
-              <a:rPr lang="en-US" dirty="0" smtClean="0"/>
-              <a:t>Read Summations</a:t>
-            </a:r>
-          </a:p>
-          <a:p>
-            <a:pPr lvl="1"/>
-            <a:r>
-              <a:rPr lang="en-US" dirty="0" smtClean="0"/>
-              <a:t>Single Device Data</a:t>
             </a:r>
           </a:p>
           <a:p>
             <a:pPr lvl="1"/>
             <a:r>
               <a:rPr lang="en-US" dirty="0"/>
-              <a:t>e</a:t>
+              <a:t>Total Reads</a:t>
             </a:r>
+          </a:p>
+          <a:p>
+            <a:pPr lvl="1"/>
             <a:r>
-              <a:rPr lang="en-US" dirty="0" smtClean="0"/>
-              <a:t>tc.</a:t>
+              <a:rPr lang="en-US" dirty="0"/>
+              <a:t>Spatial Mapping</a:t>
+            </a:r>
+          </a:p>
+          <a:p>
+            <a:pPr lvl="1"/>
+            <a:r>
+              <a:rPr lang="en-US" dirty="0"/>
+              <a:t>Classifications</a:t>
+            </a:r>
+          </a:p>
+          <a:p>
+            <a:pPr lvl="1"/>
+            <a:r>
+              <a:rPr lang="en-US" dirty="0"/>
+              <a:t>Read Summations</a:t>
+            </a:r>
+          </a:p>
+          <a:p>
+            <a:pPr lvl="1"/>
+            <a:r>
+              <a:rPr lang="en-US" dirty="0"/>
+              <a:t>Single Device Data</a:t>
+            </a:r>
+          </a:p>
+          <a:p>
+            <a:pPr lvl="1"/>
+            <a:r>
+              <a:rPr lang="en-US" dirty="0"/>
+              <a:t>etc.</a:t>
             </a:r>
           </a:p>
           <a:p>
             <a:pPr marL="457200" lvl="1" indent="0">
               <a:buNone/>
             </a:pPr>
-            <a:endParaRPr lang="en-US" dirty="0" smtClean="0"/>
+            <a:endParaRPr lang="en-US" dirty="0"/>
           </a:p>
         </p:txBody>
       </p:sp>

--- a/iot-data-collection.pptx
+++ b/iot-data-collection.pptx
@@ -2531,7 +2531,7 @@
           </a:pPr>
           <a:r>
             <a:rPr lang="en-US" dirty="0"/>
-            <a:t>  2</a:t>
+            <a:t>  5</a:t>
           </a:r>
         </a:p>
       </dgm:t>
@@ -2763,11 +2763,19 @@
         <a:p>
           <a:r>
             <a:rPr lang="en-US" sz="1600" b="1" dirty="0"/>
-            <a:t>SyncDates </a:t>
+            <a:t>Synchronizations </a:t>
           </a:r>
           <a:r>
             <a:rPr lang="en-US" sz="1600" dirty="0"/>
-            <a:t>(keeps track of timestamp of synchronization)</a:t>
+            <a:t>(keeps track of timestamp </a:t>
+          </a:r>
+          <a:r>
+            <a:rPr lang="en-US" sz="1600"/>
+            <a:t>of each synchronization</a:t>
+          </a:r>
+          <a:r>
+            <a:rPr lang="en-US" sz="1600" dirty="0"/>
+            <a:t>)</a:t>
           </a:r>
         </a:p>
       </dgm:t>
@@ -3278,7 +3286,23 @@
           </a:r>
           <a:r>
             <a:rPr lang="en-US" dirty="0"/>
-            <a:t> (string)</a:t>
+            <a:t> (</a:t>
+          </a:r>
+          <a:r>
+            <a:rPr lang="en-US" b="1" dirty="0"/>
+            <a:t>int id </a:t>
+          </a:r>
+          <a:r>
+            <a:rPr lang="en-US" dirty="0"/>
+            <a:t>from TABLE -&gt; </a:t>
+          </a:r>
+          <a:r>
+            <a:rPr lang="en-US" dirty="0" err="1"/>
+            <a:t>DeviceTypes</a:t>
+          </a:r>
+          <a:r>
+            <a:rPr lang="en-US" dirty="0"/>
+            <a:t>)</a:t>
           </a:r>
         </a:p>
       </dgm:t>
@@ -3305,7 +3329,7 @@
         </a:p>
       </dgm:t>
     </dgm:pt>
-    <dgm:pt modelId="{A38BCE25-AE31-4FEC-B177-D90A84398CF0}">
+    <dgm:pt modelId="{8CB96B10-96A6-470A-8758-A95F6A6028EA}">
       <dgm:prSet/>
       <dgm:spPr/>
       <dgm:t>
@@ -3318,55 +3342,15 @@
           </a:pPr>
           <a:r>
             <a:rPr lang="en-US" dirty="0"/>
-            <a:t>Timestamp (</a:t>
+            <a:t>UOM1 (</a:t>
           </a:r>
           <a:r>
-            <a:rPr lang="en-US" dirty="0" err="1"/>
-            <a:t>DateTime</a:t>
+            <a:rPr lang="en-US" b="1" dirty="0"/>
+            <a:t>int id </a:t>
           </a:r>
           <a:r>
             <a:rPr lang="en-US" dirty="0"/>
-            <a:t>)</a:t>
-          </a:r>
-        </a:p>
-      </dgm:t>
-    </dgm:pt>
-    <dgm:pt modelId="{8443F6C3-D629-4867-A2AA-3746AEB9ED49}" type="parTrans" cxnId="{8678B736-83F9-4E29-8DAF-30ABFEB08108}">
-      <dgm:prSet/>
-      <dgm:spPr/>
-      <dgm:t>
-        <a:bodyPr/>
-        <a:lstStyle/>
-        <a:p>
-          <a:endParaRPr lang="en-US"/>
-        </a:p>
-      </dgm:t>
-    </dgm:pt>
-    <dgm:pt modelId="{B3627981-20F8-45DF-982E-C7A8B9D5F62C}" type="sibTrans" cxnId="{8678B736-83F9-4E29-8DAF-30ABFEB08108}">
-      <dgm:prSet/>
-      <dgm:spPr/>
-      <dgm:t>
-        <a:bodyPr/>
-        <a:lstStyle/>
-        <a:p>
-          <a:endParaRPr lang="en-US"/>
-        </a:p>
-      </dgm:t>
-    </dgm:pt>
-    <dgm:pt modelId="{8CB96B10-96A6-470A-8758-A95F6A6028EA}">
-      <dgm:prSet/>
-      <dgm:spPr/>
-      <dgm:t>
-        <a:bodyPr/>
-        <a:lstStyle/>
-        <a:p>
-          <a:pPr>
-            <a:buFont typeface="Wingdings" panose="05000000000000000000" pitchFamily="2" charset="2"/>
-            <a:buChar char="Ø"/>
-          </a:pPr>
-          <a:r>
-            <a:rPr lang="en-US"/>
-            <a:t>UOM1 (string)</a:t>
+            <a:t>from TABLE -&gt; UnitsOfMeasure1)</a:t>
           </a:r>
         </a:p>
       </dgm:t>
@@ -3446,7 +3430,15 @@
           </a:pPr>
           <a:r>
             <a:rPr lang="en-US" dirty="0"/>
-            <a:t>UOM2 (string)</a:t>
+            <a:t>UOM2 (</a:t>
+          </a:r>
+          <a:r>
+            <a:rPr lang="en-US" b="1" dirty="0"/>
+            <a:t>int id </a:t>
+          </a:r>
+          <a:r>
+            <a:rPr lang="en-US" dirty="0"/>
+            <a:t>from TABLE -&gt; UnitsOfMeasure2)</a:t>
           </a:r>
         </a:p>
       </dgm:t>
@@ -3513,6 +3505,54 @@
         </a:p>
       </dgm:t>
     </dgm:pt>
+    <dgm:pt modelId="{464F5DF2-E2C7-43FB-8422-84E619F971AF}">
+      <dgm:prSet/>
+      <dgm:spPr/>
+      <dgm:t>
+        <a:bodyPr/>
+        <a:lstStyle/>
+        <a:p>
+          <a:pPr>
+            <a:buFont typeface="Wingdings" panose="05000000000000000000" pitchFamily="2" charset="2"/>
+            <a:buChar char="Ø"/>
+          </a:pPr>
+          <a:r>
+            <a:rPr lang="en-US" dirty="0"/>
+            <a:t>Timestamp (</a:t>
+          </a:r>
+          <a:r>
+            <a:rPr lang="en-US" dirty="0" err="1"/>
+            <a:t>DateTime</a:t>
+          </a:r>
+          <a:r>
+            <a:rPr lang="en-US" dirty="0"/>
+            <a:t>)</a:t>
+          </a:r>
+        </a:p>
+      </dgm:t>
+    </dgm:pt>
+    <dgm:pt modelId="{57A9FD85-6BCD-418C-A441-5DF4DE0AF2B0}" type="parTrans" cxnId="{F2F8CA46-A66B-48C0-8C72-90C6A8A3816B}">
+      <dgm:prSet/>
+      <dgm:spPr/>
+      <dgm:t>
+        <a:bodyPr/>
+        <a:lstStyle/>
+        <a:p>
+          <a:endParaRPr lang="en-US"/>
+        </a:p>
+      </dgm:t>
+    </dgm:pt>
+    <dgm:pt modelId="{C957FDB4-561B-424A-AB16-4BBC4A3F423E}" type="sibTrans" cxnId="{F2F8CA46-A66B-48C0-8C72-90C6A8A3816B}">
+      <dgm:prSet/>
+      <dgm:spPr/>
+      <dgm:t>
+        <a:bodyPr/>
+        <a:lstStyle/>
+        <a:p>
+          <a:endParaRPr lang="en-US"/>
+        </a:p>
+      </dgm:t>
+    </dgm:pt>
     <dgm:pt modelId="{925CE6F7-7BE5-4F63-8B9B-5FA1CC393C71}" type="pres">
       <dgm:prSet presAssocID="{9C7DC5AC-5311-4400-BD88-5F8268CF483C}" presName="linear" presStyleCnt="0">
         <dgm:presLayoutVars>
@@ -3543,12 +3583,12 @@
   <dgm:cxnLst>
     <dgm:cxn modelId="{6759F30B-2E2F-46BB-B7F8-E0247641D906}" type="presOf" srcId="{99B9A513-1FD1-45BE-9BCC-017DA2ECB873}" destId="{2B78AC24-3F73-4730-82D6-D88CCB6E98A3}" srcOrd="0" destOrd="9" presId="urn:microsoft.com/office/officeart/2005/8/layout/vList2"/>
     <dgm:cxn modelId="{29A38213-3786-45AD-9F4E-686AC9AE8227}" type="presOf" srcId="{9E5B6D15-C93C-4CBF-8241-E5F37AFE1D12}" destId="{2B78AC24-3F73-4730-82D6-D88CCB6E98A3}" srcOrd="0" destOrd="4" presId="urn:microsoft.com/office/officeart/2005/8/layout/vList2"/>
-    <dgm:cxn modelId="{4A4E6B24-AF61-44B4-B79E-0B18D4355842}" type="presOf" srcId="{A38BCE25-AE31-4FEC-B177-D90A84398CF0}" destId="{2B78AC24-3F73-4730-82D6-D88CCB6E98A3}" srcOrd="0" destOrd="5" presId="urn:microsoft.com/office/officeart/2005/8/layout/vList2"/>
     <dgm:cxn modelId="{803ADE29-9BC3-46B8-B4F5-621662FCF516}" type="presOf" srcId="{8CB96B10-96A6-470A-8758-A95F6A6028EA}" destId="{2B78AC24-3F73-4730-82D6-D88CCB6E98A3}" srcOrd="0" destOrd="6" presId="urn:microsoft.com/office/officeart/2005/8/layout/vList2"/>
     <dgm:cxn modelId="{771E8832-DF97-4BAC-9F94-19D13996A248}" srcId="{891D943E-B402-4AF1-AF49-CF7333FB22B7}" destId="{A88EDCEE-600B-4DAB-B95A-CFA39F8B8F95}" srcOrd="7" destOrd="0" parTransId="{0E0E7C54-F1C9-4025-8C85-7D0965C49F25}" sibTransId="{289DCCC9-6B87-4303-8A33-51EE6FE9E848}"/>
     <dgm:cxn modelId="{4597FE34-20A8-41B0-88C3-A3D1B1FB45DD}" srcId="{9C7DC5AC-5311-4400-BD88-5F8268CF483C}" destId="{2BC35948-F128-4F31-B9E1-4449658081FD}" srcOrd="0" destOrd="0" parTransId="{CC637D40-0231-42A2-9EE6-79F765B3ABF7}" sibTransId="{C2A5C974-8579-483A-87E8-DBC7022526A9}"/>
-    <dgm:cxn modelId="{8678B736-83F9-4E29-8DAF-30ABFEB08108}" srcId="{891D943E-B402-4AF1-AF49-CF7333FB22B7}" destId="{A38BCE25-AE31-4FEC-B177-D90A84398CF0}" srcOrd="4" destOrd="0" parTransId="{8443F6C3-D629-4867-A2AA-3746AEB9ED49}" sibTransId="{B3627981-20F8-45DF-982E-C7A8B9D5F62C}"/>
+    <dgm:cxn modelId="{423ABB35-F8A9-4D75-9A0F-BD756294C635}" type="presOf" srcId="{464F5DF2-E2C7-43FB-8422-84E619F971AF}" destId="{2B78AC24-3F73-4730-82D6-D88CCB6E98A3}" srcOrd="0" destOrd="5" presId="urn:microsoft.com/office/officeart/2005/8/layout/vList2"/>
     <dgm:cxn modelId="{D027573C-5963-4B59-83C1-A268ED510C16}" srcId="{891D943E-B402-4AF1-AF49-CF7333FB22B7}" destId="{DA568205-B8A7-452C-97F3-01D997066C19}" srcOrd="2" destOrd="0" parTransId="{462078DB-5EC6-42D6-8401-E85ED64E85BD}" sibTransId="{69BF2054-22DC-41CA-A616-5086941E8FEF}"/>
+    <dgm:cxn modelId="{F2F8CA46-A66B-48C0-8C72-90C6A8A3816B}" srcId="{891D943E-B402-4AF1-AF49-CF7333FB22B7}" destId="{464F5DF2-E2C7-43FB-8422-84E619F971AF}" srcOrd="4" destOrd="0" parTransId="{57A9FD85-6BCD-418C-A441-5DF4DE0AF2B0}" sibTransId="{C957FDB4-561B-424A-AB16-4BBC4A3F423E}"/>
     <dgm:cxn modelId="{F1B0544B-3093-498B-906C-2C2E48E3E0B7}" type="presOf" srcId="{E4C1EF40-419C-4AD4-B66C-B3C6EBEF8F8F}" destId="{2B78AC24-3F73-4730-82D6-D88CCB6E98A3}" srcOrd="0" destOrd="2" presId="urn:microsoft.com/office/officeart/2005/8/layout/vList2"/>
     <dgm:cxn modelId="{4C9B6A4F-2B09-4F0B-A174-437F77DCD4D6}" type="presOf" srcId="{49FBF135-97BA-4CC6-9A26-FFF6F7419C54}" destId="{2B78AC24-3F73-4730-82D6-D88CCB6E98A3}" srcOrd="0" destOrd="1" presId="urn:microsoft.com/office/officeart/2005/8/layout/vList2"/>
     <dgm:cxn modelId="{A6CB2150-B117-4C37-BDE6-9CE7B327FC8E}" srcId="{891D943E-B402-4AF1-AF49-CF7333FB22B7}" destId="{AABE8F41-006C-4608-9852-A8C6CE2B3E42}" srcOrd="6" destOrd="0" parTransId="{CA6412DC-8708-4CAF-BB52-899754179F0A}" sibTransId="{5373C613-35A0-4391-A78B-0C90613AE241}"/>
@@ -3920,7 +3960,7 @@
           </a:pPr>
           <a:r>
             <a:rPr lang="en-US" sz="5100" kern="1200" dirty="0"/>
-            <a:t>  2</a:t>
+            <a:t>  5</a:t>
           </a:r>
         </a:p>
       </dsp:txBody>
@@ -3949,7 +3989,7 @@
       <dsp:spPr>
         <a:xfrm>
           <a:off x="0" y="148303"/>
-          <a:ext cx="4219662" cy="685385"/>
+          <a:ext cx="4867362" cy="685385"/>
         </a:xfrm>
         <a:prstGeom prst="roundRect">
           <a:avLst/>
@@ -4015,7 +4055,7 @@
       </dsp:txBody>
       <dsp:txXfrm>
         <a:off x="33458" y="181761"/>
-        <a:ext cx="4152746" cy="618469"/>
+        <a:ext cx="4800446" cy="618469"/>
       </dsp:txXfrm>
     </dsp:sp>
     <dsp:sp modelId="{E807A3C3-F045-42A3-A0E6-94914A3AE350}">
@@ -4026,7 +4066,7 @@
       <dsp:spPr>
         <a:xfrm>
           <a:off x="0" y="833688"/>
-          <a:ext cx="4219662" cy="1523520"/>
+          <a:ext cx="4867362" cy="1523520"/>
         </a:xfrm>
         <a:prstGeom prst="rect">
           <a:avLst/>
@@ -4050,7 +4090,7 @@
         <a:fontRef idx="minor"/>
       </dsp:style>
       <dsp:txBody>
-        <a:bodyPr spcFirstLastPara="0" vert="horz" wrap="square" lIns="133974" tIns="20320" rIns="113792" bIns="20320" numCol="1" spcCol="1270" anchor="t" anchorCtr="0">
+        <a:bodyPr spcFirstLastPara="0" vert="horz" wrap="square" lIns="154539" tIns="20320" rIns="113792" bIns="20320" numCol="1" spcCol="1270" anchor="t" anchorCtr="0">
           <a:noAutofit/>
         </a:bodyPr>
         <a:lstStyle/>
@@ -4069,11 +4109,19 @@
           </a:pPr>
           <a:r>
             <a:rPr lang="en-US" sz="1600" b="1" kern="1200" dirty="0"/>
-            <a:t>SyncDates </a:t>
+            <a:t>Synchronizations </a:t>
           </a:r>
           <a:r>
             <a:rPr lang="en-US" sz="1600" kern="1200" dirty="0"/>
-            <a:t>(keeps track of timestamp of synchronization)</a:t>
+            <a:t>(keeps track of timestamp </a:t>
+          </a:r>
+          <a:r>
+            <a:rPr lang="en-US" sz="1600" kern="1200"/>
+            <a:t>of each synchronization</a:t>
+          </a:r>
+          <a:r>
+            <a:rPr lang="en-US" sz="1600" kern="1200" dirty="0"/>
+            <a:t>)</a:t>
           </a:r>
         </a:p>
         <a:p>
@@ -4159,7 +4207,7 @@
       </dsp:txBody>
       <dsp:txXfrm>
         <a:off x="0" y="833688"/>
-        <a:ext cx="4219662" cy="1523520"/>
+        <a:ext cx="4867362" cy="1523520"/>
       </dsp:txXfrm>
     </dsp:sp>
   </dsp:spTree>
@@ -4182,7 +4230,7 @@
       <dsp:spPr>
         <a:xfrm>
           <a:off x="0" y="22537"/>
-          <a:ext cx="4219662" cy="655785"/>
+          <a:ext cx="4714961" cy="655785"/>
         </a:xfrm>
         <a:prstGeom prst="roundRect">
           <a:avLst/>
@@ -4248,7 +4296,7 @@
       </dsp:txBody>
       <dsp:txXfrm>
         <a:off x="32013" y="54550"/>
-        <a:ext cx="4155636" cy="591759"/>
+        <a:ext cx="4650935" cy="591759"/>
       </dsp:txXfrm>
     </dsp:sp>
     <dsp:sp modelId="{2B78AC24-3F73-4730-82D6-D88CCB6E98A3}">
@@ -4259,7 +4307,7 @@
       <dsp:spPr>
         <a:xfrm>
           <a:off x="0" y="678322"/>
-          <a:ext cx="4219662" cy="2438460"/>
+          <a:ext cx="4714961" cy="2438460"/>
         </a:xfrm>
         <a:prstGeom prst="rect">
           <a:avLst/>
@@ -4283,7 +4331,7 @@
         <a:fontRef idx="minor"/>
       </dsp:style>
       <dsp:txBody>
-        <a:bodyPr spcFirstLastPara="0" vert="horz" wrap="square" lIns="133974" tIns="24130" rIns="135128" bIns="24130" numCol="1" spcCol="1270" anchor="t" anchorCtr="0">
+        <a:bodyPr spcFirstLastPara="0" vert="horz" wrap="square" lIns="149700" tIns="24130" rIns="135128" bIns="24130" numCol="1" spcCol="1270" anchor="t" anchorCtr="0">
           <a:noAutofit/>
         </a:bodyPr>
         <a:lstStyle/>
@@ -4387,7 +4435,23 @@
           </a:r>
           <a:r>
             <a:rPr lang="en-US" sz="1500" kern="1200" dirty="0"/>
-            <a:t> (string)</a:t>
+            <a:t> (</a:t>
+          </a:r>
+          <a:r>
+            <a:rPr lang="en-US" sz="1500" b="1" kern="1200" dirty="0"/>
+            <a:t>int id </a:t>
+          </a:r>
+          <a:r>
+            <a:rPr lang="en-US" sz="1500" kern="1200" dirty="0"/>
+            <a:t>from TABLE -&gt; </a:t>
+          </a:r>
+          <a:r>
+            <a:rPr lang="en-US" sz="1500" kern="1200" dirty="0" err="1"/>
+            <a:t>DeviceTypes</a:t>
+          </a:r>
+          <a:r>
+            <a:rPr lang="en-US" sz="1500" kern="1200" dirty="0"/>
+            <a:t>)</a:t>
           </a:r>
         </a:p>
         <a:p>
@@ -4432,8 +4496,16 @@
             <a:buChar char="Ø"/>
           </a:pPr>
           <a:r>
-            <a:rPr lang="en-US" sz="1500" kern="1200"/>
-            <a:t>UOM1 (string)</a:t>
+            <a:rPr lang="en-US" sz="1500" kern="1200" dirty="0"/>
+            <a:t>UOM1 (</a:t>
+          </a:r>
+          <a:r>
+            <a:rPr lang="en-US" sz="1500" b="1" kern="1200" dirty="0"/>
+            <a:t>int id </a:t>
+          </a:r>
+          <a:r>
+            <a:rPr lang="en-US" sz="1500" kern="1200" dirty="0"/>
+            <a:t>from TABLE -&gt; UnitsOfMeasure1)</a:t>
           </a:r>
         </a:p>
         <a:p>
@@ -4471,7 +4543,15 @@
           </a:pPr>
           <a:r>
             <a:rPr lang="en-US" sz="1500" kern="1200" dirty="0"/>
-            <a:t>UOM2 (string)</a:t>
+            <a:t>UOM2 (</a:t>
+          </a:r>
+          <a:r>
+            <a:rPr lang="en-US" sz="1500" b="1" kern="1200" dirty="0"/>
+            <a:t>int id </a:t>
+          </a:r>
+          <a:r>
+            <a:rPr lang="en-US" sz="1500" kern="1200" dirty="0"/>
+            <a:t>from TABLE -&gt; UnitsOfMeasure2)</a:t>
           </a:r>
         </a:p>
         <a:p>
@@ -4496,7 +4576,7 @@
       </dsp:txBody>
       <dsp:txXfrm>
         <a:off x="0" y="678322"/>
-        <a:ext cx="4219662" cy="2438460"/>
+        <a:ext cx="4714961" cy="2438460"/>
       </dsp:txXfrm>
     </dsp:sp>
   </dsp:spTree>
@@ -14184,7 +14264,7 @@
             <p:ph idx="1"/>
             <p:extLst>
               <p:ext uri="{D42A27DB-BD31-4B8C-83A1-F6EECF244321}">
-                <p14:modId xmlns:p14="http://schemas.microsoft.com/office/powerpoint/2010/main" val="363492558"/>
+                <p14:modId xmlns:p14="http://schemas.microsoft.com/office/powerpoint/2010/main" val="1955815605"/>
               </p:ext>
             </p:extLst>
           </p:nvPr>
@@ -14212,14 +14292,14 @@
           <p:nvPr>
             <p:extLst>
               <p:ext uri="{D42A27DB-BD31-4B8C-83A1-F6EECF244321}">
-                <p14:modId xmlns:p14="http://schemas.microsoft.com/office/powerpoint/2010/main" val="4180497037"/>
+                <p14:modId xmlns:p14="http://schemas.microsoft.com/office/powerpoint/2010/main" val="2529880125"/>
               </p:ext>
             </p:extLst>
           </p:nvPr>
         </p:nvGraphicFramePr>
         <p:xfrm>
           <a:off x="5838738" y="4046290"/>
-          <a:ext cx="4219662" cy="2505512"/>
+          <a:ext cx="4867362" cy="2505512"/>
         </p:xfrm>
         <a:graphic>
           <a:graphicData uri="http://schemas.openxmlformats.org/drawingml/2006/diagram">
@@ -14240,14 +14320,14 @@
           <p:nvPr>
             <p:extLst>
               <p:ext uri="{D42A27DB-BD31-4B8C-83A1-F6EECF244321}">
-                <p14:modId xmlns:p14="http://schemas.microsoft.com/office/powerpoint/2010/main" val="3678231905"/>
+                <p14:modId xmlns:p14="http://schemas.microsoft.com/office/powerpoint/2010/main" val="415851803"/>
               </p:ext>
             </p:extLst>
           </p:nvPr>
         </p:nvGraphicFramePr>
         <p:xfrm>
-          <a:off x="5838739" y="528506"/>
-          <a:ext cx="4219662" cy="3139321"/>
+          <a:off x="5838738" y="528506"/>
+          <a:ext cx="4714961" cy="3139321"/>
         </p:xfrm>
         <a:graphic>
           <a:graphicData uri="http://schemas.openxmlformats.org/drawingml/2006/diagram">
@@ -14272,7 +14352,7 @@
         </p:nvCxnSpPr>
         <p:spPr>
           <a:xfrm rot="5400000" flipH="1" flipV="1">
-            <a:off x="4270456" y="2601045"/>
+            <a:off x="4270455" y="2601045"/>
             <a:ext cx="2071162" cy="1065404"/>
           </a:xfrm>
           <a:prstGeom prst="curvedConnector2">

--- a/iot-data-collection.pptx
+++ b/iot-data-collection.pptx
@@ -8911,7 +8911,7 @@
             <a:fld id="{B61BEF0D-F0BB-DE4B-95CE-6DB70DBA9567}" type="datetimeFigureOut">
               <a:rPr lang="en-US" dirty="0"/>
               <a:pPr/>
-              <a:t>3/1/2023</a:t>
+              <a:t>3/2/2023</a:t>
             </a:fld>
             <a:endParaRPr lang="en-US" dirty="0"/>
           </a:p>
@@ -9159,7 +9159,7 @@
             <a:fld id="{B61BEF0D-F0BB-DE4B-95CE-6DB70DBA9567}" type="datetimeFigureOut">
               <a:rPr lang="en-US" dirty="0"/>
               <a:pPr/>
-              <a:t>3/1/2023</a:t>
+              <a:t>3/2/2023</a:t>
             </a:fld>
             <a:endParaRPr lang="en-US" dirty="0"/>
           </a:p>
@@ -9470,7 +9470,7 @@
             <a:fld id="{B61BEF0D-F0BB-DE4B-95CE-6DB70DBA9567}" type="datetimeFigureOut">
               <a:rPr lang="en-US" dirty="0"/>
               <a:pPr/>
-              <a:t>3/1/2023</a:t>
+              <a:t>3/2/2023</a:t>
             </a:fld>
             <a:endParaRPr lang="en-US" dirty="0"/>
           </a:p>
@@ -9794,7 +9794,7 @@
             <a:fld id="{B61BEF0D-F0BB-DE4B-95CE-6DB70DBA9567}" type="datetimeFigureOut">
               <a:rPr lang="en-US" dirty="0"/>
               <a:pPr/>
-              <a:t>3/1/2023</a:t>
+              <a:t>3/2/2023</a:t>
             </a:fld>
             <a:endParaRPr lang="en-US" dirty="0"/>
           </a:p>
@@ -10105,7 +10105,7 @@
             <a:fld id="{B61BEF0D-F0BB-DE4B-95CE-6DB70DBA9567}" type="datetimeFigureOut">
               <a:rPr lang="en-US" dirty="0"/>
               <a:pPr/>
-              <a:t>3/1/2023</a:t>
+              <a:t>3/2/2023</a:t>
             </a:fld>
             <a:endParaRPr lang="en-US" dirty="0"/>
           </a:p>
@@ -10489,7 +10489,7 @@
             <a:fld id="{B61BEF0D-F0BB-DE4B-95CE-6DB70DBA9567}" type="datetimeFigureOut">
               <a:rPr lang="en-US" dirty="0"/>
               <a:pPr/>
-              <a:t>3/1/2023</a:t>
+              <a:t>3/2/2023</a:t>
             </a:fld>
             <a:endParaRPr lang="en-US" dirty="0"/>
           </a:p>
@@ -10655,7 +10655,7 @@
           <a:p>
             <a:fld id="{55C6B4A9-1611-4792-9094-5F34BCA07E0B}" type="datetimeFigureOut">
               <a:rPr lang="en-US" dirty="0"/>
-              <a:t>3/1/2023</a:t>
+              <a:t>3/2/2023</a:t>
             </a:fld>
             <a:endParaRPr lang="en-US" dirty="0"/>
           </a:p>
@@ -10831,7 +10831,7 @@
             <a:fld id="{B61BEF0D-F0BB-DE4B-95CE-6DB70DBA9567}" type="datetimeFigureOut">
               <a:rPr lang="en-US" dirty="0"/>
               <a:pPr/>
-              <a:t>3/1/2023</a:t>
+              <a:t>3/2/2023</a:t>
             </a:fld>
             <a:endParaRPr lang="en-US" dirty="0"/>
           </a:p>
@@ -11004,7 +11004,7 @@
             <a:fld id="{B61BEF0D-F0BB-DE4B-95CE-6DB70DBA9567}" type="datetimeFigureOut">
               <a:rPr lang="en-US" dirty="0"/>
               <a:pPr/>
-              <a:t>3/1/2023</a:t>
+              <a:t>3/2/2023</a:t>
             </a:fld>
             <a:endParaRPr lang="en-US" dirty="0"/>
           </a:p>
@@ -11248,7 +11248,7 @@
             <a:fld id="{B61BEF0D-F0BB-DE4B-95CE-6DB70DBA9567}" type="datetimeFigureOut">
               <a:rPr lang="en-US" dirty="0"/>
               <a:pPr/>
-              <a:t>3/1/2023</a:t>
+              <a:t>3/2/2023</a:t>
             </a:fld>
             <a:endParaRPr lang="en-US" dirty="0"/>
           </a:p>
@@ -11476,7 +11476,7 @@
           <a:p>
             <a:fld id="{EB712588-04B1-427B-82EE-E8DB90309F08}" type="datetimeFigureOut">
               <a:rPr lang="en-US" dirty="0"/>
-              <a:t>3/1/2023</a:t>
+              <a:t>3/2/2023</a:t>
             </a:fld>
             <a:endParaRPr lang="en-US" dirty="0"/>
           </a:p>
@@ -11846,7 +11846,7 @@
             <a:fld id="{B61BEF0D-F0BB-DE4B-95CE-6DB70DBA9567}" type="datetimeFigureOut">
               <a:rPr lang="en-US" dirty="0"/>
               <a:pPr/>
-              <a:t>3/1/2023</a:t>
+              <a:t>3/2/2023</a:t>
             </a:fld>
             <a:endParaRPr lang="en-US" dirty="0"/>
           </a:p>
@@ -11966,7 +11966,7 @@
             <a:fld id="{B61BEF0D-F0BB-DE4B-95CE-6DB70DBA9567}" type="datetimeFigureOut">
               <a:rPr lang="en-US" dirty="0"/>
               <a:pPr/>
-              <a:t>3/1/2023</a:t>
+              <a:t>3/2/2023</a:t>
             </a:fld>
             <a:endParaRPr lang="en-US" dirty="0"/>
           </a:p>
@@ -12058,7 +12058,7 @@
             <a:fld id="{B61BEF0D-F0BB-DE4B-95CE-6DB70DBA9567}" type="datetimeFigureOut">
               <a:rPr lang="en-US" dirty="0"/>
               <a:pPr/>
-              <a:t>3/1/2023</a:t>
+              <a:t>3/2/2023</a:t>
             </a:fld>
             <a:endParaRPr lang="en-US" dirty="0"/>
           </a:p>
@@ -12309,7 +12309,7 @@
           <a:p>
             <a:fld id="{42A54C80-263E-416B-A8E0-580EDEADCBDC}" type="datetimeFigureOut">
               <a:rPr lang="en-US" dirty="0"/>
-              <a:t>3/1/2023</a:t>
+              <a:t>3/2/2023</a:t>
             </a:fld>
             <a:endParaRPr lang="en-US" dirty="0"/>
           </a:p>
@@ -12568,7 +12568,7 @@
             <a:fld id="{B61BEF0D-F0BB-DE4B-95CE-6DB70DBA9567}" type="datetimeFigureOut">
               <a:rPr lang="en-US" dirty="0"/>
               <a:pPr/>
-              <a:t>3/1/2023</a:t>
+              <a:t>3/2/2023</a:t>
             </a:fld>
             <a:endParaRPr lang="en-US" dirty="0"/>
           </a:p>
@@ -13310,7 +13310,7 @@
             <a:fld id="{B61BEF0D-F0BB-DE4B-95CE-6DB70DBA9567}" type="datetimeFigureOut">
               <a:rPr lang="en-US" dirty="0"/>
               <a:pPr/>
-              <a:t>3/1/2023</a:t>
+              <a:t>3/2/2023</a:t>
             </a:fld>
             <a:endParaRPr lang="en-US" dirty="0"/>
           </a:p>
@@ -13954,7 +13954,7 @@
         </p:spPr>
         <p:txBody>
           <a:bodyPr>
-            <a:normAutofit lnSpcReduction="10000"/>
+            <a:normAutofit/>
           </a:bodyPr>
           <a:lstStyle/>
           <a:p>
@@ -13967,44 +13967,15 @@
             <a:pPr lvl="1"/>
             <a:r>
               <a:rPr lang="en-US" dirty="0"/>
-              <a:t>One student did the planning and assigned tasks</a:t>
+              <a:t>All group members planned the database schema</a:t>
             </a:r>
           </a:p>
           <a:p>
             <a:pPr lvl="1"/>
             <a:r>
               <a:rPr lang="en-US" dirty="0"/>
-              <a:t>The group planned the project together</a:t>
+              <a:t>All group members discussed how to implement synchronization app structure</a:t>
             </a:r>
-          </a:p>
-          <a:p>
-            <a:pPr lvl="1"/>
-            <a:r>
-              <a:rPr lang="en-US" dirty="0"/>
-              <a:t>Each group member worked separately planning different tasks</a:t>
-            </a:r>
-          </a:p>
-          <a:p>
-            <a:pPr lvl="1"/>
-            <a:r>
-              <a:rPr lang="en-US" dirty="0"/>
-              <a:t>The group worked together to plan all tasks</a:t>
-            </a:r>
-          </a:p>
-          <a:p>
-            <a:pPr lvl="1"/>
-            <a:r>
-              <a:rPr lang="en-US" dirty="0"/>
-              <a:t>Some tasks were planned together while other tasks were planned separately</a:t>
-            </a:r>
-          </a:p>
-          <a:p>
-            <a:pPr lvl="1"/>
-            <a:r>
-              <a:rPr lang="en-US" dirty="0" err="1"/>
-              <a:t>etc</a:t>
-            </a:r>
-            <a:endParaRPr lang="en-US" dirty="0"/>
           </a:p>
           <a:p>
             <a:r>
@@ -14016,41 +13987,18 @@
             <a:pPr lvl="1"/>
             <a:r>
               <a:rPr lang="en-US" dirty="0"/>
-              <a:t>One student organized and assigned tasks</a:t>
+              <a:t>Russ created the database schema using C# Entity Framework both for SQL Server and SQLite</a:t>
             </a:r>
           </a:p>
           <a:p>
             <a:pPr lvl="1"/>
             <a:r>
               <a:rPr lang="en-US" dirty="0"/>
-              <a:t>Tasks were completed together as a group</a:t>
+              <a:t>Russ created the common library (C# class library), background service app and control panel applications</a:t>
             </a:r>
           </a:p>
           <a:p>
             <a:pPr lvl="1"/>
-            <a:r>
-              <a:rPr lang="en-US" dirty="0"/>
-              <a:t>The group worked on separate tasks</a:t>
-            </a:r>
-          </a:p>
-          <a:p>
-            <a:pPr lvl="1"/>
-            <a:r>
-              <a:rPr lang="en-US" dirty="0"/>
-              <a:t>The group worked on separate tasks but relied on feedback from </a:t>
-            </a:r>
-            <a:r>
-              <a:rPr lang="en-US" dirty="0" err="1"/>
-              <a:t>eachother</a:t>
-            </a:r>
-            <a:endParaRPr lang="en-US" dirty="0"/>
-          </a:p>
-          <a:p>
-            <a:pPr lvl="1"/>
-            <a:r>
-              <a:rPr lang="en-US" dirty="0" err="1"/>
-              <a:t>etc</a:t>
-            </a:r>
             <a:endParaRPr lang="en-US" dirty="0"/>
           </a:p>
         </p:txBody>

--- a/iot-data-collection.pptx
+++ b/iot-data-collection.pptx
@@ -15694,6 +15694,22 @@
 <file path=ppt/slides/slide1.xml><?xml version="1.0" encoding="utf-8"?>
 <p:sld xmlns:a="http://schemas.openxmlformats.org/drawingml/2006/main" xmlns:r="http://schemas.openxmlformats.org/officeDocument/2006/relationships" xmlns:p="http://schemas.openxmlformats.org/presentationml/2006/main">
   <p:cSld>
+    <p:bg>
+      <p:bgPr>
+        <a:pattFill prst="pct5">
+          <a:fgClr>
+            <a:schemeClr val="bg1">
+              <a:lumMod val="75000"/>
+              <a:lumOff val="25000"/>
+            </a:schemeClr>
+          </a:fgClr>
+          <a:bgClr>
+            <a:schemeClr val="bg1"/>
+          </a:bgClr>
+        </a:pattFill>
+        <a:effectLst/>
+      </p:bgPr>
+    </p:bg>
     <p:spTree>
       <p:nvGrpSpPr>
         <p:cNvPr id="1" name=""/>

--- a/iot-data-collection.pptx
+++ b/iot-data-collection.pptx
@@ -10291,7 +10291,7 @@
             <a:fld id="{B61BEF0D-F0BB-DE4B-95CE-6DB70DBA9567}" type="datetimeFigureOut">
               <a:rPr lang="en-US" smtClean="0"/>
               <a:pPr/>
-              <a:t>3/3/2023</a:t>
+              <a:t>3/4/2023</a:t>
             </a:fld>
             <a:endParaRPr lang="en-US" dirty="0"/>
           </a:p>
@@ -10580,7 +10580,7 @@
             <a:fld id="{B61BEF0D-F0BB-DE4B-95CE-6DB70DBA9567}" type="datetimeFigureOut">
               <a:rPr lang="en-US" smtClean="0"/>
               <a:pPr/>
-              <a:t>3/3/2023</a:t>
+              <a:t>3/4/2023</a:t>
             </a:fld>
             <a:endParaRPr lang="en-US" dirty="0"/>
           </a:p>
@@ -10774,7 +10774,7 @@
             <a:fld id="{B61BEF0D-F0BB-DE4B-95CE-6DB70DBA9567}" type="datetimeFigureOut">
               <a:rPr lang="en-US" smtClean="0"/>
               <a:pPr/>
-              <a:t>3/3/2023</a:t>
+              <a:t>3/4/2023</a:t>
             </a:fld>
             <a:endParaRPr lang="en-US" dirty="0"/>
           </a:p>
@@ -11037,7 +11037,7 @@
             <a:fld id="{B61BEF0D-F0BB-DE4B-95CE-6DB70DBA9567}" type="datetimeFigureOut">
               <a:rPr lang="en-US" smtClean="0"/>
               <a:pPr/>
-              <a:t>3/3/2023</a:t>
+              <a:t>3/4/2023</a:t>
             </a:fld>
             <a:endParaRPr lang="en-US" dirty="0"/>
           </a:p>
@@ -11463,7 +11463,7 @@
             <a:fld id="{B61BEF0D-F0BB-DE4B-95CE-6DB70DBA9567}" type="datetimeFigureOut">
               <a:rPr lang="en-US" smtClean="0"/>
               <a:pPr/>
-              <a:t>3/3/2023</a:t>
+              <a:t>3/4/2023</a:t>
             </a:fld>
             <a:endParaRPr lang="en-US" dirty="0"/>
           </a:p>
@@ -12011,7 +12011,7 @@
             <a:fld id="{B61BEF0D-F0BB-DE4B-95CE-6DB70DBA9567}" type="datetimeFigureOut">
               <a:rPr lang="en-US" smtClean="0"/>
               <a:pPr/>
-              <a:t>3/3/2023</a:t>
+              <a:t>3/4/2023</a:t>
             </a:fld>
             <a:endParaRPr lang="en-US" dirty="0"/>
           </a:p>
@@ -12853,7 +12853,7 @@
             <a:fld id="{B61BEF0D-F0BB-DE4B-95CE-6DB70DBA9567}" type="datetimeFigureOut">
               <a:rPr lang="en-US" smtClean="0"/>
               <a:pPr/>
-              <a:t>3/3/2023</a:t>
+              <a:t>3/4/2023</a:t>
             </a:fld>
             <a:endParaRPr lang="en-US" dirty="0"/>
           </a:p>
@@ -13024,7 +13024,7 @@
           <a:p>
             <a:fld id="{55C6B4A9-1611-4792-9094-5F34BCA07E0B}" type="datetimeFigureOut">
               <a:rPr lang="en-US" smtClean="0"/>
-              <a:t>3/3/2023</a:t>
+              <a:t>3/4/2023</a:t>
             </a:fld>
             <a:endParaRPr lang="en-US" dirty="0"/>
           </a:p>
@@ -13209,7 +13209,7 @@
             <a:fld id="{B61BEF0D-F0BB-DE4B-95CE-6DB70DBA9567}" type="datetimeFigureOut">
               <a:rPr lang="en-US" smtClean="0"/>
               <a:pPr/>
-              <a:t>3/3/2023</a:t>
+              <a:t>3/4/2023</a:t>
             </a:fld>
             <a:endParaRPr lang="en-US" dirty="0"/>
           </a:p>
@@ -13381,7 +13381,7 @@
             <a:fld id="{B61BEF0D-F0BB-DE4B-95CE-6DB70DBA9567}" type="datetimeFigureOut">
               <a:rPr lang="en-US" smtClean="0"/>
               <a:pPr/>
-              <a:t>3/3/2023</a:t>
+              <a:t>3/4/2023</a:t>
             </a:fld>
             <a:endParaRPr lang="en-US" dirty="0"/>
           </a:p>
@@ -13631,7 +13631,7 @@
             <a:fld id="{B61BEF0D-F0BB-DE4B-95CE-6DB70DBA9567}" type="datetimeFigureOut">
               <a:rPr lang="en-US" smtClean="0"/>
               <a:pPr/>
-              <a:t>3/3/2023</a:t>
+              <a:t>3/4/2023</a:t>
             </a:fld>
             <a:endParaRPr lang="en-US" dirty="0"/>
           </a:p>
@@ -13869,7 +13869,7 @@
           <a:p>
             <a:fld id="{EB712588-04B1-427B-82EE-E8DB90309F08}" type="datetimeFigureOut">
               <a:rPr lang="en-US" smtClean="0"/>
-              <a:t>3/3/2023</a:t>
+              <a:t>3/4/2023</a:t>
             </a:fld>
             <a:endParaRPr lang="en-US" dirty="0"/>
           </a:p>
@@ -14243,7 +14243,7 @@
             <a:fld id="{B61BEF0D-F0BB-DE4B-95CE-6DB70DBA9567}" type="datetimeFigureOut">
               <a:rPr lang="en-US" smtClean="0"/>
               <a:pPr/>
-              <a:t>3/3/2023</a:t>
+              <a:t>3/4/2023</a:t>
             </a:fld>
             <a:endParaRPr lang="en-US" dirty="0"/>
           </a:p>
@@ -14363,7 +14363,7 @@
             <a:fld id="{B61BEF0D-F0BB-DE4B-95CE-6DB70DBA9567}" type="datetimeFigureOut">
               <a:rPr lang="en-US" smtClean="0"/>
               <a:pPr/>
-              <a:t>3/3/2023</a:t>
+              <a:t>3/4/2023</a:t>
             </a:fld>
             <a:endParaRPr lang="en-US" dirty="0"/>
           </a:p>
@@ -14460,7 +14460,7 @@
             <a:fld id="{B61BEF0D-F0BB-DE4B-95CE-6DB70DBA9567}" type="datetimeFigureOut">
               <a:rPr lang="en-US" smtClean="0"/>
               <a:pPr/>
-              <a:t>3/3/2023</a:t>
+              <a:t>3/4/2023</a:t>
             </a:fld>
             <a:endParaRPr lang="en-US" dirty="0"/>
           </a:p>
@@ -14712,7 +14712,7 @@
           <a:p>
             <a:fld id="{42A54C80-263E-416B-A8E0-580EDEADCBDC}" type="datetimeFigureOut">
               <a:rPr lang="en-US" smtClean="0"/>
-              <a:t>3/3/2023</a:t>
+              <a:t>3/4/2023</a:t>
             </a:fld>
             <a:endParaRPr lang="en-US" dirty="0"/>
           </a:p>
@@ -15000,7 +15000,7 @@
             <a:fld id="{B61BEF0D-F0BB-DE4B-95CE-6DB70DBA9567}" type="datetimeFigureOut">
               <a:rPr lang="en-US" smtClean="0"/>
               <a:pPr/>
-              <a:t>3/3/2023</a:t>
+              <a:t>3/4/2023</a:t>
             </a:fld>
             <a:endParaRPr lang="en-US" dirty="0"/>
           </a:p>
@@ -15226,7 +15226,7 @@
             <a:fld id="{B61BEF0D-F0BB-DE4B-95CE-6DB70DBA9567}" type="datetimeFigureOut">
               <a:rPr lang="en-US" smtClean="0"/>
               <a:pPr/>
-              <a:t>3/3/2023</a:t>
+              <a:t>3/4/2023</a:t>
             </a:fld>
             <a:endParaRPr lang="en-US" dirty="0"/>
           </a:p>
@@ -15694,22 +15694,6 @@
 <file path=ppt/slides/slide1.xml><?xml version="1.0" encoding="utf-8"?>
 <p:sld xmlns:a="http://schemas.openxmlformats.org/drawingml/2006/main" xmlns:r="http://schemas.openxmlformats.org/officeDocument/2006/relationships" xmlns:p="http://schemas.openxmlformats.org/presentationml/2006/main">
   <p:cSld>
-    <p:bg>
-      <p:bgPr>
-        <a:pattFill prst="pct5">
-          <a:fgClr>
-            <a:schemeClr val="bg1">
-              <a:lumMod val="75000"/>
-              <a:lumOff val="25000"/>
-            </a:schemeClr>
-          </a:fgClr>
-          <a:bgClr>
-            <a:schemeClr val="bg1"/>
-          </a:bgClr>
-        </a:pattFill>
-        <a:effectLst/>
-      </p:bgPr>
-    </p:bg>
     <p:spTree>
       <p:nvGrpSpPr>
         <p:cNvPr id="1" name=""/>
@@ -18014,12 +17998,12 @@
         <p:spPr>
           <a:xfrm>
             <a:off x="677334" y="1529542"/>
-            <a:ext cx="8596668" cy="4688378"/>
+            <a:ext cx="8596668" cy="5328458"/>
           </a:xfrm>
         </p:spPr>
         <p:txBody>
           <a:bodyPr>
-            <a:normAutofit/>
+            <a:normAutofit lnSpcReduction="10000"/>
           </a:bodyPr>
           <a:lstStyle/>
           <a:p>
@@ -18061,6 +18045,36 @@
               <a:rPr lang="en-US" dirty="0"/>
               <a:t>Russ created the common library (C# class library), background service app and control panel applications</a:t>
             </a:r>
+          </a:p>
+          <a:p>
+            <a:pPr lvl="1"/>
+            <a:r>
+              <a:rPr lang="en-US" dirty="0"/>
+              <a:t>Prathikson worked on the Random Data generation and saving it to the offline database. And Russ synced it to the SQL Server by the background service Russ Created.</a:t>
+            </a:r>
+          </a:p>
+          <a:p>
+            <a:pPr lvl="1"/>
+            <a:r>
+              <a:rPr lang="en-US" dirty="0"/>
+              <a:t>Prathikson Build the Power BI dashboard for the database.</a:t>
+            </a:r>
+          </a:p>
+          <a:p>
+            <a:pPr lvl="1"/>
+            <a:r>
+              <a:rPr lang="en-US" dirty="0"/>
+              <a:t>Russ Worked On </a:t>
+            </a:r>
+            <a:r>
+              <a:rPr lang="en-US"/>
+              <a:t>the PowerPoint. </a:t>
+            </a:r>
+            <a:endParaRPr lang="en-US" dirty="0"/>
+          </a:p>
+          <a:p>
+            <a:pPr lvl="1"/>
+            <a:endParaRPr lang="en-US" dirty="0"/>
           </a:p>
           <a:p>
             <a:pPr lvl="1"/>

--- a/iot-data-collection.pptx
+++ b/iot-data-collection.pptx
@@ -8,11 +8,11 @@
     <p:sldId id="256" r:id="rId2"/>
     <p:sldId id="257" r:id="rId3"/>
     <p:sldId id="258" r:id="rId4"/>
-    <p:sldId id="260" r:id="rId5"/>
-    <p:sldId id="264" r:id="rId6"/>
-    <p:sldId id="265" r:id="rId7"/>
-    <p:sldId id="266" r:id="rId8"/>
-    <p:sldId id="259" r:id="rId9"/>
+    <p:sldId id="259" r:id="rId5"/>
+    <p:sldId id="260" r:id="rId6"/>
+    <p:sldId id="264" r:id="rId7"/>
+    <p:sldId id="265" r:id="rId8"/>
+    <p:sldId id="266" r:id="rId9"/>
     <p:sldId id="262" r:id="rId10"/>
     <p:sldId id="261" r:id="rId11"/>
   </p:sldIdLst>
@@ -3460,7 +3460,7 @@
           <a:pPr algn="ctr"/>
           <a:r>
             <a:rPr lang="en-US" dirty="0"/>
-            <a:t>DeviceData (Primary Table)</a:t>
+            <a:t>Device Data (Primary Table)</a:t>
           </a:r>
         </a:p>
       </dgm:t>
@@ -3609,7 +3609,7 @@
       <dgm:spPr/>
     </dgm:pt>
     <dgm:pt modelId="{864B2808-3B3F-4C26-AE7D-0D50158080F3}" type="pres">
-      <dgm:prSet presAssocID="{29E9F61B-F81A-41E7-9C5F-3180D13F5879}" presName="parentText" presStyleLbl="node1" presStyleIdx="0" presStyleCnt="1" custScaleX="100000" custScaleY="81410" custLinFactY="-43940" custLinFactNeighborX="1806" custLinFactNeighborY="-100000">
+      <dgm:prSet presAssocID="{29E9F61B-F81A-41E7-9C5F-3180D13F5879}" presName="parentText" presStyleLbl="node1" presStyleIdx="0" presStyleCnt="1" custScaleX="100000" custScaleY="81410" custLinFactNeighborX="139" custLinFactNeighborY="-6891">
         <dgm:presLayoutVars>
           <dgm:chMax val="0"/>
           <dgm:bulletEnabled val="1"/>
@@ -4777,7 +4777,7 @@
           </a:pPr>
           <a:r>
             <a:rPr lang="en-US" sz="3700" kern="1200" dirty="0"/>
-            <a:t>DeviceData (Primary Table)</a:t>
+            <a:t>Device Data (Primary Table)</a:t>
           </a:r>
         </a:p>
         <a:p>
@@ -10157,6 +10157,145 @@
 </dgm:styleDef>
 </file>
 
+<file path=ppt/ink/ink1.xml><?xml version="1.0" encoding="utf-8"?>
+<inkml:ink xmlns:inkml="http://www.w3.org/2003/InkML">
+  <inkml:definitions>
+    <inkml:context xml:id="ctx0">
+      <inkml:inkSource xml:id="inkSrc0">
+        <inkml:traceFormat>
+          <inkml:channel name="X" type="integer" min="-2.14748E9" max="2.14748E9" units="cm"/>
+          <inkml:channel name="Y" type="integer" min="-2.14748E9" max="2.14748E9" units="cm"/>
+        </inkml:traceFormat>
+        <inkml:channelProperties>
+          <inkml:channelProperty channel="X" name="resolution" value="1000" units="1/cm"/>
+          <inkml:channelProperty channel="Y" name="resolution" value="1000" units="1/cm"/>
+        </inkml:channelProperties>
+      </inkml:inkSource>
+      <inkml:timestamp xml:id="ts0" timeString="2023-03-05T01:07:34.625"/>
+    </inkml:context>
+    <inkml:brush xml:id="br0">
+      <inkml:brushProperty name="width" value="0.05" units="cm"/>
+      <inkml:brushProperty name="height" value="0.05" units="cm"/>
+      <inkml:brushProperty name="color" value="#FFFFFF"/>
+      <inkml:brushProperty name="ignorePressure" value="1"/>
+    </inkml:brush>
+  </inkml:definitions>
+  <inkml:trace contextRef="#ctx0" brushRef="#br0">0 1</inkml:trace>
+</inkml:ink>
+</file>
+
+<file path=ppt/ink/ink2.xml><?xml version="1.0" encoding="utf-8"?>
+<inkml:ink xmlns:inkml="http://www.w3.org/2003/InkML">
+  <inkml:definitions>
+    <inkml:context xml:id="ctx0">
+      <inkml:inkSource xml:id="inkSrc0">
+        <inkml:traceFormat>
+          <inkml:channel name="X" type="integer" min="-2.14748E9" max="2.14748E9" units="cm"/>
+          <inkml:channel name="Y" type="integer" min="-2.14748E9" max="2.14748E9" units="cm"/>
+          <inkml:channel name="F" type="integer" max="32767" units="dev"/>
+        </inkml:traceFormat>
+        <inkml:channelProperties>
+          <inkml:channelProperty channel="X" name="resolution" value="1000" units="1/cm"/>
+          <inkml:channelProperty channel="Y" name="resolution" value="1000" units="1/cm"/>
+          <inkml:channelProperty channel="F" name="resolution" value="0" units="1/dev"/>
+        </inkml:channelProperties>
+      </inkml:inkSource>
+      <inkml:timestamp xml:id="ts0" timeString="2023-03-05T01:07:38.568"/>
+    </inkml:context>
+    <inkml:brush xml:id="br0">
+      <inkml:brushProperty name="width" value="0.05" units="cm"/>
+      <inkml:brushProperty name="height" value="0.05" units="cm"/>
+      <inkml:brushProperty name="color" value="#FFFFFF"/>
+    </inkml:brush>
+  </inkml:definitions>
+  <inkml:trace contextRef="#ctx0" brushRef="#br0">0 1 24575,'1'6'0,"0"0"0,0 0 0,1 0 0,0 0 0,0 0 0,0 0 0,1-1 0,0 1 0,6 9 0,10 19 0,-2 5 0,24 38 0,-12-24 0,59 91-1365,-81-133-5461</inkml:trace>
+</inkml:ink>
+</file>
+
+<file path=ppt/ink/ink3.xml><?xml version="1.0" encoding="utf-8"?>
+<inkml:ink xmlns:inkml="http://www.w3.org/2003/InkML">
+  <inkml:definitions>
+    <inkml:context xml:id="ctx0">
+      <inkml:inkSource xml:id="inkSrc0">
+        <inkml:traceFormat>
+          <inkml:channel name="X" type="integer" min="-2.14748E9" max="2.14748E9" units="cm"/>
+          <inkml:channel name="Y" type="integer" min="-2.14748E9" max="2.14748E9" units="cm"/>
+          <inkml:channel name="F" type="integer" max="32767" units="dev"/>
+        </inkml:traceFormat>
+        <inkml:channelProperties>
+          <inkml:channelProperty channel="X" name="resolution" value="1000" units="1/cm"/>
+          <inkml:channelProperty channel="Y" name="resolution" value="1000" units="1/cm"/>
+          <inkml:channelProperty channel="F" name="resolution" value="0" units="1/dev"/>
+        </inkml:channelProperties>
+      </inkml:inkSource>
+      <inkml:timestamp xml:id="ts0" timeString="2023-03-05T01:07:44.211"/>
+    </inkml:context>
+    <inkml:brush xml:id="br0">
+      <inkml:brushProperty name="width" value="0.05" units="cm"/>
+      <inkml:brushProperty name="height" value="0.05" units="cm"/>
+      <inkml:brushProperty name="color" value="#FFFFFF"/>
+    </inkml:brush>
+  </inkml:definitions>
+  <inkml:trace contextRef="#ctx0" brushRef="#br0">234 321 24575,'-2'-2'0,"0"0"0,0 0 0,1-1 0,-1 1 0,1 0 0,0 0 0,-1-1 0,1 1 0,0-1 0,0 1 0,1-1 0,-1 0 0,0-4 0,-2-2 0,2 7 0,-37-111 0,30 94 0,-1-1 0,-1 1 0,-18-27 0,27 45 0,1 0 0,-1 1 0,1-1 0,-1 0 0,1 0 0,-1 1 0,0-1 0,1 0 0,-1 1 0,0-1 0,0 1 0,1-1 0,-1 1 0,-1-1 0,2 1 0,0 0 0,0 0 0,-1 0 0,1 1 0,0-1 0,0 0 0,0 0 0,-1 0 0,1 1 0,0-1 0,0 0 0,0 0 0,0 0 0,0 1 0,0-1 0,-1 0 0,1 0 0,0 1 0,0-1 0,0 0 0,0 0 0,0 1 0,0-1 0,0 0 0,0 0 0,0 0 0,0 1 0,0-1 0,0 0 0,1 1 0,3 28 0,-3-27 0,9 35 0,2-1 0,1 0 0,25 47 0,-29-70 0,-9-13 0,0-1 0,0 1 0,1 0 0,-1 0 0,0 0 0,0 0 0,0 0 0,0 0 0,0 0 0,1 0 0,-1 0 0,0 0 0,0-1 0,0 1 0,0 0 0,0 0 0,0 0 0,1 0 0,-1 0 0,0-1 0,0 1 0,0 0 0,0 0 0,0 0 0,0 0 0,0-1 0,0 1 0,0 0 0,0 0 0,0 0 0,0 0 0,0-1 0,0 1 0,0 0 0,0 0 0,0 0 0,0 0 0,0-1 0,-2-29 0,2 24 0,-4-26 0,0 0 0,-2 0 0,-1 0 0,-17-42 0,22 67 0,-3-5 0,12 21 0,9 17 0,-2 2 0,0 0 0,-2 0 0,-1 1 0,8 36 0,-23-133 0,3 39 0,-2-21 0,3 49 0,0 1 0,0 0 0,-1 0 0,1 0 0,0 0 0,0 0 0,0-1 0,0 1 0,0 0 0,0 0 0,0 0 0,0 0 0,-1 0 0,1 0 0,0 0 0,0 0 0,0-1 0,0 1 0,0 0 0,0 0 0,-1 0 0,1 0 0,0 0 0,0 0 0,0 0 0,0 0 0,0 0 0,-1 0 0,1 0 0,0 0 0,0 0 0,0 0 0,0 0 0,-1 0 0,1 0 0,0 0 0,0 0 0,0 0 0,0 0 0,0 0 0,-1 1 0,1-1 0,0 0 0,0 0 0,0 0 0,0 0 0,0 0 0,0 0 0,-1 0 0,1 0 0,0 1 0,0-1 0,-11 10 0,1-3 0,9-6 0,-1-1 0,0 0 0,0 0 0,0 1 0,1-1 0,-1 0 0,0 0 0,0 0 0,0-1 0,1 1 0,-1 0 0,0-1 0,0 1 0,-3-2 0,-25-13 0,24 11 0,-10-5 0,1-1 0,-20-17 0,7 4 0,22 18 0,-7-6 0,12 11 0,1 0 0,0 0 0,0 0 0,-1-1 0,1 1 0,0 0 0,0 0 0,-1 0 0,1 0 0,0 0 0,0 0 0,-1 0 0,1 0 0,0 0 0,-1 0 0,1 0 0,0 0 0,0 0 0,-1 0 0,1 1 0,0-1 0,0 0 0,-1 0 0,1 0 0,0 0 0,0 0 0,0 0 0,-1 1 0,1-1 0,0 0 0,0 0 0,0 0 0,-1 1 0,1-1 0,0 0 0,0 0 0,0 1 0,0-1 0,0 0 0,0 0 0,-1 1 0,1-1 0,0 0 0,0 0 0,0 1 0,0-1 0,0 0 0,0 0 0,0 1 0,0-1 0,-5 13 0,4-12 0,1-1 0,-1 1 0,1 0 0,0-1 0,-1 1 0,1-1 0,0 1 0,0 0 0,-1-1 0,1 1 0,0 0 0,0-1 0,0 1 0,0-1 0,0 1 0,0 0 0,0-1 0,0 1 0,0 0 0,0-1 0,0 1 0,0 0 0,1-1 0,-1 1 0,0 0 0,0-1 0,1 1 0,-1-1 0,0 1 0,1 0 0,-1-1 0,1 1 0,-1-1 0,0 1 0,1-1 0,0 1 0,16 16 0,-12-11 0,0-1 0,0 1 0,5 8 0,11 17 0,-6-9 0,-2 0 0,0 1 0,9 25 0,23 54 0,-11-26 0,-30-68 15,0-1 1,0 0-1,1 0 0,-1 0 0,2 0 0,8 9 0,40 31-1096,-48-42 691,10 8-6436</inkml:trace>
+</inkml:ink>
+</file>
+
+<file path=ppt/ink/ink4.xml><?xml version="1.0" encoding="utf-8"?>
+<inkml:ink xmlns:inkml="http://www.w3.org/2003/InkML">
+  <inkml:definitions>
+    <inkml:context xml:id="ctx0">
+      <inkml:inkSource xml:id="inkSrc0">
+        <inkml:traceFormat>
+          <inkml:channel name="X" type="integer" min="-2.14748E9" max="2.14748E9" units="cm"/>
+          <inkml:channel name="Y" type="integer" min="-2.14748E9" max="2.14748E9" units="cm"/>
+          <inkml:channel name="F" type="integer" max="32767" units="dev"/>
+        </inkml:traceFormat>
+        <inkml:channelProperties>
+          <inkml:channelProperty channel="X" name="resolution" value="1000" units="1/cm"/>
+          <inkml:channelProperty channel="Y" name="resolution" value="1000" units="1/cm"/>
+          <inkml:channelProperty channel="F" name="resolution" value="0" units="1/dev"/>
+        </inkml:channelProperties>
+      </inkml:inkSource>
+      <inkml:timestamp xml:id="ts0" timeString="2023-03-05T01:07:59.467"/>
+    </inkml:context>
+    <inkml:brush xml:id="br0">
+      <inkml:brushProperty name="width" value="0.35" units="cm"/>
+      <inkml:brushProperty name="height" value="0.35" units="cm"/>
+      <inkml:brushProperty name="color" value="#FFFFFF"/>
+    </inkml:brush>
+  </inkml:definitions>
+  <inkml:trace contextRef="#ctx0" brushRef="#br0">20 1 24575,'-1'0'0,"0"1"0,-1 2 0,1 1 0,0 1 0,0 3 0,-1 4 0,0 3 0,1 2 0,-1 1 0,0-1 0,1 2 0,0 0 0,0-1 0</inkml:trace>
+</inkml:ink>
+</file>
+
+<file path=ppt/ink/ink5.xml><?xml version="1.0" encoding="utf-8"?>
+<inkml:ink xmlns:inkml="http://www.w3.org/2003/InkML">
+  <inkml:definitions>
+    <inkml:context xml:id="ctx0">
+      <inkml:inkSource xml:id="inkSrc0">
+        <inkml:traceFormat>
+          <inkml:channel name="X" type="integer" min="-2.14748E9" max="2.14748E9" units="cm"/>
+          <inkml:channel name="Y" type="integer" min="-2.14748E9" max="2.14748E9" units="cm"/>
+          <inkml:channel name="F" type="integer" max="32767" units="dev"/>
+        </inkml:traceFormat>
+        <inkml:channelProperties>
+          <inkml:channelProperty channel="X" name="resolution" value="1000" units="1/cm"/>
+          <inkml:channelProperty channel="Y" name="resolution" value="1000" units="1/cm"/>
+          <inkml:channelProperty channel="F" name="resolution" value="0" units="1/dev"/>
+        </inkml:channelProperties>
+      </inkml:inkSource>
+      <inkml:timestamp xml:id="ts0" timeString="2023-03-05T01:08:00.345"/>
+    </inkml:context>
+    <inkml:brush xml:id="br0">
+      <inkml:brushProperty name="width" value="0.35" units="cm"/>
+      <inkml:brushProperty name="height" value="0.35" units="cm"/>
+      <inkml:brushProperty name="color" value="#FFFFFF"/>
+    </inkml:brush>
+  </inkml:definitions>
+  <inkml:trace contextRef="#ctx0" brushRef="#br0">1 68 24575,'2'-1'0,"1"0"0,-1 0 0,0 0 0,1 0 0,-1-1 0,0 1 0,0-1 0,0 1 0,0-1 0,0 0 0,-1 0 0,1 0 0,0 0 0,2-4 0,4-3 0,-6 6 0,3-2 0,-1 0 0,1 1 0,7-5 0,-12 8 0,1 1 0,0-1 0,-1 1 0,1-1 0,0 1 0,-1-1 0,1 1 0,0 0 0,0-1 0,0 1 0,0 0 0,-1 0 0,1-1 0,0 1 0,0 0 0,0 0 0,0 0 0,0 0 0,-1 0 0,1 0 0,0 0 0,0 1 0,0-1 0,0 0 0,-1 0 0,1 1 0,0-1 0,0 0 0,0 1 0,-1-1 0,1 1 0,0-1 0,0 1 0,3 5 0,-1 0 0,1 1 0,-1-1 0,-1 1 0,1-1 0,-1 1 0,0 0 0,1 12 0,3 4 0,20 73 0,-25-96 0,-1 1 0,0 0 0,0 0 0,0-1 0,0 1 0,0 0 0,0 0 0,0 0 0,0-1 0,0 1 0,0 0 0,0 0 0,0 0 0,-1-1 0,1 1 0,0 0 0,0 0 0,-1-1 0,1 1 0,-1 0 0,1-1 0,-1 1 0,1 0 0,-1-1 0,1 1 0,-1-1 0,1 1 0,-1-1 0,0 1 0,1-1 0,-1 1 0,0-1 0,1 0 0,-1 1 0,0-1 0,0 0 0,1 0 0,-1 0 0,0 1 0,0-1 0,0 0 0,1 0 0,-1 0 0,0 0 0,0 0 0,-1-1 0,-6 1 0,1-1 0,0 0 0,-15-3 0,19 3 0,0 0-76,0 0 1,0 1-1,0-1 0,0-1 0,0 1 0,0 0 0,1-1 0,-1 1 1,0-1-1,1 0 0,-1 0 0,1 0 0,-1 0 0,1 0 1,0-1-1,0 1 0,-3-5 0</inkml:trace>
+</inkml:ink>
+</file>
+
 <file path=ppt/slideLayouts/slideLayout1.xml><?xml version="1.0" encoding="utf-8"?>
 <p:sldLayout xmlns:a="http://schemas.openxmlformats.org/drawingml/2006/main" xmlns:r="http://schemas.openxmlformats.org/officeDocument/2006/relationships" xmlns:p="http://schemas.openxmlformats.org/presentationml/2006/main" type="title" preserve="1">
   <p:cSld name="Title Slide">
@@ -15721,7 +15860,7 @@
         <p:spPr>
           <a:xfrm>
             <a:off x="1135781" y="1122363"/>
-            <a:ext cx="5896391" cy="2387600"/>
+            <a:ext cx="5432971" cy="2387600"/>
           </a:xfrm>
         </p:spPr>
         <p:txBody>
@@ -15749,8 +15888,8 @@
         </p:nvSpPr>
         <p:spPr>
           <a:xfrm>
-            <a:off x="1135781" y="3602038"/>
-            <a:ext cx="5896391" cy="1655762"/>
+            <a:off x="1135782" y="3602038"/>
+            <a:ext cx="5432970" cy="1655762"/>
           </a:xfrm>
         </p:spPr>
         <p:txBody>
@@ -15803,7 +15942,7 @@
         </p:blipFill>
         <p:spPr>
           <a:xfrm>
-            <a:off x="7032172" y="1727616"/>
+            <a:off x="6640286" y="1727616"/>
             <a:ext cx="3402767" cy="3402767"/>
           </a:xfrm>
           <a:prstGeom prst="rect">
@@ -15827,6 +15966,318 @@
           </a:sp3d>
         </p:spPr>
       </p:pic>
+      <p:pic>
+        <p:nvPicPr>
+          <p:cNvPr id="5" name="Graphic 4" descr="Repeat with solid fill">
+            <a:extLst>
+              <a:ext uri="{FF2B5EF4-FFF2-40B4-BE49-F238E27FC236}">
+                <a16:creationId xmlns:a16="http://schemas.microsoft.com/office/drawing/2014/main" id="{DBAC6DD0-124B-3C29-65F4-3943B9285D4F}"/>
+              </a:ext>
+            </a:extLst>
+          </p:cNvPr>
+          <p:cNvPicPr>
+            <a:picLocks noChangeAspect="1"/>
+          </p:cNvPicPr>
+          <p:nvPr/>
+        </p:nvPicPr>
+        <p:blipFill>
+          <a:blip r:embed="rId4">
+            <a:extLst>
+              <a:ext uri="{96DAC541-7B7A-43D3-8B79-37D633B846F1}">
+                <asvg:svgBlip xmlns:asvg="http://schemas.microsoft.com/office/drawing/2016/SVG/main" r:embed="rId5"/>
+              </a:ext>
+            </a:extLst>
+          </a:blip>
+          <a:stretch>
+            <a:fillRect/>
+          </a:stretch>
+        </p:blipFill>
+        <p:spPr>
+          <a:xfrm>
+            <a:off x="7245426" y="2343639"/>
+            <a:ext cx="2170722" cy="2170722"/>
+          </a:xfrm>
+          <a:prstGeom prst="rect">
+            <a:avLst/>
+          </a:prstGeom>
+        </p:spPr>
+      </p:pic>
+      <mc:AlternateContent xmlns:mc="http://schemas.openxmlformats.org/markup-compatibility/2006">
+        <mc:Choice xmlns:p14="http://schemas.microsoft.com/office/powerpoint/2010/main" Requires="p14">
+          <p:contentPart p14:bwMode="auto" r:id="rId6">
+            <p14:nvContentPartPr>
+              <p14:cNvPr id="17" name="Ink 16">
+                <a:extLst>
+                  <a:ext uri="{FF2B5EF4-FFF2-40B4-BE49-F238E27FC236}">
+                    <a16:creationId xmlns:a16="http://schemas.microsoft.com/office/drawing/2014/main" id="{0670012A-A886-6C08-F4FB-789D6DC09510}"/>
+                  </a:ext>
+                </a:extLst>
+              </p14:cNvPr>
+              <p14:cNvContentPartPr/>
+              <p14:nvPr/>
+            </p14:nvContentPartPr>
+            <p14:xfrm>
+              <a:off x="9104543" y="2868013"/>
+              <a:ext cx="360" cy="360"/>
+            </p14:xfrm>
+          </p:contentPart>
+        </mc:Choice>
+        <mc:Fallback>
+          <p:pic>
+            <p:nvPicPr>
+              <p:cNvPr id="17" name="Ink 16">
+                <a:extLst>
+                  <a:ext uri="{FF2B5EF4-FFF2-40B4-BE49-F238E27FC236}">
+                    <a16:creationId xmlns:a16="http://schemas.microsoft.com/office/drawing/2014/main" id="{0670012A-A886-6C08-F4FB-789D6DC09510}"/>
+                  </a:ext>
+                </a:extLst>
+              </p:cNvPr>
+              <p:cNvPicPr/>
+              <p:nvPr/>
+            </p:nvPicPr>
+            <p:blipFill>
+              <a:blip r:embed="rId7"/>
+              <a:stretch>
+                <a:fillRect/>
+              </a:stretch>
+            </p:blipFill>
+            <p:spPr>
+              <a:xfrm>
+                <a:off x="9095543" y="2859373"/>
+                <a:ext cx="18000" cy="18000"/>
+              </a:xfrm>
+              <a:prstGeom prst="rect">
+                <a:avLst/>
+              </a:prstGeom>
+            </p:spPr>
+          </p:pic>
+        </mc:Fallback>
+      </mc:AlternateContent>
+      <mc:AlternateContent xmlns:mc="http://schemas.openxmlformats.org/markup-compatibility/2006">
+        <mc:Choice xmlns:p14="http://schemas.microsoft.com/office/powerpoint/2010/main" Requires="p14">
+          <p:contentPart p14:bwMode="auto" r:id="rId8">
+            <p14:nvContentPartPr>
+              <p14:cNvPr id="19" name="Ink 18">
+                <a:extLst>
+                  <a:ext uri="{FF2B5EF4-FFF2-40B4-BE49-F238E27FC236}">
+                    <a16:creationId xmlns:a16="http://schemas.microsoft.com/office/drawing/2014/main" id="{7E247219-91AE-43C9-FB6C-E86F0C080053}"/>
+                  </a:ext>
+                </a:extLst>
+              </p14:cNvPr>
+              <p14:cNvContentPartPr/>
+              <p14:nvPr/>
+            </p14:nvContentPartPr>
+            <p14:xfrm>
+              <a:off x="9037943" y="2900053"/>
+              <a:ext cx="82080" cy="153720"/>
+            </p14:xfrm>
+          </p:contentPart>
+        </mc:Choice>
+        <mc:Fallback>
+          <p:pic>
+            <p:nvPicPr>
+              <p:cNvPr id="19" name="Ink 18">
+                <a:extLst>
+                  <a:ext uri="{FF2B5EF4-FFF2-40B4-BE49-F238E27FC236}">
+                    <a16:creationId xmlns:a16="http://schemas.microsoft.com/office/drawing/2014/main" id="{7E247219-91AE-43C9-FB6C-E86F0C080053}"/>
+                  </a:ext>
+                </a:extLst>
+              </p:cNvPr>
+              <p:cNvPicPr/>
+              <p:nvPr/>
+            </p:nvPicPr>
+            <p:blipFill>
+              <a:blip r:embed="rId9"/>
+              <a:stretch>
+                <a:fillRect/>
+              </a:stretch>
+            </p:blipFill>
+            <p:spPr>
+              <a:xfrm>
+                <a:off x="9028943" y="2891413"/>
+                <a:ext cx="99720" cy="171360"/>
+              </a:xfrm>
+              <a:prstGeom prst="rect">
+                <a:avLst/>
+              </a:prstGeom>
+            </p:spPr>
+          </p:pic>
+        </mc:Fallback>
+      </mc:AlternateContent>
+      <mc:AlternateContent xmlns:mc="http://schemas.openxmlformats.org/markup-compatibility/2006">
+        <mc:Choice xmlns:p14="http://schemas.microsoft.com/office/powerpoint/2010/main" Requires="p14">
+          <p:contentPart p14:bwMode="auto" r:id="rId10">
+            <p14:nvContentPartPr>
+              <p14:cNvPr id="20" name="Ink 19">
+                <a:extLst>
+                  <a:ext uri="{FF2B5EF4-FFF2-40B4-BE49-F238E27FC236}">
+                    <a16:creationId xmlns:a16="http://schemas.microsoft.com/office/drawing/2014/main" id="{F3E94985-A856-EC1E-49A5-85A68013B629}"/>
+                  </a:ext>
+                </a:extLst>
+              </p14:cNvPr>
+              <p14:cNvContentPartPr/>
+              <p14:nvPr/>
+            </p14:nvContentPartPr>
+            <p14:xfrm>
+              <a:off x="9037223" y="2919493"/>
+              <a:ext cx="118440" cy="194400"/>
+            </p14:xfrm>
+          </p:contentPart>
+        </mc:Choice>
+        <mc:Fallback>
+          <p:pic>
+            <p:nvPicPr>
+              <p:cNvPr id="20" name="Ink 19">
+                <a:extLst>
+                  <a:ext uri="{FF2B5EF4-FFF2-40B4-BE49-F238E27FC236}">
+                    <a16:creationId xmlns:a16="http://schemas.microsoft.com/office/drawing/2014/main" id="{F3E94985-A856-EC1E-49A5-85A68013B629}"/>
+                  </a:ext>
+                </a:extLst>
+              </p:cNvPr>
+              <p:cNvPicPr/>
+              <p:nvPr/>
+            </p:nvPicPr>
+            <p:blipFill>
+              <a:blip r:embed="rId11"/>
+              <a:stretch>
+                <a:fillRect/>
+              </a:stretch>
+            </p:blipFill>
+            <p:spPr>
+              <a:xfrm>
+                <a:off x="9028583" y="2910493"/>
+                <a:ext cx="136080" cy="212040"/>
+              </a:xfrm>
+              <a:prstGeom prst="rect">
+                <a:avLst/>
+              </a:prstGeom>
+            </p:spPr>
+          </p:pic>
+        </mc:Fallback>
+      </mc:AlternateContent>
+      <p:grpSp>
+        <p:nvGrpSpPr>
+          <p:cNvPr id="24" name="Group 23">
+            <a:extLst>
+              <a:ext uri="{FF2B5EF4-FFF2-40B4-BE49-F238E27FC236}">
+                <a16:creationId xmlns:a16="http://schemas.microsoft.com/office/drawing/2014/main" id="{A66BDF13-19B1-D420-3106-749EEE8346CF}"/>
+              </a:ext>
+            </a:extLst>
+          </p:cNvPr>
+          <p:cNvGrpSpPr/>
+          <p:nvPr/>
+        </p:nvGrpSpPr>
+        <p:grpSpPr>
+          <a:xfrm>
+            <a:off x="9029475" y="4376415"/>
+            <a:ext cx="65520" cy="86040"/>
+            <a:chOff x="9029475" y="4376415"/>
+            <a:chExt cx="65520" cy="86040"/>
+          </a:xfrm>
+        </p:grpSpPr>
+        <mc:AlternateContent xmlns:mc="http://schemas.openxmlformats.org/markup-compatibility/2006">
+          <mc:Choice xmlns:p14="http://schemas.microsoft.com/office/powerpoint/2010/main" Requires="p14">
+            <p:contentPart p14:bwMode="auto" r:id="rId12">
+              <p14:nvContentPartPr>
+                <p14:cNvPr id="22" name="Ink 21">
+                  <a:extLst>
+                    <a:ext uri="{FF2B5EF4-FFF2-40B4-BE49-F238E27FC236}">
+                      <a16:creationId xmlns:a16="http://schemas.microsoft.com/office/drawing/2014/main" id="{6B119720-B0A1-4E87-1630-9ED0A67957B6}"/>
+                    </a:ext>
+                  </a:extLst>
+                </p14:cNvPr>
+                <p14:cNvContentPartPr/>
+                <p14:nvPr/>
+              </p14:nvContentPartPr>
+              <p14:xfrm>
+                <a:off x="9029475" y="4376415"/>
+                <a:ext cx="7200" cy="56520"/>
+              </p14:xfrm>
+            </p:contentPart>
+          </mc:Choice>
+          <mc:Fallback>
+            <p:pic>
+              <p:nvPicPr>
+                <p:cNvPr id="22" name="Ink 21">
+                  <a:extLst>
+                    <a:ext uri="{FF2B5EF4-FFF2-40B4-BE49-F238E27FC236}">
+                      <a16:creationId xmlns:a16="http://schemas.microsoft.com/office/drawing/2014/main" id="{6B119720-B0A1-4E87-1630-9ED0A67957B6}"/>
+                    </a:ext>
+                  </a:extLst>
+                </p:cNvPr>
+                <p:cNvPicPr/>
+                <p:nvPr/>
+              </p:nvPicPr>
+              <p:blipFill>
+                <a:blip r:embed="rId13"/>
+                <a:stretch>
+                  <a:fillRect/>
+                </a:stretch>
+              </p:blipFill>
+              <p:spPr>
+                <a:xfrm>
+                  <a:off x="8966835" y="4313775"/>
+                  <a:ext cx="132840" cy="182160"/>
+                </a:xfrm>
+                <a:prstGeom prst="rect">
+                  <a:avLst/>
+                </a:prstGeom>
+              </p:spPr>
+            </p:pic>
+          </mc:Fallback>
+        </mc:AlternateContent>
+        <mc:AlternateContent xmlns:mc="http://schemas.openxmlformats.org/markup-compatibility/2006">
+          <mc:Choice xmlns:p14="http://schemas.microsoft.com/office/powerpoint/2010/main" Requires="p14">
+            <p:contentPart p14:bwMode="auto" r:id="rId14">
+              <p14:nvContentPartPr>
+                <p14:cNvPr id="23" name="Ink 22">
+                  <a:extLst>
+                    <a:ext uri="{FF2B5EF4-FFF2-40B4-BE49-F238E27FC236}">
+                      <a16:creationId xmlns:a16="http://schemas.microsoft.com/office/drawing/2014/main" id="{2298C61D-8D74-27CB-AC5C-9C8A0BFFC00F}"/>
+                    </a:ext>
+                  </a:extLst>
+                </p14:cNvPr>
+                <p14:cNvContentPartPr/>
+                <p14:nvPr/>
+              </p14:nvContentPartPr>
+              <p14:xfrm>
+                <a:off x="9038835" y="4383255"/>
+                <a:ext cx="56160" cy="79200"/>
+              </p14:xfrm>
+            </p:contentPart>
+          </mc:Choice>
+          <mc:Fallback>
+            <p:pic>
+              <p:nvPicPr>
+                <p:cNvPr id="23" name="Ink 22">
+                  <a:extLst>
+                    <a:ext uri="{FF2B5EF4-FFF2-40B4-BE49-F238E27FC236}">
+                      <a16:creationId xmlns:a16="http://schemas.microsoft.com/office/drawing/2014/main" id="{2298C61D-8D74-27CB-AC5C-9C8A0BFFC00F}"/>
+                    </a:ext>
+                  </a:extLst>
+                </p:cNvPr>
+                <p:cNvPicPr/>
+                <p:nvPr/>
+              </p:nvPicPr>
+              <p:blipFill>
+                <a:blip r:embed="rId15"/>
+                <a:stretch>
+                  <a:fillRect/>
+                </a:stretch>
+              </p:blipFill>
+              <p:spPr>
+                <a:xfrm>
+                  <a:off x="8976195" y="4320255"/>
+                  <a:ext cx="181800" cy="204840"/>
+                </a:xfrm>
+                <a:prstGeom prst="rect">
+                  <a:avLst/>
+                </a:prstGeom>
+              </p:spPr>
+            </p:pic>
+          </mc:Fallback>
+        </mc:AlternateContent>
+      </p:grpSp>
     </p:spTree>
     <p:extLst>
       <p:ext uri="{BB962C8B-B14F-4D97-AF65-F5344CB8AC3E}">
@@ -16755,7 +17206,7 @@
           <a:p>
             <a:r>
               <a:rPr lang="en-US" dirty="0"/>
-              <a:t>Offline Data Collection Strategy</a:t>
+              <a:t>Offline Data Collection Process</a:t>
             </a:r>
           </a:p>
         </p:txBody>
@@ -16774,7 +17225,7 @@
         </p:nvSpPr>
         <p:spPr>
           <a:xfrm>
-            <a:off x="2193731" y="5122578"/>
+            <a:off x="2193731" y="4276612"/>
             <a:ext cx="3004457" cy="1286251"/>
           </a:xfrm>
           <a:prstGeom prst="flowChartAlternateProcess">
@@ -16850,7 +17301,7 @@
         </p:nvSpPr>
         <p:spPr>
           <a:xfrm>
-            <a:off x="6911839" y="5127997"/>
+            <a:off x="6911839" y="4282031"/>
             <a:ext cx="3004457" cy="1286251"/>
           </a:xfrm>
           <a:prstGeom prst="flowChartAlternateProcess">
@@ -16895,7 +17346,7 @@
             <a:pPr algn="ctr"/>
             <a:r>
               <a:rPr lang="en-US" sz="1800" dirty="0"/>
-              <a:t>Offline database is cleared (to save disk space) and notification message is shown</a:t>
+              <a:t>Offline database is cleared and notification message is shown</a:t>
             </a:r>
           </a:p>
           <a:p>
@@ -16918,7 +17369,7 @@
         </p:nvSpPr>
         <p:spPr>
           <a:xfrm rot="2799320">
-            <a:off x="2904354" y="3011644"/>
+            <a:off x="2904354" y="2165678"/>
             <a:ext cx="696038" cy="2059725"/>
           </a:xfrm>
           <a:prstGeom prst="curvedRightArrow">
@@ -16976,7 +17427,7 @@
         </p:nvSpPr>
         <p:spPr>
           <a:xfrm rot="18999320" flipH="1" flipV="1">
-            <a:off x="8526467" y="2904385"/>
+            <a:off x="8526467" y="2058419"/>
             <a:ext cx="696038" cy="2059725"/>
           </a:xfrm>
           <a:prstGeom prst="curvedRightArrow">
@@ -17030,7 +17481,7 @@
         </p:nvSpPr>
         <p:spPr>
           <a:xfrm>
-            <a:off x="5501393" y="5588000"/>
+            <a:off x="5501393" y="4742034"/>
             <a:ext cx="1155700" cy="342900"/>
           </a:xfrm>
           <a:prstGeom prst="rightArrow">
@@ -17074,62 +17525,6 @@
       </p:sp>
       <p:sp>
         <p:nvSpPr>
-          <p:cNvPr id="41" name="Arrow: Right 40">
-            <a:extLst>
-              <a:ext uri="{FF2B5EF4-FFF2-40B4-BE49-F238E27FC236}">
-                <a16:creationId xmlns:a16="http://schemas.microsoft.com/office/drawing/2014/main" id="{D20578AC-C687-5164-1EAC-BA925F5A6AB3}"/>
-              </a:ext>
-            </a:extLst>
-          </p:cNvPr>
-          <p:cNvSpPr/>
-          <p:nvPr/>
-        </p:nvSpPr>
-        <p:spPr>
-          <a:xfrm rot="16200000">
-            <a:off x="5296693" y="3082453"/>
-            <a:ext cx="698500" cy="342900"/>
-          </a:xfrm>
-          <a:prstGeom prst="rightArrow">
-            <a:avLst/>
-          </a:prstGeom>
-          <a:solidFill>
-            <a:schemeClr val="tx1">
-              <a:lumMod val="85000"/>
-            </a:schemeClr>
-          </a:solidFill>
-          <a:ln>
-            <a:solidFill>
-              <a:schemeClr val="tx1"/>
-            </a:solidFill>
-          </a:ln>
-        </p:spPr>
-        <p:style>
-          <a:lnRef idx="2">
-            <a:schemeClr val="accent1">
-              <a:shade val="50000"/>
-            </a:schemeClr>
-          </a:lnRef>
-          <a:fillRef idx="1">
-            <a:schemeClr val="accent1"/>
-          </a:fillRef>
-          <a:effectRef idx="0">
-            <a:schemeClr val="accent1"/>
-          </a:effectRef>
-          <a:fontRef idx="minor">
-            <a:schemeClr val="lt1"/>
-          </a:fontRef>
-        </p:style>
-        <p:txBody>
-          <a:bodyPr rtlCol="0" anchor="ctr"/>
-          <a:lstStyle/>
-          <a:p>
-            <a:pPr algn="ctr"/>
-            <a:endParaRPr lang="en-US"/>
-          </a:p>
-        </p:txBody>
-      </p:sp>
-      <p:sp>
-        <p:nvSpPr>
           <p:cNvPr id="10" name="Flowchart: Alternate Process 9">
             <a:extLst>
               <a:ext uri="{FF2B5EF4-FFF2-40B4-BE49-F238E27FC236}">
@@ -17142,7 +17537,7 @@
         </p:nvSpPr>
         <p:spPr>
           <a:xfrm>
-            <a:off x="4588445" y="3425364"/>
+            <a:off x="4588445" y="2579398"/>
             <a:ext cx="3004457" cy="1427762"/>
           </a:xfrm>
           <a:prstGeom prst="flowChartAlternateProcess">
@@ -17198,134 +17593,6 @@
       </p:sp>
       <p:sp>
         <p:nvSpPr>
-          <p:cNvPr id="42" name="Arrow: Right 41">
-            <a:extLst>
-              <a:ext uri="{FF2B5EF4-FFF2-40B4-BE49-F238E27FC236}">
-                <a16:creationId xmlns:a16="http://schemas.microsoft.com/office/drawing/2014/main" id="{2B13E5A2-9D4E-EE4D-C3EB-B05C5223CAD0}"/>
-              </a:ext>
-            </a:extLst>
-          </p:cNvPr>
-          <p:cNvSpPr/>
-          <p:nvPr/>
-        </p:nvSpPr>
-        <p:spPr>
-          <a:xfrm rot="5400000">
-            <a:off x="6103938" y="2868291"/>
-            <a:ext cx="698500" cy="342900"/>
-          </a:xfrm>
-          <a:prstGeom prst="rightArrow">
-            <a:avLst/>
-          </a:prstGeom>
-          <a:solidFill>
-            <a:schemeClr val="tx1">
-              <a:lumMod val="85000"/>
-            </a:schemeClr>
-          </a:solidFill>
-          <a:ln>
-            <a:solidFill>
-              <a:schemeClr val="tx1"/>
-            </a:solidFill>
-          </a:ln>
-        </p:spPr>
-        <p:style>
-          <a:lnRef idx="2">
-            <a:schemeClr val="accent1">
-              <a:shade val="50000"/>
-            </a:schemeClr>
-          </a:lnRef>
-          <a:fillRef idx="1">
-            <a:schemeClr val="accent1"/>
-          </a:fillRef>
-          <a:effectRef idx="0">
-            <a:schemeClr val="accent1"/>
-          </a:effectRef>
-          <a:fontRef idx="minor">
-            <a:schemeClr val="lt1"/>
-          </a:fontRef>
-        </p:style>
-        <p:txBody>
-          <a:bodyPr rtlCol="0" anchor="ctr"/>
-          <a:lstStyle/>
-          <a:p>
-            <a:pPr algn="ctr"/>
-            <a:endParaRPr lang="en-US"/>
-          </a:p>
-        </p:txBody>
-      </p:sp>
-      <p:sp>
-        <p:nvSpPr>
-          <p:cNvPr id="11" name="Flowchart: Alternate Process 10">
-            <a:extLst>
-              <a:ext uri="{FF2B5EF4-FFF2-40B4-BE49-F238E27FC236}">
-                <a16:creationId xmlns:a16="http://schemas.microsoft.com/office/drawing/2014/main" id="{C2BDC53A-B059-BAEE-DBB5-DFC5909E0775}"/>
-              </a:ext>
-            </a:extLst>
-          </p:cNvPr>
-          <p:cNvSpPr/>
-          <p:nvPr/>
-        </p:nvSpPr>
-        <p:spPr>
-          <a:xfrm>
-            <a:off x="4588445" y="1817030"/>
-            <a:ext cx="3004457" cy="1051249"/>
-          </a:xfrm>
-          <a:prstGeom prst="flowChartAlternateProcess">
-            <a:avLst/>
-          </a:prstGeom>
-          <a:solidFill>
-            <a:schemeClr val="bg1">
-              <a:lumMod val="95000"/>
-              <a:lumOff val="5000"/>
-            </a:schemeClr>
-          </a:solidFill>
-          <a:ln>
-            <a:solidFill>
-              <a:schemeClr val="tx1"/>
-            </a:solidFill>
-          </a:ln>
-        </p:spPr>
-        <p:style>
-          <a:lnRef idx="2">
-            <a:schemeClr val="accent1">
-              <a:shade val="50000"/>
-            </a:schemeClr>
-          </a:lnRef>
-          <a:fillRef idx="1">
-            <a:schemeClr val="accent1"/>
-          </a:fillRef>
-          <a:effectRef idx="0">
-            <a:schemeClr val="accent1"/>
-          </a:effectRef>
-          <a:fontRef idx="minor">
-            <a:schemeClr val="lt1"/>
-          </a:fontRef>
-        </p:style>
-        <p:txBody>
-          <a:bodyPr rtlCol="0" anchor="ctr"/>
-          <a:lstStyle/>
-          <a:p>
-            <a:pPr algn="ctr"/>
-            <a:r>
-              <a:rPr lang="en-US" dirty="0"/>
-              <a:t>Generated data is added into </a:t>
-            </a:r>
-            <a:r>
-              <a:rPr lang="en-US" dirty="0" err="1"/>
-              <a:t>Sqlite</a:t>
-            </a:r>
-            <a:r>
-              <a:rPr lang="en-US" dirty="0"/>
-              <a:t> database</a:t>
-            </a:r>
-          </a:p>
-          <a:p>
-            <a:pPr algn="ctr"/>
-            <a:endParaRPr lang="en-US" dirty="0"/>
-          </a:p>
-        </p:txBody>
-      </p:sp>
-      <p:sp>
-        <p:nvSpPr>
           <p:cNvPr id="44" name="TextBox 43">
             <a:extLst>
               <a:ext uri="{FF2B5EF4-FFF2-40B4-BE49-F238E27FC236}">
@@ -17338,7 +17605,7 @@
         </p:nvSpPr>
         <p:spPr>
           <a:xfrm>
-            <a:off x="449868" y="3564915"/>
+            <a:off x="449868" y="2718949"/>
             <a:ext cx="2743301" cy="369332"/>
           </a:xfrm>
           <a:prstGeom prst="rect">
@@ -17374,7 +17641,7 @@
         </p:nvSpPr>
         <p:spPr>
           <a:xfrm>
-            <a:off x="9603695" y="3253902"/>
+            <a:off x="9603695" y="2407936"/>
             <a:ext cx="2138437" cy="1200329"/>
           </a:xfrm>
           <a:prstGeom prst="rect">
@@ -17410,6 +17677,111 @@
 </file>
 
 <file path=ppt/slides/slide4.xml><?xml version="1.0" encoding="utf-8"?>
+<p:sld xmlns:a="http://schemas.openxmlformats.org/drawingml/2006/main" xmlns:r="http://schemas.openxmlformats.org/officeDocument/2006/relationships" xmlns:p="http://schemas.openxmlformats.org/presentationml/2006/main">
+  <p:cSld>
+    <p:spTree>
+      <p:nvGrpSpPr>
+        <p:cNvPr id="1" name=""/>
+        <p:cNvGrpSpPr/>
+        <p:nvPr/>
+      </p:nvGrpSpPr>
+      <p:grpSpPr>
+        <a:xfrm>
+          <a:off x="0" y="0"/>
+          <a:ext cx="0" cy="0"/>
+          <a:chOff x="0" y="0"/>
+          <a:chExt cx="0" cy="0"/>
+        </a:xfrm>
+      </p:grpSpPr>
+      <p:sp>
+        <p:nvSpPr>
+          <p:cNvPr id="2" name="Title 1"/>
+          <p:cNvSpPr>
+            <a:spLocks noGrp="1"/>
+          </p:cNvSpPr>
+          <p:nvPr>
+            <p:ph type="title"/>
+          </p:nvPr>
+        </p:nvSpPr>
+        <p:spPr/>
+        <p:txBody>
+          <a:bodyPr/>
+          <a:lstStyle/>
+          <a:p>
+            <a:r>
+              <a:rPr lang="en-US" dirty="0"/>
+              <a:t>Online Data Collection Process</a:t>
+            </a:r>
+          </a:p>
+        </p:txBody>
+      </p:sp>
+      <p:sp>
+        <p:nvSpPr>
+          <p:cNvPr id="3" name="Content Placeholder 2"/>
+          <p:cNvSpPr>
+            <a:spLocks noGrp="1"/>
+          </p:cNvSpPr>
+          <p:nvPr>
+            <p:ph idx="1"/>
+          </p:nvPr>
+        </p:nvSpPr>
+        <p:spPr>
+          <a:xfrm>
+            <a:off x="1792341" y="1741714"/>
+            <a:ext cx="8596668" cy="4432663"/>
+          </a:xfrm>
+        </p:spPr>
+        <p:txBody>
+          <a:bodyPr>
+            <a:normAutofit/>
+          </a:bodyPr>
+          <a:lstStyle/>
+          <a:p>
+            <a:r>
+              <a:rPr lang="en-US" dirty="0"/>
+              <a:t>The background service periodically checks for a connection to the online database</a:t>
+            </a:r>
+          </a:p>
+          <a:p>
+            <a:pPr marL="0" indent="0">
+              <a:buNone/>
+            </a:pPr>
+            <a:endParaRPr lang="en-US" dirty="0"/>
+          </a:p>
+          <a:p>
+            <a:r>
+              <a:rPr lang="en-US" dirty="0"/>
+              <a:t>The data stored in the local database is converted and added to the MSSQL database. </a:t>
+            </a:r>
+          </a:p>
+          <a:p>
+            <a:endParaRPr lang="en-US" dirty="0"/>
+          </a:p>
+          <a:p>
+            <a:r>
+              <a:rPr lang="en-US" dirty="0"/>
+              <a:t>Data is converted and saved using the built in tools of Entity Framework</a:t>
+            </a:r>
+          </a:p>
+          <a:p>
+            <a:endParaRPr lang="en-US" dirty="0"/>
+          </a:p>
+        </p:txBody>
+      </p:sp>
+    </p:spTree>
+    <p:extLst>
+      <p:ext uri="{BB962C8B-B14F-4D97-AF65-F5344CB8AC3E}">
+        <p14:creationId xmlns:p14="http://schemas.microsoft.com/office/powerpoint/2010/main" val="4273668292"/>
+      </p:ext>
+    </p:extLst>
+  </p:cSld>
+  <p:clrMapOvr>
+    <a:masterClrMapping/>
+  </p:clrMapOvr>
+</p:sld>
+</file>
+
+<file path=ppt/slides/slide5.xml><?xml version="1.0" encoding="utf-8"?>
 <p:sld xmlns:a="http://schemas.openxmlformats.org/drawingml/2006/main" xmlns:r="http://schemas.openxmlformats.org/officeDocument/2006/relationships" xmlns:p="http://schemas.openxmlformats.org/presentationml/2006/main">
   <p:cSld>
     <p:spTree>
@@ -17499,13 +17871,13 @@
           <p:nvPr>
             <p:extLst>
               <p:ext uri="{D42A27DB-BD31-4B8C-83A1-F6EECF244321}">
-                <p14:modId xmlns:p14="http://schemas.microsoft.com/office/powerpoint/2010/main" val="1839415672"/>
+                <p14:modId xmlns:p14="http://schemas.microsoft.com/office/powerpoint/2010/main" val="4242816452"/>
               </p:ext>
             </p:extLst>
           </p:nvPr>
         </p:nvGraphicFramePr>
         <p:xfrm>
-          <a:off x="6255173" y="1560022"/>
+          <a:off x="6466668" y="1560022"/>
           <a:ext cx="4483339" cy="4688378"/>
         </p:xfrm>
         <a:graphic>
@@ -17527,7 +17899,7 @@
 </p:sld>
 </file>
 
-<file path=ppt/slides/slide5.xml><?xml version="1.0" encoding="utf-8"?>
+<file path=ppt/slides/slide6.xml><?xml version="1.0" encoding="utf-8"?>
 <p:sld xmlns:a="http://schemas.openxmlformats.org/drawingml/2006/main" xmlns:r="http://schemas.openxmlformats.org/officeDocument/2006/relationships" xmlns:p="http://schemas.openxmlformats.org/presentationml/2006/main">
   <p:cSld>
     <p:spTree>
@@ -17617,13 +17989,13 @@
           <p:nvPr>
             <p:extLst>
               <p:ext uri="{D42A27DB-BD31-4B8C-83A1-F6EECF244321}">
-                <p14:modId xmlns:p14="http://schemas.microsoft.com/office/powerpoint/2010/main" val="3726940592"/>
+                <p14:modId xmlns:p14="http://schemas.microsoft.com/office/powerpoint/2010/main" val="3330537151"/>
               </p:ext>
             </p:extLst>
           </p:nvPr>
         </p:nvGraphicFramePr>
         <p:xfrm>
-          <a:off x="6255173" y="1560022"/>
+          <a:off x="6385803" y="1560022"/>
           <a:ext cx="4483339" cy="4909358"/>
         </p:xfrm>
         <a:graphic>
@@ -17645,7 +18017,7 @@
 </p:sld>
 </file>
 
-<file path=ppt/slides/slide6.xml><?xml version="1.0" encoding="utf-8"?>
+<file path=ppt/slides/slide7.xml><?xml version="1.0" encoding="utf-8"?>
 <p:sld xmlns:a="http://schemas.openxmlformats.org/drawingml/2006/main" xmlns:r="http://schemas.openxmlformats.org/officeDocument/2006/relationships" xmlns:p="http://schemas.openxmlformats.org/presentationml/2006/main">
   <p:cSld>
     <p:spTree>
@@ -17732,7 +18104,7 @@
 </p:sld>
 </file>
 
-<file path=ppt/slides/slide7.xml><?xml version="1.0" encoding="utf-8"?>
+<file path=ppt/slides/slide8.xml><?xml version="1.0" encoding="utf-8"?>
 <p:sld xmlns:a="http://schemas.openxmlformats.org/drawingml/2006/main" xmlns:r="http://schemas.openxmlformats.org/officeDocument/2006/relationships" xmlns:p="http://schemas.openxmlformats.org/presentationml/2006/main">
   <p:cSld>
     <p:spTree>
@@ -17814,129 +18186,6 @@
     <p:extLst>
       <p:ext uri="{BB962C8B-B14F-4D97-AF65-F5344CB8AC3E}">
         <p14:creationId xmlns:p14="http://schemas.microsoft.com/office/powerpoint/2010/main" val="4032568269"/>
-      </p:ext>
-    </p:extLst>
-  </p:cSld>
-  <p:clrMapOvr>
-    <a:masterClrMapping/>
-  </p:clrMapOvr>
-</p:sld>
-</file>
-
-<file path=ppt/slides/slide8.xml><?xml version="1.0" encoding="utf-8"?>
-<p:sld xmlns:a="http://schemas.openxmlformats.org/drawingml/2006/main" xmlns:r="http://schemas.openxmlformats.org/officeDocument/2006/relationships" xmlns:p="http://schemas.openxmlformats.org/presentationml/2006/main">
-  <p:cSld>
-    <p:spTree>
-      <p:nvGrpSpPr>
-        <p:cNvPr id="1" name=""/>
-        <p:cNvGrpSpPr/>
-        <p:nvPr/>
-      </p:nvGrpSpPr>
-      <p:grpSpPr>
-        <a:xfrm>
-          <a:off x="0" y="0"/>
-          <a:ext cx="0" cy="0"/>
-          <a:chOff x="0" y="0"/>
-          <a:chExt cx="0" cy="0"/>
-        </a:xfrm>
-      </p:grpSpPr>
-      <p:sp>
-        <p:nvSpPr>
-          <p:cNvPr id="2" name="Title 1"/>
-          <p:cNvSpPr>
-            <a:spLocks noGrp="1"/>
-          </p:cNvSpPr>
-          <p:nvPr>
-            <p:ph type="title"/>
-          </p:nvPr>
-        </p:nvSpPr>
-        <p:spPr/>
-        <p:txBody>
-          <a:bodyPr/>
-          <a:lstStyle/>
-          <a:p>
-            <a:r>
-              <a:rPr lang="en-US" dirty="0"/>
-              <a:t>Online Data Collection Strategy</a:t>
-            </a:r>
-          </a:p>
-        </p:txBody>
-      </p:sp>
-      <p:sp>
-        <p:nvSpPr>
-          <p:cNvPr id="3" name="Content Placeholder 2"/>
-          <p:cNvSpPr>
-            <a:spLocks noGrp="1"/>
-          </p:cNvSpPr>
-          <p:nvPr>
-            <p:ph idx="1"/>
-          </p:nvPr>
-        </p:nvSpPr>
-        <p:spPr>
-          <a:xfrm>
-            <a:off x="677334" y="1529542"/>
-            <a:ext cx="8596668" cy="4688378"/>
-          </a:xfrm>
-        </p:spPr>
-        <p:txBody>
-          <a:bodyPr>
-            <a:normAutofit/>
-          </a:bodyPr>
-          <a:lstStyle/>
-          <a:p>
-            <a:r>
-              <a:rPr lang="en-US" dirty="0"/>
-              <a:t>SQL Server Instance Available</a:t>
-            </a:r>
-          </a:p>
-          <a:p>
-            <a:pPr lvl="1"/>
-            <a:r>
-              <a:rPr lang="en-US" dirty="0"/>
-              <a:t>How did the program check if the server was available?</a:t>
-            </a:r>
-          </a:p>
-          <a:p>
-            <a:pPr lvl="1"/>
-            <a:r>
-              <a:rPr lang="en-US" dirty="0"/>
-              <a:t>How did the data transfer?</a:t>
-            </a:r>
-          </a:p>
-          <a:p>
-            <a:pPr lvl="1"/>
-            <a:r>
-              <a:rPr lang="en-US" dirty="0"/>
-              <a:t>Was local data purged after sync? Why or Why Not?</a:t>
-            </a:r>
-          </a:p>
-          <a:p>
-            <a:pPr lvl="1"/>
-            <a:r>
-              <a:rPr lang="en-US" dirty="0"/>
-              <a:t>How did you verify no data loss?</a:t>
-            </a:r>
-          </a:p>
-          <a:p>
-            <a:pPr lvl="1"/>
-            <a:r>
-              <a:rPr lang="en-US" dirty="0"/>
-              <a:t>If the connection was lost during a sync, did the program recover? Was data lost?</a:t>
-            </a:r>
-          </a:p>
-          <a:p>
-            <a:pPr lvl="1"/>
-            <a:r>
-              <a:rPr lang="en-US" dirty="0"/>
-              <a:t>Etc.</a:t>
-            </a:r>
-          </a:p>
-        </p:txBody>
-      </p:sp>
-    </p:spTree>
-    <p:extLst>
-      <p:ext uri="{BB962C8B-B14F-4D97-AF65-F5344CB8AC3E}">
-        <p14:creationId xmlns:p14="http://schemas.microsoft.com/office/powerpoint/2010/main" val="4273668292"/>
       </p:ext>
     </p:extLst>
   </p:cSld>

--- a/iot-data-collection.pptx
+++ b/iot-data-collection.pptx
@@ -10430,7 +10430,7 @@
             <a:fld id="{B61BEF0D-F0BB-DE4B-95CE-6DB70DBA9567}" type="datetimeFigureOut">
               <a:rPr lang="en-US" smtClean="0"/>
               <a:pPr/>
-              <a:t>3/4/2023</a:t>
+              <a:t>3/5/2023</a:t>
             </a:fld>
             <a:endParaRPr lang="en-US" dirty="0"/>
           </a:p>
@@ -10719,7 +10719,7 @@
             <a:fld id="{B61BEF0D-F0BB-DE4B-95CE-6DB70DBA9567}" type="datetimeFigureOut">
               <a:rPr lang="en-US" smtClean="0"/>
               <a:pPr/>
-              <a:t>3/4/2023</a:t>
+              <a:t>3/5/2023</a:t>
             </a:fld>
             <a:endParaRPr lang="en-US" dirty="0"/>
           </a:p>
@@ -10913,7 +10913,7 @@
             <a:fld id="{B61BEF0D-F0BB-DE4B-95CE-6DB70DBA9567}" type="datetimeFigureOut">
               <a:rPr lang="en-US" smtClean="0"/>
               <a:pPr/>
-              <a:t>3/4/2023</a:t>
+              <a:t>3/5/2023</a:t>
             </a:fld>
             <a:endParaRPr lang="en-US" dirty="0"/>
           </a:p>
@@ -11176,7 +11176,7 @@
             <a:fld id="{B61BEF0D-F0BB-DE4B-95CE-6DB70DBA9567}" type="datetimeFigureOut">
               <a:rPr lang="en-US" smtClean="0"/>
               <a:pPr/>
-              <a:t>3/4/2023</a:t>
+              <a:t>3/5/2023</a:t>
             </a:fld>
             <a:endParaRPr lang="en-US" dirty="0"/>
           </a:p>
@@ -11602,7 +11602,7 @@
             <a:fld id="{B61BEF0D-F0BB-DE4B-95CE-6DB70DBA9567}" type="datetimeFigureOut">
               <a:rPr lang="en-US" smtClean="0"/>
               <a:pPr/>
-              <a:t>3/4/2023</a:t>
+              <a:t>3/5/2023</a:t>
             </a:fld>
             <a:endParaRPr lang="en-US" dirty="0"/>
           </a:p>
@@ -12150,7 +12150,7 @@
             <a:fld id="{B61BEF0D-F0BB-DE4B-95CE-6DB70DBA9567}" type="datetimeFigureOut">
               <a:rPr lang="en-US" smtClean="0"/>
               <a:pPr/>
-              <a:t>3/4/2023</a:t>
+              <a:t>3/5/2023</a:t>
             </a:fld>
             <a:endParaRPr lang="en-US" dirty="0"/>
           </a:p>
@@ -12992,7 +12992,7 @@
             <a:fld id="{B61BEF0D-F0BB-DE4B-95CE-6DB70DBA9567}" type="datetimeFigureOut">
               <a:rPr lang="en-US" smtClean="0"/>
               <a:pPr/>
-              <a:t>3/4/2023</a:t>
+              <a:t>3/5/2023</a:t>
             </a:fld>
             <a:endParaRPr lang="en-US" dirty="0"/>
           </a:p>
@@ -13163,7 +13163,7 @@
           <a:p>
             <a:fld id="{55C6B4A9-1611-4792-9094-5F34BCA07E0B}" type="datetimeFigureOut">
               <a:rPr lang="en-US" smtClean="0"/>
-              <a:t>3/4/2023</a:t>
+              <a:t>3/5/2023</a:t>
             </a:fld>
             <a:endParaRPr lang="en-US" dirty="0"/>
           </a:p>
@@ -13348,7 +13348,7 @@
             <a:fld id="{B61BEF0D-F0BB-DE4B-95CE-6DB70DBA9567}" type="datetimeFigureOut">
               <a:rPr lang="en-US" smtClean="0"/>
               <a:pPr/>
-              <a:t>3/4/2023</a:t>
+              <a:t>3/5/2023</a:t>
             </a:fld>
             <a:endParaRPr lang="en-US" dirty="0"/>
           </a:p>
@@ -13520,7 +13520,7 @@
             <a:fld id="{B61BEF0D-F0BB-DE4B-95CE-6DB70DBA9567}" type="datetimeFigureOut">
               <a:rPr lang="en-US" smtClean="0"/>
               <a:pPr/>
-              <a:t>3/4/2023</a:t>
+              <a:t>3/5/2023</a:t>
             </a:fld>
             <a:endParaRPr lang="en-US" dirty="0"/>
           </a:p>
@@ -13770,7 +13770,7 @@
             <a:fld id="{B61BEF0D-F0BB-DE4B-95CE-6DB70DBA9567}" type="datetimeFigureOut">
               <a:rPr lang="en-US" smtClean="0"/>
               <a:pPr/>
-              <a:t>3/4/2023</a:t>
+              <a:t>3/5/2023</a:t>
             </a:fld>
             <a:endParaRPr lang="en-US" dirty="0"/>
           </a:p>
@@ -14008,7 +14008,7 @@
           <a:p>
             <a:fld id="{EB712588-04B1-427B-82EE-E8DB90309F08}" type="datetimeFigureOut">
               <a:rPr lang="en-US" smtClean="0"/>
-              <a:t>3/4/2023</a:t>
+              <a:t>3/5/2023</a:t>
             </a:fld>
             <a:endParaRPr lang="en-US" dirty="0"/>
           </a:p>
@@ -14382,7 +14382,7 @@
             <a:fld id="{B61BEF0D-F0BB-DE4B-95CE-6DB70DBA9567}" type="datetimeFigureOut">
               <a:rPr lang="en-US" smtClean="0"/>
               <a:pPr/>
-              <a:t>3/4/2023</a:t>
+              <a:t>3/5/2023</a:t>
             </a:fld>
             <a:endParaRPr lang="en-US" dirty="0"/>
           </a:p>
@@ -14502,7 +14502,7 @@
             <a:fld id="{B61BEF0D-F0BB-DE4B-95CE-6DB70DBA9567}" type="datetimeFigureOut">
               <a:rPr lang="en-US" smtClean="0"/>
               <a:pPr/>
-              <a:t>3/4/2023</a:t>
+              <a:t>3/5/2023</a:t>
             </a:fld>
             <a:endParaRPr lang="en-US" dirty="0"/>
           </a:p>
@@ -14599,7 +14599,7 @@
             <a:fld id="{B61BEF0D-F0BB-DE4B-95CE-6DB70DBA9567}" type="datetimeFigureOut">
               <a:rPr lang="en-US" smtClean="0"/>
               <a:pPr/>
-              <a:t>3/4/2023</a:t>
+              <a:t>3/5/2023</a:t>
             </a:fld>
             <a:endParaRPr lang="en-US" dirty="0"/>
           </a:p>
@@ -14851,7 +14851,7 @@
           <a:p>
             <a:fld id="{42A54C80-263E-416B-A8E0-580EDEADCBDC}" type="datetimeFigureOut">
               <a:rPr lang="en-US" smtClean="0"/>
-              <a:t>3/4/2023</a:t>
+              <a:t>3/5/2023</a:t>
             </a:fld>
             <a:endParaRPr lang="en-US" dirty="0"/>
           </a:p>
@@ -15139,7 +15139,7 @@
             <a:fld id="{B61BEF0D-F0BB-DE4B-95CE-6DB70DBA9567}" type="datetimeFigureOut">
               <a:rPr lang="en-US" smtClean="0"/>
               <a:pPr/>
-              <a:t>3/4/2023</a:t>
+              <a:t>3/5/2023</a:t>
             </a:fld>
             <a:endParaRPr lang="en-US" dirty="0"/>
           </a:p>
@@ -15365,7 +15365,7 @@
             <a:fld id="{B61BEF0D-F0BB-DE4B-95CE-6DB70DBA9567}" type="datetimeFigureOut">
               <a:rPr lang="en-US" smtClean="0"/>
               <a:pPr/>
-              <a:t>3/4/2023</a:t>
+              <a:t>3/5/2023</a:t>
             </a:fld>
             <a:endParaRPr lang="en-US" dirty="0"/>
           </a:p>
@@ -16002,8 +16002,8 @@
           </a:prstGeom>
         </p:spPr>
       </p:pic>
-      <mc:AlternateContent xmlns:mc="http://schemas.openxmlformats.org/markup-compatibility/2006">
-        <mc:Choice xmlns:p14="http://schemas.microsoft.com/office/powerpoint/2010/main" Requires="p14">
+      <mc:AlternateContent xmlns:mc="http://schemas.openxmlformats.org/markup-compatibility/2006" xmlns:p14="http://schemas.microsoft.com/office/powerpoint/2010/main">
+        <mc:Choice Requires="p14">
           <p:contentPart p14:bwMode="auto" r:id="rId6">
             <p14:nvContentPartPr>
               <p14:cNvPr id="17" name="Ink 16">
@@ -16022,7 +16022,7 @@
             </p14:xfrm>
           </p:contentPart>
         </mc:Choice>
-        <mc:Fallback>
+        <mc:Fallback xmlns="">
           <p:pic>
             <p:nvPicPr>
               <p:cNvPr id="17" name="Ink 16">
@@ -16053,8 +16053,8 @@
           </p:pic>
         </mc:Fallback>
       </mc:AlternateContent>
-      <mc:AlternateContent xmlns:mc="http://schemas.openxmlformats.org/markup-compatibility/2006">
-        <mc:Choice xmlns:p14="http://schemas.microsoft.com/office/powerpoint/2010/main" Requires="p14">
+      <mc:AlternateContent xmlns:mc="http://schemas.openxmlformats.org/markup-compatibility/2006" xmlns:p14="http://schemas.microsoft.com/office/powerpoint/2010/main">
+        <mc:Choice Requires="p14">
           <p:contentPart p14:bwMode="auto" r:id="rId8">
             <p14:nvContentPartPr>
               <p14:cNvPr id="19" name="Ink 18">
@@ -16073,7 +16073,7 @@
             </p14:xfrm>
           </p:contentPart>
         </mc:Choice>
-        <mc:Fallback>
+        <mc:Fallback xmlns="">
           <p:pic>
             <p:nvPicPr>
               <p:cNvPr id="19" name="Ink 18">
@@ -16104,8 +16104,8 @@
           </p:pic>
         </mc:Fallback>
       </mc:AlternateContent>
-      <mc:AlternateContent xmlns:mc="http://schemas.openxmlformats.org/markup-compatibility/2006">
-        <mc:Choice xmlns:p14="http://schemas.microsoft.com/office/powerpoint/2010/main" Requires="p14">
+      <mc:AlternateContent xmlns:mc="http://schemas.openxmlformats.org/markup-compatibility/2006" xmlns:p14="http://schemas.microsoft.com/office/powerpoint/2010/main">
+        <mc:Choice Requires="p14">
           <p:contentPart p14:bwMode="auto" r:id="rId10">
             <p14:nvContentPartPr>
               <p14:cNvPr id="20" name="Ink 19">
@@ -16124,7 +16124,7 @@
             </p14:xfrm>
           </p:contentPart>
         </mc:Choice>
-        <mc:Fallback>
+        <mc:Fallback xmlns="">
           <p:pic>
             <p:nvPicPr>
               <p:cNvPr id="20" name="Ink 19">
@@ -16175,8 +16175,8 @@
             <a:chExt cx="65520" cy="86040"/>
           </a:xfrm>
         </p:grpSpPr>
-        <mc:AlternateContent xmlns:mc="http://schemas.openxmlformats.org/markup-compatibility/2006">
-          <mc:Choice xmlns:p14="http://schemas.microsoft.com/office/powerpoint/2010/main" Requires="p14">
+        <mc:AlternateContent xmlns:mc="http://schemas.openxmlformats.org/markup-compatibility/2006" xmlns:p14="http://schemas.microsoft.com/office/powerpoint/2010/main">
+          <mc:Choice Requires="p14">
             <p:contentPart p14:bwMode="auto" r:id="rId12">
               <p14:nvContentPartPr>
                 <p14:cNvPr id="22" name="Ink 21">
@@ -16195,7 +16195,7 @@
               </p14:xfrm>
             </p:contentPart>
           </mc:Choice>
-          <mc:Fallback>
+          <mc:Fallback xmlns="">
             <p:pic>
               <p:nvPicPr>
                 <p:cNvPr id="22" name="Ink 21">
@@ -16226,8 +16226,8 @@
             </p:pic>
           </mc:Fallback>
         </mc:AlternateContent>
-        <mc:AlternateContent xmlns:mc="http://schemas.openxmlformats.org/markup-compatibility/2006">
-          <mc:Choice xmlns:p14="http://schemas.microsoft.com/office/powerpoint/2010/main" Requires="p14">
+        <mc:AlternateContent xmlns:mc="http://schemas.openxmlformats.org/markup-compatibility/2006" xmlns:p14="http://schemas.microsoft.com/office/powerpoint/2010/main">
+          <mc:Choice Requires="p14">
             <p:contentPart p14:bwMode="auto" r:id="rId14">
               <p14:nvContentPartPr>
                 <p14:cNvPr id="23" name="Ink 22">
@@ -16246,7 +16246,7 @@
               </p14:xfrm>
             </p:contentPart>
           </mc:Choice>
-          <mc:Fallback>
+          <mc:Fallback xmlns="">
             <p:pic>
               <p:nvPicPr>
                 <p:cNvPr id="23" name="Ink 22">
@@ -18247,12 +18247,12 @@
         <p:spPr>
           <a:xfrm>
             <a:off x="677334" y="1529542"/>
-            <a:ext cx="8596668" cy="5328458"/>
+            <a:ext cx="10693572" cy="5328458"/>
           </a:xfrm>
         </p:spPr>
         <p:txBody>
           <a:bodyPr>
-            <a:normAutofit lnSpcReduction="10000"/>
+            <a:normAutofit/>
           </a:bodyPr>
           <a:lstStyle/>
           <a:p>
@@ -18299,27 +18299,34 @@
             <a:pPr lvl="1"/>
             <a:r>
               <a:rPr lang="en-US" dirty="0"/>
-              <a:t>Prathikson worked on the Random Data generation and saving it to the offline database. And Russ synced it to the SQL Server by the background service Russ Created.</a:t>
+              <a:t>Prathikson worked on the data generation and saving it to the offline data collection process.</a:t>
             </a:r>
           </a:p>
           <a:p>
             <a:pPr lvl="1"/>
             <a:r>
               <a:rPr lang="en-US" dirty="0"/>
-              <a:t>Prathikson Build the Power BI dashboard for the database.</a:t>
+              <a:t>Russ implemented synchronization logic within the background </a:t>
             </a:r>
+            <a:r>
+              <a:rPr lang="en-US"/>
+              <a:t>service application.</a:t>
+            </a:r>
+            <a:endParaRPr lang="en-US" dirty="0"/>
           </a:p>
           <a:p>
             <a:pPr lvl="1"/>
             <a:r>
               <a:rPr lang="en-US" dirty="0"/>
-              <a:t>Russ Worked On </a:t>
+              <a:t>Prathikson built the Power BI dashboard for the database.</a:t>
             </a:r>
+          </a:p>
+          <a:p>
+            <a:pPr lvl="1"/>
             <a:r>
-              <a:rPr lang="en-US"/>
-              <a:t>the PowerPoint. </a:t>
+              <a:rPr lang="en-US" dirty="0"/>
+              <a:t>Russ worked on the PowerPoint. </a:t>
             </a:r>
-            <a:endParaRPr lang="en-US" dirty="0"/>
           </a:p>
           <a:p>
             <a:pPr lvl="1"/>
